--- a/Powerpoints/Final Presentation/Waste-management-Frank.pptx
+++ b/Powerpoints/Final Presentation/Waste-management-Frank.pptx
@@ -7,9 +7,12 @@
   <p:sldIdLst>
     <p:sldId id="343" r:id="rId5"/>
     <p:sldId id="353" r:id="rId6"/>
-    <p:sldId id="362" r:id="rId7"/>
-    <p:sldId id="361" r:id="rId8"/>
-    <p:sldId id="363" r:id="rId9"/>
+    <p:sldId id="370" r:id="rId7"/>
+    <p:sldId id="362" r:id="rId8"/>
+    <p:sldId id="361" r:id="rId9"/>
+    <p:sldId id="363" r:id="rId10"/>
+    <p:sldId id="367" r:id="rId11"/>
+    <p:sldId id="366" r:id="rId12"/>
   </p:sldIdLst>
   <p:sldSz cx="12192000" cy="6858000"/>
   <p:notesSz cx="6858000" cy="9144000"/>
@@ -115,13 +118,24 @@
           <p14:sldIdLst>
             <p14:sldId id="343"/>
             <p14:sldId id="353"/>
+            <p14:sldId id="370"/>
             <p14:sldId id="362"/>
           </p14:sldIdLst>
         </p14:section>
         <p14:section name="Dummy Sensors" id="{1769D9B9-C723-44F8-8BDD-03C8A01D1E43}">
           <p14:sldIdLst>
             <p14:sldId id="361"/>
+          </p14:sldIdLst>
+        </p14:section>
+        <p14:section name="Regression" id="{68F7E8DB-205A-46A5-AED1-086AB0430513}">
+          <p14:sldIdLst>
             <p14:sldId id="363"/>
+          </p14:sldIdLst>
+        </p14:section>
+        <p14:section name="User Experience" id="{356831ED-118D-4100-B989-4205D3C73D06}">
+          <p14:sldIdLst>
+            <p14:sldId id="367"/>
+            <p14:sldId id="366"/>
           </p14:sldIdLst>
         </p14:section>
       </p14:sectionLst>
@@ -131,6 +145,6304 @@
     </p:ext>
   </p:extLst>
 </p:presentation>
+</file>
+
+<file path=ppt/diagrams/colors1.xml><?xml version="1.0" encoding="utf-8"?>
+<dgm:colorsDef xmlns:dgm="http://schemas.openxmlformats.org/drawingml/2006/diagram" xmlns:a="http://schemas.openxmlformats.org/drawingml/2006/main" uniqueId="urn:microsoft.com/office/officeart/2018/5/colors/Iconchunking_neutralicontext_colorful1">
+  <dgm:title val=""/>
+  <dgm:desc val=""/>
+  <dgm:catLst>
+    <dgm:cat type="colorful" pri="10100"/>
+  </dgm:catLst>
+  <dgm:styleLbl name="node0">
+    <dgm:fillClrLst meth="repeat">
+      <a:schemeClr val="accent1"/>
+    </dgm:fillClrLst>
+    <dgm:linClrLst meth="repeat">
+      <a:schemeClr val="lt1"/>
+    </dgm:linClrLst>
+    <dgm:effectClrLst/>
+    <dgm:txLinClrLst/>
+    <dgm:txFillClrLst/>
+    <dgm:txEffectClrLst/>
+  </dgm:styleLbl>
+  <dgm:styleLbl name="node1">
+    <dgm:fillClrLst meth="repeat">
+      <a:schemeClr val="bg1"/>
+    </dgm:fillClrLst>
+    <dgm:linClrLst meth="repeat">
+      <a:schemeClr val="lt1">
+        <a:alpha val="0"/>
+      </a:schemeClr>
+    </dgm:linClrLst>
+    <dgm:effectClrLst/>
+    <dgm:txLinClrLst/>
+    <dgm:txFillClrLst meth="repeat">
+      <a:schemeClr val="dk1"/>
+    </dgm:txFillClrLst>
+    <dgm:txEffectClrLst/>
+  </dgm:styleLbl>
+  <dgm:styleLbl name="alignNode1">
+    <dgm:fillClrLst meth="repeat">
+      <a:schemeClr val="accent2"/>
+      <a:schemeClr val="accent3"/>
+      <a:schemeClr val="accent4"/>
+      <a:schemeClr val="accent5"/>
+      <a:schemeClr val="accent6"/>
+    </dgm:fillClrLst>
+    <dgm:linClrLst meth="repeat">
+      <a:schemeClr val="accent2"/>
+      <a:schemeClr val="accent3"/>
+      <a:schemeClr val="accent4"/>
+      <a:schemeClr val="accent5"/>
+      <a:schemeClr val="accent6"/>
+    </dgm:linClrLst>
+    <dgm:effectClrLst/>
+    <dgm:txLinClrLst/>
+    <dgm:txFillClrLst/>
+    <dgm:txEffectClrLst/>
+  </dgm:styleLbl>
+  <dgm:styleLbl name="lnNode1">
+    <dgm:fillClrLst meth="repeat">
+      <a:schemeClr val="accent2"/>
+      <a:schemeClr val="accent3"/>
+      <a:schemeClr val="accent4"/>
+      <a:schemeClr val="accent5"/>
+      <a:schemeClr val="accent6"/>
+    </dgm:fillClrLst>
+    <dgm:linClrLst meth="repeat">
+      <a:schemeClr val="lt1"/>
+    </dgm:linClrLst>
+    <dgm:effectClrLst/>
+    <dgm:txLinClrLst/>
+    <dgm:txFillClrLst/>
+    <dgm:txEffectClrLst/>
+  </dgm:styleLbl>
+  <dgm:styleLbl name="vennNode1">
+    <dgm:fillClrLst meth="repeat">
+      <a:schemeClr val="accent2">
+        <a:alpha val="50000"/>
+      </a:schemeClr>
+      <a:schemeClr val="accent3">
+        <a:alpha val="50000"/>
+      </a:schemeClr>
+      <a:schemeClr val="accent4">
+        <a:alpha val="50000"/>
+      </a:schemeClr>
+      <a:schemeClr val="accent5">
+        <a:alpha val="50000"/>
+      </a:schemeClr>
+      <a:schemeClr val="accent6">
+        <a:alpha val="50000"/>
+      </a:schemeClr>
+    </dgm:fillClrLst>
+    <dgm:linClrLst meth="repeat">
+      <a:schemeClr val="lt1"/>
+    </dgm:linClrLst>
+    <dgm:effectClrLst/>
+    <dgm:txLinClrLst/>
+    <dgm:txFillClrLst/>
+    <dgm:txEffectClrLst/>
+  </dgm:styleLbl>
+  <dgm:styleLbl name="node2">
+    <dgm:fillClrLst>
+      <a:schemeClr val="accent2"/>
+    </dgm:fillClrLst>
+    <dgm:linClrLst meth="repeat">
+      <a:schemeClr val="lt1"/>
+    </dgm:linClrLst>
+    <dgm:effectClrLst/>
+    <dgm:txLinClrLst/>
+    <dgm:txFillClrLst/>
+    <dgm:txEffectClrLst/>
+  </dgm:styleLbl>
+  <dgm:styleLbl name="node3">
+    <dgm:fillClrLst>
+      <a:schemeClr val="accent3"/>
+    </dgm:fillClrLst>
+    <dgm:linClrLst meth="repeat">
+      <a:schemeClr val="lt1"/>
+    </dgm:linClrLst>
+    <dgm:effectClrLst/>
+    <dgm:txLinClrLst/>
+    <dgm:txFillClrLst/>
+    <dgm:txEffectClrLst/>
+  </dgm:styleLbl>
+  <dgm:styleLbl name="node4">
+    <dgm:fillClrLst>
+      <a:schemeClr val="accent4"/>
+    </dgm:fillClrLst>
+    <dgm:linClrLst meth="repeat">
+      <a:schemeClr val="lt1"/>
+    </dgm:linClrLst>
+    <dgm:effectClrLst/>
+    <dgm:txLinClrLst/>
+    <dgm:txFillClrLst/>
+    <dgm:txEffectClrLst/>
+  </dgm:styleLbl>
+  <dgm:styleLbl name="fgImgPlace1">
+    <dgm:fillClrLst meth="repeat">
+      <a:schemeClr val="accent2">
+        <a:tint val="50000"/>
+      </a:schemeClr>
+      <a:schemeClr val="accent3">
+        <a:tint val="50000"/>
+      </a:schemeClr>
+      <a:schemeClr val="accent4">
+        <a:tint val="50000"/>
+      </a:schemeClr>
+      <a:schemeClr val="accent5">
+        <a:tint val="50000"/>
+      </a:schemeClr>
+      <a:schemeClr val="accent6">
+        <a:tint val="50000"/>
+      </a:schemeClr>
+    </dgm:fillClrLst>
+    <dgm:linClrLst meth="repeat">
+      <a:schemeClr val="lt1"/>
+    </dgm:linClrLst>
+    <dgm:effectClrLst/>
+    <dgm:txLinClrLst/>
+    <dgm:txFillClrLst meth="repeat">
+      <a:schemeClr val="lt1"/>
+    </dgm:txFillClrLst>
+    <dgm:txEffectClrLst/>
+  </dgm:styleLbl>
+  <dgm:styleLbl name="alignImgPlace1">
+    <dgm:fillClrLst>
+      <a:schemeClr val="accent1">
+        <a:tint val="50000"/>
+      </a:schemeClr>
+      <a:schemeClr val="accent2">
+        <a:tint val="20000"/>
+      </a:schemeClr>
+    </dgm:fillClrLst>
+    <dgm:linClrLst meth="repeat">
+      <a:schemeClr val="lt1"/>
+    </dgm:linClrLst>
+    <dgm:effectClrLst/>
+    <dgm:txLinClrLst/>
+    <dgm:txFillClrLst meth="repeat">
+      <a:schemeClr val="lt1"/>
+    </dgm:txFillClrLst>
+    <dgm:txEffectClrLst/>
+  </dgm:styleLbl>
+  <dgm:styleLbl name="bgImgPlace1">
+    <dgm:fillClrLst>
+      <a:schemeClr val="accent1">
+        <a:tint val="50000"/>
+      </a:schemeClr>
+      <a:schemeClr val="accent2">
+        <a:tint val="20000"/>
+      </a:schemeClr>
+    </dgm:fillClrLst>
+    <dgm:linClrLst meth="repeat">
+      <a:schemeClr val="lt1"/>
+    </dgm:linClrLst>
+    <dgm:effectClrLst/>
+    <dgm:txLinClrLst/>
+    <dgm:txFillClrLst meth="repeat">
+      <a:schemeClr val="lt1"/>
+    </dgm:txFillClrLst>
+    <dgm:txEffectClrLst/>
+  </dgm:styleLbl>
+  <dgm:styleLbl name="sibTrans2D1">
+    <dgm:fillClrLst meth="repeat">
+      <a:schemeClr val="accent2"/>
+      <a:schemeClr val="accent3"/>
+      <a:schemeClr val="accent4"/>
+      <a:schemeClr val="accent5"/>
+      <a:schemeClr val="accent6"/>
+    </dgm:fillClrLst>
+    <dgm:linClrLst meth="cycle">
+      <a:schemeClr val="lt1"/>
+    </dgm:linClrLst>
+    <dgm:effectClrLst/>
+    <dgm:txLinClrLst/>
+    <dgm:txFillClrLst/>
+    <dgm:txEffectClrLst/>
+  </dgm:styleLbl>
+  <dgm:styleLbl name="fgSibTrans2D1">
+    <dgm:fillClrLst meth="repeat">
+      <a:schemeClr val="accent2"/>
+      <a:schemeClr val="accent3"/>
+      <a:schemeClr val="accent4"/>
+      <a:schemeClr val="accent5"/>
+      <a:schemeClr val="accent6"/>
+    </dgm:fillClrLst>
+    <dgm:linClrLst meth="cycle">
+      <a:schemeClr val="lt1"/>
+    </dgm:linClrLst>
+    <dgm:effectClrLst/>
+    <dgm:txLinClrLst/>
+    <dgm:txFillClrLst meth="repeat">
+      <a:schemeClr val="lt1"/>
+    </dgm:txFillClrLst>
+    <dgm:txEffectClrLst/>
+  </dgm:styleLbl>
+  <dgm:styleLbl name="bgSibTrans2D1">
+    <dgm:fillClrLst meth="repeat">
+      <a:schemeClr val="accent2"/>
+      <a:schemeClr val="accent3"/>
+      <a:schemeClr val="accent4"/>
+      <a:schemeClr val="accent5"/>
+      <a:schemeClr val="accent6"/>
+    </dgm:fillClrLst>
+    <dgm:linClrLst meth="cycle">
+      <a:schemeClr val="lt1"/>
+    </dgm:linClrLst>
+    <dgm:effectClrLst/>
+    <dgm:txLinClrLst/>
+    <dgm:txFillClrLst meth="repeat">
+      <a:schemeClr val="lt1"/>
+    </dgm:txFillClrLst>
+    <dgm:txEffectClrLst/>
+  </dgm:styleLbl>
+  <dgm:styleLbl name="sibTrans1D1">
+    <dgm:fillClrLst meth="repeat">
+      <a:schemeClr val="accent2"/>
+      <a:schemeClr val="accent3"/>
+      <a:schemeClr val="accent4"/>
+      <a:schemeClr val="accent5"/>
+      <a:schemeClr val="accent6"/>
+    </dgm:fillClrLst>
+    <dgm:linClrLst meth="repeat">
+      <a:schemeClr val="accent2"/>
+      <a:schemeClr val="accent3"/>
+      <a:schemeClr val="accent4"/>
+      <a:schemeClr val="accent5"/>
+      <a:schemeClr val="accent6"/>
+    </dgm:linClrLst>
+    <dgm:effectClrLst/>
+    <dgm:txLinClrLst/>
+    <dgm:txFillClrLst meth="repeat">
+      <a:schemeClr val="tx1"/>
+    </dgm:txFillClrLst>
+    <dgm:txEffectClrLst/>
+  </dgm:styleLbl>
+  <dgm:styleLbl name="callout">
+    <dgm:fillClrLst meth="repeat">
+      <a:schemeClr val="accent2"/>
+    </dgm:fillClrLst>
+    <dgm:linClrLst meth="repeat">
+      <a:schemeClr val="accent2">
+        <a:tint val="50000"/>
+      </a:schemeClr>
+    </dgm:linClrLst>
+    <dgm:effectClrLst/>
+    <dgm:txLinClrLst/>
+    <dgm:txFillClrLst meth="repeat">
+      <a:schemeClr val="tx1"/>
+    </dgm:txFillClrLst>
+    <dgm:txEffectClrLst/>
+  </dgm:styleLbl>
+  <dgm:styleLbl name="asst0">
+    <dgm:fillClrLst meth="repeat">
+      <a:schemeClr val="accent1"/>
+    </dgm:fillClrLst>
+    <dgm:linClrLst meth="repeat">
+      <a:schemeClr val="lt1"/>
+    </dgm:linClrLst>
+    <dgm:effectClrLst/>
+    <dgm:txLinClrLst/>
+    <dgm:txFillClrLst/>
+    <dgm:txEffectClrLst/>
+  </dgm:styleLbl>
+  <dgm:styleLbl name="asst1">
+    <dgm:fillClrLst meth="repeat">
+      <a:schemeClr val="accent2"/>
+    </dgm:fillClrLst>
+    <dgm:linClrLst meth="repeat">
+      <a:schemeClr val="lt1"/>
+    </dgm:linClrLst>
+    <dgm:effectClrLst/>
+    <dgm:txLinClrLst/>
+    <dgm:txFillClrLst/>
+    <dgm:txEffectClrLst/>
+  </dgm:styleLbl>
+  <dgm:styleLbl name="asst2">
+    <dgm:fillClrLst>
+      <a:schemeClr val="accent3"/>
+    </dgm:fillClrLst>
+    <dgm:linClrLst meth="repeat">
+      <a:schemeClr val="lt1"/>
+    </dgm:linClrLst>
+    <dgm:effectClrLst/>
+    <dgm:txLinClrLst/>
+    <dgm:txFillClrLst/>
+    <dgm:txEffectClrLst/>
+  </dgm:styleLbl>
+  <dgm:styleLbl name="asst3">
+    <dgm:fillClrLst>
+      <a:schemeClr val="accent4"/>
+    </dgm:fillClrLst>
+    <dgm:linClrLst meth="repeat">
+      <a:schemeClr val="lt1"/>
+    </dgm:linClrLst>
+    <dgm:effectClrLst/>
+    <dgm:txLinClrLst/>
+    <dgm:txFillClrLst/>
+    <dgm:txEffectClrLst/>
+  </dgm:styleLbl>
+  <dgm:styleLbl name="asst4">
+    <dgm:fillClrLst>
+      <a:schemeClr val="accent5"/>
+    </dgm:fillClrLst>
+    <dgm:linClrLst meth="repeat">
+      <a:schemeClr val="lt1"/>
+    </dgm:linClrLst>
+    <dgm:effectClrLst/>
+    <dgm:txLinClrLst/>
+    <dgm:txFillClrLst/>
+    <dgm:txEffectClrLst/>
+  </dgm:styleLbl>
+  <dgm:styleLbl name="parChTrans2D1">
+    <dgm:fillClrLst meth="repeat">
+      <a:schemeClr val="accent2"/>
+    </dgm:fillClrLst>
+    <dgm:linClrLst meth="repeat">
+      <a:schemeClr val="lt1"/>
+    </dgm:linClrLst>
+    <dgm:effectClrLst/>
+    <dgm:txLinClrLst/>
+    <dgm:txFillClrLst meth="repeat">
+      <a:schemeClr val="lt1"/>
+    </dgm:txFillClrLst>
+    <dgm:txEffectClrLst/>
+  </dgm:styleLbl>
+  <dgm:styleLbl name="parChTrans2D2">
+    <dgm:fillClrLst meth="repeat">
+      <a:schemeClr val="accent3"/>
+    </dgm:fillClrLst>
+    <dgm:linClrLst meth="repeat">
+      <a:schemeClr val="lt1"/>
+    </dgm:linClrLst>
+    <dgm:effectClrLst/>
+    <dgm:txLinClrLst/>
+    <dgm:txFillClrLst/>
+    <dgm:txEffectClrLst/>
+  </dgm:styleLbl>
+  <dgm:styleLbl name="parChTrans2D3">
+    <dgm:fillClrLst meth="repeat">
+      <a:schemeClr val="accent4"/>
+    </dgm:fillClrLst>
+    <dgm:linClrLst meth="repeat">
+      <a:schemeClr val="lt1"/>
+    </dgm:linClrLst>
+    <dgm:effectClrLst/>
+    <dgm:txLinClrLst/>
+    <dgm:txFillClrLst/>
+    <dgm:txEffectClrLst/>
+  </dgm:styleLbl>
+  <dgm:styleLbl name="parChTrans2D4">
+    <dgm:fillClrLst meth="repeat">
+      <a:schemeClr val="accent5"/>
+    </dgm:fillClrLst>
+    <dgm:linClrLst meth="repeat">
+      <a:schemeClr val="lt1"/>
+    </dgm:linClrLst>
+    <dgm:effectClrLst/>
+    <dgm:txLinClrLst/>
+    <dgm:txFillClrLst meth="repeat">
+      <a:schemeClr val="lt1"/>
+    </dgm:txFillClrLst>
+    <dgm:txEffectClrLst/>
+  </dgm:styleLbl>
+  <dgm:styleLbl name="parChTrans1D1">
+    <dgm:fillClrLst meth="repeat">
+      <a:schemeClr val="accent2"/>
+    </dgm:fillClrLst>
+    <dgm:linClrLst meth="repeat">
+      <a:schemeClr val="accent1"/>
+    </dgm:linClrLst>
+    <dgm:effectClrLst/>
+    <dgm:txLinClrLst/>
+    <dgm:txFillClrLst meth="repeat">
+      <a:schemeClr val="tx1"/>
+    </dgm:txFillClrLst>
+    <dgm:txEffectClrLst/>
+  </dgm:styleLbl>
+  <dgm:styleLbl name="parChTrans1D2">
+    <dgm:fillClrLst meth="repeat">
+      <a:schemeClr val="accent3">
+        <a:tint val="90000"/>
+      </a:schemeClr>
+    </dgm:fillClrLst>
+    <dgm:linClrLst meth="repeat">
+      <a:schemeClr val="accent2"/>
+    </dgm:linClrLst>
+    <dgm:effectClrLst/>
+    <dgm:txLinClrLst/>
+    <dgm:txFillClrLst meth="repeat">
+      <a:schemeClr val="tx1"/>
+    </dgm:txFillClrLst>
+    <dgm:txEffectClrLst/>
+  </dgm:styleLbl>
+  <dgm:styleLbl name="parChTrans1D3">
+    <dgm:fillClrLst meth="repeat">
+      <a:schemeClr val="accent4">
+        <a:tint val="70000"/>
+      </a:schemeClr>
+    </dgm:fillClrLst>
+    <dgm:linClrLst meth="repeat">
+      <a:schemeClr val="accent3"/>
+    </dgm:linClrLst>
+    <dgm:effectClrLst/>
+    <dgm:txLinClrLst/>
+    <dgm:txFillClrLst meth="repeat">
+      <a:schemeClr val="tx1"/>
+    </dgm:txFillClrLst>
+    <dgm:txEffectClrLst/>
+  </dgm:styleLbl>
+  <dgm:styleLbl name="parChTrans1D4">
+    <dgm:fillClrLst meth="repeat">
+      <a:schemeClr val="accent5">
+        <a:tint val="50000"/>
+      </a:schemeClr>
+    </dgm:fillClrLst>
+    <dgm:linClrLst meth="repeat">
+      <a:schemeClr val="accent4"/>
+    </dgm:linClrLst>
+    <dgm:effectClrLst/>
+    <dgm:txLinClrLst/>
+    <dgm:txFillClrLst meth="repeat">
+      <a:schemeClr val="tx1"/>
+    </dgm:txFillClrLst>
+    <dgm:txEffectClrLst/>
+  </dgm:styleLbl>
+  <dgm:styleLbl name="fgAcc1">
+    <dgm:fillClrLst meth="repeat">
+      <a:schemeClr val="lt1">
+        <a:alpha val="90000"/>
+      </a:schemeClr>
+    </dgm:fillClrLst>
+    <dgm:linClrLst meth="repeat">
+      <a:schemeClr val="accent2"/>
+      <a:schemeClr val="accent3"/>
+      <a:schemeClr val="accent4"/>
+      <a:schemeClr val="accent5"/>
+      <a:schemeClr val="accent6"/>
+    </dgm:linClrLst>
+    <dgm:effectClrLst/>
+    <dgm:txLinClrLst/>
+    <dgm:txFillClrLst meth="repeat">
+      <a:schemeClr val="dk1"/>
+    </dgm:txFillClrLst>
+    <dgm:txEffectClrLst/>
+  </dgm:styleLbl>
+  <dgm:styleLbl name="conFgAcc1">
+    <dgm:fillClrLst meth="repeat">
+      <a:schemeClr val="lt1">
+        <a:alpha val="90000"/>
+      </a:schemeClr>
+    </dgm:fillClrLst>
+    <dgm:linClrLst meth="repeat">
+      <a:schemeClr val="accent2"/>
+      <a:schemeClr val="accent3"/>
+      <a:schemeClr val="accent4"/>
+      <a:schemeClr val="accent5"/>
+      <a:schemeClr val="accent6"/>
+    </dgm:linClrLst>
+    <dgm:effectClrLst/>
+    <dgm:txLinClrLst/>
+    <dgm:txFillClrLst meth="repeat">
+      <a:schemeClr val="dk1"/>
+    </dgm:txFillClrLst>
+    <dgm:txEffectClrLst/>
+  </dgm:styleLbl>
+  <dgm:styleLbl name="alignAcc1">
+    <dgm:fillClrLst meth="repeat">
+      <a:schemeClr val="lt1">
+        <a:alpha val="90000"/>
+      </a:schemeClr>
+    </dgm:fillClrLst>
+    <dgm:linClrLst meth="repeat">
+      <a:schemeClr val="accent2"/>
+      <a:schemeClr val="accent3"/>
+      <a:schemeClr val="accent4"/>
+      <a:schemeClr val="accent5"/>
+      <a:schemeClr val="accent6"/>
+    </dgm:linClrLst>
+    <dgm:effectClrLst/>
+    <dgm:txLinClrLst/>
+    <dgm:txFillClrLst meth="repeat">
+      <a:schemeClr val="dk1"/>
+    </dgm:txFillClrLst>
+    <dgm:txEffectClrLst/>
+  </dgm:styleLbl>
+  <dgm:styleLbl name="trAlignAcc1">
+    <dgm:fillClrLst meth="repeat">
+      <a:schemeClr val="lt1">
+        <a:alpha val="40000"/>
+      </a:schemeClr>
+    </dgm:fillClrLst>
+    <dgm:linClrLst meth="repeat">
+      <a:schemeClr val="accent1"/>
+    </dgm:linClrLst>
+    <dgm:effectClrLst/>
+    <dgm:txLinClrLst/>
+    <dgm:txFillClrLst meth="repeat">
+      <a:schemeClr val="dk1"/>
+    </dgm:txFillClrLst>
+    <dgm:txEffectClrLst/>
+  </dgm:styleLbl>
+  <dgm:styleLbl name="bgAcc1">
+    <dgm:fillClrLst meth="repeat">
+      <a:schemeClr val="lt1">
+        <a:alpha val="90000"/>
+      </a:schemeClr>
+    </dgm:fillClrLst>
+    <dgm:linClrLst meth="repeat">
+      <a:schemeClr val="accent2"/>
+      <a:schemeClr val="accent3"/>
+      <a:schemeClr val="accent4"/>
+      <a:schemeClr val="accent5"/>
+      <a:schemeClr val="accent6"/>
+    </dgm:linClrLst>
+    <dgm:effectClrLst/>
+    <dgm:txLinClrLst/>
+    <dgm:txFillClrLst meth="repeat">
+      <a:schemeClr val="dk1"/>
+    </dgm:txFillClrLst>
+    <dgm:txEffectClrLst/>
+  </dgm:styleLbl>
+  <dgm:styleLbl name="solidFgAcc1">
+    <dgm:fillClrLst meth="repeat">
+      <a:schemeClr val="lt1"/>
+    </dgm:fillClrLst>
+    <dgm:linClrLst meth="repeat">
+      <a:schemeClr val="accent2"/>
+      <a:schemeClr val="accent3"/>
+      <a:schemeClr val="accent4"/>
+      <a:schemeClr val="accent5"/>
+      <a:schemeClr val="accent6"/>
+    </dgm:linClrLst>
+    <dgm:effectClrLst/>
+    <dgm:txLinClrLst/>
+    <dgm:txFillClrLst meth="repeat">
+      <a:schemeClr val="dk1"/>
+    </dgm:txFillClrLst>
+    <dgm:txEffectClrLst/>
+  </dgm:styleLbl>
+  <dgm:styleLbl name="solidAlignAcc1">
+    <dgm:fillClrLst meth="repeat">
+      <a:schemeClr val="lt1"/>
+    </dgm:fillClrLst>
+    <dgm:linClrLst meth="repeat">
+      <a:schemeClr val="accent2"/>
+      <a:schemeClr val="accent3"/>
+      <a:schemeClr val="accent4"/>
+      <a:schemeClr val="accent5"/>
+      <a:schemeClr val="accent6"/>
+    </dgm:linClrLst>
+    <dgm:effectClrLst/>
+    <dgm:txLinClrLst/>
+    <dgm:txFillClrLst meth="repeat">
+      <a:schemeClr val="dk1"/>
+    </dgm:txFillClrLst>
+    <dgm:txEffectClrLst/>
+  </dgm:styleLbl>
+  <dgm:styleLbl name="solidBgAcc1">
+    <dgm:fillClrLst meth="repeat">
+      <a:schemeClr val="lt1"/>
+    </dgm:fillClrLst>
+    <dgm:linClrLst meth="repeat">
+      <a:schemeClr val="accent2"/>
+      <a:schemeClr val="accent3"/>
+      <a:schemeClr val="accent4"/>
+      <a:schemeClr val="accent5"/>
+      <a:schemeClr val="accent6"/>
+    </dgm:linClrLst>
+    <dgm:effectClrLst/>
+    <dgm:txLinClrLst/>
+    <dgm:txFillClrLst meth="repeat">
+      <a:schemeClr val="dk1"/>
+    </dgm:txFillClrLst>
+    <dgm:txEffectClrLst/>
+  </dgm:styleLbl>
+  <dgm:styleLbl name="fgAccFollowNode1">
+    <dgm:fillClrLst meth="repeat">
+      <a:schemeClr val="accent2">
+        <a:tint val="40000"/>
+        <a:alpha val="90000"/>
+      </a:schemeClr>
+      <a:schemeClr val="accent3">
+        <a:tint val="40000"/>
+        <a:alpha val="90000"/>
+      </a:schemeClr>
+      <a:schemeClr val="accent4">
+        <a:tint val="40000"/>
+        <a:alpha val="90000"/>
+      </a:schemeClr>
+      <a:schemeClr val="accent5">
+        <a:tint val="40000"/>
+        <a:alpha val="90000"/>
+      </a:schemeClr>
+      <a:schemeClr val="accent6">
+        <a:tint val="40000"/>
+        <a:alpha val="90000"/>
+      </a:schemeClr>
+    </dgm:fillClrLst>
+    <dgm:linClrLst meth="repeat">
+      <a:schemeClr val="accent2">
+        <a:tint val="40000"/>
+        <a:alpha val="90000"/>
+      </a:schemeClr>
+      <a:schemeClr val="accent3">
+        <a:tint val="40000"/>
+        <a:alpha val="90000"/>
+      </a:schemeClr>
+      <a:schemeClr val="accent4">
+        <a:tint val="40000"/>
+        <a:alpha val="90000"/>
+      </a:schemeClr>
+      <a:schemeClr val="accent5">
+        <a:tint val="40000"/>
+        <a:alpha val="90000"/>
+      </a:schemeClr>
+      <a:schemeClr val="accent6">
+        <a:tint val="40000"/>
+        <a:alpha val="90000"/>
+      </a:schemeClr>
+    </dgm:linClrLst>
+    <dgm:effectClrLst/>
+    <dgm:txLinClrLst/>
+    <dgm:txFillClrLst meth="repeat">
+      <a:schemeClr val="dk1"/>
+    </dgm:txFillClrLst>
+    <dgm:txEffectClrLst/>
+  </dgm:styleLbl>
+  <dgm:styleLbl name="alignAccFollowNode1">
+    <dgm:fillClrLst meth="repeat">
+      <a:schemeClr val="accent2">
+        <a:tint val="40000"/>
+        <a:alpha val="90000"/>
+      </a:schemeClr>
+      <a:schemeClr val="accent3">
+        <a:tint val="40000"/>
+        <a:alpha val="90000"/>
+      </a:schemeClr>
+      <a:schemeClr val="accent4">
+        <a:tint val="40000"/>
+        <a:alpha val="90000"/>
+      </a:schemeClr>
+      <a:schemeClr val="accent5">
+        <a:tint val="40000"/>
+        <a:alpha val="90000"/>
+      </a:schemeClr>
+      <a:schemeClr val="accent6">
+        <a:tint val="40000"/>
+        <a:alpha val="90000"/>
+      </a:schemeClr>
+    </dgm:fillClrLst>
+    <dgm:linClrLst meth="repeat">
+      <a:schemeClr val="accent2">
+        <a:tint val="40000"/>
+        <a:alpha val="90000"/>
+      </a:schemeClr>
+      <a:schemeClr val="accent3">
+        <a:tint val="40000"/>
+        <a:alpha val="90000"/>
+      </a:schemeClr>
+      <a:schemeClr val="accent4">
+        <a:tint val="40000"/>
+        <a:alpha val="90000"/>
+      </a:schemeClr>
+      <a:schemeClr val="accent5">
+        <a:tint val="40000"/>
+        <a:alpha val="90000"/>
+      </a:schemeClr>
+      <a:schemeClr val="accent6">
+        <a:tint val="40000"/>
+        <a:alpha val="90000"/>
+      </a:schemeClr>
+    </dgm:linClrLst>
+    <dgm:effectClrLst/>
+    <dgm:txLinClrLst/>
+    <dgm:txFillClrLst meth="repeat">
+      <a:schemeClr val="dk1"/>
+    </dgm:txFillClrLst>
+    <dgm:txEffectClrLst/>
+  </dgm:styleLbl>
+  <dgm:styleLbl name="bgAccFollowNode1">
+    <dgm:fillClrLst meth="repeat">
+      <a:schemeClr val="accent2">
+        <a:tint val="40000"/>
+        <a:alpha val="90000"/>
+      </a:schemeClr>
+      <a:schemeClr val="accent3">
+        <a:tint val="40000"/>
+        <a:alpha val="90000"/>
+      </a:schemeClr>
+      <a:schemeClr val="accent4">
+        <a:tint val="40000"/>
+        <a:alpha val="90000"/>
+      </a:schemeClr>
+      <a:schemeClr val="accent5">
+        <a:tint val="40000"/>
+        <a:alpha val="90000"/>
+      </a:schemeClr>
+      <a:schemeClr val="accent6">
+        <a:tint val="40000"/>
+        <a:alpha val="90000"/>
+      </a:schemeClr>
+    </dgm:fillClrLst>
+    <dgm:linClrLst meth="repeat">
+      <a:schemeClr val="accent2">
+        <a:tint val="40000"/>
+        <a:alpha val="90000"/>
+      </a:schemeClr>
+      <a:schemeClr val="accent3">
+        <a:tint val="40000"/>
+        <a:alpha val="90000"/>
+      </a:schemeClr>
+      <a:schemeClr val="accent4">
+        <a:tint val="40000"/>
+        <a:alpha val="90000"/>
+      </a:schemeClr>
+      <a:schemeClr val="accent5">
+        <a:tint val="40000"/>
+        <a:alpha val="90000"/>
+      </a:schemeClr>
+      <a:schemeClr val="accent6">
+        <a:tint val="40000"/>
+        <a:alpha val="90000"/>
+      </a:schemeClr>
+    </dgm:linClrLst>
+    <dgm:effectClrLst/>
+    <dgm:txLinClrLst/>
+    <dgm:txFillClrLst meth="repeat">
+      <a:schemeClr val="dk1"/>
+    </dgm:txFillClrLst>
+    <dgm:txEffectClrLst/>
+  </dgm:styleLbl>
+  <dgm:styleLbl name="fgAcc0">
+    <dgm:fillClrLst meth="repeat">
+      <a:schemeClr val="lt1">
+        <a:alpha val="90000"/>
+      </a:schemeClr>
+    </dgm:fillClrLst>
+    <dgm:linClrLst>
+      <a:schemeClr val="accent1"/>
+    </dgm:linClrLst>
+    <dgm:effectClrLst/>
+    <dgm:txLinClrLst/>
+    <dgm:txFillClrLst meth="repeat">
+      <a:schemeClr val="dk1"/>
+    </dgm:txFillClrLst>
+    <dgm:txEffectClrLst/>
+  </dgm:styleLbl>
+  <dgm:styleLbl name="fgAcc2">
+    <dgm:fillClrLst meth="repeat">
+      <a:schemeClr val="lt1">
+        <a:alpha val="90000"/>
+      </a:schemeClr>
+    </dgm:fillClrLst>
+    <dgm:linClrLst>
+      <a:schemeClr val="accent2"/>
+    </dgm:linClrLst>
+    <dgm:effectClrLst/>
+    <dgm:txLinClrLst/>
+    <dgm:txFillClrLst meth="repeat">
+      <a:schemeClr val="dk1"/>
+    </dgm:txFillClrLst>
+    <dgm:txEffectClrLst/>
+  </dgm:styleLbl>
+  <dgm:styleLbl name="fgAcc3">
+    <dgm:fillClrLst meth="repeat">
+      <a:schemeClr val="lt1">
+        <a:alpha val="90000"/>
+      </a:schemeClr>
+    </dgm:fillClrLst>
+    <dgm:linClrLst>
+      <a:schemeClr val="accent3"/>
+    </dgm:linClrLst>
+    <dgm:effectClrLst/>
+    <dgm:txLinClrLst/>
+    <dgm:txFillClrLst meth="repeat">
+      <a:schemeClr val="dk1"/>
+    </dgm:txFillClrLst>
+    <dgm:txEffectClrLst/>
+  </dgm:styleLbl>
+  <dgm:styleLbl name="fgAcc4">
+    <dgm:fillClrLst meth="repeat">
+      <a:schemeClr val="lt1">
+        <a:alpha val="90000"/>
+      </a:schemeClr>
+    </dgm:fillClrLst>
+    <dgm:linClrLst>
+      <a:schemeClr val="accent4"/>
+    </dgm:linClrLst>
+    <dgm:effectClrLst/>
+    <dgm:txLinClrLst/>
+    <dgm:txFillClrLst meth="repeat">
+      <a:schemeClr val="dk1"/>
+    </dgm:txFillClrLst>
+    <dgm:txEffectClrLst/>
+  </dgm:styleLbl>
+  <dgm:styleLbl name="bgShp">
+    <dgm:fillClrLst meth="repeat">
+      <a:schemeClr val="accent2"/>
+      <a:schemeClr val="accent3"/>
+      <a:schemeClr val="accent4"/>
+      <a:schemeClr val="accent5"/>
+      <a:schemeClr val="accent6"/>
+    </dgm:fillClrLst>
+    <dgm:linClrLst meth="repeat">
+      <a:schemeClr val="lt1">
+        <a:alpha val="0"/>
+      </a:schemeClr>
+    </dgm:linClrLst>
+    <dgm:effectClrLst/>
+    <dgm:txLinClrLst/>
+    <dgm:txFillClrLst/>
+    <dgm:txEffectClrLst/>
+  </dgm:styleLbl>
+  <dgm:styleLbl name="dkBgShp">
+    <dgm:fillClrLst meth="repeat">
+      <a:schemeClr val="accent2">
+        <a:shade val="90000"/>
+      </a:schemeClr>
+    </dgm:fillClrLst>
+    <dgm:linClrLst meth="repeat">
+      <a:schemeClr val="dk1"/>
+    </dgm:linClrLst>
+    <dgm:effectClrLst/>
+    <dgm:txLinClrLst/>
+    <dgm:txFillClrLst meth="repeat">
+      <a:schemeClr val="lt1"/>
+    </dgm:txFillClrLst>
+    <dgm:txEffectClrLst/>
+  </dgm:styleLbl>
+  <dgm:styleLbl name="trBgShp">
+    <dgm:fillClrLst meth="repeat">
+      <a:schemeClr val="accent1">
+        <a:tint val="50000"/>
+        <a:alpha val="40000"/>
+      </a:schemeClr>
+    </dgm:fillClrLst>
+    <dgm:linClrLst meth="repeat">
+      <a:schemeClr val="accent2"/>
+    </dgm:linClrLst>
+    <dgm:effectClrLst/>
+    <dgm:txLinClrLst/>
+    <dgm:txFillClrLst meth="repeat">
+      <a:schemeClr val="lt1"/>
+    </dgm:txFillClrLst>
+    <dgm:txEffectClrLst/>
+  </dgm:styleLbl>
+  <dgm:styleLbl name="fgShp">
+    <dgm:fillClrLst meth="repeat">
+      <a:schemeClr val="accent2">
+        <a:tint val="40000"/>
+      </a:schemeClr>
+    </dgm:fillClrLst>
+    <dgm:linClrLst meth="repeat">
+      <a:schemeClr val="lt1"/>
+    </dgm:linClrLst>
+    <dgm:effectClrLst/>
+    <dgm:txLinClrLst/>
+    <dgm:txFillClrLst meth="repeat">
+      <a:schemeClr val="dk1"/>
+    </dgm:txFillClrLst>
+    <dgm:txEffectClrLst/>
+  </dgm:styleLbl>
+  <dgm:styleLbl name="revTx">
+    <dgm:fillClrLst meth="repeat">
+      <a:schemeClr val="lt1">
+        <a:alpha val="0"/>
+      </a:schemeClr>
+    </dgm:fillClrLst>
+    <dgm:linClrLst meth="repeat">
+      <a:schemeClr val="dk1">
+        <a:alpha val="0"/>
+      </a:schemeClr>
+    </dgm:linClrLst>
+    <dgm:effectClrLst/>
+    <dgm:txLinClrLst/>
+    <dgm:txFillClrLst meth="repeat">
+      <a:schemeClr val="bg1"/>
+    </dgm:txFillClrLst>
+    <dgm:txEffectClrLst/>
+  </dgm:styleLbl>
+</dgm:colorsDef>
+</file>
+
+<file path=ppt/diagrams/colors2.xml><?xml version="1.0" encoding="utf-8"?>
+<dgm:colorsDef xmlns:dgm="http://schemas.openxmlformats.org/drawingml/2006/diagram" xmlns:a="http://schemas.openxmlformats.org/drawingml/2006/main" uniqueId="urn:microsoft.com/office/officeart/2018/5/colors/Iconchunking_neutralicontext_colorful1">
+  <dgm:title val=""/>
+  <dgm:desc val=""/>
+  <dgm:catLst>
+    <dgm:cat type="colorful" pri="10100"/>
+  </dgm:catLst>
+  <dgm:styleLbl name="node0">
+    <dgm:fillClrLst meth="repeat">
+      <a:schemeClr val="accent1"/>
+    </dgm:fillClrLst>
+    <dgm:linClrLst meth="repeat">
+      <a:schemeClr val="lt1"/>
+    </dgm:linClrLst>
+    <dgm:effectClrLst/>
+    <dgm:txLinClrLst/>
+    <dgm:txFillClrLst/>
+    <dgm:txEffectClrLst/>
+  </dgm:styleLbl>
+  <dgm:styleLbl name="node1">
+    <dgm:fillClrLst meth="repeat">
+      <a:schemeClr val="bg1"/>
+    </dgm:fillClrLst>
+    <dgm:linClrLst meth="repeat">
+      <a:schemeClr val="lt1">
+        <a:alpha val="0"/>
+      </a:schemeClr>
+    </dgm:linClrLst>
+    <dgm:effectClrLst/>
+    <dgm:txLinClrLst/>
+    <dgm:txFillClrLst meth="repeat">
+      <a:schemeClr val="dk1"/>
+    </dgm:txFillClrLst>
+    <dgm:txEffectClrLst/>
+  </dgm:styleLbl>
+  <dgm:styleLbl name="alignNode1">
+    <dgm:fillClrLst meth="repeat">
+      <a:schemeClr val="accent2"/>
+      <a:schemeClr val="accent3"/>
+      <a:schemeClr val="accent4"/>
+      <a:schemeClr val="accent5"/>
+      <a:schemeClr val="accent6"/>
+    </dgm:fillClrLst>
+    <dgm:linClrLst meth="repeat">
+      <a:schemeClr val="accent2"/>
+      <a:schemeClr val="accent3"/>
+      <a:schemeClr val="accent4"/>
+      <a:schemeClr val="accent5"/>
+      <a:schemeClr val="accent6"/>
+    </dgm:linClrLst>
+    <dgm:effectClrLst/>
+    <dgm:txLinClrLst/>
+    <dgm:txFillClrLst/>
+    <dgm:txEffectClrLst/>
+  </dgm:styleLbl>
+  <dgm:styleLbl name="lnNode1">
+    <dgm:fillClrLst meth="repeat">
+      <a:schemeClr val="accent2"/>
+      <a:schemeClr val="accent3"/>
+      <a:schemeClr val="accent4"/>
+      <a:schemeClr val="accent5"/>
+      <a:schemeClr val="accent6"/>
+    </dgm:fillClrLst>
+    <dgm:linClrLst meth="repeat">
+      <a:schemeClr val="lt1"/>
+    </dgm:linClrLst>
+    <dgm:effectClrLst/>
+    <dgm:txLinClrLst/>
+    <dgm:txFillClrLst/>
+    <dgm:txEffectClrLst/>
+  </dgm:styleLbl>
+  <dgm:styleLbl name="vennNode1">
+    <dgm:fillClrLst meth="repeat">
+      <a:schemeClr val="accent2">
+        <a:alpha val="50000"/>
+      </a:schemeClr>
+      <a:schemeClr val="accent3">
+        <a:alpha val="50000"/>
+      </a:schemeClr>
+      <a:schemeClr val="accent4">
+        <a:alpha val="50000"/>
+      </a:schemeClr>
+      <a:schemeClr val="accent5">
+        <a:alpha val="50000"/>
+      </a:schemeClr>
+      <a:schemeClr val="accent6">
+        <a:alpha val="50000"/>
+      </a:schemeClr>
+    </dgm:fillClrLst>
+    <dgm:linClrLst meth="repeat">
+      <a:schemeClr val="lt1"/>
+    </dgm:linClrLst>
+    <dgm:effectClrLst/>
+    <dgm:txLinClrLst/>
+    <dgm:txFillClrLst/>
+    <dgm:txEffectClrLst/>
+  </dgm:styleLbl>
+  <dgm:styleLbl name="node2">
+    <dgm:fillClrLst>
+      <a:schemeClr val="accent2"/>
+    </dgm:fillClrLst>
+    <dgm:linClrLst meth="repeat">
+      <a:schemeClr val="lt1"/>
+    </dgm:linClrLst>
+    <dgm:effectClrLst/>
+    <dgm:txLinClrLst/>
+    <dgm:txFillClrLst/>
+    <dgm:txEffectClrLst/>
+  </dgm:styleLbl>
+  <dgm:styleLbl name="node3">
+    <dgm:fillClrLst>
+      <a:schemeClr val="accent3"/>
+    </dgm:fillClrLst>
+    <dgm:linClrLst meth="repeat">
+      <a:schemeClr val="lt1"/>
+    </dgm:linClrLst>
+    <dgm:effectClrLst/>
+    <dgm:txLinClrLst/>
+    <dgm:txFillClrLst/>
+    <dgm:txEffectClrLst/>
+  </dgm:styleLbl>
+  <dgm:styleLbl name="node4">
+    <dgm:fillClrLst>
+      <a:schemeClr val="accent4"/>
+    </dgm:fillClrLst>
+    <dgm:linClrLst meth="repeat">
+      <a:schemeClr val="lt1"/>
+    </dgm:linClrLst>
+    <dgm:effectClrLst/>
+    <dgm:txLinClrLst/>
+    <dgm:txFillClrLst/>
+    <dgm:txEffectClrLst/>
+  </dgm:styleLbl>
+  <dgm:styleLbl name="fgImgPlace1">
+    <dgm:fillClrLst meth="repeat">
+      <a:schemeClr val="accent2">
+        <a:tint val="50000"/>
+      </a:schemeClr>
+      <a:schemeClr val="accent3">
+        <a:tint val="50000"/>
+      </a:schemeClr>
+      <a:schemeClr val="accent4">
+        <a:tint val="50000"/>
+      </a:schemeClr>
+      <a:schemeClr val="accent5">
+        <a:tint val="50000"/>
+      </a:schemeClr>
+      <a:schemeClr val="accent6">
+        <a:tint val="50000"/>
+      </a:schemeClr>
+    </dgm:fillClrLst>
+    <dgm:linClrLst meth="repeat">
+      <a:schemeClr val="lt1"/>
+    </dgm:linClrLst>
+    <dgm:effectClrLst/>
+    <dgm:txLinClrLst/>
+    <dgm:txFillClrLst meth="repeat">
+      <a:schemeClr val="lt1"/>
+    </dgm:txFillClrLst>
+    <dgm:txEffectClrLst/>
+  </dgm:styleLbl>
+  <dgm:styleLbl name="alignImgPlace1">
+    <dgm:fillClrLst>
+      <a:schemeClr val="accent1">
+        <a:tint val="50000"/>
+      </a:schemeClr>
+      <a:schemeClr val="accent2">
+        <a:tint val="20000"/>
+      </a:schemeClr>
+    </dgm:fillClrLst>
+    <dgm:linClrLst meth="repeat">
+      <a:schemeClr val="lt1"/>
+    </dgm:linClrLst>
+    <dgm:effectClrLst/>
+    <dgm:txLinClrLst/>
+    <dgm:txFillClrLst meth="repeat">
+      <a:schemeClr val="lt1"/>
+    </dgm:txFillClrLst>
+    <dgm:txEffectClrLst/>
+  </dgm:styleLbl>
+  <dgm:styleLbl name="bgImgPlace1">
+    <dgm:fillClrLst>
+      <a:schemeClr val="accent1">
+        <a:tint val="50000"/>
+      </a:schemeClr>
+      <a:schemeClr val="accent2">
+        <a:tint val="20000"/>
+      </a:schemeClr>
+    </dgm:fillClrLst>
+    <dgm:linClrLst meth="repeat">
+      <a:schemeClr val="lt1"/>
+    </dgm:linClrLst>
+    <dgm:effectClrLst/>
+    <dgm:txLinClrLst/>
+    <dgm:txFillClrLst meth="repeat">
+      <a:schemeClr val="lt1"/>
+    </dgm:txFillClrLst>
+    <dgm:txEffectClrLst/>
+  </dgm:styleLbl>
+  <dgm:styleLbl name="sibTrans2D1">
+    <dgm:fillClrLst meth="repeat">
+      <a:schemeClr val="accent2"/>
+      <a:schemeClr val="accent3"/>
+      <a:schemeClr val="accent4"/>
+      <a:schemeClr val="accent5"/>
+      <a:schemeClr val="accent6"/>
+    </dgm:fillClrLst>
+    <dgm:linClrLst meth="cycle">
+      <a:schemeClr val="lt1"/>
+    </dgm:linClrLst>
+    <dgm:effectClrLst/>
+    <dgm:txLinClrLst/>
+    <dgm:txFillClrLst/>
+    <dgm:txEffectClrLst/>
+  </dgm:styleLbl>
+  <dgm:styleLbl name="fgSibTrans2D1">
+    <dgm:fillClrLst meth="repeat">
+      <a:schemeClr val="accent2"/>
+      <a:schemeClr val="accent3"/>
+      <a:schemeClr val="accent4"/>
+      <a:schemeClr val="accent5"/>
+      <a:schemeClr val="accent6"/>
+    </dgm:fillClrLst>
+    <dgm:linClrLst meth="cycle">
+      <a:schemeClr val="lt1"/>
+    </dgm:linClrLst>
+    <dgm:effectClrLst/>
+    <dgm:txLinClrLst/>
+    <dgm:txFillClrLst meth="repeat">
+      <a:schemeClr val="lt1"/>
+    </dgm:txFillClrLst>
+    <dgm:txEffectClrLst/>
+  </dgm:styleLbl>
+  <dgm:styleLbl name="bgSibTrans2D1">
+    <dgm:fillClrLst meth="repeat">
+      <a:schemeClr val="accent2"/>
+      <a:schemeClr val="accent3"/>
+      <a:schemeClr val="accent4"/>
+      <a:schemeClr val="accent5"/>
+      <a:schemeClr val="accent6"/>
+    </dgm:fillClrLst>
+    <dgm:linClrLst meth="cycle">
+      <a:schemeClr val="lt1"/>
+    </dgm:linClrLst>
+    <dgm:effectClrLst/>
+    <dgm:txLinClrLst/>
+    <dgm:txFillClrLst meth="repeat">
+      <a:schemeClr val="lt1"/>
+    </dgm:txFillClrLst>
+    <dgm:txEffectClrLst/>
+  </dgm:styleLbl>
+  <dgm:styleLbl name="sibTrans1D1">
+    <dgm:fillClrLst meth="repeat">
+      <a:schemeClr val="accent2"/>
+      <a:schemeClr val="accent3"/>
+      <a:schemeClr val="accent4"/>
+      <a:schemeClr val="accent5"/>
+      <a:schemeClr val="accent6"/>
+    </dgm:fillClrLst>
+    <dgm:linClrLst meth="repeat">
+      <a:schemeClr val="accent2"/>
+      <a:schemeClr val="accent3"/>
+      <a:schemeClr val="accent4"/>
+      <a:schemeClr val="accent5"/>
+      <a:schemeClr val="accent6"/>
+    </dgm:linClrLst>
+    <dgm:effectClrLst/>
+    <dgm:txLinClrLst/>
+    <dgm:txFillClrLst meth="repeat">
+      <a:schemeClr val="tx1"/>
+    </dgm:txFillClrLst>
+    <dgm:txEffectClrLst/>
+  </dgm:styleLbl>
+  <dgm:styleLbl name="callout">
+    <dgm:fillClrLst meth="repeat">
+      <a:schemeClr val="accent2"/>
+    </dgm:fillClrLst>
+    <dgm:linClrLst meth="repeat">
+      <a:schemeClr val="accent2">
+        <a:tint val="50000"/>
+      </a:schemeClr>
+    </dgm:linClrLst>
+    <dgm:effectClrLst/>
+    <dgm:txLinClrLst/>
+    <dgm:txFillClrLst meth="repeat">
+      <a:schemeClr val="tx1"/>
+    </dgm:txFillClrLst>
+    <dgm:txEffectClrLst/>
+  </dgm:styleLbl>
+  <dgm:styleLbl name="asst0">
+    <dgm:fillClrLst meth="repeat">
+      <a:schemeClr val="accent1"/>
+    </dgm:fillClrLst>
+    <dgm:linClrLst meth="repeat">
+      <a:schemeClr val="lt1"/>
+    </dgm:linClrLst>
+    <dgm:effectClrLst/>
+    <dgm:txLinClrLst/>
+    <dgm:txFillClrLst/>
+    <dgm:txEffectClrLst/>
+  </dgm:styleLbl>
+  <dgm:styleLbl name="asst1">
+    <dgm:fillClrLst meth="repeat">
+      <a:schemeClr val="accent2"/>
+    </dgm:fillClrLst>
+    <dgm:linClrLst meth="repeat">
+      <a:schemeClr val="lt1"/>
+    </dgm:linClrLst>
+    <dgm:effectClrLst/>
+    <dgm:txLinClrLst/>
+    <dgm:txFillClrLst/>
+    <dgm:txEffectClrLst/>
+  </dgm:styleLbl>
+  <dgm:styleLbl name="asst2">
+    <dgm:fillClrLst>
+      <a:schemeClr val="accent3"/>
+    </dgm:fillClrLst>
+    <dgm:linClrLst meth="repeat">
+      <a:schemeClr val="lt1"/>
+    </dgm:linClrLst>
+    <dgm:effectClrLst/>
+    <dgm:txLinClrLst/>
+    <dgm:txFillClrLst/>
+    <dgm:txEffectClrLst/>
+  </dgm:styleLbl>
+  <dgm:styleLbl name="asst3">
+    <dgm:fillClrLst>
+      <a:schemeClr val="accent4"/>
+    </dgm:fillClrLst>
+    <dgm:linClrLst meth="repeat">
+      <a:schemeClr val="lt1"/>
+    </dgm:linClrLst>
+    <dgm:effectClrLst/>
+    <dgm:txLinClrLst/>
+    <dgm:txFillClrLst/>
+    <dgm:txEffectClrLst/>
+  </dgm:styleLbl>
+  <dgm:styleLbl name="asst4">
+    <dgm:fillClrLst>
+      <a:schemeClr val="accent5"/>
+    </dgm:fillClrLst>
+    <dgm:linClrLst meth="repeat">
+      <a:schemeClr val="lt1"/>
+    </dgm:linClrLst>
+    <dgm:effectClrLst/>
+    <dgm:txLinClrLst/>
+    <dgm:txFillClrLst/>
+    <dgm:txEffectClrLst/>
+  </dgm:styleLbl>
+  <dgm:styleLbl name="parChTrans2D1">
+    <dgm:fillClrLst meth="repeat">
+      <a:schemeClr val="accent2"/>
+    </dgm:fillClrLst>
+    <dgm:linClrLst meth="repeat">
+      <a:schemeClr val="lt1"/>
+    </dgm:linClrLst>
+    <dgm:effectClrLst/>
+    <dgm:txLinClrLst/>
+    <dgm:txFillClrLst meth="repeat">
+      <a:schemeClr val="lt1"/>
+    </dgm:txFillClrLst>
+    <dgm:txEffectClrLst/>
+  </dgm:styleLbl>
+  <dgm:styleLbl name="parChTrans2D2">
+    <dgm:fillClrLst meth="repeat">
+      <a:schemeClr val="accent3"/>
+    </dgm:fillClrLst>
+    <dgm:linClrLst meth="repeat">
+      <a:schemeClr val="lt1"/>
+    </dgm:linClrLst>
+    <dgm:effectClrLst/>
+    <dgm:txLinClrLst/>
+    <dgm:txFillClrLst/>
+    <dgm:txEffectClrLst/>
+  </dgm:styleLbl>
+  <dgm:styleLbl name="parChTrans2D3">
+    <dgm:fillClrLst meth="repeat">
+      <a:schemeClr val="accent4"/>
+    </dgm:fillClrLst>
+    <dgm:linClrLst meth="repeat">
+      <a:schemeClr val="lt1"/>
+    </dgm:linClrLst>
+    <dgm:effectClrLst/>
+    <dgm:txLinClrLst/>
+    <dgm:txFillClrLst/>
+    <dgm:txEffectClrLst/>
+  </dgm:styleLbl>
+  <dgm:styleLbl name="parChTrans2D4">
+    <dgm:fillClrLst meth="repeat">
+      <a:schemeClr val="accent5"/>
+    </dgm:fillClrLst>
+    <dgm:linClrLst meth="repeat">
+      <a:schemeClr val="lt1"/>
+    </dgm:linClrLst>
+    <dgm:effectClrLst/>
+    <dgm:txLinClrLst/>
+    <dgm:txFillClrLst meth="repeat">
+      <a:schemeClr val="lt1"/>
+    </dgm:txFillClrLst>
+    <dgm:txEffectClrLst/>
+  </dgm:styleLbl>
+  <dgm:styleLbl name="parChTrans1D1">
+    <dgm:fillClrLst meth="repeat">
+      <a:schemeClr val="accent2"/>
+    </dgm:fillClrLst>
+    <dgm:linClrLst meth="repeat">
+      <a:schemeClr val="accent1"/>
+    </dgm:linClrLst>
+    <dgm:effectClrLst/>
+    <dgm:txLinClrLst/>
+    <dgm:txFillClrLst meth="repeat">
+      <a:schemeClr val="tx1"/>
+    </dgm:txFillClrLst>
+    <dgm:txEffectClrLst/>
+  </dgm:styleLbl>
+  <dgm:styleLbl name="parChTrans1D2">
+    <dgm:fillClrLst meth="repeat">
+      <a:schemeClr val="accent3">
+        <a:tint val="90000"/>
+      </a:schemeClr>
+    </dgm:fillClrLst>
+    <dgm:linClrLst meth="repeat">
+      <a:schemeClr val="accent2"/>
+    </dgm:linClrLst>
+    <dgm:effectClrLst/>
+    <dgm:txLinClrLst/>
+    <dgm:txFillClrLst meth="repeat">
+      <a:schemeClr val="tx1"/>
+    </dgm:txFillClrLst>
+    <dgm:txEffectClrLst/>
+  </dgm:styleLbl>
+  <dgm:styleLbl name="parChTrans1D3">
+    <dgm:fillClrLst meth="repeat">
+      <a:schemeClr val="accent4">
+        <a:tint val="70000"/>
+      </a:schemeClr>
+    </dgm:fillClrLst>
+    <dgm:linClrLst meth="repeat">
+      <a:schemeClr val="accent3"/>
+    </dgm:linClrLst>
+    <dgm:effectClrLst/>
+    <dgm:txLinClrLst/>
+    <dgm:txFillClrLst meth="repeat">
+      <a:schemeClr val="tx1"/>
+    </dgm:txFillClrLst>
+    <dgm:txEffectClrLst/>
+  </dgm:styleLbl>
+  <dgm:styleLbl name="parChTrans1D4">
+    <dgm:fillClrLst meth="repeat">
+      <a:schemeClr val="accent5">
+        <a:tint val="50000"/>
+      </a:schemeClr>
+    </dgm:fillClrLst>
+    <dgm:linClrLst meth="repeat">
+      <a:schemeClr val="accent4"/>
+    </dgm:linClrLst>
+    <dgm:effectClrLst/>
+    <dgm:txLinClrLst/>
+    <dgm:txFillClrLst meth="repeat">
+      <a:schemeClr val="tx1"/>
+    </dgm:txFillClrLst>
+    <dgm:txEffectClrLst/>
+  </dgm:styleLbl>
+  <dgm:styleLbl name="fgAcc1">
+    <dgm:fillClrLst meth="repeat">
+      <a:schemeClr val="lt1">
+        <a:alpha val="90000"/>
+      </a:schemeClr>
+    </dgm:fillClrLst>
+    <dgm:linClrLst meth="repeat">
+      <a:schemeClr val="accent2"/>
+      <a:schemeClr val="accent3"/>
+      <a:schemeClr val="accent4"/>
+      <a:schemeClr val="accent5"/>
+      <a:schemeClr val="accent6"/>
+    </dgm:linClrLst>
+    <dgm:effectClrLst/>
+    <dgm:txLinClrLst/>
+    <dgm:txFillClrLst meth="repeat">
+      <a:schemeClr val="dk1"/>
+    </dgm:txFillClrLst>
+    <dgm:txEffectClrLst/>
+  </dgm:styleLbl>
+  <dgm:styleLbl name="conFgAcc1">
+    <dgm:fillClrLst meth="repeat">
+      <a:schemeClr val="lt1">
+        <a:alpha val="90000"/>
+      </a:schemeClr>
+    </dgm:fillClrLst>
+    <dgm:linClrLst meth="repeat">
+      <a:schemeClr val="accent2"/>
+      <a:schemeClr val="accent3"/>
+      <a:schemeClr val="accent4"/>
+      <a:schemeClr val="accent5"/>
+      <a:schemeClr val="accent6"/>
+    </dgm:linClrLst>
+    <dgm:effectClrLst/>
+    <dgm:txLinClrLst/>
+    <dgm:txFillClrLst meth="repeat">
+      <a:schemeClr val="dk1"/>
+    </dgm:txFillClrLst>
+    <dgm:txEffectClrLst/>
+  </dgm:styleLbl>
+  <dgm:styleLbl name="alignAcc1">
+    <dgm:fillClrLst meth="repeat">
+      <a:schemeClr val="lt1">
+        <a:alpha val="90000"/>
+      </a:schemeClr>
+    </dgm:fillClrLst>
+    <dgm:linClrLst meth="repeat">
+      <a:schemeClr val="accent2"/>
+      <a:schemeClr val="accent3"/>
+      <a:schemeClr val="accent4"/>
+      <a:schemeClr val="accent5"/>
+      <a:schemeClr val="accent6"/>
+    </dgm:linClrLst>
+    <dgm:effectClrLst/>
+    <dgm:txLinClrLst/>
+    <dgm:txFillClrLst meth="repeat">
+      <a:schemeClr val="dk1"/>
+    </dgm:txFillClrLst>
+    <dgm:txEffectClrLst/>
+  </dgm:styleLbl>
+  <dgm:styleLbl name="trAlignAcc1">
+    <dgm:fillClrLst meth="repeat">
+      <a:schemeClr val="lt1">
+        <a:alpha val="40000"/>
+      </a:schemeClr>
+    </dgm:fillClrLst>
+    <dgm:linClrLst meth="repeat">
+      <a:schemeClr val="accent1"/>
+    </dgm:linClrLst>
+    <dgm:effectClrLst/>
+    <dgm:txLinClrLst/>
+    <dgm:txFillClrLst meth="repeat">
+      <a:schemeClr val="dk1"/>
+    </dgm:txFillClrLst>
+    <dgm:txEffectClrLst/>
+  </dgm:styleLbl>
+  <dgm:styleLbl name="bgAcc1">
+    <dgm:fillClrLst meth="repeat">
+      <a:schemeClr val="lt1">
+        <a:alpha val="90000"/>
+      </a:schemeClr>
+    </dgm:fillClrLst>
+    <dgm:linClrLst meth="repeat">
+      <a:schemeClr val="accent2"/>
+      <a:schemeClr val="accent3"/>
+      <a:schemeClr val="accent4"/>
+      <a:schemeClr val="accent5"/>
+      <a:schemeClr val="accent6"/>
+    </dgm:linClrLst>
+    <dgm:effectClrLst/>
+    <dgm:txLinClrLst/>
+    <dgm:txFillClrLst meth="repeat">
+      <a:schemeClr val="dk1"/>
+    </dgm:txFillClrLst>
+    <dgm:txEffectClrLst/>
+  </dgm:styleLbl>
+  <dgm:styleLbl name="solidFgAcc1">
+    <dgm:fillClrLst meth="repeat">
+      <a:schemeClr val="lt1"/>
+    </dgm:fillClrLst>
+    <dgm:linClrLst meth="repeat">
+      <a:schemeClr val="accent2"/>
+      <a:schemeClr val="accent3"/>
+      <a:schemeClr val="accent4"/>
+      <a:schemeClr val="accent5"/>
+      <a:schemeClr val="accent6"/>
+    </dgm:linClrLst>
+    <dgm:effectClrLst/>
+    <dgm:txLinClrLst/>
+    <dgm:txFillClrLst meth="repeat">
+      <a:schemeClr val="dk1"/>
+    </dgm:txFillClrLst>
+    <dgm:txEffectClrLst/>
+  </dgm:styleLbl>
+  <dgm:styleLbl name="solidAlignAcc1">
+    <dgm:fillClrLst meth="repeat">
+      <a:schemeClr val="lt1"/>
+    </dgm:fillClrLst>
+    <dgm:linClrLst meth="repeat">
+      <a:schemeClr val="accent2"/>
+      <a:schemeClr val="accent3"/>
+      <a:schemeClr val="accent4"/>
+      <a:schemeClr val="accent5"/>
+      <a:schemeClr val="accent6"/>
+    </dgm:linClrLst>
+    <dgm:effectClrLst/>
+    <dgm:txLinClrLst/>
+    <dgm:txFillClrLst meth="repeat">
+      <a:schemeClr val="dk1"/>
+    </dgm:txFillClrLst>
+    <dgm:txEffectClrLst/>
+  </dgm:styleLbl>
+  <dgm:styleLbl name="solidBgAcc1">
+    <dgm:fillClrLst meth="repeat">
+      <a:schemeClr val="lt1"/>
+    </dgm:fillClrLst>
+    <dgm:linClrLst meth="repeat">
+      <a:schemeClr val="accent2"/>
+      <a:schemeClr val="accent3"/>
+      <a:schemeClr val="accent4"/>
+      <a:schemeClr val="accent5"/>
+      <a:schemeClr val="accent6"/>
+    </dgm:linClrLst>
+    <dgm:effectClrLst/>
+    <dgm:txLinClrLst/>
+    <dgm:txFillClrLst meth="repeat">
+      <a:schemeClr val="dk1"/>
+    </dgm:txFillClrLst>
+    <dgm:txEffectClrLst/>
+  </dgm:styleLbl>
+  <dgm:styleLbl name="fgAccFollowNode1">
+    <dgm:fillClrLst meth="repeat">
+      <a:schemeClr val="accent2">
+        <a:tint val="40000"/>
+        <a:alpha val="90000"/>
+      </a:schemeClr>
+      <a:schemeClr val="accent3">
+        <a:tint val="40000"/>
+        <a:alpha val="90000"/>
+      </a:schemeClr>
+      <a:schemeClr val="accent4">
+        <a:tint val="40000"/>
+        <a:alpha val="90000"/>
+      </a:schemeClr>
+      <a:schemeClr val="accent5">
+        <a:tint val="40000"/>
+        <a:alpha val="90000"/>
+      </a:schemeClr>
+      <a:schemeClr val="accent6">
+        <a:tint val="40000"/>
+        <a:alpha val="90000"/>
+      </a:schemeClr>
+    </dgm:fillClrLst>
+    <dgm:linClrLst meth="repeat">
+      <a:schemeClr val="accent2">
+        <a:tint val="40000"/>
+        <a:alpha val="90000"/>
+      </a:schemeClr>
+      <a:schemeClr val="accent3">
+        <a:tint val="40000"/>
+        <a:alpha val="90000"/>
+      </a:schemeClr>
+      <a:schemeClr val="accent4">
+        <a:tint val="40000"/>
+        <a:alpha val="90000"/>
+      </a:schemeClr>
+      <a:schemeClr val="accent5">
+        <a:tint val="40000"/>
+        <a:alpha val="90000"/>
+      </a:schemeClr>
+      <a:schemeClr val="accent6">
+        <a:tint val="40000"/>
+        <a:alpha val="90000"/>
+      </a:schemeClr>
+    </dgm:linClrLst>
+    <dgm:effectClrLst/>
+    <dgm:txLinClrLst/>
+    <dgm:txFillClrLst meth="repeat">
+      <a:schemeClr val="dk1"/>
+    </dgm:txFillClrLst>
+    <dgm:txEffectClrLst/>
+  </dgm:styleLbl>
+  <dgm:styleLbl name="alignAccFollowNode1">
+    <dgm:fillClrLst meth="repeat">
+      <a:schemeClr val="accent2">
+        <a:tint val="40000"/>
+        <a:alpha val="90000"/>
+      </a:schemeClr>
+      <a:schemeClr val="accent3">
+        <a:tint val="40000"/>
+        <a:alpha val="90000"/>
+      </a:schemeClr>
+      <a:schemeClr val="accent4">
+        <a:tint val="40000"/>
+        <a:alpha val="90000"/>
+      </a:schemeClr>
+      <a:schemeClr val="accent5">
+        <a:tint val="40000"/>
+        <a:alpha val="90000"/>
+      </a:schemeClr>
+      <a:schemeClr val="accent6">
+        <a:tint val="40000"/>
+        <a:alpha val="90000"/>
+      </a:schemeClr>
+    </dgm:fillClrLst>
+    <dgm:linClrLst meth="repeat">
+      <a:schemeClr val="accent2">
+        <a:tint val="40000"/>
+        <a:alpha val="90000"/>
+      </a:schemeClr>
+      <a:schemeClr val="accent3">
+        <a:tint val="40000"/>
+        <a:alpha val="90000"/>
+      </a:schemeClr>
+      <a:schemeClr val="accent4">
+        <a:tint val="40000"/>
+        <a:alpha val="90000"/>
+      </a:schemeClr>
+      <a:schemeClr val="accent5">
+        <a:tint val="40000"/>
+        <a:alpha val="90000"/>
+      </a:schemeClr>
+      <a:schemeClr val="accent6">
+        <a:tint val="40000"/>
+        <a:alpha val="90000"/>
+      </a:schemeClr>
+    </dgm:linClrLst>
+    <dgm:effectClrLst/>
+    <dgm:txLinClrLst/>
+    <dgm:txFillClrLst meth="repeat">
+      <a:schemeClr val="dk1"/>
+    </dgm:txFillClrLst>
+    <dgm:txEffectClrLst/>
+  </dgm:styleLbl>
+  <dgm:styleLbl name="bgAccFollowNode1">
+    <dgm:fillClrLst meth="repeat">
+      <a:schemeClr val="accent2">
+        <a:tint val="40000"/>
+        <a:alpha val="90000"/>
+      </a:schemeClr>
+      <a:schemeClr val="accent3">
+        <a:tint val="40000"/>
+        <a:alpha val="90000"/>
+      </a:schemeClr>
+      <a:schemeClr val="accent4">
+        <a:tint val="40000"/>
+        <a:alpha val="90000"/>
+      </a:schemeClr>
+      <a:schemeClr val="accent5">
+        <a:tint val="40000"/>
+        <a:alpha val="90000"/>
+      </a:schemeClr>
+      <a:schemeClr val="accent6">
+        <a:tint val="40000"/>
+        <a:alpha val="90000"/>
+      </a:schemeClr>
+    </dgm:fillClrLst>
+    <dgm:linClrLst meth="repeat">
+      <a:schemeClr val="accent2">
+        <a:tint val="40000"/>
+        <a:alpha val="90000"/>
+      </a:schemeClr>
+      <a:schemeClr val="accent3">
+        <a:tint val="40000"/>
+        <a:alpha val="90000"/>
+      </a:schemeClr>
+      <a:schemeClr val="accent4">
+        <a:tint val="40000"/>
+        <a:alpha val="90000"/>
+      </a:schemeClr>
+      <a:schemeClr val="accent5">
+        <a:tint val="40000"/>
+        <a:alpha val="90000"/>
+      </a:schemeClr>
+      <a:schemeClr val="accent6">
+        <a:tint val="40000"/>
+        <a:alpha val="90000"/>
+      </a:schemeClr>
+    </dgm:linClrLst>
+    <dgm:effectClrLst/>
+    <dgm:txLinClrLst/>
+    <dgm:txFillClrLst meth="repeat">
+      <a:schemeClr val="dk1"/>
+    </dgm:txFillClrLst>
+    <dgm:txEffectClrLst/>
+  </dgm:styleLbl>
+  <dgm:styleLbl name="fgAcc0">
+    <dgm:fillClrLst meth="repeat">
+      <a:schemeClr val="lt1">
+        <a:alpha val="90000"/>
+      </a:schemeClr>
+    </dgm:fillClrLst>
+    <dgm:linClrLst>
+      <a:schemeClr val="accent1"/>
+    </dgm:linClrLst>
+    <dgm:effectClrLst/>
+    <dgm:txLinClrLst/>
+    <dgm:txFillClrLst meth="repeat">
+      <a:schemeClr val="dk1"/>
+    </dgm:txFillClrLst>
+    <dgm:txEffectClrLst/>
+  </dgm:styleLbl>
+  <dgm:styleLbl name="fgAcc2">
+    <dgm:fillClrLst meth="repeat">
+      <a:schemeClr val="lt1">
+        <a:alpha val="90000"/>
+      </a:schemeClr>
+    </dgm:fillClrLst>
+    <dgm:linClrLst>
+      <a:schemeClr val="accent2"/>
+    </dgm:linClrLst>
+    <dgm:effectClrLst/>
+    <dgm:txLinClrLst/>
+    <dgm:txFillClrLst meth="repeat">
+      <a:schemeClr val="dk1"/>
+    </dgm:txFillClrLst>
+    <dgm:txEffectClrLst/>
+  </dgm:styleLbl>
+  <dgm:styleLbl name="fgAcc3">
+    <dgm:fillClrLst meth="repeat">
+      <a:schemeClr val="lt1">
+        <a:alpha val="90000"/>
+      </a:schemeClr>
+    </dgm:fillClrLst>
+    <dgm:linClrLst>
+      <a:schemeClr val="accent3"/>
+    </dgm:linClrLst>
+    <dgm:effectClrLst/>
+    <dgm:txLinClrLst/>
+    <dgm:txFillClrLst meth="repeat">
+      <a:schemeClr val="dk1"/>
+    </dgm:txFillClrLst>
+    <dgm:txEffectClrLst/>
+  </dgm:styleLbl>
+  <dgm:styleLbl name="fgAcc4">
+    <dgm:fillClrLst meth="repeat">
+      <a:schemeClr val="lt1">
+        <a:alpha val="90000"/>
+      </a:schemeClr>
+    </dgm:fillClrLst>
+    <dgm:linClrLst>
+      <a:schemeClr val="accent4"/>
+    </dgm:linClrLst>
+    <dgm:effectClrLst/>
+    <dgm:txLinClrLst/>
+    <dgm:txFillClrLst meth="repeat">
+      <a:schemeClr val="dk1"/>
+    </dgm:txFillClrLst>
+    <dgm:txEffectClrLst/>
+  </dgm:styleLbl>
+  <dgm:styleLbl name="bgShp">
+    <dgm:fillClrLst meth="repeat">
+      <a:schemeClr val="accent2"/>
+      <a:schemeClr val="accent3"/>
+      <a:schemeClr val="accent4"/>
+      <a:schemeClr val="accent5"/>
+      <a:schemeClr val="accent6"/>
+    </dgm:fillClrLst>
+    <dgm:linClrLst meth="repeat">
+      <a:schemeClr val="lt1">
+        <a:alpha val="0"/>
+      </a:schemeClr>
+    </dgm:linClrLst>
+    <dgm:effectClrLst/>
+    <dgm:txLinClrLst/>
+    <dgm:txFillClrLst/>
+    <dgm:txEffectClrLst/>
+  </dgm:styleLbl>
+  <dgm:styleLbl name="dkBgShp">
+    <dgm:fillClrLst meth="repeat">
+      <a:schemeClr val="accent2">
+        <a:shade val="90000"/>
+      </a:schemeClr>
+    </dgm:fillClrLst>
+    <dgm:linClrLst meth="repeat">
+      <a:schemeClr val="dk1"/>
+    </dgm:linClrLst>
+    <dgm:effectClrLst/>
+    <dgm:txLinClrLst/>
+    <dgm:txFillClrLst meth="repeat">
+      <a:schemeClr val="lt1"/>
+    </dgm:txFillClrLst>
+    <dgm:txEffectClrLst/>
+  </dgm:styleLbl>
+  <dgm:styleLbl name="trBgShp">
+    <dgm:fillClrLst meth="repeat">
+      <a:schemeClr val="accent1">
+        <a:tint val="50000"/>
+        <a:alpha val="40000"/>
+      </a:schemeClr>
+    </dgm:fillClrLst>
+    <dgm:linClrLst meth="repeat">
+      <a:schemeClr val="accent2"/>
+    </dgm:linClrLst>
+    <dgm:effectClrLst/>
+    <dgm:txLinClrLst/>
+    <dgm:txFillClrLst meth="repeat">
+      <a:schemeClr val="lt1"/>
+    </dgm:txFillClrLst>
+    <dgm:txEffectClrLst/>
+  </dgm:styleLbl>
+  <dgm:styleLbl name="fgShp">
+    <dgm:fillClrLst meth="repeat">
+      <a:schemeClr val="accent2">
+        <a:tint val="40000"/>
+      </a:schemeClr>
+    </dgm:fillClrLst>
+    <dgm:linClrLst meth="repeat">
+      <a:schemeClr val="lt1"/>
+    </dgm:linClrLst>
+    <dgm:effectClrLst/>
+    <dgm:txLinClrLst/>
+    <dgm:txFillClrLst meth="repeat">
+      <a:schemeClr val="dk1"/>
+    </dgm:txFillClrLst>
+    <dgm:txEffectClrLst/>
+  </dgm:styleLbl>
+  <dgm:styleLbl name="revTx">
+    <dgm:fillClrLst meth="repeat">
+      <a:schemeClr val="lt1">
+        <a:alpha val="0"/>
+      </a:schemeClr>
+    </dgm:fillClrLst>
+    <dgm:linClrLst meth="repeat">
+      <a:schemeClr val="dk1">
+        <a:alpha val="0"/>
+      </a:schemeClr>
+    </dgm:linClrLst>
+    <dgm:effectClrLst/>
+    <dgm:txLinClrLst/>
+    <dgm:txFillClrLst meth="repeat">
+      <a:schemeClr val="bg1"/>
+    </dgm:txFillClrLst>
+    <dgm:txEffectClrLst/>
+  </dgm:styleLbl>
+</dgm:colorsDef>
+</file>
+
+<file path=ppt/diagrams/data1.xml><?xml version="1.0" encoding="utf-8"?>
+<dgm:dataModel xmlns:dgm="http://schemas.openxmlformats.org/drawingml/2006/diagram" xmlns:a="http://schemas.openxmlformats.org/drawingml/2006/main">
+  <dgm:ptLst>
+    <dgm:pt modelId="{64F98948-3320-4B7F-80FB-AB1137B5078B}" type="doc">
+      <dgm:prSet loTypeId="urn:microsoft.com/office/officeart/2005/8/layout/hProcess10" loCatId="icon" qsTypeId="urn:microsoft.com/office/officeart/2005/8/quickstyle/simple1" qsCatId="simple" csTypeId="urn:microsoft.com/office/officeart/2018/5/colors/Iconchunking_neutralicontext_colorful1" csCatId="colorful" phldr="1"/>
+      <dgm:spPr/>
+      <dgm:t>
+        <a:bodyPr/>
+        <a:lstStyle/>
+        <a:p>
+          <a:endParaRPr lang="en-US"/>
+        </a:p>
+      </dgm:t>
+    </dgm:pt>
+    <dgm:pt modelId="{15F858BE-12F3-4653-B340-0B188B98203C}">
+      <dgm:prSet custT="1"/>
+      <dgm:spPr>
+        <a:noFill/>
+        <a:ln>
+          <a:noFill/>
+        </a:ln>
+      </dgm:spPr>
+      <dgm:t>
+        <a:bodyPr anchor="ctr"/>
+        <a:lstStyle/>
+        <a:p>
+          <a:pPr algn="ctr"/>
+          <a:r>
+            <a:rPr lang="en-US" sz="1600" kern="1200" dirty="0"/>
+            <a:t>Gateways/Devices, Prediction, Reward System</a:t>
+          </a:r>
+        </a:p>
+        <a:p>
+          <a:pPr algn="ctr"/>
+          <a:r>
+            <a:rPr lang="en-US" sz="1100" kern="1200" dirty="0">
+              <a:solidFill>
+                <a:srgbClr val="000000"/>
+              </a:solidFill>
+              <a:latin typeface="Century Gothic" panose="020F0302020204030204"/>
+              <a:ea typeface="+mn-ea"/>
+              <a:cs typeface="+mn-cs"/>
+            </a:rPr>
+            <a:t>(Fragiskos Fourlas) </a:t>
+          </a:r>
+        </a:p>
+      </dgm:t>
+    </dgm:pt>
+    <dgm:pt modelId="{A18FFBF8-8B7D-40D4-A330-31FF915469FD}" type="parTrans" cxnId="{DEBC30EA-F307-450A-9FE0-DE38E709B7C6}">
+      <dgm:prSet/>
+      <dgm:spPr/>
+      <dgm:t>
+        <a:bodyPr/>
+        <a:lstStyle/>
+        <a:p>
+          <a:pPr algn="ctr"/>
+          <a:endParaRPr lang="en-US" sz="1600">
+            <a:solidFill>
+              <a:schemeClr val="tx1"/>
+            </a:solidFill>
+          </a:endParaRPr>
+        </a:p>
+      </dgm:t>
+    </dgm:pt>
+    <dgm:pt modelId="{BAF7F54C-54BB-4E32-A3BE-70FDDE1ACC7A}" type="sibTrans" cxnId="{DEBC30EA-F307-450A-9FE0-DE38E709B7C6}">
+      <dgm:prSet/>
+      <dgm:spPr>
+        <a:solidFill>
+          <a:schemeClr val="accent3"/>
+        </a:solidFill>
+      </dgm:spPr>
+      <dgm:t>
+        <a:bodyPr/>
+        <a:lstStyle/>
+        <a:p>
+          <a:pPr algn="ctr"/>
+          <a:endParaRPr lang="en-US" sz="1600" dirty="0">
+            <a:solidFill>
+              <a:schemeClr val="tx1"/>
+            </a:solidFill>
+          </a:endParaRPr>
+        </a:p>
+      </dgm:t>
+    </dgm:pt>
+    <dgm:pt modelId="{18935234-F39B-4F64-9D3E-ECC198090598}">
+      <dgm:prSet custT="1"/>
+      <dgm:spPr>
+        <a:noFill/>
+        <a:ln>
+          <a:noFill/>
+        </a:ln>
+      </dgm:spPr>
+      <dgm:t>
+        <a:bodyPr anchor="ctr"/>
+        <a:lstStyle/>
+        <a:p>
+          <a:pPr marL="0" lvl="0" algn="ctr" defTabSz="711200">
+            <a:lnSpc>
+              <a:spcPct val="90000"/>
+            </a:lnSpc>
+            <a:spcBef>
+              <a:spcPct val="0"/>
+            </a:spcBef>
+            <a:spcAft>
+              <a:spcPct val="35000"/>
+            </a:spcAft>
+            <a:buNone/>
+          </a:pPr>
+          <a:r>
+            <a:rPr lang="en-US" sz="1600" kern="1200" dirty="0"/>
+            <a:t>Optimal Route, Server Structure, Database</a:t>
+          </a:r>
+        </a:p>
+        <a:p>
+          <a:pPr marL="0" lvl="0" algn="ctr" defTabSz="711200">
+            <a:lnSpc>
+              <a:spcPct val="90000"/>
+            </a:lnSpc>
+            <a:spcBef>
+              <a:spcPct val="0"/>
+            </a:spcBef>
+            <a:spcAft>
+              <a:spcPct val="35000"/>
+            </a:spcAft>
+            <a:buNone/>
+          </a:pPr>
+          <a:r>
+            <a:rPr lang="en-US" sz="1100" kern="1200" dirty="0">
+              <a:solidFill>
+                <a:srgbClr val="000000"/>
+              </a:solidFill>
+              <a:latin typeface="Century Gothic" panose="020F0302020204030204"/>
+              <a:ea typeface="+mn-ea"/>
+              <a:cs typeface="+mn-cs"/>
+            </a:rPr>
+            <a:t>(Marios Stamatopoulos)</a:t>
+          </a:r>
+        </a:p>
+      </dgm:t>
+    </dgm:pt>
+    <dgm:pt modelId="{B6CB3CF8-E647-4BD2-92CD-1EEA584C5221}" type="parTrans" cxnId="{91D2593C-7D74-43E8-BC24-122A9C83402E}">
+      <dgm:prSet/>
+      <dgm:spPr/>
+      <dgm:t>
+        <a:bodyPr/>
+        <a:lstStyle/>
+        <a:p>
+          <a:pPr algn="ctr"/>
+          <a:endParaRPr lang="en-US" sz="1600">
+            <a:solidFill>
+              <a:schemeClr val="tx1"/>
+            </a:solidFill>
+          </a:endParaRPr>
+        </a:p>
+      </dgm:t>
+    </dgm:pt>
+    <dgm:pt modelId="{A80C0A60-9866-4750-AF50-82E6D30D27C4}" type="sibTrans" cxnId="{91D2593C-7D74-43E8-BC24-122A9C83402E}">
+      <dgm:prSet/>
+      <dgm:spPr/>
+      <dgm:t>
+        <a:bodyPr/>
+        <a:lstStyle/>
+        <a:p>
+          <a:pPr algn="ctr"/>
+          <a:endParaRPr lang="en-US" sz="1600" dirty="0">
+            <a:solidFill>
+              <a:schemeClr val="tx1"/>
+            </a:solidFill>
+          </a:endParaRPr>
+        </a:p>
+      </dgm:t>
+    </dgm:pt>
+    <dgm:pt modelId="{3CA3A262-78E2-46B9-86B9-EC5A18FB14DE}">
+      <dgm:prSet custT="1"/>
+      <dgm:spPr>
+        <a:noFill/>
+        <a:ln>
+          <a:noFill/>
+        </a:ln>
+      </dgm:spPr>
+      <dgm:t>
+        <a:bodyPr anchor="ctr"/>
+        <a:lstStyle/>
+        <a:p>
+          <a:pPr algn="ctr"/>
+          <a:r>
+            <a:rPr lang="en-US" sz="1600" kern="1200" dirty="0"/>
+            <a:t>Frontend Design and Structure, Data Analysis</a:t>
+          </a:r>
+        </a:p>
+        <a:p>
+          <a:pPr algn="ctr"/>
+          <a:r>
+            <a:rPr lang="en-US" sz="1100" kern="1200" dirty="0">
+              <a:solidFill>
+                <a:srgbClr val="000000"/>
+              </a:solidFill>
+              <a:latin typeface="Century Gothic" panose="020F0302020204030204"/>
+              <a:ea typeface="+mn-ea"/>
+              <a:cs typeface="+mn-cs"/>
+            </a:rPr>
+            <a:t>(Nikos Panagiotopoulos) </a:t>
+          </a:r>
+          <a:endParaRPr lang="LID4096" sz="1100" kern="1200" dirty="0">
+            <a:solidFill>
+              <a:srgbClr val="000000"/>
+            </a:solidFill>
+            <a:latin typeface="Century Gothic" panose="020F0302020204030204"/>
+            <a:ea typeface="+mn-ea"/>
+            <a:cs typeface="+mn-cs"/>
+          </a:endParaRPr>
+        </a:p>
+      </dgm:t>
+    </dgm:pt>
+    <dgm:pt modelId="{6BBE6B70-7535-4543-9D22-9A5FD3AA825E}" type="parTrans" cxnId="{DA22B488-0463-414F-B875-46191CF8188F}">
+      <dgm:prSet/>
+      <dgm:spPr/>
+      <dgm:t>
+        <a:bodyPr/>
+        <a:lstStyle/>
+        <a:p>
+          <a:pPr algn="ctr"/>
+          <a:endParaRPr lang="en-US" sz="1600">
+            <a:solidFill>
+              <a:schemeClr val="tx1"/>
+            </a:solidFill>
+          </a:endParaRPr>
+        </a:p>
+      </dgm:t>
+    </dgm:pt>
+    <dgm:pt modelId="{B3A5339B-3B69-46DF-810A-B2517955555D}" type="sibTrans" cxnId="{DA22B488-0463-414F-B875-46191CF8188F}">
+      <dgm:prSet/>
+      <dgm:spPr/>
+      <dgm:t>
+        <a:bodyPr/>
+        <a:lstStyle/>
+        <a:p>
+          <a:pPr algn="ctr"/>
+          <a:endParaRPr lang="en-US" sz="1600">
+            <a:solidFill>
+              <a:schemeClr val="tx1"/>
+            </a:solidFill>
+          </a:endParaRPr>
+        </a:p>
+      </dgm:t>
+    </dgm:pt>
+    <dgm:pt modelId="{D71E86D0-6050-6B48-A8A5-4C1AB935F287}" type="pres">
+      <dgm:prSet presAssocID="{64F98948-3320-4B7F-80FB-AB1137B5078B}" presName="Name0" presStyleCnt="0">
+        <dgm:presLayoutVars>
+          <dgm:dir/>
+          <dgm:resizeHandles val="exact"/>
+        </dgm:presLayoutVars>
+      </dgm:prSet>
+      <dgm:spPr/>
+    </dgm:pt>
+    <dgm:pt modelId="{5E553F33-6118-FB40-89F3-15938F669FBE}" type="pres">
+      <dgm:prSet presAssocID="{15F858BE-12F3-4653-B340-0B188B98203C}" presName="composite" presStyleCnt="0"/>
+      <dgm:spPr/>
+    </dgm:pt>
+    <dgm:pt modelId="{F217DEC4-0687-9546-AFDA-7F63E3E4E63D}" type="pres">
+      <dgm:prSet presAssocID="{15F858BE-12F3-4653-B340-0B188B98203C}" presName="imagSh" presStyleLbl="bgImgPlace1" presStyleIdx="0" presStyleCnt="3" custScaleX="60833" custScaleY="68683" custLinFactNeighborX="15146" custLinFactNeighborY="810"/>
+      <dgm:spPr>
+        <a:blipFill>
+          <a:blip xmlns:r="http://schemas.openxmlformats.org/officeDocument/2006/relationships" r:embed="rId1">
+            <a:extLst>
+              <a:ext uri="{28A0092B-C50C-407E-A947-70E740481C1C}">
+                <a14:useLocalDpi xmlns:a14="http://schemas.microsoft.com/office/drawing/2010/main" val="0"/>
+              </a:ext>
+              <a:ext uri="{96DAC541-7B7A-43D3-8B79-37D633B846F1}">
+                <asvg:svgBlip xmlns:asvg="http://schemas.microsoft.com/office/drawing/2016/SVG/main" r:embed="rId2"/>
+              </a:ext>
+            </a:extLst>
+          </a:blip>
+          <a:srcRect/>
+          <a:stretch>
+            <a:fillRect/>
+          </a:stretch>
+        </a:blipFill>
+        <a:ln>
+          <a:noFill/>
+        </a:ln>
+      </dgm:spPr>
+      <dgm:extLst>
+        <a:ext uri="{E40237B7-FDA0-4F09-8148-C483321AD2D9}">
+          <dgm14:cNvPr xmlns:dgm14="http://schemas.microsoft.com/office/drawing/2010/diagram" id="0" name="" descr="Database with solid fill"/>
+        </a:ext>
+      </dgm:extLst>
+    </dgm:pt>
+    <dgm:pt modelId="{F7010F18-F6C1-6244-999C-6F4826BFEE21}" type="pres">
+      <dgm:prSet presAssocID="{15F858BE-12F3-4653-B340-0B188B98203C}" presName="txNode" presStyleLbl="node1" presStyleIdx="0" presStyleCnt="3" custScaleY="100000">
+        <dgm:presLayoutVars>
+          <dgm:bulletEnabled val="1"/>
+        </dgm:presLayoutVars>
+      </dgm:prSet>
+      <dgm:spPr/>
+    </dgm:pt>
+    <dgm:pt modelId="{B48CEBB2-ABEF-3441-AEA3-83AB1BDCA6CB}" type="pres">
+      <dgm:prSet presAssocID="{BAF7F54C-54BB-4E32-A3BE-70FDDE1ACC7A}" presName="sibTrans" presStyleLbl="sibTrans2D1" presStyleIdx="0" presStyleCnt="2" custScaleX="91776"/>
+      <dgm:spPr>
+        <a:prstGeom prst="mathPlus">
+          <a:avLst/>
+        </a:prstGeom>
+      </dgm:spPr>
+    </dgm:pt>
+    <dgm:pt modelId="{CDFD3779-0C6D-ED4A-8A25-EEFA7EDEEBA8}" type="pres">
+      <dgm:prSet presAssocID="{BAF7F54C-54BB-4E32-A3BE-70FDDE1ACC7A}" presName="connTx" presStyleLbl="sibTrans2D1" presStyleIdx="0" presStyleCnt="2"/>
+      <dgm:spPr/>
+    </dgm:pt>
+    <dgm:pt modelId="{A3D74D30-2AE4-A945-80A5-CE2E48807439}" type="pres">
+      <dgm:prSet presAssocID="{18935234-F39B-4F64-9D3E-ECC198090598}" presName="composite" presStyleCnt="0"/>
+      <dgm:spPr/>
+    </dgm:pt>
+    <dgm:pt modelId="{E284C749-1295-0C4F-B1FC-783A25129564}" type="pres">
+      <dgm:prSet presAssocID="{18935234-F39B-4F64-9D3E-ECC198090598}" presName="imagSh" presStyleLbl="bgImgPlace1" presStyleIdx="1" presStyleCnt="3" custScaleX="60833" custScaleY="68683" custLinFactNeighborX="15146" custLinFactNeighborY="810"/>
+      <dgm:spPr>
+        <a:blipFill>
+          <a:blip xmlns:r="http://schemas.openxmlformats.org/officeDocument/2006/relationships" r:embed="rId3">
+            <a:extLst>
+              <a:ext uri="{96DAC541-7B7A-43D3-8B79-37D633B846F1}">
+                <asvg:svgBlip xmlns:asvg="http://schemas.microsoft.com/office/drawing/2016/SVG/main" r:embed="rId4"/>
+              </a:ext>
+            </a:extLst>
+          </a:blip>
+          <a:srcRect/>
+          <a:stretch>
+            <a:fillRect/>
+          </a:stretch>
+        </a:blipFill>
+        <a:ln>
+          <a:noFill/>
+        </a:ln>
+      </dgm:spPr>
+      <dgm:extLst>
+        <a:ext uri="{E40237B7-FDA0-4F09-8148-C483321AD2D9}">
+          <dgm14:cNvPr xmlns:dgm14="http://schemas.microsoft.com/office/drawing/2010/diagram" id="0" name="" descr="Server with solid fill"/>
+        </a:ext>
+      </dgm:extLst>
+    </dgm:pt>
+    <dgm:pt modelId="{81E0535B-114E-6F49-902E-9793A88FD7A2}" type="pres">
+      <dgm:prSet presAssocID="{18935234-F39B-4F64-9D3E-ECC198090598}" presName="txNode" presStyleLbl="node1" presStyleIdx="1" presStyleCnt="3" custScaleY="100000">
+        <dgm:presLayoutVars>
+          <dgm:bulletEnabled val="1"/>
+        </dgm:presLayoutVars>
+      </dgm:prSet>
+      <dgm:spPr/>
+    </dgm:pt>
+    <dgm:pt modelId="{F44E78FC-A2BF-B94F-9C95-C81B202ABE44}" type="pres">
+      <dgm:prSet presAssocID="{A80C0A60-9866-4750-AF50-82E6D30D27C4}" presName="sibTrans" presStyleLbl="sibTrans2D1" presStyleIdx="1" presStyleCnt="2" custScaleX="81572" custScaleY="95359"/>
+      <dgm:spPr>
+        <a:prstGeom prst="mathPlus">
+          <a:avLst/>
+        </a:prstGeom>
+      </dgm:spPr>
+    </dgm:pt>
+    <dgm:pt modelId="{CE0FA63C-09D8-934F-91B5-588B4F27B949}" type="pres">
+      <dgm:prSet presAssocID="{A80C0A60-9866-4750-AF50-82E6D30D27C4}" presName="connTx" presStyleLbl="sibTrans2D1" presStyleIdx="1" presStyleCnt="2"/>
+      <dgm:spPr/>
+    </dgm:pt>
+    <dgm:pt modelId="{CC379880-0DFC-BC40-8044-92B945203AD3}" type="pres">
+      <dgm:prSet presAssocID="{3CA3A262-78E2-46B9-86B9-EC5A18FB14DE}" presName="composite" presStyleCnt="0"/>
+      <dgm:spPr/>
+    </dgm:pt>
+    <dgm:pt modelId="{1CADC06F-09C6-D742-9130-63CA66649117}" type="pres">
+      <dgm:prSet presAssocID="{3CA3A262-78E2-46B9-86B9-EC5A18FB14DE}" presName="imagSh" presStyleLbl="bgImgPlace1" presStyleIdx="2" presStyleCnt="3" custScaleX="60833" custScaleY="68683" custLinFactNeighborX="15146" custLinFactNeighborY="810"/>
+      <dgm:spPr>
+        <a:blipFill>
+          <a:blip xmlns:r="http://schemas.openxmlformats.org/officeDocument/2006/relationships" r:embed="rId5">
+            <a:extLst>
+              <a:ext uri="{96DAC541-7B7A-43D3-8B79-37D633B846F1}">
+                <asvg:svgBlip xmlns:asvg="http://schemas.microsoft.com/office/drawing/2016/SVG/main" r:embed="rId6"/>
+              </a:ext>
+            </a:extLst>
+          </a:blip>
+          <a:srcRect/>
+          <a:stretch>
+            <a:fillRect/>
+          </a:stretch>
+        </a:blipFill>
+        <a:ln>
+          <a:noFill/>
+        </a:ln>
+      </dgm:spPr>
+      <dgm:extLst>
+        <a:ext uri="{E40237B7-FDA0-4F09-8148-C483321AD2D9}">
+          <dgm14:cNvPr xmlns:dgm14="http://schemas.microsoft.com/office/drawing/2010/diagram" id="0" name="" descr="Online meeting with solid fill"/>
+        </a:ext>
+      </dgm:extLst>
+    </dgm:pt>
+    <dgm:pt modelId="{6F26F383-AACD-1A41-8F77-717FC223BEE0}" type="pres">
+      <dgm:prSet presAssocID="{3CA3A262-78E2-46B9-86B9-EC5A18FB14DE}" presName="txNode" presStyleLbl="node1" presStyleIdx="2" presStyleCnt="3" custScaleY="100000">
+        <dgm:presLayoutVars>
+          <dgm:bulletEnabled val="1"/>
+        </dgm:presLayoutVars>
+      </dgm:prSet>
+      <dgm:spPr/>
+    </dgm:pt>
+  </dgm:ptLst>
+  <dgm:cxnLst>
+    <dgm:cxn modelId="{27B18F13-75D9-B34B-B64A-0CEE13570B09}" type="presOf" srcId="{64F98948-3320-4B7F-80FB-AB1137B5078B}" destId="{D71E86D0-6050-6B48-A8A5-4C1AB935F287}" srcOrd="0" destOrd="0" presId="urn:microsoft.com/office/officeart/2005/8/layout/hProcess10"/>
+    <dgm:cxn modelId="{6F956729-1A9D-7C40-835D-B4CB60071877}" type="presOf" srcId="{BAF7F54C-54BB-4E32-A3BE-70FDDE1ACC7A}" destId="{CDFD3779-0C6D-ED4A-8A25-EEFA7EDEEBA8}" srcOrd="1" destOrd="0" presId="urn:microsoft.com/office/officeart/2005/8/layout/hProcess10"/>
+    <dgm:cxn modelId="{9616F733-D614-9E49-B45A-F626C05E0A0A}" type="presOf" srcId="{BAF7F54C-54BB-4E32-A3BE-70FDDE1ACC7A}" destId="{B48CEBB2-ABEF-3441-AEA3-83AB1BDCA6CB}" srcOrd="0" destOrd="0" presId="urn:microsoft.com/office/officeart/2005/8/layout/hProcess10"/>
+    <dgm:cxn modelId="{91D2593C-7D74-43E8-BC24-122A9C83402E}" srcId="{64F98948-3320-4B7F-80FB-AB1137B5078B}" destId="{18935234-F39B-4F64-9D3E-ECC198090598}" srcOrd="1" destOrd="0" parTransId="{B6CB3CF8-E647-4BD2-92CD-1EEA584C5221}" sibTransId="{A80C0A60-9866-4750-AF50-82E6D30D27C4}"/>
+    <dgm:cxn modelId="{03765778-F70E-4E4F-AD78-3E86BF49035E}" type="presOf" srcId="{15F858BE-12F3-4653-B340-0B188B98203C}" destId="{F7010F18-F6C1-6244-999C-6F4826BFEE21}" srcOrd="0" destOrd="0" presId="urn:microsoft.com/office/officeart/2005/8/layout/hProcess10"/>
+    <dgm:cxn modelId="{FA95D97D-CE2A-9F49-A6D8-18333FD66426}" type="presOf" srcId="{A80C0A60-9866-4750-AF50-82E6D30D27C4}" destId="{CE0FA63C-09D8-934F-91B5-588B4F27B949}" srcOrd="1" destOrd="0" presId="urn:microsoft.com/office/officeart/2005/8/layout/hProcess10"/>
+    <dgm:cxn modelId="{DA22B488-0463-414F-B875-46191CF8188F}" srcId="{64F98948-3320-4B7F-80FB-AB1137B5078B}" destId="{3CA3A262-78E2-46B9-86B9-EC5A18FB14DE}" srcOrd="2" destOrd="0" parTransId="{6BBE6B70-7535-4543-9D22-9A5FD3AA825E}" sibTransId="{B3A5339B-3B69-46DF-810A-B2517955555D}"/>
+    <dgm:cxn modelId="{B8ABA3B5-ECCC-6D46-B337-803116BB5AAA}" type="presOf" srcId="{3CA3A262-78E2-46B9-86B9-EC5A18FB14DE}" destId="{6F26F383-AACD-1A41-8F77-717FC223BEE0}" srcOrd="0" destOrd="0" presId="urn:microsoft.com/office/officeart/2005/8/layout/hProcess10"/>
+    <dgm:cxn modelId="{4A25D3B6-6AC7-174D-97D6-3E8F48F4E771}" type="presOf" srcId="{A80C0A60-9866-4750-AF50-82E6D30D27C4}" destId="{F44E78FC-A2BF-B94F-9C95-C81B202ABE44}" srcOrd="0" destOrd="0" presId="urn:microsoft.com/office/officeart/2005/8/layout/hProcess10"/>
+    <dgm:cxn modelId="{520D18E4-D231-574D-B64D-D6C4244C1E3F}" type="presOf" srcId="{18935234-F39B-4F64-9D3E-ECC198090598}" destId="{81E0535B-114E-6F49-902E-9793A88FD7A2}" srcOrd="0" destOrd="0" presId="urn:microsoft.com/office/officeart/2005/8/layout/hProcess10"/>
+    <dgm:cxn modelId="{DEBC30EA-F307-450A-9FE0-DE38E709B7C6}" srcId="{64F98948-3320-4B7F-80FB-AB1137B5078B}" destId="{15F858BE-12F3-4653-B340-0B188B98203C}" srcOrd="0" destOrd="0" parTransId="{A18FFBF8-8B7D-40D4-A330-31FF915469FD}" sibTransId="{BAF7F54C-54BB-4E32-A3BE-70FDDE1ACC7A}"/>
+    <dgm:cxn modelId="{46AC3F03-13B1-1343-BFE4-0F50E71E66C0}" type="presParOf" srcId="{D71E86D0-6050-6B48-A8A5-4C1AB935F287}" destId="{5E553F33-6118-FB40-89F3-15938F669FBE}" srcOrd="0" destOrd="0" presId="urn:microsoft.com/office/officeart/2005/8/layout/hProcess10"/>
+    <dgm:cxn modelId="{8580CD58-3D7E-EC4B-A618-A71A19674BD4}" type="presParOf" srcId="{5E553F33-6118-FB40-89F3-15938F669FBE}" destId="{F217DEC4-0687-9546-AFDA-7F63E3E4E63D}" srcOrd="0" destOrd="0" presId="urn:microsoft.com/office/officeart/2005/8/layout/hProcess10"/>
+    <dgm:cxn modelId="{8832B1FF-2E99-6E4A-B3E5-AD220CD534D2}" type="presParOf" srcId="{5E553F33-6118-FB40-89F3-15938F669FBE}" destId="{F7010F18-F6C1-6244-999C-6F4826BFEE21}" srcOrd="1" destOrd="0" presId="urn:microsoft.com/office/officeart/2005/8/layout/hProcess10"/>
+    <dgm:cxn modelId="{E928AE63-7C58-C647-8CA7-D733A4A11C59}" type="presParOf" srcId="{D71E86D0-6050-6B48-A8A5-4C1AB935F287}" destId="{B48CEBB2-ABEF-3441-AEA3-83AB1BDCA6CB}" srcOrd="1" destOrd="0" presId="urn:microsoft.com/office/officeart/2005/8/layout/hProcess10"/>
+    <dgm:cxn modelId="{D946D881-929D-7149-A7CB-7987A68A33E0}" type="presParOf" srcId="{B48CEBB2-ABEF-3441-AEA3-83AB1BDCA6CB}" destId="{CDFD3779-0C6D-ED4A-8A25-EEFA7EDEEBA8}" srcOrd="0" destOrd="0" presId="urn:microsoft.com/office/officeart/2005/8/layout/hProcess10"/>
+    <dgm:cxn modelId="{1C441F21-4D72-4C47-A4E2-DC24F297A352}" type="presParOf" srcId="{D71E86D0-6050-6B48-A8A5-4C1AB935F287}" destId="{A3D74D30-2AE4-A945-80A5-CE2E48807439}" srcOrd="2" destOrd="0" presId="urn:microsoft.com/office/officeart/2005/8/layout/hProcess10"/>
+    <dgm:cxn modelId="{2C29130C-C5FA-D64C-B3BC-C99144A11EB4}" type="presParOf" srcId="{A3D74D30-2AE4-A945-80A5-CE2E48807439}" destId="{E284C749-1295-0C4F-B1FC-783A25129564}" srcOrd="0" destOrd="0" presId="urn:microsoft.com/office/officeart/2005/8/layout/hProcess10"/>
+    <dgm:cxn modelId="{AB5DF83F-E407-4246-81AD-A56189C2D1D2}" type="presParOf" srcId="{A3D74D30-2AE4-A945-80A5-CE2E48807439}" destId="{81E0535B-114E-6F49-902E-9793A88FD7A2}" srcOrd="1" destOrd="0" presId="urn:microsoft.com/office/officeart/2005/8/layout/hProcess10"/>
+    <dgm:cxn modelId="{3A42A652-9223-0A45-B184-77E224F805A9}" type="presParOf" srcId="{D71E86D0-6050-6B48-A8A5-4C1AB935F287}" destId="{F44E78FC-A2BF-B94F-9C95-C81B202ABE44}" srcOrd="3" destOrd="0" presId="urn:microsoft.com/office/officeart/2005/8/layout/hProcess10"/>
+    <dgm:cxn modelId="{8CD4F962-B721-DD42-82DB-E2046F67DB86}" type="presParOf" srcId="{F44E78FC-A2BF-B94F-9C95-C81B202ABE44}" destId="{CE0FA63C-09D8-934F-91B5-588B4F27B949}" srcOrd="0" destOrd="0" presId="urn:microsoft.com/office/officeart/2005/8/layout/hProcess10"/>
+    <dgm:cxn modelId="{930649C5-0765-BF44-A3AD-D9E65EA3AFB8}" type="presParOf" srcId="{D71E86D0-6050-6B48-A8A5-4C1AB935F287}" destId="{CC379880-0DFC-BC40-8044-92B945203AD3}" srcOrd="4" destOrd="0" presId="urn:microsoft.com/office/officeart/2005/8/layout/hProcess10"/>
+    <dgm:cxn modelId="{70B6C8CE-D2E4-5F4D-99D9-1D09E7629BF9}" type="presParOf" srcId="{CC379880-0DFC-BC40-8044-92B945203AD3}" destId="{1CADC06F-09C6-D742-9130-63CA66649117}" srcOrd="0" destOrd="0" presId="urn:microsoft.com/office/officeart/2005/8/layout/hProcess10"/>
+    <dgm:cxn modelId="{F9624D1E-E935-CF40-A145-8C716413BC3B}" type="presParOf" srcId="{CC379880-0DFC-BC40-8044-92B945203AD3}" destId="{6F26F383-AACD-1A41-8F77-717FC223BEE0}" srcOrd="1" destOrd="0" presId="urn:microsoft.com/office/officeart/2005/8/layout/hProcess10"/>
+  </dgm:cxnLst>
+  <dgm:bg/>
+  <dgm:whole/>
+  <dgm:extLst>
+    <a:ext uri="http://schemas.microsoft.com/office/drawing/2008/diagram">
+      <dsp:dataModelExt xmlns:dsp="http://schemas.microsoft.com/office/drawing/2008/diagram" relId="rId6" minVer="http://schemas.openxmlformats.org/drawingml/2006/diagram"/>
+    </a:ext>
+  </dgm:extLst>
+</dgm:dataModel>
+</file>
+
+<file path=ppt/diagrams/data2.xml><?xml version="1.0" encoding="utf-8"?>
+<dgm:dataModel xmlns:dgm="http://schemas.openxmlformats.org/drawingml/2006/diagram" xmlns:a="http://schemas.openxmlformats.org/drawingml/2006/main">
+  <dgm:ptLst>
+    <dgm:pt modelId="{64F98948-3320-4B7F-80FB-AB1137B5078B}" type="doc">
+      <dgm:prSet loTypeId="urn:microsoft.com/office/officeart/2005/8/layout/hProcess10" loCatId="icon" qsTypeId="urn:microsoft.com/office/officeart/2005/8/quickstyle/simple1" qsCatId="simple" csTypeId="urn:microsoft.com/office/officeart/2018/5/colors/Iconchunking_neutralicontext_colorful1" csCatId="colorful" phldr="1"/>
+      <dgm:spPr/>
+      <dgm:t>
+        <a:bodyPr/>
+        <a:lstStyle/>
+        <a:p>
+          <a:endParaRPr lang="en-US"/>
+        </a:p>
+      </dgm:t>
+    </dgm:pt>
+    <dgm:pt modelId="{15F858BE-12F3-4653-B340-0B188B98203C}">
+      <dgm:prSet custT="1"/>
+      <dgm:spPr>
+        <a:noFill/>
+        <a:ln>
+          <a:noFill/>
+        </a:ln>
+      </dgm:spPr>
+      <dgm:t>
+        <a:bodyPr anchor="ctr"/>
+        <a:lstStyle/>
+        <a:p>
+          <a:pPr algn="ctr"/>
+          <a:r>
+            <a:rPr lang="en-US" sz="1600" dirty="0">
+              <a:solidFill>
+                <a:schemeClr val="tx1"/>
+              </a:solidFill>
+            </a:rPr>
+            <a:t>Announce Bounty</a:t>
+          </a:r>
+        </a:p>
+        <a:p>
+          <a:pPr algn="ctr"/>
+          <a:r>
+            <a:rPr lang="en-US" sz="1100" dirty="0">
+              <a:solidFill>
+                <a:schemeClr val="tx1"/>
+              </a:solidFill>
+            </a:rPr>
+            <a:t>(e.g. Tilting bin, Empty battery)</a:t>
+          </a:r>
+        </a:p>
+      </dgm:t>
+    </dgm:pt>
+    <dgm:pt modelId="{A18FFBF8-8B7D-40D4-A330-31FF915469FD}" type="parTrans" cxnId="{DEBC30EA-F307-450A-9FE0-DE38E709B7C6}">
+      <dgm:prSet/>
+      <dgm:spPr/>
+      <dgm:t>
+        <a:bodyPr/>
+        <a:lstStyle/>
+        <a:p>
+          <a:pPr algn="ctr"/>
+          <a:endParaRPr lang="en-US" sz="1600">
+            <a:solidFill>
+              <a:schemeClr val="tx1"/>
+            </a:solidFill>
+          </a:endParaRPr>
+        </a:p>
+      </dgm:t>
+    </dgm:pt>
+    <dgm:pt modelId="{BAF7F54C-54BB-4E32-A3BE-70FDDE1ACC7A}" type="sibTrans" cxnId="{DEBC30EA-F307-450A-9FE0-DE38E709B7C6}">
+      <dgm:prSet/>
+      <dgm:spPr>
+        <a:solidFill>
+          <a:schemeClr val="accent3"/>
+        </a:solidFill>
+      </dgm:spPr>
+      <dgm:t>
+        <a:bodyPr/>
+        <a:lstStyle/>
+        <a:p>
+          <a:pPr algn="ctr"/>
+          <a:endParaRPr lang="en-US" sz="1600" dirty="0">
+            <a:solidFill>
+              <a:schemeClr val="tx1"/>
+            </a:solidFill>
+          </a:endParaRPr>
+        </a:p>
+      </dgm:t>
+    </dgm:pt>
+    <dgm:pt modelId="{18935234-F39B-4F64-9D3E-ECC198090598}">
+      <dgm:prSet custT="1"/>
+      <dgm:spPr>
+        <a:noFill/>
+        <a:ln>
+          <a:noFill/>
+        </a:ln>
+      </dgm:spPr>
+      <dgm:t>
+        <a:bodyPr anchor="ctr"/>
+        <a:lstStyle/>
+        <a:p>
+          <a:pPr algn="ctr"/>
+          <a:r>
+            <a:rPr lang="en-US" sz="1600" dirty="0">
+              <a:solidFill>
+                <a:schemeClr val="tx1"/>
+              </a:solidFill>
+            </a:rPr>
+            <a:t>Award Points</a:t>
+          </a:r>
+        </a:p>
+      </dgm:t>
+    </dgm:pt>
+    <dgm:pt modelId="{B6CB3CF8-E647-4BD2-92CD-1EEA584C5221}" type="parTrans" cxnId="{91D2593C-7D74-43E8-BC24-122A9C83402E}">
+      <dgm:prSet/>
+      <dgm:spPr/>
+      <dgm:t>
+        <a:bodyPr/>
+        <a:lstStyle/>
+        <a:p>
+          <a:pPr algn="ctr"/>
+          <a:endParaRPr lang="en-US" sz="1600">
+            <a:solidFill>
+              <a:schemeClr val="tx1"/>
+            </a:solidFill>
+          </a:endParaRPr>
+        </a:p>
+      </dgm:t>
+    </dgm:pt>
+    <dgm:pt modelId="{A80C0A60-9866-4750-AF50-82E6D30D27C4}" type="sibTrans" cxnId="{91D2593C-7D74-43E8-BC24-122A9C83402E}">
+      <dgm:prSet/>
+      <dgm:spPr/>
+      <dgm:t>
+        <a:bodyPr/>
+        <a:lstStyle/>
+        <a:p>
+          <a:pPr algn="ctr"/>
+          <a:endParaRPr lang="en-US" sz="1600" dirty="0">
+            <a:solidFill>
+              <a:schemeClr val="tx1"/>
+            </a:solidFill>
+          </a:endParaRPr>
+        </a:p>
+      </dgm:t>
+    </dgm:pt>
+    <dgm:pt modelId="{3CA3A262-78E2-46B9-86B9-EC5A18FB14DE}">
+      <dgm:prSet custT="1"/>
+      <dgm:spPr>
+        <a:noFill/>
+        <a:ln>
+          <a:noFill/>
+        </a:ln>
+      </dgm:spPr>
+      <dgm:t>
+        <a:bodyPr anchor="ctr"/>
+        <a:lstStyle/>
+        <a:p>
+          <a:pPr algn="ctr"/>
+          <a:r>
+            <a:rPr lang="en-US" sz="1600" dirty="0">
+              <a:solidFill>
+                <a:schemeClr val="tx1"/>
+              </a:solidFill>
+            </a:rPr>
+            <a:t>Citizens Redeem for Vouchers</a:t>
+          </a:r>
+          <a:endParaRPr lang="LID4096" sz="1600" dirty="0">
+            <a:solidFill>
+              <a:schemeClr val="tx1"/>
+            </a:solidFill>
+          </a:endParaRPr>
+        </a:p>
+      </dgm:t>
+    </dgm:pt>
+    <dgm:pt modelId="{6BBE6B70-7535-4543-9D22-9A5FD3AA825E}" type="parTrans" cxnId="{DA22B488-0463-414F-B875-46191CF8188F}">
+      <dgm:prSet/>
+      <dgm:spPr/>
+      <dgm:t>
+        <a:bodyPr/>
+        <a:lstStyle/>
+        <a:p>
+          <a:pPr algn="ctr"/>
+          <a:endParaRPr lang="en-US" sz="1600">
+            <a:solidFill>
+              <a:schemeClr val="tx1"/>
+            </a:solidFill>
+          </a:endParaRPr>
+        </a:p>
+      </dgm:t>
+    </dgm:pt>
+    <dgm:pt modelId="{B3A5339B-3B69-46DF-810A-B2517955555D}" type="sibTrans" cxnId="{DA22B488-0463-414F-B875-46191CF8188F}">
+      <dgm:prSet/>
+      <dgm:spPr/>
+      <dgm:t>
+        <a:bodyPr/>
+        <a:lstStyle/>
+        <a:p>
+          <a:pPr algn="ctr"/>
+          <a:endParaRPr lang="en-US" sz="1600">
+            <a:solidFill>
+              <a:schemeClr val="tx1"/>
+            </a:solidFill>
+          </a:endParaRPr>
+        </a:p>
+      </dgm:t>
+    </dgm:pt>
+    <dgm:pt modelId="{D71E86D0-6050-6B48-A8A5-4C1AB935F287}" type="pres">
+      <dgm:prSet presAssocID="{64F98948-3320-4B7F-80FB-AB1137B5078B}" presName="Name0" presStyleCnt="0">
+        <dgm:presLayoutVars>
+          <dgm:dir/>
+          <dgm:resizeHandles val="exact"/>
+        </dgm:presLayoutVars>
+      </dgm:prSet>
+      <dgm:spPr/>
+    </dgm:pt>
+    <dgm:pt modelId="{5E553F33-6118-FB40-89F3-15938F669FBE}" type="pres">
+      <dgm:prSet presAssocID="{15F858BE-12F3-4653-B340-0B188B98203C}" presName="composite" presStyleCnt="0"/>
+      <dgm:spPr/>
+    </dgm:pt>
+    <dgm:pt modelId="{F217DEC4-0687-9546-AFDA-7F63E3E4E63D}" type="pres">
+      <dgm:prSet presAssocID="{15F858BE-12F3-4653-B340-0B188B98203C}" presName="imagSh" presStyleLbl="bgImgPlace1" presStyleIdx="0" presStyleCnt="3" custScaleX="60833" custScaleY="68683" custLinFactNeighborX="15146" custLinFactNeighborY="810"/>
+      <dgm:spPr>
+        <a:blipFill>
+          <a:blip xmlns:r="http://schemas.openxmlformats.org/officeDocument/2006/relationships" r:embed="rId1">
+            <a:extLst>
+              <a:ext uri="{96DAC541-7B7A-43D3-8B79-37D633B846F1}">
+                <asvg:svgBlip xmlns:asvg="http://schemas.microsoft.com/office/drawing/2016/SVG/main" r:embed="rId2"/>
+              </a:ext>
+            </a:extLst>
+          </a:blip>
+          <a:srcRect/>
+          <a:stretch>
+            <a:fillRect/>
+          </a:stretch>
+        </a:blipFill>
+        <a:ln>
+          <a:noFill/>
+        </a:ln>
+      </dgm:spPr>
+      <dgm:extLst>
+        <a:ext uri="{E40237B7-FDA0-4F09-8148-C483321AD2D9}">
+          <dgm14:cNvPr xmlns:dgm14="http://schemas.microsoft.com/office/drawing/2010/diagram" id="0" name="" descr="Chat RTL"/>
+        </a:ext>
+      </dgm:extLst>
+    </dgm:pt>
+    <dgm:pt modelId="{F7010F18-F6C1-6244-999C-6F4826BFEE21}" type="pres">
+      <dgm:prSet presAssocID="{15F858BE-12F3-4653-B340-0B188B98203C}" presName="txNode" presStyleLbl="node1" presStyleIdx="0" presStyleCnt="3" custScaleY="100000">
+        <dgm:presLayoutVars>
+          <dgm:bulletEnabled val="1"/>
+        </dgm:presLayoutVars>
+      </dgm:prSet>
+      <dgm:spPr/>
+    </dgm:pt>
+    <dgm:pt modelId="{B48CEBB2-ABEF-3441-AEA3-83AB1BDCA6CB}" type="pres">
+      <dgm:prSet presAssocID="{BAF7F54C-54BB-4E32-A3BE-70FDDE1ACC7A}" presName="sibTrans" presStyleLbl="sibTrans2D1" presStyleIdx="0" presStyleCnt="2"/>
+      <dgm:spPr/>
+    </dgm:pt>
+    <dgm:pt modelId="{CDFD3779-0C6D-ED4A-8A25-EEFA7EDEEBA8}" type="pres">
+      <dgm:prSet presAssocID="{BAF7F54C-54BB-4E32-A3BE-70FDDE1ACC7A}" presName="connTx" presStyleLbl="sibTrans2D1" presStyleIdx="0" presStyleCnt="2"/>
+      <dgm:spPr/>
+    </dgm:pt>
+    <dgm:pt modelId="{A3D74D30-2AE4-A945-80A5-CE2E48807439}" type="pres">
+      <dgm:prSet presAssocID="{18935234-F39B-4F64-9D3E-ECC198090598}" presName="composite" presStyleCnt="0"/>
+      <dgm:spPr/>
+    </dgm:pt>
+    <dgm:pt modelId="{E284C749-1295-0C4F-B1FC-783A25129564}" type="pres">
+      <dgm:prSet presAssocID="{18935234-F39B-4F64-9D3E-ECC198090598}" presName="imagSh" presStyleLbl="bgImgPlace1" presStyleIdx="1" presStyleCnt="3" custScaleX="60833" custScaleY="68683" custLinFactNeighborX="15146" custLinFactNeighborY="810"/>
+      <dgm:spPr>
+        <a:blipFill>
+          <a:blip xmlns:r="http://schemas.openxmlformats.org/officeDocument/2006/relationships" r:embed="rId3">
+            <a:extLst>
+              <a:ext uri="{96DAC541-7B7A-43D3-8B79-37D633B846F1}">
+                <asvg:svgBlip xmlns:asvg="http://schemas.microsoft.com/office/drawing/2016/SVG/main" r:embed="rId4"/>
+              </a:ext>
+            </a:extLst>
+          </a:blip>
+          <a:srcRect/>
+          <a:stretch>
+            <a:fillRect/>
+          </a:stretch>
+        </a:blipFill>
+        <a:ln>
+          <a:noFill/>
+        </a:ln>
+      </dgm:spPr>
+      <dgm:extLst>
+        <a:ext uri="{E40237B7-FDA0-4F09-8148-C483321AD2D9}">
+          <dgm14:cNvPr xmlns:dgm14="http://schemas.microsoft.com/office/drawing/2010/diagram" id="0" name="" descr="Diamond"/>
+        </a:ext>
+      </dgm:extLst>
+    </dgm:pt>
+    <dgm:pt modelId="{81E0535B-114E-6F49-902E-9793A88FD7A2}" type="pres">
+      <dgm:prSet presAssocID="{18935234-F39B-4F64-9D3E-ECC198090598}" presName="txNode" presStyleLbl="node1" presStyleIdx="1" presStyleCnt="3" custScaleY="100000">
+        <dgm:presLayoutVars>
+          <dgm:bulletEnabled val="1"/>
+        </dgm:presLayoutVars>
+      </dgm:prSet>
+      <dgm:spPr/>
+    </dgm:pt>
+    <dgm:pt modelId="{F44E78FC-A2BF-B94F-9C95-C81B202ABE44}" type="pres">
+      <dgm:prSet presAssocID="{A80C0A60-9866-4750-AF50-82E6D30D27C4}" presName="sibTrans" presStyleLbl="sibTrans2D1" presStyleIdx="1" presStyleCnt="2" custScaleX="81572" custScaleY="114300"/>
+      <dgm:spPr/>
+    </dgm:pt>
+    <dgm:pt modelId="{CE0FA63C-09D8-934F-91B5-588B4F27B949}" type="pres">
+      <dgm:prSet presAssocID="{A80C0A60-9866-4750-AF50-82E6D30D27C4}" presName="connTx" presStyleLbl="sibTrans2D1" presStyleIdx="1" presStyleCnt="2"/>
+      <dgm:spPr/>
+    </dgm:pt>
+    <dgm:pt modelId="{CC379880-0DFC-BC40-8044-92B945203AD3}" type="pres">
+      <dgm:prSet presAssocID="{3CA3A262-78E2-46B9-86B9-EC5A18FB14DE}" presName="composite" presStyleCnt="0"/>
+      <dgm:spPr/>
+    </dgm:pt>
+    <dgm:pt modelId="{1CADC06F-09C6-D742-9130-63CA66649117}" type="pres">
+      <dgm:prSet presAssocID="{3CA3A262-78E2-46B9-86B9-EC5A18FB14DE}" presName="imagSh" presStyleLbl="bgImgPlace1" presStyleIdx="2" presStyleCnt="3" custScaleX="60833" custScaleY="68683" custLinFactNeighborX="15146" custLinFactNeighborY="810"/>
+      <dgm:spPr>
+        <a:blipFill>
+          <a:blip xmlns:r="http://schemas.openxmlformats.org/officeDocument/2006/relationships" r:embed="rId5">
+            <a:extLst>
+              <a:ext uri="{96DAC541-7B7A-43D3-8B79-37D633B846F1}">
+                <asvg:svgBlip xmlns:asvg="http://schemas.microsoft.com/office/drawing/2016/SVG/main" r:embed="rId6"/>
+              </a:ext>
+            </a:extLst>
+          </a:blip>
+          <a:srcRect/>
+          <a:stretch>
+            <a:fillRect/>
+          </a:stretch>
+        </a:blipFill>
+        <a:ln>
+          <a:noFill/>
+        </a:ln>
+      </dgm:spPr>
+      <dgm:extLst>
+        <a:ext uri="{E40237B7-FDA0-4F09-8148-C483321AD2D9}">
+          <dgm14:cNvPr xmlns:dgm14="http://schemas.microsoft.com/office/drawing/2010/diagram" id="0" name="" descr="Family with boy"/>
+        </a:ext>
+      </dgm:extLst>
+    </dgm:pt>
+    <dgm:pt modelId="{6F26F383-AACD-1A41-8F77-717FC223BEE0}" type="pres">
+      <dgm:prSet presAssocID="{3CA3A262-78E2-46B9-86B9-EC5A18FB14DE}" presName="txNode" presStyleLbl="node1" presStyleIdx="2" presStyleCnt="3" custScaleY="100000">
+        <dgm:presLayoutVars>
+          <dgm:bulletEnabled val="1"/>
+        </dgm:presLayoutVars>
+      </dgm:prSet>
+      <dgm:spPr/>
+    </dgm:pt>
+  </dgm:ptLst>
+  <dgm:cxnLst>
+    <dgm:cxn modelId="{27B18F13-75D9-B34B-B64A-0CEE13570B09}" type="presOf" srcId="{64F98948-3320-4B7F-80FB-AB1137B5078B}" destId="{D71E86D0-6050-6B48-A8A5-4C1AB935F287}" srcOrd="0" destOrd="0" presId="urn:microsoft.com/office/officeart/2005/8/layout/hProcess10"/>
+    <dgm:cxn modelId="{6F956729-1A9D-7C40-835D-B4CB60071877}" type="presOf" srcId="{BAF7F54C-54BB-4E32-A3BE-70FDDE1ACC7A}" destId="{CDFD3779-0C6D-ED4A-8A25-EEFA7EDEEBA8}" srcOrd="1" destOrd="0" presId="urn:microsoft.com/office/officeart/2005/8/layout/hProcess10"/>
+    <dgm:cxn modelId="{9616F733-D614-9E49-B45A-F626C05E0A0A}" type="presOf" srcId="{BAF7F54C-54BB-4E32-A3BE-70FDDE1ACC7A}" destId="{B48CEBB2-ABEF-3441-AEA3-83AB1BDCA6CB}" srcOrd="0" destOrd="0" presId="urn:microsoft.com/office/officeart/2005/8/layout/hProcess10"/>
+    <dgm:cxn modelId="{91D2593C-7D74-43E8-BC24-122A9C83402E}" srcId="{64F98948-3320-4B7F-80FB-AB1137B5078B}" destId="{18935234-F39B-4F64-9D3E-ECC198090598}" srcOrd="1" destOrd="0" parTransId="{B6CB3CF8-E647-4BD2-92CD-1EEA584C5221}" sibTransId="{A80C0A60-9866-4750-AF50-82E6D30D27C4}"/>
+    <dgm:cxn modelId="{03765778-F70E-4E4F-AD78-3E86BF49035E}" type="presOf" srcId="{15F858BE-12F3-4653-B340-0B188B98203C}" destId="{F7010F18-F6C1-6244-999C-6F4826BFEE21}" srcOrd="0" destOrd="0" presId="urn:microsoft.com/office/officeart/2005/8/layout/hProcess10"/>
+    <dgm:cxn modelId="{FA95D97D-CE2A-9F49-A6D8-18333FD66426}" type="presOf" srcId="{A80C0A60-9866-4750-AF50-82E6D30D27C4}" destId="{CE0FA63C-09D8-934F-91B5-588B4F27B949}" srcOrd="1" destOrd="0" presId="urn:microsoft.com/office/officeart/2005/8/layout/hProcess10"/>
+    <dgm:cxn modelId="{DA22B488-0463-414F-B875-46191CF8188F}" srcId="{64F98948-3320-4B7F-80FB-AB1137B5078B}" destId="{3CA3A262-78E2-46B9-86B9-EC5A18FB14DE}" srcOrd="2" destOrd="0" parTransId="{6BBE6B70-7535-4543-9D22-9A5FD3AA825E}" sibTransId="{B3A5339B-3B69-46DF-810A-B2517955555D}"/>
+    <dgm:cxn modelId="{B8ABA3B5-ECCC-6D46-B337-803116BB5AAA}" type="presOf" srcId="{3CA3A262-78E2-46B9-86B9-EC5A18FB14DE}" destId="{6F26F383-AACD-1A41-8F77-717FC223BEE0}" srcOrd="0" destOrd="0" presId="urn:microsoft.com/office/officeart/2005/8/layout/hProcess10"/>
+    <dgm:cxn modelId="{4A25D3B6-6AC7-174D-97D6-3E8F48F4E771}" type="presOf" srcId="{A80C0A60-9866-4750-AF50-82E6D30D27C4}" destId="{F44E78FC-A2BF-B94F-9C95-C81B202ABE44}" srcOrd="0" destOrd="0" presId="urn:microsoft.com/office/officeart/2005/8/layout/hProcess10"/>
+    <dgm:cxn modelId="{520D18E4-D231-574D-B64D-D6C4244C1E3F}" type="presOf" srcId="{18935234-F39B-4F64-9D3E-ECC198090598}" destId="{81E0535B-114E-6F49-902E-9793A88FD7A2}" srcOrd="0" destOrd="0" presId="urn:microsoft.com/office/officeart/2005/8/layout/hProcess10"/>
+    <dgm:cxn modelId="{DEBC30EA-F307-450A-9FE0-DE38E709B7C6}" srcId="{64F98948-3320-4B7F-80FB-AB1137B5078B}" destId="{15F858BE-12F3-4653-B340-0B188B98203C}" srcOrd="0" destOrd="0" parTransId="{A18FFBF8-8B7D-40D4-A330-31FF915469FD}" sibTransId="{BAF7F54C-54BB-4E32-A3BE-70FDDE1ACC7A}"/>
+    <dgm:cxn modelId="{46AC3F03-13B1-1343-BFE4-0F50E71E66C0}" type="presParOf" srcId="{D71E86D0-6050-6B48-A8A5-4C1AB935F287}" destId="{5E553F33-6118-FB40-89F3-15938F669FBE}" srcOrd="0" destOrd="0" presId="urn:microsoft.com/office/officeart/2005/8/layout/hProcess10"/>
+    <dgm:cxn modelId="{8580CD58-3D7E-EC4B-A618-A71A19674BD4}" type="presParOf" srcId="{5E553F33-6118-FB40-89F3-15938F669FBE}" destId="{F217DEC4-0687-9546-AFDA-7F63E3E4E63D}" srcOrd="0" destOrd="0" presId="urn:microsoft.com/office/officeart/2005/8/layout/hProcess10"/>
+    <dgm:cxn modelId="{8832B1FF-2E99-6E4A-B3E5-AD220CD534D2}" type="presParOf" srcId="{5E553F33-6118-FB40-89F3-15938F669FBE}" destId="{F7010F18-F6C1-6244-999C-6F4826BFEE21}" srcOrd="1" destOrd="0" presId="urn:microsoft.com/office/officeart/2005/8/layout/hProcess10"/>
+    <dgm:cxn modelId="{E928AE63-7C58-C647-8CA7-D733A4A11C59}" type="presParOf" srcId="{D71E86D0-6050-6B48-A8A5-4C1AB935F287}" destId="{B48CEBB2-ABEF-3441-AEA3-83AB1BDCA6CB}" srcOrd="1" destOrd="0" presId="urn:microsoft.com/office/officeart/2005/8/layout/hProcess10"/>
+    <dgm:cxn modelId="{D946D881-929D-7149-A7CB-7987A68A33E0}" type="presParOf" srcId="{B48CEBB2-ABEF-3441-AEA3-83AB1BDCA6CB}" destId="{CDFD3779-0C6D-ED4A-8A25-EEFA7EDEEBA8}" srcOrd="0" destOrd="0" presId="urn:microsoft.com/office/officeart/2005/8/layout/hProcess10"/>
+    <dgm:cxn modelId="{1C441F21-4D72-4C47-A4E2-DC24F297A352}" type="presParOf" srcId="{D71E86D0-6050-6B48-A8A5-4C1AB935F287}" destId="{A3D74D30-2AE4-A945-80A5-CE2E48807439}" srcOrd="2" destOrd="0" presId="urn:microsoft.com/office/officeart/2005/8/layout/hProcess10"/>
+    <dgm:cxn modelId="{2C29130C-C5FA-D64C-B3BC-C99144A11EB4}" type="presParOf" srcId="{A3D74D30-2AE4-A945-80A5-CE2E48807439}" destId="{E284C749-1295-0C4F-B1FC-783A25129564}" srcOrd="0" destOrd="0" presId="urn:microsoft.com/office/officeart/2005/8/layout/hProcess10"/>
+    <dgm:cxn modelId="{AB5DF83F-E407-4246-81AD-A56189C2D1D2}" type="presParOf" srcId="{A3D74D30-2AE4-A945-80A5-CE2E48807439}" destId="{81E0535B-114E-6F49-902E-9793A88FD7A2}" srcOrd="1" destOrd="0" presId="urn:microsoft.com/office/officeart/2005/8/layout/hProcess10"/>
+    <dgm:cxn modelId="{3A42A652-9223-0A45-B184-77E224F805A9}" type="presParOf" srcId="{D71E86D0-6050-6B48-A8A5-4C1AB935F287}" destId="{F44E78FC-A2BF-B94F-9C95-C81B202ABE44}" srcOrd="3" destOrd="0" presId="urn:microsoft.com/office/officeart/2005/8/layout/hProcess10"/>
+    <dgm:cxn modelId="{8CD4F962-B721-DD42-82DB-E2046F67DB86}" type="presParOf" srcId="{F44E78FC-A2BF-B94F-9C95-C81B202ABE44}" destId="{CE0FA63C-09D8-934F-91B5-588B4F27B949}" srcOrd="0" destOrd="0" presId="urn:microsoft.com/office/officeart/2005/8/layout/hProcess10"/>
+    <dgm:cxn modelId="{930649C5-0765-BF44-A3AD-D9E65EA3AFB8}" type="presParOf" srcId="{D71E86D0-6050-6B48-A8A5-4C1AB935F287}" destId="{CC379880-0DFC-BC40-8044-92B945203AD3}" srcOrd="4" destOrd="0" presId="urn:microsoft.com/office/officeart/2005/8/layout/hProcess10"/>
+    <dgm:cxn modelId="{70B6C8CE-D2E4-5F4D-99D9-1D09E7629BF9}" type="presParOf" srcId="{CC379880-0DFC-BC40-8044-92B945203AD3}" destId="{1CADC06F-09C6-D742-9130-63CA66649117}" srcOrd="0" destOrd="0" presId="urn:microsoft.com/office/officeart/2005/8/layout/hProcess10"/>
+    <dgm:cxn modelId="{F9624D1E-E935-CF40-A145-8C716413BC3B}" type="presParOf" srcId="{CC379880-0DFC-BC40-8044-92B945203AD3}" destId="{6F26F383-AACD-1A41-8F77-717FC223BEE0}" srcOrd="1" destOrd="0" presId="urn:microsoft.com/office/officeart/2005/8/layout/hProcess10"/>
+  </dgm:cxnLst>
+  <dgm:bg/>
+  <dgm:whole/>
+  <dgm:extLst>
+    <a:ext uri="http://schemas.microsoft.com/office/drawing/2008/diagram">
+      <dsp:dataModelExt xmlns:dsp="http://schemas.microsoft.com/office/drawing/2008/diagram" relId="rId6" minVer="http://schemas.openxmlformats.org/drawingml/2006/diagram"/>
+    </a:ext>
+  </dgm:extLst>
+</dgm:dataModel>
+</file>
+
+<file path=ppt/diagrams/drawing1.xml><?xml version="1.0" encoding="utf-8"?>
+<dsp:drawing xmlns:dgm="http://schemas.openxmlformats.org/drawingml/2006/diagram" xmlns:dsp="http://schemas.microsoft.com/office/drawing/2008/diagram" xmlns:a="http://schemas.openxmlformats.org/drawingml/2006/main">
+  <dsp:spTree>
+    <dsp:nvGrpSpPr>
+      <dsp:cNvPr id="0" name=""/>
+      <dsp:cNvGrpSpPr/>
+    </dsp:nvGrpSpPr>
+    <dsp:grpSpPr/>
+    <dsp:sp modelId="{F217DEC4-0687-9546-AFDA-7F63E3E4E63D}">
+      <dsp:nvSpPr>
+        <dsp:cNvPr id="0" name=""/>
+        <dsp:cNvSpPr/>
+      </dsp:nvSpPr>
+      <dsp:spPr>
+        <a:xfrm>
+          <a:off x="497445" y="203064"/>
+          <a:ext cx="1618740" cy="1614388"/>
+        </a:xfrm>
+        <a:prstGeom prst="roundRect">
+          <a:avLst>
+            <a:gd name="adj" fmla="val 10000"/>
+          </a:avLst>
+        </a:prstGeom>
+        <a:blipFill>
+          <a:blip xmlns:r="http://schemas.openxmlformats.org/officeDocument/2006/relationships" r:embed="rId1">
+            <a:extLst>
+              <a:ext uri="{28A0092B-C50C-407E-A947-70E740481C1C}">
+                <a14:useLocalDpi xmlns:a14="http://schemas.microsoft.com/office/drawing/2010/main" val="0"/>
+              </a:ext>
+              <a:ext uri="{96DAC541-7B7A-43D3-8B79-37D633B846F1}">
+                <asvg:svgBlip xmlns:asvg="http://schemas.microsoft.com/office/drawing/2016/SVG/main" r:embed="rId2"/>
+              </a:ext>
+            </a:extLst>
+          </a:blip>
+          <a:srcRect/>
+          <a:stretch>
+            <a:fillRect/>
+          </a:stretch>
+        </a:blipFill>
+        <a:ln w="15875" cap="flat" cmpd="sng" algn="ctr">
+          <a:noFill/>
+          <a:prstDash val="solid"/>
+        </a:ln>
+        <a:effectLst/>
+      </dsp:spPr>
+      <dsp:style>
+        <a:lnRef idx="2">
+          <a:scrgbClr r="0" g="0" b="0"/>
+        </a:lnRef>
+        <a:fillRef idx="1">
+          <a:scrgbClr r="0" g="0" b="0"/>
+        </a:fillRef>
+        <a:effectRef idx="0">
+          <a:scrgbClr r="0" g="0" b="0"/>
+        </a:effectRef>
+        <a:fontRef idx="minor"/>
+      </dsp:style>
+    </dsp:sp>
+    <dsp:sp modelId="{F7010F18-F6C1-6244-999C-6F4826BFEE21}">
+      <dsp:nvSpPr>
+        <dsp:cNvPr id="0" name=""/>
+        <dsp:cNvSpPr/>
+      </dsp:nvSpPr>
+      <dsp:spPr>
+        <a:xfrm>
+          <a:off x="6487" y="1226269"/>
+          <a:ext cx="2660957" cy="2350492"/>
+        </a:xfrm>
+        <a:prstGeom prst="roundRect">
+          <a:avLst>
+            <a:gd name="adj" fmla="val 10000"/>
+          </a:avLst>
+        </a:prstGeom>
+        <a:noFill/>
+        <a:ln w="15875" cap="flat" cmpd="sng" algn="ctr">
+          <a:noFill/>
+          <a:prstDash val="solid"/>
+        </a:ln>
+        <a:effectLst/>
+      </dsp:spPr>
+      <dsp:style>
+        <a:lnRef idx="2">
+          <a:scrgbClr r="0" g="0" b="0"/>
+        </a:lnRef>
+        <a:fillRef idx="1">
+          <a:scrgbClr r="0" g="0" b="0"/>
+        </a:fillRef>
+        <a:effectRef idx="0">
+          <a:scrgbClr r="0" g="0" b="0"/>
+        </a:effectRef>
+        <a:fontRef idx="minor">
+          <a:schemeClr val="lt1"/>
+        </a:fontRef>
+      </dsp:style>
+      <dsp:txBody>
+        <a:bodyPr spcFirstLastPara="0" vert="horz" wrap="square" lIns="60960" tIns="60960" rIns="60960" bIns="60960" numCol="1" spcCol="1270" anchor="ctr" anchorCtr="0">
+          <a:noAutofit/>
+        </a:bodyPr>
+        <a:lstStyle/>
+        <a:p>
+          <a:pPr marL="0" lvl="0" indent="0" algn="ctr" defTabSz="711200">
+            <a:lnSpc>
+              <a:spcPct val="90000"/>
+            </a:lnSpc>
+            <a:spcBef>
+              <a:spcPct val="0"/>
+            </a:spcBef>
+            <a:spcAft>
+              <a:spcPct val="35000"/>
+            </a:spcAft>
+            <a:buNone/>
+          </a:pPr>
+          <a:r>
+            <a:rPr lang="en-US" sz="1600" kern="1200" dirty="0"/>
+            <a:t>Gateways/Devices, Prediction, Reward System</a:t>
+          </a:r>
+        </a:p>
+        <a:p>
+          <a:pPr marL="0" lvl="0" indent="0" algn="ctr" defTabSz="711200">
+            <a:lnSpc>
+              <a:spcPct val="90000"/>
+            </a:lnSpc>
+            <a:spcBef>
+              <a:spcPct val="0"/>
+            </a:spcBef>
+            <a:spcAft>
+              <a:spcPct val="35000"/>
+            </a:spcAft>
+            <a:buNone/>
+          </a:pPr>
+          <a:r>
+            <a:rPr lang="en-US" sz="1100" kern="1200" dirty="0">
+              <a:solidFill>
+                <a:srgbClr val="000000"/>
+              </a:solidFill>
+              <a:latin typeface="Century Gothic" panose="020F0302020204030204"/>
+              <a:ea typeface="+mn-ea"/>
+              <a:cs typeface="+mn-cs"/>
+            </a:rPr>
+            <a:t>(Fragiskos Fourlas) </a:t>
+          </a:r>
+        </a:p>
+      </dsp:txBody>
+      <dsp:txXfrm>
+        <a:off x="75331" y="1295113"/>
+        <a:ext cx="2523269" cy="2212804"/>
+      </dsp:txXfrm>
+    </dsp:sp>
+    <dsp:sp modelId="{B48CEBB2-ABEF-3441-AEA3-83AB1BDCA6CB}">
+      <dsp:nvSpPr>
+        <dsp:cNvPr id="0" name=""/>
+        <dsp:cNvSpPr/>
+      </dsp:nvSpPr>
+      <dsp:spPr>
+        <a:xfrm>
+          <a:off x="2871750" y="690563"/>
+          <a:ext cx="666039" cy="639390"/>
+        </a:xfrm>
+        <a:prstGeom prst="mathPlus">
+          <a:avLst/>
+        </a:prstGeom>
+        <a:solidFill>
+          <a:schemeClr val="accent3"/>
+        </a:solidFill>
+        <a:ln>
+          <a:noFill/>
+        </a:ln>
+        <a:effectLst/>
+      </dsp:spPr>
+      <dsp:style>
+        <a:lnRef idx="0">
+          <a:scrgbClr r="0" g="0" b="0"/>
+        </a:lnRef>
+        <a:fillRef idx="1">
+          <a:scrgbClr r="0" g="0" b="0"/>
+        </a:fillRef>
+        <a:effectRef idx="0">
+          <a:scrgbClr r="0" g="0" b="0"/>
+        </a:effectRef>
+        <a:fontRef idx="minor">
+          <a:schemeClr val="lt1"/>
+        </a:fontRef>
+      </dsp:style>
+      <dsp:txBody>
+        <a:bodyPr spcFirstLastPara="0" vert="horz" wrap="square" lIns="0" tIns="0" rIns="0" bIns="0" numCol="1" spcCol="1270" anchor="ctr" anchorCtr="0">
+          <a:noAutofit/>
+        </a:bodyPr>
+        <a:lstStyle/>
+        <a:p>
+          <a:pPr marL="0" lvl="0" indent="0" algn="ctr" defTabSz="1200150">
+            <a:lnSpc>
+              <a:spcPct val="90000"/>
+            </a:lnSpc>
+            <a:spcBef>
+              <a:spcPct val="0"/>
+            </a:spcBef>
+            <a:spcAft>
+              <a:spcPct val="35000"/>
+            </a:spcAft>
+            <a:buNone/>
+          </a:pPr>
+          <a:endParaRPr lang="en-US" sz="2700" kern="1200" dirty="0">
+            <a:solidFill>
+              <a:schemeClr val="tx1"/>
+            </a:solidFill>
+          </a:endParaRPr>
+        </a:p>
+      </dsp:txBody>
+      <dsp:txXfrm>
+        <a:off x="2871750" y="818441"/>
+        <a:ext cx="474222" cy="383634"/>
+      </dsp:txXfrm>
+    </dsp:sp>
+    <dsp:sp modelId="{E284C749-1295-0C4F-B1FC-783A25129564}">
+      <dsp:nvSpPr>
+        <dsp:cNvPr id="0" name=""/>
+        <dsp:cNvSpPr/>
+      </dsp:nvSpPr>
+      <dsp:spPr>
+        <a:xfrm>
+          <a:off x="4189679" y="203064"/>
+          <a:ext cx="1618740" cy="1614388"/>
+        </a:xfrm>
+        <a:prstGeom prst="roundRect">
+          <a:avLst>
+            <a:gd name="adj" fmla="val 10000"/>
+          </a:avLst>
+        </a:prstGeom>
+        <a:blipFill>
+          <a:blip xmlns:r="http://schemas.openxmlformats.org/officeDocument/2006/relationships" r:embed="rId3">
+            <a:extLst>
+              <a:ext uri="{96DAC541-7B7A-43D3-8B79-37D633B846F1}">
+                <asvg:svgBlip xmlns:asvg="http://schemas.microsoft.com/office/drawing/2016/SVG/main" r:embed="rId4"/>
+              </a:ext>
+            </a:extLst>
+          </a:blip>
+          <a:srcRect/>
+          <a:stretch>
+            <a:fillRect/>
+          </a:stretch>
+        </a:blipFill>
+        <a:ln w="15875" cap="flat" cmpd="sng" algn="ctr">
+          <a:noFill/>
+          <a:prstDash val="solid"/>
+        </a:ln>
+        <a:effectLst/>
+      </dsp:spPr>
+      <dsp:style>
+        <a:lnRef idx="2">
+          <a:scrgbClr r="0" g="0" b="0"/>
+        </a:lnRef>
+        <a:fillRef idx="1">
+          <a:scrgbClr r="0" g="0" b="0"/>
+        </a:fillRef>
+        <a:effectRef idx="0">
+          <a:scrgbClr r="0" g="0" b="0"/>
+        </a:effectRef>
+        <a:fontRef idx="minor"/>
+      </dsp:style>
+    </dsp:sp>
+    <dsp:sp modelId="{81E0535B-114E-6F49-902E-9793A88FD7A2}">
+      <dsp:nvSpPr>
+        <dsp:cNvPr id="0" name=""/>
+        <dsp:cNvSpPr/>
+      </dsp:nvSpPr>
+      <dsp:spPr>
+        <a:xfrm>
+          <a:off x="3698721" y="1226269"/>
+          <a:ext cx="2660957" cy="2350492"/>
+        </a:xfrm>
+        <a:prstGeom prst="roundRect">
+          <a:avLst>
+            <a:gd name="adj" fmla="val 10000"/>
+          </a:avLst>
+        </a:prstGeom>
+        <a:noFill/>
+        <a:ln w="15875" cap="flat" cmpd="sng" algn="ctr">
+          <a:noFill/>
+          <a:prstDash val="solid"/>
+        </a:ln>
+        <a:effectLst/>
+      </dsp:spPr>
+      <dsp:style>
+        <a:lnRef idx="2">
+          <a:scrgbClr r="0" g="0" b="0"/>
+        </a:lnRef>
+        <a:fillRef idx="1">
+          <a:scrgbClr r="0" g="0" b="0"/>
+        </a:fillRef>
+        <a:effectRef idx="0">
+          <a:scrgbClr r="0" g="0" b="0"/>
+        </a:effectRef>
+        <a:fontRef idx="minor">
+          <a:schemeClr val="lt1"/>
+        </a:fontRef>
+      </dsp:style>
+      <dsp:txBody>
+        <a:bodyPr spcFirstLastPara="0" vert="horz" wrap="square" lIns="60960" tIns="60960" rIns="60960" bIns="60960" numCol="1" spcCol="1270" anchor="ctr" anchorCtr="0">
+          <a:noAutofit/>
+        </a:bodyPr>
+        <a:lstStyle/>
+        <a:p>
+          <a:pPr marL="0" lvl="0" indent="0" algn="ctr" defTabSz="711200">
+            <a:lnSpc>
+              <a:spcPct val="90000"/>
+            </a:lnSpc>
+            <a:spcBef>
+              <a:spcPct val="0"/>
+            </a:spcBef>
+            <a:spcAft>
+              <a:spcPct val="35000"/>
+            </a:spcAft>
+            <a:buNone/>
+          </a:pPr>
+          <a:r>
+            <a:rPr lang="en-US" sz="1600" kern="1200" dirty="0"/>
+            <a:t>Optimal Route, Server Structure, Database</a:t>
+          </a:r>
+        </a:p>
+        <a:p>
+          <a:pPr marL="0" lvl="0" indent="0" algn="ctr" defTabSz="711200">
+            <a:lnSpc>
+              <a:spcPct val="90000"/>
+            </a:lnSpc>
+            <a:spcBef>
+              <a:spcPct val="0"/>
+            </a:spcBef>
+            <a:spcAft>
+              <a:spcPct val="35000"/>
+            </a:spcAft>
+            <a:buNone/>
+          </a:pPr>
+          <a:r>
+            <a:rPr lang="en-US" sz="1100" kern="1200" dirty="0">
+              <a:solidFill>
+                <a:srgbClr val="000000"/>
+              </a:solidFill>
+              <a:latin typeface="Century Gothic" panose="020F0302020204030204"/>
+              <a:ea typeface="+mn-ea"/>
+              <a:cs typeface="+mn-cs"/>
+            </a:rPr>
+            <a:t>(Marios Stamatopoulos)</a:t>
+          </a:r>
+        </a:p>
+      </dsp:txBody>
+      <dsp:txXfrm>
+        <a:off x="3767565" y="1295113"/>
+        <a:ext cx="2523269" cy="2212804"/>
+      </dsp:txXfrm>
+    </dsp:sp>
+    <dsp:sp modelId="{F44E78FC-A2BF-B94F-9C95-C81B202ABE44}">
+      <dsp:nvSpPr>
+        <dsp:cNvPr id="0" name=""/>
+        <dsp:cNvSpPr/>
+      </dsp:nvSpPr>
+      <dsp:spPr>
+        <a:xfrm>
+          <a:off x="6601010" y="705400"/>
+          <a:ext cx="591986" cy="609716"/>
+        </a:xfrm>
+        <a:prstGeom prst="mathPlus">
+          <a:avLst/>
+        </a:prstGeom>
+        <a:solidFill>
+          <a:schemeClr val="accent3">
+            <a:hueOff val="0"/>
+            <a:satOff val="0"/>
+            <a:lumOff val="0"/>
+            <a:alphaOff val="0"/>
+          </a:schemeClr>
+        </a:solidFill>
+        <a:ln>
+          <a:noFill/>
+        </a:ln>
+        <a:effectLst/>
+      </dsp:spPr>
+      <dsp:style>
+        <a:lnRef idx="0">
+          <a:scrgbClr r="0" g="0" b="0"/>
+        </a:lnRef>
+        <a:fillRef idx="1">
+          <a:scrgbClr r="0" g="0" b="0"/>
+        </a:fillRef>
+        <a:effectRef idx="0">
+          <a:scrgbClr r="0" g="0" b="0"/>
+        </a:effectRef>
+        <a:fontRef idx="minor">
+          <a:schemeClr val="lt1"/>
+        </a:fontRef>
+      </dsp:style>
+      <dsp:txBody>
+        <a:bodyPr spcFirstLastPara="0" vert="horz" wrap="square" lIns="0" tIns="0" rIns="0" bIns="0" numCol="1" spcCol="1270" anchor="ctr" anchorCtr="0">
+          <a:noAutofit/>
+        </a:bodyPr>
+        <a:lstStyle/>
+        <a:p>
+          <a:pPr marL="0" lvl="0" indent="0" algn="ctr" defTabSz="1155700">
+            <a:lnSpc>
+              <a:spcPct val="90000"/>
+            </a:lnSpc>
+            <a:spcBef>
+              <a:spcPct val="0"/>
+            </a:spcBef>
+            <a:spcAft>
+              <a:spcPct val="35000"/>
+            </a:spcAft>
+            <a:buNone/>
+          </a:pPr>
+          <a:endParaRPr lang="en-US" sz="2600" kern="1200" dirty="0">
+            <a:solidFill>
+              <a:schemeClr val="tx1"/>
+            </a:solidFill>
+          </a:endParaRPr>
+        </a:p>
+      </dsp:txBody>
+      <dsp:txXfrm>
+        <a:off x="6601010" y="827343"/>
+        <a:ext cx="414390" cy="365830"/>
+      </dsp:txXfrm>
+    </dsp:sp>
+    <dsp:sp modelId="{1CADC06F-09C6-D742-9130-63CA66649117}">
+      <dsp:nvSpPr>
+        <dsp:cNvPr id="0" name=""/>
+        <dsp:cNvSpPr/>
+      </dsp:nvSpPr>
+      <dsp:spPr>
+        <a:xfrm>
+          <a:off x="7881912" y="203064"/>
+          <a:ext cx="1618740" cy="1614388"/>
+        </a:xfrm>
+        <a:prstGeom prst="roundRect">
+          <a:avLst>
+            <a:gd name="adj" fmla="val 10000"/>
+          </a:avLst>
+        </a:prstGeom>
+        <a:blipFill>
+          <a:blip xmlns:r="http://schemas.openxmlformats.org/officeDocument/2006/relationships" r:embed="rId5">
+            <a:extLst>
+              <a:ext uri="{96DAC541-7B7A-43D3-8B79-37D633B846F1}">
+                <asvg:svgBlip xmlns:asvg="http://schemas.microsoft.com/office/drawing/2016/SVG/main" r:embed="rId6"/>
+              </a:ext>
+            </a:extLst>
+          </a:blip>
+          <a:srcRect/>
+          <a:stretch>
+            <a:fillRect/>
+          </a:stretch>
+        </a:blipFill>
+        <a:ln w="15875" cap="flat" cmpd="sng" algn="ctr">
+          <a:noFill/>
+          <a:prstDash val="solid"/>
+        </a:ln>
+        <a:effectLst/>
+      </dsp:spPr>
+      <dsp:style>
+        <a:lnRef idx="2">
+          <a:scrgbClr r="0" g="0" b="0"/>
+        </a:lnRef>
+        <a:fillRef idx="1">
+          <a:scrgbClr r="0" g="0" b="0"/>
+        </a:fillRef>
+        <a:effectRef idx="0">
+          <a:scrgbClr r="0" g="0" b="0"/>
+        </a:effectRef>
+        <a:fontRef idx="minor"/>
+      </dsp:style>
+    </dsp:sp>
+    <dsp:sp modelId="{6F26F383-AACD-1A41-8F77-717FC223BEE0}">
+      <dsp:nvSpPr>
+        <dsp:cNvPr id="0" name=""/>
+        <dsp:cNvSpPr/>
+      </dsp:nvSpPr>
+      <dsp:spPr>
+        <a:xfrm>
+          <a:off x="7390954" y="1226269"/>
+          <a:ext cx="2660957" cy="2350492"/>
+        </a:xfrm>
+        <a:prstGeom prst="roundRect">
+          <a:avLst>
+            <a:gd name="adj" fmla="val 10000"/>
+          </a:avLst>
+        </a:prstGeom>
+        <a:noFill/>
+        <a:ln w="15875" cap="flat" cmpd="sng" algn="ctr">
+          <a:noFill/>
+          <a:prstDash val="solid"/>
+        </a:ln>
+        <a:effectLst/>
+      </dsp:spPr>
+      <dsp:style>
+        <a:lnRef idx="2">
+          <a:scrgbClr r="0" g="0" b="0"/>
+        </a:lnRef>
+        <a:fillRef idx="1">
+          <a:scrgbClr r="0" g="0" b="0"/>
+        </a:fillRef>
+        <a:effectRef idx="0">
+          <a:scrgbClr r="0" g="0" b="0"/>
+        </a:effectRef>
+        <a:fontRef idx="minor">
+          <a:schemeClr val="lt1"/>
+        </a:fontRef>
+      </dsp:style>
+      <dsp:txBody>
+        <a:bodyPr spcFirstLastPara="0" vert="horz" wrap="square" lIns="60960" tIns="60960" rIns="60960" bIns="60960" numCol="1" spcCol="1270" anchor="ctr" anchorCtr="0">
+          <a:noAutofit/>
+        </a:bodyPr>
+        <a:lstStyle/>
+        <a:p>
+          <a:pPr marL="0" lvl="0" indent="0" algn="ctr" defTabSz="711200">
+            <a:lnSpc>
+              <a:spcPct val="90000"/>
+            </a:lnSpc>
+            <a:spcBef>
+              <a:spcPct val="0"/>
+            </a:spcBef>
+            <a:spcAft>
+              <a:spcPct val="35000"/>
+            </a:spcAft>
+            <a:buNone/>
+          </a:pPr>
+          <a:r>
+            <a:rPr lang="en-US" sz="1600" kern="1200" dirty="0"/>
+            <a:t>Frontend Design and Structure, Data Analysis</a:t>
+          </a:r>
+        </a:p>
+        <a:p>
+          <a:pPr marL="0" lvl="0" indent="0" algn="ctr" defTabSz="711200">
+            <a:lnSpc>
+              <a:spcPct val="90000"/>
+            </a:lnSpc>
+            <a:spcBef>
+              <a:spcPct val="0"/>
+            </a:spcBef>
+            <a:spcAft>
+              <a:spcPct val="35000"/>
+            </a:spcAft>
+            <a:buNone/>
+          </a:pPr>
+          <a:r>
+            <a:rPr lang="en-US" sz="1100" kern="1200" dirty="0">
+              <a:solidFill>
+                <a:srgbClr val="000000"/>
+              </a:solidFill>
+              <a:latin typeface="Century Gothic" panose="020F0302020204030204"/>
+              <a:ea typeface="+mn-ea"/>
+              <a:cs typeface="+mn-cs"/>
+            </a:rPr>
+            <a:t>(Nikos Panagiotopoulos) </a:t>
+          </a:r>
+          <a:endParaRPr lang="LID4096" sz="1100" kern="1200" dirty="0">
+            <a:solidFill>
+              <a:srgbClr val="000000"/>
+            </a:solidFill>
+            <a:latin typeface="Century Gothic" panose="020F0302020204030204"/>
+            <a:ea typeface="+mn-ea"/>
+            <a:cs typeface="+mn-cs"/>
+          </a:endParaRPr>
+        </a:p>
+      </dsp:txBody>
+      <dsp:txXfrm>
+        <a:off x="7459798" y="1295113"/>
+        <a:ext cx="2523269" cy="2212804"/>
+      </dsp:txXfrm>
+    </dsp:sp>
+  </dsp:spTree>
+</dsp:drawing>
+</file>
+
+<file path=ppt/diagrams/drawing2.xml><?xml version="1.0" encoding="utf-8"?>
+<dsp:drawing xmlns:dgm="http://schemas.openxmlformats.org/drawingml/2006/diagram" xmlns:dsp="http://schemas.microsoft.com/office/drawing/2008/diagram" xmlns:a="http://schemas.openxmlformats.org/drawingml/2006/main">
+  <dsp:spTree>
+    <dsp:nvGrpSpPr>
+      <dsp:cNvPr id="0" name=""/>
+      <dsp:cNvGrpSpPr/>
+    </dsp:nvGrpSpPr>
+    <dsp:grpSpPr/>
+    <dsp:sp modelId="{F217DEC4-0687-9546-AFDA-7F63E3E4E63D}">
+      <dsp:nvSpPr>
+        <dsp:cNvPr id="0" name=""/>
+        <dsp:cNvSpPr/>
+      </dsp:nvSpPr>
+      <dsp:spPr>
+        <a:xfrm>
+          <a:off x="497445" y="203064"/>
+          <a:ext cx="1618740" cy="1614388"/>
+        </a:xfrm>
+        <a:prstGeom prst="roundRect">
+          <a:avLst>
+            <a:gd name="adj" fmla="val 10000"/>
+          </a:avLst>
+        </a:prstGeom>
+        <a:blipFill>
+          <a:blip xmlns:r="http://schemas.openxmlformats.org/officeDocument/2006/relationships" r:embed="rId1">
+            <a:extLst>
+              <a:ext uri="{96DAC541-7B7A-43D3-8B79-37D633B846F1}">
+                <asvg:svgBlip xmlns:asvg="http://schemas.microsoft.com/office/drawing/2016/SVG/main" r:embed="rId2"/>
+              </a:ext>
+            </a:extLst>
+          </a:blip>
+          <a:srcRect/>
+          <a:stretch>
+            <a:fillRect/>
+          </a:stretch>
+        </a:blipFill>
+        <a:ln w="15875" cap="flat" cmpd="sng" algn="ctr">
+          <a:noFill/>
+          <a:prstDash val="solid"/>
+        </a:ln>
+        <a:effectLst/>
+      </dsp:spPr>
+      <dsp:style>
+        <a:lnRef idx="2">
+          <a:scrgbClr r="0" g="0" b="0"/>
+        </a:lnRef>
+        <a:fillRef idx="1">
+          <a:scrgbClr r="0" g="0" b="0"/>
+        </a:fillRef>
+        <a:effectRef idx="0">
+          <a:scrgbClr r="0" g="0" b="0"/>
+        </a:effectRef>
+        <a:fontRef idx="minor"/>
+      </dsp:style>
+    </dsp:sp>
+    <dsp:sp modelId="{F7010F18-F6C1-6244-999C-6F4826BFEE21}">
+      <dsp:nvSpPr>
+        <dsp:cNvPr id="0" name=""/>
+        <dsp:cNvSpPr/>
+      </dsp:nvSpPr>
+      <dsp:spPr>
+        <a:xfrm>
+          <a:off x="6487" y="1226269"/>
+          <a:ext cx="2660957" cy="2350492"/>
+        </a:xfrm>
+        <a:prstGeom prst="roundRect">
+          <a:avLst>
+            <a:gd name="adj" fmla="val 10000"/>
+          </a:avLst>
+        </a:prstGeom>
+        <a:noFill/>
+        <a:ln w="15875" cap="flat" cmpd="sng" algn="ctr">
+          <a:noFill/>
+          <a:prstDash val="solid"/>
+        </a:ln>
+        <a:effectLst/>
+      </dsp:spPr>
+      <dsp:style>
+        <a:lnRef idx="2">
+          <a:scrgbClr r="0" g="0" b="0"/>
+        </a:lnRef>
+        <a:fillRef idx="1">
+          <a:scrgbClr r="0" g="0" b="0"/>
+        </a:fillRef>
+        <a:effectRef idx="0">
+          <a:scrgbClr r="0" g="0" b="0"/>
+        </a:effectRef>
+        <a:fontRef idx="minor">
+          <a:schemeClr val="lt1"/>
+        </a:fontRef>
+      </dsp:style>
+      <dsp:txBody>
+        <a:bodyPr spcFirstLastPara="0" vert="horz" wrap="square" lIns="60960" tIns="60960" rIns="60960" bIns="60960" numCol="1" spcCol="1270" anchor="ctr" anchorCtr="0">
+          <a:noAutofit/>
+        </a:bodyPr>
+        <a:lstStyle/>
+        <a:p>
+          <a:pPr marL="0" lvl="0" indent="0" algn="ctr" defTabSz="711200">
+            <a:lnSpc>
+              <a:spcPct val="90000"/>
+            </a:lnSpc>
+            <a:spcBef>
+              <a:spcPct val="0"/>
+            </a:spcBef>
+            <a:spcAft>
+              <a:spcPct val="35000"/>
+            </a:spcAft>
+            <a:buNone/>
+          </a:pPr>
+          <a:r>
+            <a:rPr lang="en-US" sz="1600" kern="1200" dirty="0">
+              <a:solidFill>
+                <a:schemeClr val="tx1"/>
+              </a:solidFill>
+            </a:rPr>
+            <a:t>Announce Bounty</a:t>
+          </a:r>
+        </a:p>
+        <a:p>
+          <a:pPr marL="0" lvl="0" indent="0" algn="ctr" defTabSz="711200">
+            <a:lnSpc>
+              <a:spcPct val="90000"/>
+            </a:lnSpc>
+            <a:spcBef>
+              <a:spcPct val="0"/>
+            </a:spcBef>
+            <a:spcAft>
+              <a:spcPct val="35000"/>
+            </a:spcAft>
+            <a:buNone/>
+          </a:pPr>
+          <a:r>
+            <a:rPr lang="en-US" sz="1100" kern="1200" dirty="0">
+              <a:solidFill>
+                <a:schemeClr val="tx1"/>
+              </a:solidFill>
+            </a:rPr>
+            <a:t>(e.g. Tilting bin, Empty battery)</a:t>
+          </a:r>
+        </a:p>
+      </dsp:txBody>
+      <dsp:txXfrm>
+        <a:off x="75331" y="1295113"/>
+        <a:ext cx="2523269" cy="2212804"/>
+      </dsp:txXfrm>
+    </dsp:sp>
+    <dsp:sp modelId="{B48CEBB2-ABEF-3441-AEA3-83AB1BDCA6CB}">
+      <dsp:nvSpPr>
+        <dsp:cNvPr id="0" name=""/>
+        <dsp:cNvSpPr/>
+      </dsp:nvSpPr>
+      <dsp:spPr>
+        <a:xfrm>
+          <a:off x="2841908" y="690563"/>
+          <a:ext cx="725722" cy="639390"/>
+        </a:xfrm>
+        <a:prstGeom prst="rightArrow">
+          <a:avLst>
+            <a:gd name="adj1" fmla="val 60000"/>
+            <a:gd name="adj2" fmla="val 50000"/>
+          </a:avLst>
+        </a:prstGeom>
+        <a:solidFill>
+          <a:schemeClr val="accent3"/>
+        </a:solidFill>
+        <a:ln>
+          <a:noFill/>
+        </a:ln>
+        <a:effectLst/>
+      </dsp:spPr>
+      <dsp:style>
+        <a:lnRef idx="0">
+          <a:scrgbClr r="0" g="0" b="0"/>
+        </a:lnRef>
+        <a:fillRef idx="1">
+          <a:scrgbClr r="0" g="0" b="0"/>
+        </a:fillRef>
+        <a:effectRef idx="0">
+          <a:scrgbClr r="0" g="0" b="0"/>
+        </a:effectRef>
+        <a:fontRef idx="minor">
+          <a:schemeClr val="lt1"/>
+        </a:fontRef>
+      </dsp:style>
+      <dsp:txBody>
+        <a:bodyPr spcFirstLastPara="0" vert="horz" wrap="square" lIns="0" tIns="0" rIns="0" bIns="0" numCol="1" spcCol="1270" anchor="ctr" anchorCtr="0">
+          <a:noAutofit/>
+        </a:bodyPr>
+        <a:lstStyle/>
+        <a:p>
+          <a:pPr marL="0" lvl="0" indent="0" algn="ctr" defTabSz="1200150">
+            <a:lnSpc>
+              <a:spcPct val="90000"/>
+            </a:lnSpc>
+            <a:spcBef>
+              <a:spcPct val="0"/>
+            </a:spcBef>
+            <a:spcAft>
+              <a:spcPct val="35000"/>
+            </a:spcAft>
+            <a:buNone/>
+          </a:pPr>
+          <a:endParaRPr lang="en-US" sz="2700" kern="1200" dirty="0">
+            <a:solidFill>
+              <a:schemeClr val="tx1"/>
+            </a:solidFill>
+          </a:endParaRPr>
+        </a:p>
+      </dsp:txBody>
+      <dsp:txXfrm>
+        <a:off x="2841908" y="818441"/>
+        <a:ext cx="533905" cy="383634"/>
+      </dsp:txXfrm>
+    </dsp:sp>
+    <dsp:sp modelId="{E284C749-1295-0C4F-B1FC-783A25129564}">
+      <dsp:nvSpPr>
+        <dsp:cNvPr id="0" name=""/>
+        <dsp:cNvSpPr/>
+      </dsp:nvSpPr>
+      <dsp:spPr>
+        <a:xfrm>
+          <a:off x="4189679" y="203064"/>
+          <a:ext cx="1618740" cy="1614388"/>
+        </a:xfrm>
+        <a:prstGeom prst="roundRect">
+          <a:avLst>
+            <a:gd name="adj" fmla="val 10000"/>
+          </a:avLst>
+        </a:prstGeom>
+        <a:blipFill>
+          <a:blip xmlns:r="http://schemas.openxmlformats.org/officeDocument/2006/relationships" r:embed="rId3">
+            <a:extLst>
+              <a:ext uri="{96DAC541-7B7A-43D3-8B79-37D633B846F1}">
+                <asvg:svgBlip xmlns:asvg="http://schemas.microsoft.com/office/drawing/2016/SVG/main" r:embed="rId4"/>
+              </a:ext>
+            </a:extLst>
+          </a:blip>
+          <a:srcRect/>
+          <a:stretch>
+            <a:fillRect/>
+          </a:stretch>
+        </a:blipFill>
+        <a:ln w="15875" cap="flat" cmpd="sng" algn="ctr">
+          <a:noFill/>
+          <a:prstDash val="solid"/>
+        </a:ln>
+        <a:effectLst/>
+      </dsp:spPr>
+      <dsp:style>
+        <a:lnRef idx="2">
+          <a:scrgbClr r="0" g="0" b="0"/>
+        </a:lnRef>
+        <a:fillRef idx="1">
+          <a:scrgbClr r="0" g="0" b="0"/>
+        </a:fillRef>
+        <a:effectRef idx="0">
+          <a:scrgbClr r="0" g="0" b="0"/>
+        </a:effectRef>
+        <a:fontRef idx="minor"/>
+      </dsp:style>
+    </dsp:sp>
+    <dsp:sp modelId="{81E0535B-114E-6F49-902E-9793A88FD7A2}">
+      <dsp:nvSpPr>
+        <dsp:cNvPr id="0" name=""/>
+        <dsp:cNvSpPr/>
+      </dsp:nvSpPr>
+      <dsp:spPr>
+        <a:xfrm>
+          <a:off x="3698721" y="1226269"/>
+          <a:ext cx="2660957" cy="2350492"/>
+        </a:xfrm>
+        <a:prstGeom prst="roundRect">
+          <a:avLst>
+            <a:gd name="adj" fmla="val 10000"/>
+          </a:avLst>
+        </a:prstGeom>
+        <a:noFill/>
+        <a:ln w="15875" cap="flat" cmpd="sng" algn="ctr">
+          <a:noFill/>
+          <a:prstDash val="solid"/>
+        </a:ln>
+        <a:effectLst/>
+      </dsp:spPr>
+      <dsp:style>
+        <a:lnRef idx="2">
+          <a:scrgbClr r="0" g="0" b="0"/>
+        </a:lnRef>
+        <a:fillRef idx="1">
+          <a:scrgbClr r="0" g="0" b="0"/>
+        </a:fillRef>
+        <a:effectRef idx="0">
+          <a:scrgbClr r="0" g="0" b="0"/>
+        </a:effectRef>
+        <a:fontRef idx="minor">
+          <a:schemeClr val="lt1"/>
+        </a:fontRef>
+      </dsp:style>
+      <dsp:txBody>
+        <a:bodyPr spcFirstLastPara="0" vert="horz" wrap="square" lIns="60960" tIns="60960" rIns="60960" bIns="60960" numCol="1" spcCol="1270" anchor="ctr" anchorCtr="0">
+          <a:noAutofit/>
+        </a:bodyPr>
+        <a:lstStyle/>
+        <a:p>
+          <a:pPr marL="0" lvl="0" indent="0" algn="ctr" defTabSz="711200">
+            <a:lnSpc>
+              <a:spcPct val="90000"/>
+            </a:lnSpc>
+            <a:spcBef>
+              <a:spcPct val="0"/>
+            </a:spcBef>
+            <a:spcAft>
+              <a:spcPct val="35000"/>
+            </a:spcAft>
+            <a:buNone/>
+          </a:pPr>
+          <a:r>
+            <a:rPr lang="en-US" sz="1600" kern="1200" dirty="0">
+              <a:solidFill>
+                <a:schemeClr val="tx1"/>
+              </a:solidFill>
+            </a:rPr>
+            <a:t>Award Points</a:t>
+          </a:r>
+        </a:p>
+      </dsp:txBody>
+      <dsp:txXfrm>
+        <a:off x="3767565" y="1295113"/>
+        <a:ext cx="2523269" cy="2212804"/>
+      </dsp:txXfrm>
+    </dsp:sp>
+    <dsp:sp modelId="{F44E78FC-A2BF-B94F-9C95-C81B202ABE44}">
+      <dsp:nvSpPr>
+        <dsp:cNvPr id="0" name=""/>
+        <dsp:cNvSpPr/>
+      </dsp:nvSpPr>
+      <dsp:spPr>
+        <a:xfrm>
+          <a:off x="6601010" y="644847"/>
+          <a:ext cx="591986" cy="730823"/>
+        </a:xfrm>
+        <a:prstGeom prst="rightArrow">
+          <a:avLst>
+            <a:gd name="adj1" fmla="val 60000"/>
+            <a:gd name="adj2" fmla="val 50000"/>
+          </a:avLst>
+        </a:prstGeom>
+        <a:solidFill>
+          <a:schemeClr val="accent3">
+            <a:hueOff val="0"/>
+            <a:satOff val="0"/>
+            <a:lumOff val="0"/>
+            <a:alphaOff val="0"/>
+          </a:schemeClr>
+        </a:solidFill>
+        <a:ln>
+          <a:noFill/>
+        </a:ln>
+        <a:effectLst/>
+      </dsp:spPr>
+      <dsp:style>
+        <a:lnRef idx="0">
+          <a:scrgbClr r="0" g="0" b="0"/>
+        </a:lnRef>
+        <a:fillRef idx="1">
+          <a:scrgbClr r="0" g="0" b="0"/>
+        </a:fillRef>
+        <a:effectRef idx="0">
+          <a:scrgbClr r="0" g="0" b="0"/>
+        </a:effectRef>
+        <a:fontRef idx="minor">
+          <a:schemeClr val="lt1"/>
+        </a:fontRef>
+      </dsp:style>
+      <dsp:txBody>
+        <a:bodyPr spcFirstLastPara="0" vert="horz" wrap="square" lIns="0" tIns="0" rIns="0" bIns="0" numCol="1" spcCol="1270" anchor="ctr" anchorCtr="0">
+          <a:noAutofit/>
+        </a:bodyPr>
+        <a:lstStyle/>
+        <a:p>
+          <a:pPr marL="0" lvl="0" indent="0" algn="ctr" defTabSz="1377950">
+            <a:lnSpc>
+              <a:spcPct val="90000"/>
+            </a:lnSpc>
+            <a:spcBef>
+              <a:spcPct val="0"/>
+            </a:spcBef>
+            <a:spcAft>
+              <a:spcPct val="35000"/>
+            </a:spcAft>
+            <a:buNone/>
+          </a:pPr>
+          <a:endParaRPr lang="en-US" sz="3100" kern="1200" dirty="0">
+            <a:solidFill>
+              <a:schemeClr val="tx1"/>
+            </a:solidFill>
+          </a:endParaRPr>
+        </a:p>
+      </dsp:txBody>
+      <dsp:txXfrm>
+        <a:off x="6601010" y="791012"/>
+        <a:ext cx="414390" cy="438493"/>
+      </dsp:txXfrm>
+    </dsp:sp>
+    <dsp:sp modelId="{1CADC06F-09C6-D742-9130-63CA66649117}">
+      <dsp:nvSpPr>
+        <dsp:cNvPr id="0" name=""/>
+        <dsp:cNvSpPr/>
+      </dsp:nvSpPr>
+      <dsp:spPr>
+        <a:xfrm>
+          <a:off x="7881912" y="203064"/>
+          <a:ext cx="1618740" cy="1614388"/>
+        </a:xfrm>
+        <a:prstGeom prst="roundRect">
+          <a:avLst>
+            <a:gd name="adj" fmla="val 10000"/>
+          </a:avLst>
+        </a:prstGeom>
+        <a:blipFill>
+          <a:blip xmlns:r="http://schemas.openxmlformats.org/officeDocument/2006/relationships" r:embed="rId5">
+            <a:extLst>
+              <a:ext uri="{96DAC541-7B7A-43D3-8B79-37D633B846F1}">
+                <asvg:svgBlip xmlns:asvg="http://schemas.microsoft.com/office/drawing/2016/SVG/main" r:embed="rId6"/>
+              </a:ext>
+            </a:extLst>
+          </a:blip>
+          <a:srcRect/>
+          <a:stretch>
+            <a:fillRect/>
+          </a:stretch>
+        </a:blipFill>
+        <a:ln w="15875" cap="flat" cmpd="sng" algn="ctr">
+          <a:noFill/>
+          <a:prstDash val="solid"/>
+        </a:ln>
+        <a:effectLst/>
+      </dsp:spPr>
+      <dsp:style>
+        <a:lnRef idx="2">
+          <a:scrgbClr r="0" g="0" b="0"/>
+        </a:lnRef>
+        <a:fillRef idx="1">
+          <a:scrgbClr r="0" g="0" b="0"/>
+        </a:fillRef>
+        <a:effectRef idx="0">
+          <a:scrgbClr r="0" g="0" b="0"/>
+        </a:effectRef>
+        <a:fontRef idx="minor"/>
+      </dsp:style>
+    </dsp:sp>
+    <dsp:sp modelId="{6F26F383-AACD-1A41-8F77-717FC223BEE0}">
+      <dsp:nvSpPr>
+        <dsp:cNvPr id="0" name=""/>
+        <dsp:cNvSpPr/>
+      </dsp:nvSpPr>
+      <dsp:spPr>
+        <a:xfrm>
+          <a:off x="7390954" y="1226269"/>
+          <a:ext cx="2660957" cy="2350492"/>
+        </a:xfrm>
+        <a:prstGeom prst="roundRect">
+          <a:avLst>
+            <a:gd name="adj" fmla="val 10000"/>
+          </a:avLst>
+        </a:prstGeom>
+        <a:noFill/>
+        <a:ln w="15875" cap="flat" cmpd="sng" algn="ctr">
+          <a:noFill/>
+          <a:prstDash val="solid"/>
+        </a:ln>
+        <a:effectLst/>
+      </dsp:spPr>
+      <dsp:style>
+        <a:lnRef idx="2">
+          <a:scrgbClr r="0" g="0" b="0"/>
+        </a:lnRef>
+        <a:fillRef idx="1">
+          <a:scrgbClr r="0" g="0" b="0"/>
+        </a:fillRef>
+        <a:effectRef idx="0">
+          <a:scrgbClr r="0" g="0" b="0"/>
+        </a:effectRef>
+        <a:fontRef idx="minor">
+          <a:schemeClr val="lt1"/>
+        </a:fontRef>
+      </dsp:style>
+      <dsp:txBody>
+        <a:bodyPr spcFirstLastPara="0" vert="horz" wrap="square" lIns="60960" tIns="60960" rIns="60960" bIns="60960" numCol="1" spcCol="1270" anchor="ctr" anchorCtr="0">
+          <a:noAutofit/>
+        </a:bodyPr>
+        <a:lstStyle/>
+        <a:p>
+          <a:pPr marL="0" lvl="0" indent="0" algn="ctr" defTabSz="711200">
+            <a:lnSpc>
+              <a:spcPct val="90000"/>
+            </a:lnSpc>
+            <a:spcBef>
+              <a:spcPct val="0"/>
+            </a:spcBef>
+            <a:spcAft>
+              <a:spcPct val="35000"/>
+            </a:spcAft>
+            <a:buNone/>
+          </a:pPr>
+          <a:r>
+            <a:rPr lang="en-US" sz="1600" kern="1200" dirty="0">
+              <a:solidFill>
+                <a:schemeClr val="tx1"/>
+              </a:solidFill>
+            </a:rPr>
+            <a:t>Citizens Redeem for Vouchers</a:t>
+          </a:r>
+          <a:endParaRPr lang="LID4096" sz="1600" kern="1200" dirty="0">
+            <a:solidFill>
+              <a:schemeClr val="tx1"/>
+            </a:solidFill>
+          </a:endParaRPr>
+        </a:p>
+      </dsp:txBody>
+      <dsp:txXfrm>
+        <a:off x="7459798" y="1295113"/>
+        <a:ext cx="2523269" cy="2212804"/>
+      </dsp:txXfrm>
+    </dsp:sp>
+  </dsp:spTree>
+</dsp:drawing>
+</file>
+
+<file path=ppt/diagrams/layout1.xml><?xml version="1.0" encoding="utf-8"?>
+<dgm:layoutDef xmlns:dgm="http://schemas.openxmlformats.org/drawingml/2006/diagram" xmlns:a="http://schemas.openxmlformats.org/drawingml/2006/main" uniqueId="urn:microsoft.com/office/officeart/2005/8/layout/hProcess10">
+  <dgm:title val=""/>
+  <dgm:desc val=""/>
+  <dgm:catLst>
+    <dgm:cat type="process" pri="3000"/>
+    <dgm:cat type="picture" pri="30000"/>
+    <dgm:cat type="pictureconvert" pri="30000"/>
+  </dgm:catLst>
+  <dgm:sampData>
+    <dgm:dataModel>
+      <dgm:ptLst>
+        <dgm:pt modelId="0" type="doc"/>
+        <dgm:pt modelId="1">
+          <dgm:prSet phldr="1"/>
+        </dgm:pt>
+        <dgm:pt modelId="11">
+          <dgm:prSet phldr="1"/>
+        </dgm:pt>
+        <dgm:pt modelId="12">
+          <dgm:prSet phldr="1"/>
+        </dgm:pt>
+        <dgm:pt modelId="2">
+          <dgm:prSet phldr="1"/>
+        </dgm:pt>
+        <dgm:pt modelId="21">
+          <dgm:prSet phldr="1"/>
+        </dgm:pt>
+        <dgm:pt modelId="22">
+          <dgm:prSet phldr="1"/>
+        </dgm:pt>
+        <dgm:pt modelId="3">
+          <dgm:prSet phldr="1"/>
+        </dgm:pt>
+        <dgm:pt modelId="31">
+          <dgm:prSet phldr="1"/>
+        </dgm:pt>
+        <dgm:pt modelId="32">
+          <dgm:prSet phldr="1"/>
+        </dgm:pt>
+      </dgm:ptLst>
+      <dgm:cxnLst>
+        <dgm:cxn modelId="4" srcId="0" destId="1" srcOrd="0" destOrd="0"/>
+        <dgm:cxn modelId="5" srcId="0" destId="2" srcOrd="1" destOrd="0"/>
+        <dgm:cxn modelId="6" srcId="0" destId="3" srcOrd="2" destOrd="0"/>
+        <dgm:cxn modelId="13" srcId="1" destId="11" srcOrd="0" destOrd="0"/>
+        <dgm:cxn modelId="14" srcId="1" destId="12" srcOrd="1" destOrd="0"/>
+        <dgm:cxn modelId="23" srcId="2" destId="21" srcOrd="0" destOrd="0"/>
+        <dgm:cxn modelId="24" srcId="2" destId="22" srcOrd="1" destOrd="0"/>
+        <dgm:cxn modelId="33" srcId="3" destId="31" srcOrd="0" destOrd="0"/>
+        <dgm:cxn modelId="34" srcId="3" destId="32" srcOrd="1" destOrd="0"/>
+      </dgm:cxnLst>
+      <dgm:bg/>
+      <dgm:whole/>
+    </dgm:dataModel>
+  </dgm:sampData>
+  <dgm:styleData>
+    <dgm:dataModel>
+      <dgm:ptLst>
+        <dgm:pt modelId="0" type="doc"/>
+        <dgm:pt modelId="1"/>
+        <dgm:pt modelId="11"/>
+        <dgm:pt modelId="2"/>
+        <dgm:pt modelId="21"/>
+      </dgm:ptLst>
+      <dgm:cxnLst>
+        <dgm:cxn modelId="4" srcId="0" destId="1" srcOrd="0" destOrd="0"/>
+        <dgm:cxn modelId="5" srcId="0" destId="2" srcOrd="1" destOrd="0"/>
+        <dgm:cxn modelId="13" srcId="1" destId="11" srcOrd="0" destOrd="0"/>
+        <dgm:cxn modelId="23" srcId="2" destId="21" srcOrd="0" destOrd="0"/>
+      </dgm:cxnLst>
+      <dgm:bg/>
+      <dgm:whole/>
+    </dgm:dataModel>
+  </dgm:styleData>
+  <dgm:clrData>
+    <dgm:dataModel>
+      <dgm:ptLst>
+        <dgm:pt modelId="0" type="doc"/>
+        <dgm:pt modelId="1"/>
+        <dgm:pt modelId="11"/>
+        <dgm:pt modelId="2"/>
+        <dgm:pt modelId="21"/>
+        <dgm:pt modelId="3"/>
+        <dgm:pt modelId="31"/>
+        <dgm:pt modelId="4"/>
+        <dgm:pt modelId="41"/>
+      </dgm:ptLst>
+      <dgm:cxnLst>
+        <dgm:cxn modelId="5" srcId="0" destId="1" srcOrd="0" destOrd="0"/>
+        <dgm:cxn modelId="6" srcId="0" destId="2" srcOrd="1" destOrd="0"/>
+        <dgm:cxn modelId="7" srcId="0" destId="3" srcOrd="2" destOrd="0"/>
+        <dgm:cxn modelId="8" srcId="0" destId="4" srcOrd="3" destOrd="0"/>
+        <dgm:cxn modelId="13" srcId="1" destId="11" srcOrd="0" destOrd="0"/>
+        <dgm:cxn modelId="23" srcId="2" destId="21" srcOrd="0" destOrd="0"/>
+        <dgm:cxn modelId="33" srcId="3" destId="31" srcOrd="0" destOrd="0"/>
+        <dgm:cxn modelId="43" srcId="4" destId="41" srcOrd="0" destOrd="0"/>
+      </dgm:cxnLst>
+      <dgm:bg/>
+      <dgm:whole/>
+    </dgm:dataModel>
+  </dgm:clrData>
+  <dgm:layoutNode name="Name0">
+    <dgm:varLst>
+      <dgm:dir/>
+      <dgm:resizeHandles val="exact"/>
+    </dgm:varLst>
+    <dgm:choose name="Name1">
+      <dgm:if name="Name2" func="var" arg="dir" op="equ" val="norm">
+        <dgm:alg type="lin"/>
+      </dgm:if>
+      <dgm:else name="Name3">
+        <dgm:alg type="lin">
+          <dgm:param type="linDir" val="fromR"/>
+        </dgm:alg>
+      </dgm:else>
+    </dgm:choose>
+    <dgm:shape xmlns:r="http://schemas.openxmlformats.org/officeDocument/2006/relationships" r:blip="">
+      <dgm:adjLst/>
+    </dgm:shape>
+    <dgm:presOf/>
+    <dgm:constrLst>
+      <dgm:constr type="w" for="ch" forName="composite" refType="w"/>
+      <dgm:constr type="w" for="ch" ptType="sibTrans" refType="w" refFor="ch" refForName="composite" op="equ" fact="0.3333"/>
+      <dgm:constr type="primFontSz" for="des" forName="txNode" op="equ" val="65"/>
+      <dgm:constr type="primFontSz" for="des" forName="connTx" op="equ" val="55"/>
+      <dgm:constr type="primFontSz" for="des" forName="connTx" refType="primFontSz" refFor="des" refForName="txNode" op="lte" fact="0.8"/>
+    </dgm:constrLst>
+    <dgm:ruleLst/>
+    <dgm:forEach name="Name4" axis="ch" ptType="node">
+      <dgm:layoutNode name="composite">
+        <dgm:alg type="composite"/>
+        <dgm:shape xmlns:r="http://schemas.openxmlformats.org/officeDocument/2006/relationships" r:blip="">
+          <dgm:adjLst/>
+        </dgm:shape>
+        <dgm:presOf/>
+        <dgm:choose name="Name5">
+          <dgm:if name="Name6" func="var" arg="dir" op="equ" val="norm">
+            <dgm:constrLst>
+              <dgm:constr type="l" for="ch" forName="imagSh"/>
+              <dgm:constr type="w" for="ch" forName="imagSh" refType="w" fact="0.86"/>
+              <dgm:constr type="t" for="ch" forName="imagSh"/>
+              <dgm:constr type="h" for="ch" forName="imagSh" refType="w" refFor="ch" refForName="imagSh"/>
+              <dgm:constr type="l" for="ch" forName="txNode" refType="w" fact="0.14"/>
+              <dgm:constr type="w" for="ch" forName="txNode" refType="w" refFor="ch" refForName="imagSh"/>
+              <dgm:constr type="t" for="ch" forName="txNode" refType="h" refFor="ch" refForName="imagSh" fact="0.6"/>
+              <dgm:constr type="h" for="ch" forName="txNode" refType="h" refFor="ch" refForName="imagSh"/>
+            </dgm:constrLst>
+          </dgm:if>
+          <dgm:else name="Name7">
+            <dgm:constrLst>
+              <dgm:constr type="l" for="ch" forName="imagSh" refType="w" fact="0.14"/>
+              <dgm:constr type="w" for="ch" forName="imagSh" refType="w" fact="0.86"/>
+              <dgm:constr type="t" for="ch" forName="imagSh"/>
+              <dgm:constr type="h" for="ch" forName="imagSh" refType="w" refFor="ch" refForName="imagSh"/>
+              <dgm:constr type="l" for="ch" forName="txNode"/>
+              <dgm:constr type="w" for="ch" forName="txNode" refType="w" refFor="ch" refForName="imagSh"/>
+              <dgm:constr type="t" for="ch" forName="txNode" refType="h" refFor="ch" refForName="imagSh" fact="0.6"/>
+              <dgm:constr type="h" for="ch" forName="txNode" refType="h" refFor="ch" refForName="imagSh"/>
+            </dgm:constrLst>
+          </dgm:else>
+        </dgm:choose>
+        <dgm:ruleLst/>
+        <dgm:layoutNode name="imagSh" styleLbl="bgImgPlace1">
+          <dgm:alg type="sp"/>
+          <dgm:shape xmlns:r="http://schemas.openxmlformats.org/officeDocument/2006/relationships" type="roundRect" r:blip="" blipPhldr="1">
+            <dgm:adjLst>
+              <dgm:adj idx="1" val="0.1"/>
+            </dgm:adjLst>
+          </dgm:shape>
+          <dgm:presOf/>
+          <dgm:constrLst/>
+          <dgm:ruleLst/>
+        </dgm:layoutNode>
+        <dgm:layoutNode name="txNode" styleLbl="node1">
+          <dgm:varLst>
+            <dgm:bulletEnabled val="1"/>
+          </dgm:varLst>
+          <dgm:alg type="tx"/>
+          <dgm:shape xmlns:r="http://schemas.openxmlformats.org/officeDocument/2006/relationships" type="roundRect" r:blip="">
+            <dgm:adjLst>
+              <dgm:adj idx="1" val="0.1"/>
+            </dgm:adjLst>
+          </dgm:shape>
+          <dgm:presOf axis="desOrSelf" ptType="node"/>
+          <dgm:constrLst>
+            <dgm:constr type="tMarg" refType="primFontSz" fact="0.3"/>
+            <dgm:constr type="bMarg" refType="primFontSz" fact="0.3"/>
+            <dgm:constr type="lMarg" refType="primFontSz" fact="0.3"/>
+            <dgm:constr type="rMarg" refType="primFontSz" fact="0.3"/>
+          </dgm:constrLst>
+          <dgm:ruleLst>
+            <dgm:rule type="primFontSz" val="5" fact="NaN" max="NaN"/>
+          </dgm:ruleLst>
+        </dgm:layoutNode>
+      </dgm:layoutNode>
+      <dgm:forEach name="sibTransForEach" axis="followSib" ptType="sibTrans" cnt="1">
+        <dgm:layoutNode name="sibTrans">
+          <dgm:alg type="conn">
+            <dgm:param type="begPts" val="auto"/>
+            <dgm:param type="endPts" val="auto"/>
+            <dgm:param type="srcNode" val="imagSh"/>
+            <dgm:param type="dstNode" val="imagSh"/>
+          </dgm:alg>
+          <dgm:shape xmlns:r="http://schemas.openxmlformats.org/officeDocument/2006/relationships" type="conn" r:blip="">
+            <dgm:adjLst/>
+          </dgm:shape>
+          <dgm:presOf axis="self"/>
+          <dgm:constrLst>
+            <dgm:constr type="h" refType="w" fact="0.62"/>
+            <dgm:constr type="connDist"/>
+            <dgm:constr type="begPad" refType="connDist" fact="0.35"/>
+            <dgm:constr type="endPad" refType="connDist" fact="0.3"/>
+          </dgm:constrLst>
+          <dgm:ruleLst/>
+          <dgm:layoutNode name="connTx">
+            <dgm:alg type="tx">
+              <dgm:param type="autoTxRot" val="grav"/>
+            </dgm:alg>
+            <dgm:shape xmlns:r="http://schemas.openxmlformats.org/officeDocument/2006/relationships" type="conn" r:blip="" hideGeom="1">
+              <dgm:adjLst/>
+            </dgm:shape>
+            <dgm:presOf axis="self"/>
+            <dgm:constrLst>
+              <dgm:constr type="lMarg"/>
+              <dgm:constr type="rMarg"/>
+              <dgm:constr type="tMarg"/>
+              <dgm:constr type="bMarg"/>
+            </dgm:constrLst>
+            <dgm:ruleLst>
+              <dgm:rule type="primFontSz" val="5" fact="NaN" max="NaN"/>
+            </dgm:ruleLst>
+          </dgm:layoutNode>
+        </dgm:layoutNode>
+      </dgm:forEach>
+    </dgm:forEach>
+  </dgm:layoutNode>
+</dgm:layoutDef>
+</file>
+
+<file path=ppt/diagrams/layout2.xml><?xml version="1.0" encoding="utf-8"?>
+<dgm:layoutDef xmlns:dgm="http://schemas.openxmlformats.org/drawingml/2006/diagram" xmlns:a="http://schemas.openxmlformats.org/drawingml/2006/main" uniqueId="urn:microsoft.com/office/officeart/2005/8/layout/hProcess10">
+  <dgm:title val=""/>
+  <dgm:desc val=""/>
+  <dgm:catLst>
+    <dgm:cat type="process" pri="3000"/>
+    <dgm:cat type="picture" pri="30000"/>
+    <dgm:cat type="pictureconvert" pri="30000"/>
+  </dgm:catLst>
+  <dgm:sampData>
+    <dgm:dataModel>
+      <dgm:ptLst>
+        <dgm:pt modelId="0" type="doc"/>
+        <dgm:pt modelId="1">
+          <dgm:prSet phldr="1"/>
+        </dgm:pt>
+        <dgm:pt modelId="11">
+          <dgm:prSet phldr="1"/>
+        </dgm:pt>
+        <dgm:pt modelId="12">
+          <dgm:prSet phldr="1"/>
+        </dgm:pt>
+        <dgm:pt modelId="2">
+          <dgm:prSet phldr="1"/>
+        </dgm:pt>
+        <dgm:pt modelId="21">
+          <dgm:prSet phldr="1"/>
+        </dgm:pt>
+        <dgm:pt modelId="22">
+          <dgm:prSet phldr="1"/>
+        </dgm:pt>
+        <dgm:pt modelId="3">
+          <dgm:prSet phldr="1"/>
+        </dgm:pt>
+        <dgm:pt modelId="31">
+          <dgm:prSet phldr="1"/>
+        </dgm:pt>
+        <dgm:pt modelId="32">
+          <dgm:prSet phldr="1"/>
+        </dgm:pt>
+      </dgm:ptLst>
+      <dgm:cxnLst>
+        <dgm:cxn modelId="4" srcId="0" destId="1" srcOrd="0" destOrd="0"/>
+        <dgm:cxn modelId="5" srcId="0" destId="2" srcOrd="1" destOrd="0"/>
+        <dgm:cxn modelId="6" srcId="0" destId="3" srcOrd="2" destOrd="0"/>
+        <dgm:cxn modelId="13" srcId="1" destId="11" srcOrd="0" destOrd="0"/>
+        <dgm:cxn modelId="14" srcId="1" destId="12" srcOrd="1" destOrd="0"/>
+        <dgm:cxn modelId="23" srcId="2" destId="21" srcOrd="0" destOrd="0"/>
+        <dgm:cxn modelId="24" srcId="2" destId="22" srcOrd="1" destOrd="0"/>
+        <dgm:cxn modelId="33" srcId="3" destId="31" srcOrd="0" destOrd="0"/>
+        <dgm:cxn modelId="34" srcId="3" destId="32" srcOrd="1" destOrd="0"/>
+      </dgm:cxnLst>
+      <dgm:bg/>
+      <dgm:whole/>
+    </dgm:dataModel>
+  </dgm:sampData>
+  <dgm:styleData>
+    <dgm:dataModel>
+      <dgm:ptLst>
+        <dgm:pt modelId="0" type="doc"/>
+        <dgm:pt modelId="1"/>
+        <dgm:pt modelId="11"/>
+        <dgm:pt modelId="2"/>
+        <dgm:pt modelId="21"/>
+      </dgm:ptLst>
+      <dgm:cxnLst>
+        <dgm:cxn modelId="4" srcId="0" destId="1" srcOrd="0" destOrd="0"/>
+        <dgm:cxn modelId="5" srcId="0" destId="2" srcOrd="1" destOrd="0"/>
+        <dgm:cxn modelId="13" srcId="1" destId="11" srcOrd="0" destOrd="0"/>
+        <dgm:cxn modelId="23" srcId="2" destId="21" srcOrd="0" destOrd="0"/>
+      </dgm:cxnLst>
+      <dgm:bg/>
+      <dgm:whole/>
+    </dgm:dataModel>
+  </dgm:styleData>
+  <dgm:clrData>
+    <dgm:dataModel>
+      <dgm:ptLst>
+        <dgm:pt modelId="0" type="doc"/>
+        <dgm:pt modelId="1"/>
+        <dgm:pt modelId="11"/>
+        <dgm:pt modelId="2"/>
+        <dgm:pt modelId="21"/>
+        <dgm:pt modelId="3"/>
+        <dgm:pt modelId="31"/>
+        <dgm:pt modelId="4"/>
+        <dgm:pt modelId="41"/>
+      </dgm:ptLst>
+      <dgm:cxnLst>
+        <dgm:cxn modelId="5" srcId="0" destId="1" srcOrd="0" destOrd="0"/>
+        <dgm:cxn modelId="6" srcId="0" destId="2" srcOrd="1" destOrd="0"/>
+        <dgm:cxn modelId="7" srcId="0" destId="3" srcOrd="2" destOrd="0"/>
+        <dgm:cxn modelId="8" srcId="0" destId="4" srcOrd="3" destOrd="0"/>
+        <dgm:cxn modelId="13" srcId="1" destId="11" srcOrd="0" destOrd="0"/>
+        <dgm:cxn modelId="23" srcId="2" destId="21" srcOrd="0" destOrd="0"/>
+        <dgm:cxn modelId="33" srcId="3" destId="31" srcOrd="0" destOrd="0"/>
+        <dgm:cxn modelId="43" srcId="4" destId="41" srcOrd="0" destOrd="0"/>
+      </dgm:cxnLst>
+      <dgm:bg/>
+      <dgm:whole/>
+    </dgm:dataModel>
+  </dgm:clrData>
+  <dgm:layoutNode name="Name0">
+    <dgm:varLst>
+      <dgm:dir/>
+      <dgm:resizeHandles val="exact"/>
+    </dgm:varLst>
+    <dgm:choose name="Name1">
+      <dgm:if name="Name2" func="var" arg="dir" op="equ" val="norm">
+        <dgm:alg type="lin"/>
+      </dgm:if>
+      <dgm:else name="Name3">
+        <dgm:alg type="lin">
+          <dgm:param type="linDir" val="fromR"/>
+        </dgm:alg>
+      </dgm:else>
+    </dgm:choose>
+    <dgm:shape xmlns:r="http://schemas.openxmlformats.org/officeDocument/2006/relationships" r:blip="">
+      <dgm:adjLst/>
+    </dgm:shape>
+    <dgm:presOf/>
+    <dgm:constrLst>
+      <dgm:constr type="w" for="ch" forName="composite" refType="w"/>
+      <dgm:constr type="w" for="ch" ptType="sibTrans" refType="w" refFor="ch" refForName="composite" op="equ" fact="0.3333"/>
+      <dgm:constr type="primFontSz" for="des" forName="txNode" op="equ" val="65"/>
+      <dgm:constr type="primFontSz" for="des" forName="connTx" op="equ" val="55"/>
+      <dgm:constr type="primFontSz" for="des" forName="connTx" refType="primFontSz" refFor="des" refForName="txNode" op="lte" fact="0.8"/>
+    </dgm:constrLst>
+    <dgm:ruleLst/>
+    <dgm:forEach name="Name4" axis="ch" ptType="node">
+      <dgm:layoutNode name="composite">
+        <dgm:alg type="composite"/>
+        <dgm:shape xmlns:r="http://schemas.openxmlformats.org/officeDocument/2006/relationships" r:blip="">
+          <dgm:adjLst/>
+        </dgm:shape>
+        <dgm:presOf/>
+        <dgm:choose name="Name5">
+          <dgm:if name="Name6" func="var" arg="dir" op="equ" val="norm">
+            <dgm:constrLst>
+              <dgm:constr type="l" for="ch" forName="imagSh"/>
+              <dgm:constr type="w" for="ch" forName="imagSh" refType="w" fact="0.86"/>
+              <dgm:constr type="t" for="ch" forName="imagSh"/>
+              <dgm:constr type="h" for="ch" forName="imagSh" refType="w" refFor="ch" refForName="imagSh"/>
+              <dgm:constr type="l" for="ch" forName="txNode" refType="w" fact="0.14"/>
+              <dgm:constr type="w" for="ch" forName="txNode" refType="w" refFor="ch" refForName="imagSh"/>
+              <dgm:constr type="t" for="ch" forName="txNode" refType="h" refFor="ch" refForName="imagSh" fact="0.6"/>
+              <dgm:constr type="h" for="ch" forName="txNode" refType="h" refFor="ch" refForName="imagSh"/>
+            </dgm:constrLst>
+          </dgm:if>
+          <dgm:else name="Name7">
+            <dgm:constrLst>
+              <dgm:constr type="l" for="ch" forName="imagSh" refType="w" fact="0.14"/>
+              <dgm:constr type="w" for="ch" forName="imagSh" refType="w" fact="0.86"/>
+              <dgm:constr type="t" for="ch" forName="imagSh"/>
+              <dgm:constr type="h" for="ch" forName="imagSh" refType="w" refFor="ch" refForName="imagSh"/>
+              <dgm:constr type="l" for="ch" forName="txNode"/>
+              <dgm:constr type="w" for="ch" forName="txNode" refType="w" refFor="ch" refForName="imagSh"/>
+              <dgm:constr type="t" for="ch" forName="txNode" refType="h" refFor="ch" refForName="imagSh" fact="0.6"/>
+              <dgm:constr type="h" for="ch" forName="txNode" refType="h" refFor="ch" refForName="imagSh"/>
+            </dgm:constrLst>
+          </dgm:else>
+        </dgm:choose>
+        <dgm:ruleLst/>
+        <dgm:layoutNode name="imagSh" styleLbl="bgImgPlace1">
+          <dgm:alg type="sp"/>
+          <dgm:shape xmlns:r="http://schemas.openxmlformats.org/officeDocument/2006/relationships" type="roundRect" r:blip="" blipPhldr="1">
+            <dgm:adjLst>
+              <dgm:adj idx="1" val="0.1"/>
+            </dgm:adjLst>
+          </dgm:shape>
+          <dgm:presOf/>
+          <dgm:constrLst/>
+          <dgm:ruleLst/>
+        </dgm:layoutNode>
+        <dgm:layoutNode name="txNode" styleLbl="node1">
+          <dgm:varLst>
+            <dgm:bulletEnabled val="1"/>
+          </dgm:varLst>
+          <dgm:alg type="tx"/>
+          <dgm:shape xmlns:r="http://schemas.openxmlformats.org/officeDocument/2006/relationships" type="roundRect" r:blip="">
+            <dgm:adjLst>
+              <dgm:adj idx="1" val="0.1"/>
+            </dgm:adjLst>
+          </dgm:shape>
+          <dgm:presOf axis="desOrSelf" ptType="node"/>
+          <dgm:constrLst>
+            <dgm:constr type="tMarg" refType="primFontSz" fact="0.3"/>
+            <dgm:constr type="bMarg" refType="primFontSz" fact="0.3"/>
+            <dgm:constr type="lMarg" refType="primFontSz" fact="0.3"/>
+            <dgm:constr type="rMarg" refType="primFontSz" fact="0.3"/>
+          </dgm:constrLst>
+          <dgm:ruleLst>
+            <dgm:rule type="primFontSz" val="5" fact="NaN" max="NaN"/>
+          </dgm:ruleLst>
+        </dgm:layoutNode>
+      </dgm:layoutNode>
+      <dgm:forEach name="sibTransForEach" axis="followSib" ptType="sibTrans" cnt="1">
+        <dgm:layoutNode name="sibTrans">
+          <dgm:alg type="conn">
+            <dgm:param type="begPts" val="auto"/>
+            <dgm:param type="endPts" val="auto"/>
+            <dgm:param type="srcNode" val="imagSh"/>
+            <dgm:param type="dstNode" val="imagSh"/>
+          </dgm:alg>
+          <dgm:shape xmlns:r="http://schemas.openxmlformats.org/officeDocument/2006/relationships" type="conn" r:blip="">
+            <dgm:adjLst/>
+          </dgm:shape>
+          <dgm:presOf axis="self"/>
+          <dgm:constrLst>
+            <dgm:constr type="h" refType="w" fact="0.62"/>
+            <dgm:constr type="connDist"/>
+            <dgm:constr type="begPad" refType="connDist" fact="0.35"/>
+            <dgm:constr type="endPad" refType="connDist" fact="0.3"/>
+          </dgm:constrLst>
+          <dgm:ruleLst/>
+          <dgm:layoutNode name="connTx">
+            <dgm:alg type="tx">
+              <dgm:param type="autoTxRot" val="grav"/>
+            </dgm:alg>
+            <dgm:shape xmlns:r="http://schemas.openxmlformats.org/officeDocument/2006/relationships" type="conn" r:blip="" hideGeom="1">
+              <dgm:adjLst/>
+            </dgm:shape>
+            <dgm:presOf axis="self"/>
+            <dgm:constrLst>
+              <dgm:constr type="lMarg"/>
+              <dgm:constr type="rMarg"/>
+              <dgm:constr type="tMarg"/>
+              <dgm:constr type="bMarg"/>
+            </dgm:constrLst>
+            <dgm:ruleLst>
+              <dgm:rule type="primFontSz" val="5" fact="NaN" max="NaN"/>
+            </dgm:ruleLst>
+          </dgm:layoutNode>
+        </dgm:layoutNode>
+      </dgm:forEach>
+    </dgm:forEach>
+  </dgm:layoutNode>
+</dgm:layoutDef>
+</file>
+
+<file path=ppt/diagrams/quickStyle1.xml><?xml version="1.0" encoding="utf-8"?>
+<dgm:styleDef xmlns:dgm="http://schemas.openxmlformats.org/drawingml/2006/diagram" xmlns:a="http://schemas.openxmlformats.org/drawingml/2006/main" uniqueId="urn:microsoft.com/office/officeart/2005/8/quickstyle/simple1">
+  <dgm:title val=""/>
+  <dgm:desc val=""/>
+  <dgm:catLst>
+    <dgm:cat type="simple" pri="10100"/>
+  </dgm:catLst>
+  <dgm:scene3d>
+    <a:camera prst="orthographicFront"/>
+    <a:lightRig rig="threePt" dir="t"/>
+  </dgm:scene3d>
+  <dgm:styleLbl name="node0">
+    <dgm:scene3d>
+      <a:camera prst="orthographicFront"/>
+      <a:lightRig rig="threePt" dir="t"/>
+    </dgm:scene3d>
+    <dgm:sp3d/>
+    <dgm:txPr/>
+    <dgm:style>
+      <a:lnRef idx="2">
+        <a:scrgbClr r="0" g="0" b="0"/>
+      </a:lnRef>
+      <a:fillRef idx="1">
+        <a:scrgbClr r="0" g="0" b="0"/>
+      </a:fillRef>
+      <a:effectRef idx="0">
+        <a:scrgbClr r="0" g="0" b="0"/>
+      </a:effectRef>
+      <a:fontRef idx="minor">
+        <a:schemeClr val="lt1"/>
+      </a:fontRef>
+    </dgm:style>
+  </dgm:styleLbl>
+  <dgm:styleLbl name="lnNode1">
+    <dgm:scene3d>
+      <a:camera prst="orthographicFront"/>
+      <a:lightRig rig="threePt" dir="t"/>
+    </dgm:scene3d>
+    <dgm:sp3d/>
+    <dgm:txPr/>
+    <dgm:style>
+      <a:lnRef idx="2">
+        <a:scrgbClr r="0" g="0" b="0"/>
+      </a:lnRef>
+      <a:fillRef idx="1">
+        <a:scrgbClr r="0" g="0" b="0"/>
+      </a:fillRef>
+      <a:effectRef idx="0">
+        <a:scrgbClr r="0" g="0" b="0"/>
+      </a:effectRef>
+      <a:fontRef idx="minor">
+        <a:schemeClr val="lt1"/>
+      </a:fontRef>
+    </dgm:style>
+  </dgm:styleLbl>
+  <dgm:styleLbl name="vennNode1">
+    <dgm:scene3d>
+      <a:camera prst="orthographicFront"/>
+      <a:lightRig rig="threePt" dir="t"/>
+    </dgm:scene3d>
+    <dgm:sp3d/>
+    <dgm:txPr/>
+    <dgm:style>
+      <a:lnRef idx="2">
+        <a:scrgbClr r="0" g="0" b="0"/>
+      </a:lnRef>
+      <a:fillRef idx="1">
+        <a:scrgbClr r="0" g="0" b="0"/>
+      </a:fillRef>
+      <a:effectRef idx="0">
+        <a:scrgbClr r="0" g="0" b="0"/>
+      </a:effectRef>
+      <a:fontRef idx="minor">
+        <a:schemeClr val="tx1"/>
+      </a:fontRef>
+    </dgm:style>
+  </dgm:styleLbl>
+  <dgm:styleLbl name="alignNode1">
+    <dgm:scene3d>
+      <a:camera prst="orthographicFront"/>
+      <a:lightRig rig="threePt" dir="t"/>
+    </dgm:scene3d>
+    <dgm:sp3d/>
+    <dgm:txPr/>
+    <dgm:style>
+      <a:lnRef idx="2">
+        <a:scrgbClr r="0" g="0" b="0"/>
+      </a:lnRef>
+      <a:fillRef idx="1">
+        <a:scrgbClr r="0" g="0" b="0"/>
+      </a:fillRef>
+      <a:effectRef idx="0">
+        <a:scrgbClr r="0" g="0" b="0"/>
+      </a:effectRef>
+      <a:fontRef idx="minor">
+        <a:schemeClr val="lt1"/>
+      </a:fontRef>
+    </dgm:style>
+  </dgm:styleLbl>
+  <dgm:styleLbl name="node1">
+    <dgm:scene3d>
+      <a:camera prst="orthographicFront"/>
+      <a:lightRig rig="threePt" dir="t"/>
+    </dgm:scene3d>
+    <dgm:sp3d/>
+    <dgm:txPr/>
+    <dgm:style>
+      <a:lnRef idx="2">
+        <a:scrgbClr r="0" g="0" b="0"/>
+      </a:lnRef>
+      <a:fillRef idx="1">
+        <a:scrgbClr r="0" g="0" b="0"/>
+      </a:fillRef>
+      <a:effectRef idx="0">
+        <a:scrgbClr r="0" g="0" b="0"/>
+      </a:effectRef>
+      <a:fontRef idx="minor">
+        <a:schemeClr val="lt1"/>
+      </a:fontRef>
+    </dgm:style>
+  </dgm:styleLbl>
+  <dgm:styleLbl name="node2">
+    <dgm:scene3d>
+      <a:camera prst="orthographicFront"/>
+      <a:lightRig rig="threePt" dir="t"/>
+    </dgm:scene3d>
+    <dgm:sp3d/>
+    <dgm:txPr/>
+    <dgm:style>
+      <a:lnRef idx="2">
+        <a:scrgbClr r="0" g="0" b="0"/>
+      </a:lnRef>
+      <a:fillRef idx="1">
+        <a:scrgbClr r="0" g="0" b="0"/>
+      </a:fillRef>
+      <a:effectRef idx="0">
+        <a:scrgbClr r="0" g="0" b="0"/>
+      </a:effectRef>
+      <a:fontRef idx="minor">
+        <a:schemeClr val="lt1"/>
+      </a:fontRef>
+    </dgm:style>
+  </dgm:styleLbl>
+  <dgm:styleLbl name="node3">
+    <dgm:scene3d>
+      <a:camera prst="orthographicFront"/>
+      <a:lightRig rig="threePt" dir="t"/>
+    </dgm:scene3d>
+    <dgm:sp3d/>
+    <dgm:txPr/>
+    <dgm:style>
+      <a:lnRef idx="2">
+        <a:scrgbClr r="0" g="0" b="0"/>
+      </a:lnRef>
+      <a:fillRef idx="1">
+        <a:scrgbClr r="0" g="0" b="0"/>
+      </a:fillRef>
+      <a:effectRef idx="0">
+        <a:scrgbClr r="0" g="0" b="0"/>
+      </a:effectRef>
+      <a:fontRef idx="minor">
+        <a:schemeClr val="lt1"/>
+      </a:fontRef>
+    </dgm:style>
+  </dgm:styleLbl>
+  <dgm:styleLbl name="node4">
+    <dgm:scene3d>
+      <a:camera prst="orthographicFront"/>
+      <a:lightRig rig="threePt" dir="t"/>
+    </dgm:scene3d>
+    <dgm:sp3d/>
+    <dgm:txPr/>
+    <dgm:style>
+      <a:lnRef idx="2">
+        <a:scrgbClr r="0" g="0" b="0"/>
+      </a:lnRef>
+      <a:fillRef idx="1">
+        <a:scrgbClr r="0" g="0" b="0"/>
+      </a:fillRef>
+      <a:effectRef idx="0">
+        <a:scrgbClr r="0" g="0" b="0"/>
+      </a:effectRef>
+      <a:fontRef idx="minor">
+        <a:schemeClr val="lt1"/>
+      </a:fontRef>
+    </dgm:style>
+  </dgm:styleLbl>
+  <dgm:styleLbl name="fgImgPlace1">
+    <dgm:scene3d>
+      <a:camera prst="orthographicFront"/>
+      <a:lightRig rig="threePt" dir="t"/>
+    </dgm:scene3d>
+    <dgm:sp3d/>
+    <dgm:txPr/>
+    <dgm:style>
+      <a:lnRef idx="2">
+        <a:scrgbClr r="0" g="0" b="0"/>
+      </a:lnRef>
+      <a:fillRef idx="1">
+        <a:scrgbClr r="0" g="0" b="0"/>
+      </a:fillRef>
+      <a:effectRef idx="0">
+        <a:scrgbClr r="0" g="0" b="0"/>
+      </a:effectRef>
+      <a:fontRef idx="minor"/>
+    </dgm:style>
+  </dgm:styleLbl>
+  <dgm:styleLbl name="alignImgPlace1">
+    <dgm:scene3d>
+      <a:camera prst="orthographicFront"/>
+      <a:lightRig rig="threePt" dir="t"/>
+    </dgm:scene3d>
+    <dgm:sp3d/>
+    <dgm:txPr/>
+    <dgm:style>
+      <a:lnRef idx="2">
+        <a:scrgbClr r="0" g="0" b="0"/>
+      </a:lnRef>
+      <a:fillRef idx="1">
+        <a:scrgbClr r="0" g="0" b="0"/>
+      </a:fillRef>
+      <a:effectRef idx="0">
+        <a:scrgbClr r="0" g="0" b="0"/>
+      </a:effectRef>
+      <a:fontRef idx="minor"/>
+    </dgm:style>
+  </dgm:styleLbl>
+  <dgm:styleLbl name="bgImgPlace1">
+    <dgm:scene3d>
+      <a:camera prst="orthographicFront"/>
+      <a:lightRig rig="threePt" dir="t"/>
+    </dgm:scene3d>
+    <dgm:sp3d/>
+    <dgm:txPr/>
+    <dgm:style>
+      <a:lnRef idx="2">
+        <a:scrgbClr r="0" g="0" b="0"/>
+      </a:lnRef>
+      <a:fillRef idx="1">
+        <a:scrgbClr r="0" g="0" b="0"/>
+      </a:fillRef>
+      <a:effectRef idx="0">
+        <a:scrgbClr r="0" g="0" b="0"/>
+      </a:effectRef>
+      <a:fontRef idx="minor"/>
+    </dgm:style>
+  </dgm:styleLbl>
+  <dgm:styleLbl name="sibTrans2D1">
+    <dgm:scene3d>
+      <a:camera prst="orthographicFront"/>
+      <a:lightRig rig="threePt" dir="t"/>
+    </dgm:scene3d>
+    <dgm:sp3d/>
+    <dgm:txPr/>
+    <dgm:style>
+      <a:lnRef idx="0">
+        <a:scrgbClr r="0" g="0" b="0"/>
+      </a:lnRef>
+      <a:fillRef idx="1">
+        <a:scrgbClr r="0" g="0" b="0"/>
+      </a:fillRef>
+      <a:effectRef idx="0">
+        <a:scrgbClr r="0" g="0" b="0"/>
+      </a:effectRef>
+      <a:fontRef idx="minor">
+        <a:schemeClr val="lt1"/>
+      </a:fontRef>
+    </dgm:style>
+  </dgm:styleLbl>
+  <dgm:styleLbl name="fgSibTrans2D1">
+    <dgm:scene3d>
+      <a:camera prst="orthographicFront"/>
+      <a:lightRig rig="threePt" dir="t"/>
+    </dgm:scene3d>
+    <dgm:sp3d/>
+    <dgm:txPr/>
+    <dgm:style>
+      <a:lnRef idx="0">
+        <a:scrgbClr r="0" g="0" b="0"/>
+      </a:lnRef>
+      <a:fillRef idx="1">
+        <a:scrgbClr r="0" g="0" b="0"/>
+      </a:fillRef>
+      <a:effectRef idx="0">
+        <a:scrgbClr r="0" g="0" b="0"/>
+      </a:effectRef>
+      <a:fontRef idx="minor">
+        <a:schemeClr val="lt1"/>
+      </a:fontRef>
+    </dgm:style>
+  </dgm:styleLbl>
+  <dgm:styleLbl name="bgSibTrans2D1">
+    <dgm:scene3d>
+      <a:camera prst="orthographicFront"/>
+      <a:lightRig rig="threePt" dir="t"/>
+    </dgm:scene3d>
+    <dgm:sp3d/>
+    <dgm:txPr/>
+    <dgm:style>
+      <a:lnRef idx="0">
+        <a:scrgbClr r="0" g="0" b="0"/>
+      </a:lnRef>
+      <a:fillRef idx="1">
+        <a:scrgbClr r="0" g="0" b="0"/>
+      </a:fillRef>
+      <a:effectRef idx="0">
+        <a:scrgbClr r="0" g="0" b="0"/>
+      </a:effectRef>
+      <a:fontRef idx="minor">
+        <a:schemeClr val="lt1"/>
+      </a:fontRef>
+    </dgm:style>
+  </dgm:styleLbl>
+  <dgm:styleLbl name="sibTrans1D1">
+    <dgm:scene3d>
+      <a:camera prst="orthographicFront"/>
+      <a:lightRig rig="threePt" dir="t"/>
+    </dgm:scene3d>
+    <dgm:sp3d/>
+    <dgm:txPr/>
+    <dgm:style>
+      <a:lnRef idx="1">
+        <a:scrgbClr r="0" g="0" b="0"/>
+      </a:lnRef>
+      <a:fillRef idx="0">
+        <a:scrgbClr r="0" g="0" b="0"/>
+      </a:fillRef>
+      <a:effectRef idx="0">
+        <a:scrgbClr r="0" g="0" b="0"/>
+      </a:effectRef>
+      <a:fontRef idx="minor"/>
+    </dgm:style>
+  </dgm:styleLbl>
+  <dgm:styleLbl name="callout">
+    <dgm:scene3d>
+      <a:camera prst="orthographicFront"/>
+      <a:lightRig rig="threePt" dir="t"/>
+    </dgm:scene3d>
+    <dgm:sp3d/>
+    <dgm:txPr/>
+    <dgm:style>
+      <a:lnRef idx="2">
+        <a:scrgbClr r="0" g="0" b="0"/>
+      </a:lnRef>
+      <a:fillRef idx="1">
+        <a:scrgbClr r="0" g="0" b="0"/>
+      </a:fillRef>
+      <a:effectRef idx="0">
+        <a:scrgbClr r="0" g="0" b="0"/>
+      </a:effectRef>
+      <a:fontRef idx="minor"/>
+    </dgm:style>
+  </dgm:styleLbl>
+  <dgm:styleLbl name="asst0">
+    <dgm:scene3d>
+      <a:camera prst="orthographicFront"/>
+      <a:lightRig rig="threePt" dir="t"/>
+    </dgm:scene3d>
+    <dgm:sp3d/>
+    <dgm:txPr/>
+    <dgm:style>
+      <a:lnRef idx="2">
+        <a:scrgbClr r="0" g="0" b="0"/>
+      </a:lnRef>
+      <a:fillRef idx="1">
+        <a:scrgbClr r="0" g="0" b="0"/>
+      </a:fillRef>
+      <a:effectRef idx="0">
+        <a:scrgbClr r="0" g="0" b="0"/>
+      </a:effectRef>
+      <a:fontRef idx="minor">
+        <a:schemeClr val="lt1"/>
+      </a:fontRef>
+    </dgm:style>
+  </dgm:styleLbl>
+  <dgm:styleLbl name="asst1">
+    <dgm:scene3d>
+      <a:camera prst="orthographicFront"/>
+      <a:lightRig rig="threePt" dir="t"/>
+    </dgm:scene3d>
+    <dgm:sp3d/>
+    <dgm:txPr/>
+    <dgm:style>
+      <a:lnRef idx="2">
+        <a:scrgbClr r="0" g="0" b="0"/>
+      </a:lnRef>
+      <a:fillRef idx="1">
+        <a:scrgbClr r="0" g="0" b="0"/>
+      </a:fillRef>
+      <a:effectRef idx="0">
+        <a:scrgbClr r="0" g="0" b="0"/>
+      </a:effectRef>
+      <a:fontRef idx="minor">
+        <a:schemeClr val="lt1"/>
+      </a:fontRef>
+    </dgm:style>
+  </dgm:styleLbl>
+  <dgm:styleLbl name="asst2">
+    <dgm:scene3d>
+      <a:camera prst="orthographicFront"/>
+      <a:lightRig rig="threePt" dir="t"/>
+    </dgm:scene3d>
+    <dgm:sp3d/>
+    <dgm:txPr/>
+    <dgm:style>
+      <a:lnRef idx="2">
+        <a:scrgbClr r="0" g="0" b="0"/>
+      </a:lnRef>
+      <a:fillRef idx="1">
+        <a:scrgbClr r="0" g="0" b="0"/>
+      </a:fillRef>
+      <a:effectRef idx="0">
+        <a:scrgbClr r="0" g="0" b="0"/>
+      </a:effectRef>
+      <a:fontRef idx="minor">
+        <a:schemeClr val="lt1"/>
+      </a:fontRef>
+    </dgm:style>
+  </dgm:styleLbl>
+  <dgm:styleLbl name="asst3">
+    <dgm:scene3d>
+      <a:camera prst="orthographicFront"/>
+      <a:lightRig rig="threePt" dir="t"/>
+    </dgm:scene3d>
+    <dgm:sp3d/>
+    <dgm:txPr/>
+    <dgm:style>
+      <a:lnRef idx="2">
+        <a:scrgbClr r="0" g="0" b="0"/>
+      </a:lnRef>
+      <a:fillRef idx="1">
+        <a:scrgbClr r="0" g="0" b="0"/>
+      </a:fillRef>
+      <a:effectRef idx="0">
+        <a:scrgbClr r="0" g="0" b="0"/>
+      </a:effectRef>
+      <a:fontRef idx="minor">
+        <a:schemeClr val="lt1"/>
+      </a:fontRef>
+    </dgm:style>
+  </dgm:styleLbl>
+  <dgm:styleLbl name="asst4">
+    <dgm:scene3d>
+      <a:camera prst="orthographicFront"/>
+      <a:lightRig rig="threePt" dir="t"/>
+    </dgm:scene3d>
+    <dgm:sp3d/>
+    <dgm:txPr/>
+    <dgm:style>
+      <a:lnRef idx="2">
+        <a:scrgbClr r="0" g="0" b="0"/>
+      </a:lnRef>
+      <a:fillRef idx="1">
+        <a:scrgbClr r="0" g="0" b="0"/>
+      </a:fillRef>
+      <a:effectRef idx="0">
+        <a:scrgbClr r="0" g="0" b="0"/>
+      </a:effectRef>
+      <a:fontRef idx="minor">
+        <a:schemeClr val="lt1"/>
+      </a:fontRef>
+    </dgm:style>
+  </dgm:styleLbl>
+  <dgm:styleLbl name="parChTrans2D1">
+    <dgm:scene3d>
+      <a:camera prst="orthographicFront"/>
+      <a:lightRig rig="threePt" dir="t"/>
+    </dgm:scene3d>
+    <dgm:sp3d/>
+    <dgm:txPr/>
+    <dgm:style>
+      <a:lnRef idx="2">
+        <a:scrgbClr r="0" g="0" b="0"/>
+      </a:lnRef>
+      <a:fillRef idx="1">
+        <a:scrgbClr r="0" g="0" b="0"/>
+      </a:fillRef>
+      <a:effectRef idx="0">
+        <a:scrgbClr r="0" g="0" b="0"/>
+      </a:effectRef>
+      <a:fontRef idx="minor">
+        <a:schemeClr val="lt1"/>
+      </a:fontRef>
+    </dgm:style>
+  </dgm:styleLbl>
+  <dgm:styleLbl name="parChTrans2D2">
+    <dgm:scene3d>
+      <a:camera prst="orthographicFront"/>
+      <a:lightRig rig="threePt" dir="t"/>
+    </dgm:scene3d>
+    <dgm:sp3d/>
+    <dgm:txPr/>
+    <dgm:style>
+      <a:lnRef idx="2">
+        <a:scrgbClr r="0" g="0" b="0"/>
+      </a:lnRef>
+      <a:fillRef idx="1">
+        <a:scrgbClr r="0" g="0" b="0"/>
+      </a:fillRef>
+      <a:effectRef idx="0">
+        <a:scrgbClr r="0" g="0" b="0"/>
+      </a:effectRef>
+      <a:fontRef idx="minor">
+        <a:schemeClr val="lt1"/>
+      </a:fontRef>
+    </dgm:style>
+  </dgm:styleLbl>
+  <dgm:styleLbl name="parChTrans2D3">
+    <dgm:scene3d>
+      <a:camera prst="orthographicFront"/>
+      <a:lightRig rig="threePt" dir="t"/>
+    </dgm:scene3d>
+    <dgm:sp3d/>
+    <dgm:txPr/>
+    <dgm:style>
+      <a:lnRef idx="2">
+        <a:scrgbClr r="0" g="0" b="0"/>
+      </a:lnRef>
+      <a:fillRef idx="1">
+        <a:scrgbClr r="0" g="0" b="0"/>
+      </a:fillRef>
+      <a:effectRef idx="0">
+        <a:scrgbClr r="0" g="0" b="0"/>
+      </a:effectRef>
+      <a:fontRef idx="minor">
+        <a:schemeClr val="lt1"/>
+      </a:fontRef>
+    </dgm:style>
+  </dgm:styleLbl>
+  <dgm:styleLbl name="parChTrans2D4">
+    <dgm:scene3d>
+      <a:camera prst="orthographicFront"/>
+      <a:lightRig rig="threePt" dir="t"/>
+    </dgm:scene3d>
+    <dgm:sp3d/>
+    <dgm:txPr/>
+    <dgm:style>
+      <a:lnRef idx="2">
+        <a:scrgbClr r="0" g="0" b="0"/>
+      </a:lnRef>
+      <a:fillRef idx="1">
+        <a:scrgbClr r="0" g="0" b="0"/>
+      </a:fillRef>
+      <a:effectRef idx="0">
+        <a:scrgbClr r="0" g="0" b="0"/>
+      </a:effectRef>
+      <a:fontRef idx="minor">
+        <a:schemeClr val="lt1"/>
+      </a:fontRef>
+    </dgm:style>
+  </dgm:styleLbl>
+  <dgm:styleLbl name="parChTrans1D1">
+    <dgm:scene3d>
+      <a:camera prst="orthographicFront"/>
+      <a:lightRig rig="threePt" dir="t"/>
+    </dgm:scene3d>
+    <dgm:sp3d/>
+    <dgm:txPr/>
+    <dgm:style>
+      <a:lnRef idx="2">
+        <a:scrgbClr r="0" g="0" b="0"/>
+      </a:lnRef>
+      <a:fillRef idx="0">
+        <a:scrgbClr r="0" g="0" b="0"/>
+      </a:fillRef>
+      <a:effectRef idx="0">
+        <a:scrgbClr r="0" g="0" b="0"/>
+      </a:effectRef>
+      <a:fontRef idx="minor"/>
+    </dgm:style>
+  </dgm:styleLbl>
+  <dgm:styleLbl name="parChTrans1D2">
+    <dgm:scene3d>
+      <a:camera prst="orthographicFront"/>
+      <a:lightRig rig="threePt" dir="t"/>
+    </dgm:scene3d>
+    <dgm:sp3d/>
+    <dgm:txPr/>
+    <dgm:style>
+      <a:lnRef idx="2">
+        <a:scrgbClr r="0" g="0" b="0"/>
+      </a:lnRef>
+      <a:fillRef idx="0">
+        <a:scrgbClr r="0" g="0" b="0"/>
+      </a:fillRef>
+      <a:effectRef idx="0">
+        <a:scrgbClr r="0" g="0" b="0"/>
+      </a:effectRef>
+      <a:fontRef idx="minor"/>
+    </dgm:style>
+  </dgm:styleLbl>
+  <dgm:styleLbl name="parChTrans1D3">
+    <dgm:scene3d>
+      <a:camera prst="orthographicFront"/>
+      <a:lightRig rig="threePt" dir="t"/>
+    </dgm:scene3d>
+    <dgm:sp3d/>
+    <dgm:txPr/>
+    <dgm:style>
+      <a:lnRef idx="2">
+        <a:scrgbClr r="0" g="0" b="0"/>
+      </a:lnRef>
+      <a:fillRef idx="0">
+        <a:scrgbClr r="0" g="0" b="0"/>
+      </a:fillRef>
+      <a:effectRef idx="0">
+        <a:scrgbClr r="0" g="0" b="0"/>
+      </a:effectRef>
+      <a:fontRef idx="minor"/>
+    </dgm:style>
+  </dgm:styleLbl>
+  <dgm:styleLbl name="parChTrans1D4">
+    <dgm:scene3d>
+      <a:camera prst="orthographicFront"/>
+      <a:lightRig rig="threePt" dir="t"/>
+    </dgm:scene3d>
+    <dgm:sp3d/>
+    <dgm:txPr/>
+    <dgm:style>
+      <a:lnRef idx="2">
+        <a:scrgbClr r="0" g="0" b="0"/>
+      </a:lnRef>
+      <a:fillRef idx="0">
+        <a:scrgbClr r="0" g="0" b="0"/>
+      </a:fillRef>
+      <a:effectRef idx="0">
+        <a:scrgbClr r="0" g="0" b="0"/>
+      </a:effectRef>
+      <a:fontRef idx="minor"/>
+    </dgm:style>
+  </dgm:styleLbl>
+  <dgm:styleLbl name="fgAcc1">
+    <dgm:scene3d>
+      <a:camera prst="orthographicFront"/>
+      <a:lightRig rig="threePt" dir="t"/>
+    </dgm:scene3d>
+    <dgm:sp3d/>
+    <dgm:txPr/>
+    <dgm:style>
+      <a:lnRef idx="2">
+        <a:scrgbClr r="0" g="0" b="0"/>
+      </a:lnRef>
+      <a:fillRef idx="1">
+        <a:scrgbClr r="0" g="0" b="0"/>
+      </a:fillRef>
+      <a:effectRef idx="0">
+        <a:scrgbClr r="0" g="0" b="0"/>
+      </a:effectRef>
+      <a:fontRef idx="minor"/>
+    </dgm:style>
+  </dgm:styleLbl>
+  <dgm:styleLbl name="conFgAcc1">
+    <dgm:scene3d>
+      <a:camera prst="orthographicFront"/>
+      <a:lightRig rig="threePt" dir="t"/>
+    </dgm:scene3d>
+    <dgm:sp3d/>
+    <dgm:txPr/>
+    <dgm:style>
+      <a:lnRef idx="2">
+        <a:scrgbClr r="0" g="0" b="0"/>
+      </a:lnRef>
+      <a:fillRef idx="1">
+        <a:scrgbClr r="0" g="0" b="0"/>
+      </a:fillRef>
+      <a:effectRef idx="0">
+        <a:scrgbClr r="0" g="0" b="0"/>
+      </a:effectRef>
+      <a:fontRef idx="minor"/>
+    </dgm:style>
+  </dgm:styleLbl>
+  <dgm:styleLbl name="alignAcc1">
+    <dgm:scene3d>
+      <a:camera prst="orthographicFront"/>
+      <a:lightRig rig="threePt" dir="t"/>
+    </dgm:scene3d>
+    <dgm:sp3d/>
+    <dgm:txPr/>
+    <dgm:style>
+      <a:lnRef idx="2">
+        <a:scrgbClr r="0" g="0" b="0"/>
+      </a:lnRef>
+      <a:fillRef idx="1">
+        <a:scrgbClr r="0" g="0" b="0"/>
+      </a:fillRef>
+      <a:effectRef idx="0">
+        <a:scrgbClr r="0" g="0" b="0"/>
+      </a:effectRef>
+      <a:fontRef idx="minor"/>
+    </dgm:style>
+  </dgm:styleLbl>
+  <dgm:styleLbl name="trAlignAcc1">
+    <dgm:scene3d>
+      <a:camera prst="orthographicFront"/>
+      <a:lightRig rig="threePt" dir="t"/>
+    </dgm:scene3d>
+    <dgm:sp3d/>
+    <dgm:txPr/>
+    <dgm:style>
+      <a:lnRef idx="1">
+        <a:scrgbClr r="0" g="0" b="0"/>
+      </a:lnRef>
+      <a:fillRef idx="1">
+        <a:scrgbClr r="0" g="0" b="0"/>
+      </a:fillRef>
+      <a:effectRef idx="0">
+        <a:scrgbClr r="0" g="0" b="0"/>
+      </a:effectRef>
+      <a:fontRef idx="minor"/>
+    </dgm:style>
+  </dgm:styleLbl>
+  <dgm:styleLbl name="bgAcc1">
+    <dgm:scene3d>
+      <a:camera prst="orthographicFront"/>
+      <a:lightRig rig="threePt" dir="t"/>
+    </dgm:scene3d>
+    <dgm:sp3d/>
+    <dgm:txPr/>
+    <dgm:style>
+      <a:lnRef idx="2">
+        <a:scrgbClr r="0" g="0" b="0"/>
+      </a:lnRef>
+      <a:fillRef idx="1">
+        <a:scrgbClr r="0" g="0" b="0"/>
+      </a:fillRef>
+      <a:effectRef idx="0">
+        <a:scrgbClr r="0" g="0" b="0"/>
+      </a:effectRef>
+      <a:fontRef idx="minor"/>
+    </dgm:style>
+  </dgm:styleLbl>
+  <dgm:styleLbl name="solidFgAcc1">
+    <dgm:scene3d>
+      <a:camera prst="orthographicFront"/>
+      <a:lightRig rig="threePt" dir="t"/>
+    </dgm:scene3d>
+    <dgm:sp3d/>
+    <dgm:txPr/>
+    <dgm:style>
+      <a:lnRef idx="2">
+        <a:scrgbClr r="0" g="0" b="0"/>
+      </a:lnRef>
+      <a:fillRef idx="1">
+        <a:scrgbClr r="0" g="0" b="0"/>
+      </a:fillRef>
+      <a:effectRef idx="0">
+        <a:scrgbClr r="0" g="0" b="0"/>
+      </a:effectRef>
+      <a:fontRef idx="minor"/>
+    </dgm:style>
+  </dgm:styleLbl>
+  <dgm:styleLbl name="solidAlignAcc1">
+    <dgm:scene3d>
+      <a:camera prst="orthographicFront"/>
+      <a:lightRig rig="threePt" dir="t"/>
+    </dgm:scene3d>
+    <dgm:sp3d/>
+    <dgm:txPr/>
+    <dgm:style>
+      <a:lnRef idx="2">
+        <a:scrgbClr r="0" g="0" b="0"/>
+      </a:lnRef>
+      <a:fillRef idx="1">
+        <a:scrgbClr r="0" g="0" b="0"/>
+      </a:fillRef>
+      <a:effectRef idx="0">
+        <a:scrgbClr r="0" g="0" b="0"/>
+      </a:effectRef>
+      <a:fontRef idx="minor"/>
+    </dgm:style>
+  </dgm:styleLbl>
+  <dgm:styleLbl name="solidBgAcc1">
+    <dgm:scene3d>
+      <a:camera prst="orthographicFront"/>
+      <a:lightRig rig="threePt" dir="t"/>
+    </dgm:scene3d>
+    <dgm:sp3d/>
+    <dgm:txPr/>
+    <dgm:style>
+      <a:lnRef idx="2">
+        <a:scrgbClr r="0" g="0" b="0"/>
+      </a:lnRef>
+      <a:fillRef idx="1">
+        <a:scrgbClr r="0" g="0" b="0"/>
+      </a:fillRef>
+      <a:effectRef idx="0">
+        <a:scrgbClr r="0" g="0" b="0"/>
+      </a:effectRef>
+      <a:fontRef idx="minor"/>
+    </dgm:style>
+  </dgm:styleLbl>
+  <dgm:styleLbl name="fgAccFollowNode1">
+    <dgm:scene3d>
+      <a:camera prst="orthographicFront"/>
+      <a:lightRig rig="threePt" dir="t"/>
+    </dgm:scene3d>
+    <dgm:sp3d/>
+    <dgm:txPr/>
+    <dgm:style>
+      <a:lnRef idx="2">
+        <a:scrgbClr r="0" g="0" b="0"/>
+      </a:lnRef>
+      <a:fillRef idx="1">
+        <a:scrgbClr r="0" g="0" b="0"/>
+      </a:fillRef>
+      <a:effectRef idx="0">
+        <a:scrgbClr r="0" g="0" b="0"/>
+      </a:effectRef>
+      <a:fontRef idx="minor"/>
+    </dgm:style>
+  </dgm:styleLbl>
+  <dgm:styleLbl name="alignAccFollowNode1">
+    <dgm:scene3d>
+      <a:camera prst="orthographicFront"/>
+      <a:lightRig rig="threePt" dir="t"/>
+    </dgm:scene3d>
+    <dgm:sp3d/>
+    <dgm:txPr/>
+    <dgm:style>
+      <a:lnRef idx="2">
+        <a:scrgbClr r="0" g="0" b="0"/>
+      </a:lnRef>
+      <a:fillRef idx="1">
+        <a:scrgbClr r="0" g="0" b="0"/>
+      </a:fillRef>
+      <a:effectRef idx="0">
+        <a:scrgbClr r="0" g="0" b="0"/>
+      </a:effectRef>
+      <a:fontRef idx="minor"/>
+    </dgm:style>
+  </dgm:styleLbl>
+  <dgm:styleLbl name="bgAccFollowNode1">
+    <dgm:scene3d>
+      <a:camera prst="orthographicFront"/>
+      <a:lightRig rig="threePt" dir="t"/>
+    </dgm:scene3d>
+    <dgm:sp3d/>
+    <dgm:txPr/>
+    <dgm:style>
+      <a:lnRef idx="2">
+        <a:scrgbClr r="0" g="0" b="0"/>
+      </a:lnRef>
+      <a:fillRef idx="1">
+        <a:scrgbClr r="0" g="0" b="0"/>
+      </a:fillRef>
+      <a:effectRef idx="0">
+        <a:scrgbClr r="0" g="0" b="0"/>
+      </a:effectRef>
+      <a:fontRef idx="minor"/>
+    </dgm:style>
+  </dgm:styleLbl>
+  <dgm:styleLbl name="fgAcc0">
+    <dgm:scene3d>
+      <a:camera prst="orthographicFront"/>
+      <a:lightRig rig="threePt" dir="t"/>
+    </dgm:scene3d>
+    <dgm:sp3d/>
+    <dgm:txPr/>
+    <dgm:style>
+      <a:lnRef idx="2">
+        <a:scrgbClr r="0" g="0" b="0"/>
+      </a:lnRef>
+      <a:fillRef idx="1">
+        <a:scrgbClr r="0" g="0" b="0"/>
+      </a:fillRef>
+      <a:effectRef idx="0">
+        <a:scrgbClr r="0" g="0" b="0"/>
+      </a:effectRef>
+      <a:fontRef idx="minor"/>
+    </dgm:style>
+  </dgm:styleLbl>
+  <dgm:styleLbl name="fgAcc2">
+    <dgm:scene3d>
+      <a:camera prst="orthographicFront"/>
+      <a:lightRig rig="threePt" dir="t"/>
+    </dgm:scene3d>
+    <dgm:sp3d/>
+    <dgm:txPr/>
+    <dgm:style>
+      <a:lnRef idx="2">
+        <a:scrgbClr r="0" g="0" b="0"/>
+      </a:lnRef>
+      <a:fillRef idx="1">
+        <a:scrgbClr r="0" g="0" b="0"/>
+      </a:fillRef>
+      <a:effectRef idx="0">
+        <a:scrgbClr r="0" g="0" b="0"/>
+      </a:effectRef>
+      <a:fontRef idx="minor"/>
+    </dgm:style>
+  </dgm:styleLbl>
+  <dgm:styleLbl name="fgAcc3">
+    <dgm:scene3d>
+      <a:camera prst="orthographicFront"/>
+      <a:lightRig rig="threePt" dir="t"/>
+    </dgm:scene3d>
+    <dgm:sp3d/>
+    <dgm:txPr/>
+    <dgm:style>
+      <a:lnRef idx="2">
+        <a:scrgbClr r="0" g="0" b="0"/>
+      </a:lnRef>
+      <a:fillRef idx="1">
+        <a:scrgbClr r="0" g="0" b="0"/>
+      </a:fillRef>
+      <a:effectRef idx="0">
+        <a:scrgbClr r="0" g="0" b="0"/>
+      </a:effectRef>
+      <a:fontRef idx="minor"/>
+    </dgm:style>
+  </dgm:styleLbl>
+  <dgm:styleLbl name="fgAcc4">
+    <dgm:scene3d>
+      <a:camera prst="orthographicFront"/>
+      <a:lightRig rig="threePt" dir="t"/>
+    </dgm:scene3d>
+    <dgm:sp3d/>
+    <dgm:txPr/>
+    <dgm:style>
+      <a:lnRef idx="2">
+        <a:scrgbClr r="0" g="0" b="0"/>
+      </a:lnRef>
+      <a:fillRef idx="1">
+        <a:scrgbClr r="0" g="0" b="0"/>
+      </a:fillRef>
+      <a:effectRef idx="0">
+        <a:scrgbClr r="0" g="0" b="0"/>
+      </a:effectRef>
+      <a:fontRef idx="minor"/>
+    </dgm:style>
+  </dgm:styleLbl>
+  <dgm:styleLbl name="bgShp">
+    <dgm:scene3d>
+      <a:camera prst="orthographicFront"/>
+      <a:lightRig rig="threePt" dir="t"/>
+    </dgm:scene3d>
+    <dgm:sp3d/>
+    <dgm:txPr/>
+    <dgm:style>
+      <a:lnRef idx="0">
+        <a:scrgbClr r="0" g="0" b="0"/>
+      </a:lnRef>
+      <a:fillRef idx="1">
+        <a:scrgbClr r="0" g="0" b="0"/>
+      </a:fillRef>
+      <a:effectRef idx="0">
+        <a:scrgbClr r="0" g="0" b="0"/>
+      </a:effectRef>
+      <a:fontRef idx="minor"/>
+    </dgm:style>
+  </dgm:styleLbl>
+  <dgm:styleLbl name="dkBgShp">
+    <dgm:scene3d>
+      <a:camera prst="orthographicFront"/>
+      <a:lightRig rig="threePt" dir="t"/>
+    </dgm:scene3d>
+    <dgm:sp3d/>
+    <dgm:txPr/>
+    <dgm:style>
+      <a:lnRef idx="0">
+        <a:scrgbClr r="0" g="0" b="0"/>
+      </a:lnRef>
+      <a:fillRef idx="1">
+        <a:scrgbClr r="0" g="0" b="0"/>
+      </a:fillRef>
+      <a:effectRef idx="0">
+        <a:scrgbClr r="0" g="0" b="0"/>
+      </a:effectRef>
+      <a:fontRef idx="minor"/>
+    </dgm:style>
+  </dgm:styleLbl>
+  <dgm:styleLbl name="trBgShp">
+    <dgm:scene3d>
+      <a:camera prst="orthographicFront"/>
+      <a:lightRig rig="threePt" dir="t"/>
+    </dgm:scene3d>
+    <dgm:sp3d/>
+    <dgm:txPr/>
+    <dgm:style>
+      <a:lnRef idx="0">
+        <a:scrgbClr r="0" g="0" b="0"/>
+      </a:lnRef>
+      <a:fillRef idx="1">
+        <a:scrgbClr r="0" g="0" b="0"/>
+      </a:fillRef>
+      <a:effectRef idx="0">
+        <a:scrgbClr r="0" g="0" b="0"/>
+      </a:effectRef>
+      <a:fontRef idx="minor"/>
+    </dgm:style>
+  </dgm:styleLbl>
+  <dgm:styleLbl name="fgShp">
+    <dgm:scene3d>
+      <a:camera prst="orthographicFront"/>
+      <a:lightRig rig="threePt" dir="t"/>
+    </dgm:scene3d>
+    <dgm:sp3d/>
+    <dgm:txPr/>
+    <dgm:style>
+      <a:lnRef idx="2">
+        <a:scrgbClr r="0" g="0" b="0"/>
+      </a:lnRef>
+      <a:fillRef idx="1">
+        <a:scrgbClr r="0" g="0" b="0"/>
+      </a:fillRef>
+      <a:effectRef idx="0">
+        <a:scrgbClr r="0" g="0" b="0"/>
+      </a:effectRef>
+      <a:fontRef idx="minor"/>
+    </dgm:style>
+  </dgm:styleLbl>
+  <dgm:styleLbl name="revTx">
+    <dgm:scene3d>
+      <a:camera prst="orthographicFront"/>
+      <a:lightRig rig="threePt" dir="t"/>
+    </dgm:scene3d>
+    <dgm:sp3d/>
+    <dgm:txPr/>
+    <dgm:style>
+      <a:lnRef idx="0">
+        <a:scrgbClr r="0" g="0" b="0"/>
+      </a:lnRef>
+      <a:fillRef idx="0">
+        <a:scrgbClr r="0" g="0" b="0"/>
+      </a:fillRef>
+      <a:effectRef idx="0">
+        <a:scrgbClr r="0" g="0" b="0"/>
+      </a:effectRef>
+      <a:fontRef idx="minor"/>
+    </dgm:style>
+  </dgm:styleLbl>
+</dgm:styleDef>
+</file>
+
+<file path=ppt/diagrams/quickStyle2.xml><?xml version="1.0" encoding="utf-8"?>
+<dgm:styleDef xmlns:dgm="http://schemas.openxmlformats.org/drawingml/2006/diagram" xmlns:a="http://schemas.openxmlformats.org/drawingml/2006/main" uniqueId="urn:microsoft.com/office/officeart/2005/8/quickstyle/simple1">
+  <dgm:title val=""/>
+  <dgm:desc val=""/>
+  <dgm:catLst>
+    <dgm:cat type="simple" pri="10100"/>
+  </dgm:catLst>
+  <dgm:scene3d>
+    <a:camera prst="orthographicFront"/>
+    <a:lightRig rig="threePt" dir="t"/>
+  </dgm:scene3d>
+  <dgm:styleLbl name="node0">
+    <dgm:scene3d>
+      <a:camera prst="orthographicFront"/>
+      <a:lightRig rig="threePt" dir="t"/>
+    </dgm:scene3d>
+    <dgm:sp3d/>
+    <dgm:txPr/>
+    <dgm:style>
+      <a:lnRef idx="2">
+        <a:scrgbClr r="0" g="0" b="0"/>
+      </a:lnRef>
+      <a:fillRef idx="1">
+        <a:scrgbClr r="0" g="0" b="0"/>
+      </a:fillRef>
+      <a:effectRef idx="0">
+        <a:scrgbClr r="0" g="0" b="0"/>
+      </a:effectRef>
+      <a:fontRef idx="minor">
+        <a:schemeClr val="lt1"/>
+      </a:fontRef>
+    </dgm:style>
+  </dgm:styleLbl>
+  <dgm:styleLbl name="lnNode1">
+    <dgm:scene3d>
+      <a:camera prst="orthographicFront"/>
+      <a:lightRig rig="threePt" dir="t"/>
+    </dgm:scene3d>
+    <dgm:sp3d/>
+    <dgm:txPr/>
+    <dgm:style>
+      <a:lnRef idx="2">
+        <a:scrgbClr r="0" g="0" b="0"/>
+      </a:lnRef>
+      <a:fillRef idx="1">
+        <a:scrgbClr r="0" g="0" b="0"/>
+      </a:fillRef>
+      <a:effectRef idx="0">
+        <a:scrgbClr r="0" g="0" b="0"/>
+      </a:effectRef>
+      <a:fontRef idx="minor">
+        <a:schemeClr val="lt1"/>
+      </a:fontRef>
+    </dgm:style>
+  </dgm:styleLbl>
+  <dgm:styleLbl name="vennNode1">
+    <dgm:scene3d>
+      <a:camera prst="orthographicFront"/>
+      <a:lightRig rig="threePt" dir="t"/>
+    </dgm:scene3d>
+    <dgm:sp3d/>
+    <dgm:txPr/>
+    <dgm:style>
+      <a:lnRef idx="2">
+        <a:scrgbClr r="0" g="0" b="0"/>
+      </a:lnRef>
+      <a:fillRef idx="1">
+        <a:scrgbClr r="0" g="0" b="0"/>
+      </a:fillRef>
+      <a:effectRef idx="0">
+        <a:scrgbClr r="0" g="0" b="0"/>
+      </a:effectRef>
+      <a:fontRef idx="minor">
+        <a:schemeClr val="tx1"/>
+      </a:fontRef>
+    </dgm:style>
+  </dgm:styleLbl>
+  <dgm:styleLbl name="alignNode1">
+    <dgm:scene3d>
+      <a:camera prst="orthographicFront"/>
+      <a:lightRig rig="threePt" dir="t"/>
+    </dgm:scene3d>
+    <dgm:sp3d/>
+    <dgm:txPr/>
+    <dgm:style>
+      <a:lnRef idx="2">
+        <a:scrgbClr r="0" g="0" b="0"/>
+      </a:lnRef>
+      <a:fillRef idx="1">
+        <a:scrgbClr r="0" g="0" b="0"/>
+      </a:fillRef>
+      <a:effectRef idx="0">
+        <a:scrgbClr r="0" g="0" b="0"/>
+      </a:effectRef>
+      <a:fontRef idx="minor">
+        <a:schemeClr val="lt1"/>
+      </a:fontRef>
+    </dgm:style>
+  </dgm:styleLbl>
+  <dgm:styleLbl name="node1">
+    <dgm:scene3d>
+      <a:camera prst="orthographicFront"/>
+      <a:lightRig rig="threePt" dir="t"/>
+    </dgm:scene3d>
+    <dgm:sp3d/>
+    <dgm:txPr/>
+    <dgm:style>
+      <a:lnRef idx="2">
+        <a:scrgbClr r="0" g="0" b="0"/>
+      </a:lnRef>
+      <a:fillRef idx="1">
+        <a:scrgbClr r="0" g="0" b="0"/>
+      </a:fillRef>
+      <a:effectRef idx="0">
+        <a:scrgbClr r="0" g="0" b="0"/>
+      </a:effectRef>
+      <a:fontRef idx="minor">
+        <a:schemeClr val="lt1"/>
+      </a:fontRef>
+    </dgm:style>
+  </dgm:styleLbl>
+  <dgm:styleLbl name="node2">
+    <dgm:scene3d>
+      <a:camera prst="orthographicFront"/>
+      <a:lightRig rig="threePt" dir="t"/>
+    </dgm:scene3d>
+    <dgm:sp3d/>
+    <dgm:txPr/>
+    <dgm:style>
+      <a:lnRef idx="2">
+        <a:scrgbClr r="0" g="0" b="0"/>
+      </a:lnRef>
+      <a:fillRef idx="1">
+        <a:scrgbClr r="0" g="0" b="0"/>
+      </a:fillRef>
+      <a:effectRef idx="0">
+        <a:scrgbClr r="0" g="0" b="0"/>
+      </a:effectRef>
+      <a:fontRef idx="minor">
+        <a:schemeClr val="lt1"/>
+      </a:fontRef>
+    </dgm:style>
+  </dgm:styleLbl>
+  <dgm:styleLbl name="node3">
+    <dgm:scene3d>
+      <a:camera prst="orthographicFront"/>
+      <a:lightRig rig="threePt" dir="t"/>
+    </dgm:scene3d>
+    <dgm:sp3d/>
+    <dgm:txPr/>
+    <dgm:style>
+      <a:lnRef idx="2">
+        <a:scrgbClr r="0" g="0" b="0"/>
+      </a:lnRef>
+      <a:fillRef idx="1">
+        <a:scrgbClr r="0" g="0" b="0"/>
+      </a:fillRef>
+      <a:effectRef idx="0">
+        <a:scrgbClr r="0" g="0" b="0"/>
+      </a:effectRef>
+      <a:fontRef idx="minor">
+        <a:schemeClr val="lt1"/>
+      </a:fontRef>
+    </dgm:style>
+  </dgm:styleLbl>
+  <dgm:styleLbl name="node4">
+    <dgm:scene3d>
+      <a:camera prst="orthographicFront"/>
+      <a:lightRig rig="threePt" dir="t"/>
+    </dgm:scene3d>
+    <dgm:sp3d/>
+    <dgm:txPr/>
+    <dgm:style>
+      <a:lnRef idx="2">
+        <a:scrgbClr r="0" g="0" b="0"/>
+      </a:lnRef>
+      <a:fillRef idx="1">
+        <a:scrgbClr r="0" g="0" b="0"/>
+      </a:fillRef>
+      <a:effectRef idx="0">
+        <a:scrgbClr r="0" g="0" b="0"/>
+      </a:effectRef>
+      <a:fontRef idx="minor">
+        <a:schemeClr val="lt1"/>
+      </a:fontRef>
+    </dgm:style>
+  </dgm:styleLbl>
+  <dgm:styleLbl name="fgImgPlace1">
+    <dgm:scene3d>
+      <a:camera prst="orthographicFront"/>
+      <a:lightRig rig="threePt" dir="t"/>
+    </dgm:scene3d>
+    <dgm:sp3d/>
+    <dgm:txPr/>
+    <dgm:style>
+      <a:lnRef idx="2">
+        <a:scrgbClr r="0" g="0" b="0"/>
+      </a:lnRef>
+      <a:fillRef idx="1">
+        <a:scrgbClr r="0" g="0" b="0"/>
+      </a:fillRef>
+      <a:effectRef idx="0">
+        <a:scrgbClr r="0" g="0" b="0"/>
+      </a:effectRef>
+      <a:fontRef idx="minor"/>
+    </dgm:style>
+  </dgm:styleLbl>
+  <dgm:styleLbl name="alignImgPlace1">
+    <dgm:scene3d>
+      <a:camera prst="orthographicFront"/>
+      <a:lightRig rig="threePt" dir="t"/>
+    </dgm:scene3d>
+    <dgm:sp3d/>
+    <dgm:txPr/>
+    <dgm:style>
+      <a:lnRef idx="2">
+        <a:scrgbClr r="0" g="0" b="0"/>
+      </a:lnRef>
+      <a:fillRef idx="1">
+        <a:scrgbClr r="0" g="0" b="0"/>
+      </a:fillRef>
+      <a:effectRef idx="0">
+        <a:scrgbClr r="0" g="0" b="0"/>
+      </a:effectRef>
+      <a:fontRef idx="minor"/>
+    </dgm:style>
+  </dgm:styleLbl>
+  <dgm:styleLbl name="bgImgPlace1">
+    <dgm:scene3d>
+      <a:camera prst="orthographicFront"/>
+      <a:lightRig rig="threePt" dir="t"/>
+    </dgm:scene3d>
+    <dgm:sp3d/>
+    <dgm:txPr/>
+    <dgm:style>
+      <a:lnRef idx="2">
+        <a:scrgbClr r="0" g="0" b="0"/>
+      </a:lnRef>
+      <a:fillRef idx="1">
+        <a:scrgbClr r="0" g="0" b="0"/>
+      </a:fillRef>
+      <a:effectRef idx="0">
+        <a:scrgbClr r="0" g="0" b="0"/>
+      </a:effectRef>
+      <a:fontRef idx="minor"/>
+    </dgm:style>
+  </dgm:styleLbl>
+  <dgm:styleLbl name="sibTrans2D1">
+    <dgm:scene3d>
+      <a:camera prst="orthographicFront"/>
+      <a:lightRig rig="threePt" dir="t"/>
+    </dgm:scene3d>
+    <dgm:sp3d/>
+    <dgm:txPr/>
+    <dgm:style>
+      <a:lnRef idx="0">
+        <a:scrgbClr r="0" g="0" b="0"/>
+      </a:lnRef>
+      <a:fillRef idx="1">
+        <a:scrgbClr r="0" g="0" b="0"/>
+      </a:fillRef>
+      <a:effectRef idx="0">
+        <a:scrgbClr r="0" g="0" b="0"/>
+      </a:effectRef>
+      <a:fontRef idx="minor">
+        <a:schemeClr val="lt1"/>
+      </a:fontRef>
+    </dgm:style>
+  </dgm:styleLbl>
+  <dgm:styleLbl name="fgSibTrans2D1">
+    <dgm:scene3d>
+      <a:camera prst="orthographicFront"/>
+      <a:lightRig rig="threePt" dir="t"/>
+    </dgm:scene3d>
+    <dgm:sp3d/>
+    <dgm:txPr/>
+    <dgm:style>
+      <a:lnRef idx="0">
+        <a:scrgbClr r="0" g="0" b="0"/>
+      </a:lnRef>
+      <a:fillRef idx="1">
+        <a:scrgbClr r="0" g="0" b="0"/>
+      </a:fillRef>
+      <a:effectRef idx="0">
+        <a:scrgbClr r="0" g="0" b="0"/>
+      </a:effectRef>
+      <a:fontRef idx="minor">
+        <a:schemeClr val="lt1"/>
+      </a:fontRef>
+    </dgm:style>
+  </dgm:styleLbl>
+  <dgm:styleLbl name="bgSibTrans2D1">
+    <dgm:scene3d>
+      <a:camera prst="orthographicFront"/>
+      <a:lightRig rig="threePt" dir="t"/>
+    </dgm:scene3d>
+    <dgm:sp3d/>
+    <dgm:txPr/>
+    <dgm:style>
+      <a:lnRef idx="0">
+        <a:scrgbClr r="0" g="0" b="0"/>
+      </a:lnRef>
+      <a:fillRef idx="1">
+        <a:scrgbClr r="0" g="0" b="0"/>
+      </a:fillRef>
+      <a:effectRef idx="0">
+        <a:scrgbClr r="0" g="0" b="0"/>
+      </a:effectRef>
+      <a:fontRef idx="minor">
+        <a:schemeClr val="lt1"/>
+      </a:fontRef>
+    </dgm:style>
+  </dgm:styleLbl>
+  <dgm:styleLbl name="sibTrans1D1">
+    <dgm:scene3d>
+      <a:camera prst="orthographicFront"/>
+      <a:lightRig rig="threePt" dir="t"/>
+    </dgm:scene3d>
+    <dgm:sp3d/>
+    <dgm:txPr/>
+    <dgm:style>
+      <a:lnRef idx="1">
+        <a:scrgbClr r="0" g="0" b="0"/>
+      </a:lnRef>
+      <a:fillRef idx="0">
+        <a:scrgbClr r="0" g="0" b="0"/>
+      </a:fillRef>
+      <a:effectRef idx="0">
+        <a:scrgbClr r="0" g="0" b="0"/>
+      </a:effectRef>
+      <a:fontRef idx="minor"/>
+    </dgm:style>
+  </dgm:styleLbl>
+  <dgm:styleLbl name="callout">
+    <dgm:scene3d>
+      <a:camera prst="orthographicFront"/>
+      <a:lightRig rig="threePt" dir="t"/>
+    </dgm:scene3d>
+    <dgm:sp3d/>
+    <dgm:txPr/>
+    <dgm:style>
+      <a:lnRef idx="2">
+        <a:scrgbClr r="0" g="0" b="0"/>
+      </a:lnRef>
+      <a:fillRef idx="1">
+        <a:scrgbClr r="0" g="0" b="0"/>
+      </a:fillRef>
+      <a:effectRef idx="0">
+        <a:scrgbClr r="0" g="0" b="0"/>
+      </a:effectRef>
+      <a:fontRef idx="minor"/>
+    </dgm:style>
+  </dgm:styleLbl>
+  <dgm:styleLbl name="asst0">
+    <dgm:scene3d>
+      <a:camera prst="orthographicFront"/>
+      <a:lightRig rig="threePt" dir="t"/>
+    </dgm:scene3d>
+    <dgm:sp3d/>
+    <dgm:txPr/>
+    <dgm:style>
+      <a:lnRef idx="2">
+        <a:scrgbClr r="0" g="0" b="0"/>
+      </a:lnRef>
+      <a:fillRef idx="1">
+        <a:scrgbClr r="0" g="0" b="0"/>
+      </a:fillRef>
+      <a:effectRef idx="0">
+        <a:scrgbClr r="0" g="0" b="0"/>
+      </a:effectRef>
+      <a:fontRef idx="minor">
+        <a:schemeClr val="lt1"/>
+      </a:fontRef>
+    </dgm:style>
+  </dgm:styleLbl>
+  <dgm:styleLbl name="asst1">
+    <dgm:scene3d>
+      <a:camera prst="orthographicFront"/>
+      <a:lightRig rig="threePt" dir="t"/>
+    </dgm:scene3d>
+    <dgm:sp3d/>
+    <dgm:txPr/>
+    <dgm:style>
+      <a:lnRef idx="2">
+        <a:scrgbClr r="0" g="0" b="0"/>
+      </a:lnRef>
+      <a:fillRef idx="1">
+        <a:scrgbClr r="0" g="0" b="0"/>
+      </a:fillRef>
+      <a:effectRef idx="0">
+        <a:scrgbClr r="0" g="0" b="0"/>
+      </a:effectRef>
+      <a:fontRef idx="minor">
+        <a:schemeClr val="lt1"/>
+      </a:fontRef>
+    </dgm:style>
+  </dgm:styleLbl>
+  <dgm:styleLbl name="asst2">
+    <dgm:scene3d>
+      <a:camera prst="orthographicFront"/>
+      <a:lightRig rig="threePt" dir="t"/>
+    </dgm:scene3d>
+    <dgm:sp3d/>
+    <dgm:txPr/>
+    <dgm:style>
+      <a:lnRef idx="2">
+        <a:scrgbClr r="0" g="0" b="0"/>
+      </a:lnRef>
+      <a:fillRef idx="1">
+        <a:scrgbClr r="0" g="0" b="0"/>
+      </a:fillRef>
+      <a:effectRef idx="0">
+        <a:scrgbClr r="0" g="0" b="0"/>
+      </a:effectRef>
+      <a:fontRef idx="minor">
+        <a:schemeClr val="lt1"/>
+      </a:fontRef>
+    </dgm:style>
+  </dgm:styleLbl>
+  <dgm:styleLbl name="asst3">
+    <dgm:scene3d>
+      <a:camera prst="orthographicFront"/>
+      <a:lightRig rig="threePt" dir="t"/>
+    </dgm:scene3d>
+    <dgm:sp3d/>
+    <dgm:txPr/>
+    <dgm:style>
+      <a:lnRef idx="2">
+        <a:scrgbClr r="0" g="0" b="0"/>
+      </a:lnRef>
+      <a:fillRef idx="1">
+        <a:scrgbClr r="0" g="0" b="0"/>
+      </a:fillRef>
+      <a:effectRef idx="0">
+        <a:scrgbClr r="0" g="0" b="0"/>
+      </a:effectRef>
+      <a:fontRef idx="minor">
+        <a:schemeClr val="lt1"/>
+      </a:fontRef>
+    </dgm:style>
+  </dgm:styleLbl>
+  <dgm:styleLbl name="asst4">
+    <dgm:scene3d>
+      <a:camera prst="orthographicFront"/>
+      <a:lightRig rig="threePt" dir="t"/>
+    </dgm:scene3d>
+    <dgm:sp3d/>
+    <dgm:txPr/>
+    <dgm:style>
+      <a:lnRef idx="2">
+        <a:scrgbClr r="0" g="0" b="0"/>
+      </a:lnRef>
+      <a:fillRef idx="1">
+        <a:scrgbClr r="0" g="0" b="0"/>
+      </a:fillRef>
+      <a:effectRef idx="0">
+        <a:scrgbClr r="0" g="0" b="0"/>
+      </a:effectRef>
+      <a:fontRef idx="minor">
+        <a:schemeClr val="lt1"/>
+      </a:fontRef>
+    </dgm:style>
+  </dgm:styleLbl>
+  <dgm:styleLbl name="parChTrans2D1">
+    <dgm:scene3d>
+      <a:camera prst="orthographicFront"/>
+      <a:lightRig rig="threePt" dir="t"/>
+    </dgm:scene3d>
+    <dgm:sp3d/>
+    <dgm:txPr/>
+    <dgm:style>
+      <a:lnRef idx="2">
+        <a:scrgbClr r="0" g="0" b="0"/>
+      </a:lnRef>
+      <a:fillRef idx="1">
+        <a:scrgbClr r="0" g="0" b="0"/>
+      </a:fillRef>
+      <a:effectRef idx="0">
+        <a:scrgbClr r="0" g="0" b="0"/>
+      </a:effectRef>
+      <a:fontRef idx="minor">
+        <a:schemeClr val="lt1"/>
+      </a:fontRef>
+    </dgm:style>
+  </dgm:styleLbl>
+  <dgm:styleLbl name="parChTrans2D2">
+    <dgm:scene3d>
+      <a:camera prst="orthographicFront"/>
+      <a:lightRig rig="threePt" dir="t"/>
+    </dgm:scene3d>
+    <dgm:sp3d/>
+    <dgm:txPr/>
+    <dgm:style>
+      <a:lnRef idx="2">
+        <a:scrgbClr r="0" g="0" b="0"/>
+      </a:lnRef>
+      <a:fillRef idx="1">
+        <a:scrgbClr r="0" g="0" b="0"/>
+      </a:fillRef>
+      <a:effectRef idx="0">
+        <a:scrgbClr r="0" g="0" b="0"/>
+      </a:effectRef>
+      <a:fontRef idx="minor">
+        <a:schemeClr val="lt1"/>
+      </a:fontRef>
+    </dgm:style>
+  </dgm:styleLbl>
+  <dgm:styleLbl name="parChTrans2D3">
+    <dgm:scene3d>
+      <a:camera prst="orthographicFront"/>
+      <a:lightRig rig="threePt" dir="t"/>
+    </dgm:scene3d>
+    <dgm:sp3d/>
+    <dgm:txPr/>
+    <dgm:style>
+      <a:lnRef idx="2">
+        <a:scrgbClr r="0" g="0" b="0"/>
+      </a:lnRef>
+      <a:fillRef idx="1">
+        <a:scrgbClr r="0" g="0" b="0"/>
+      </a:fillRef>
+      <a:effectRef idx="0">
+        <a:scrgbClr r="0" g="0" b="0"/>
+      </a:effectRef>
+      <a:fontRef idx="minor">
+        <a:schemeClr val="lt1"/>
+      </a:fontRef>
+    </dgm:style>
+  </dgm:styleLbl>
+  <dgm:styleLbl name="parChTrans2D4">
+    <dgm:scene3d>
+      <a:camera prst="orthographicFront"/>
+      <a:lightRig rig="threePt" dir="t"/>
+    </dgm:scene3d>
+    <dgm:sp3d/>
+    <dgm:txPr/>
+    <dgm:style>
+      <a:lnRef idx="2">
+        <a:scrgbClr r="0" g="0" b="0"/>
+      </a:lnRef>
+      <a:fillRef idx="1">
+        <a:scrgbClr r="0" g="0" b="0"/>
+      </a:fillRef>
+      <a:effectRef idx="0">
+        <a:scrgbClr r="0" g="0" b="0"/>
+      </a:effectRef>
+      <a:fontRef idx="minor">
+        <a:schemeClr val="lt1"/>
+      </a:fontRef>
+    </dgm:style>
+  </dgm:styleLbl>
+  <dgm:styleLbl name="parChTrans1D1">
+    <dgm:scene3d>
+      <a:camera prst="orthographicFront"/>
+      <a:lightRig rig="threePt" dir="t"/>
+    </dgm:scene3d>
+    <dgm:sp3d/>
+    <dgm:txPr/>
+    <dgm:style>
+      <a:lnRef idx="2">
+        <a:scrgbClr r="0" g="0" b="0"/>
+      </a:lnRef>
+      <a:fillRef idx="0">
+        <a:scrgbClr r="0" g="0" b="0"/>
+      </a:fillRef>
+      <a:effectRef idx="0">
+        <a:scrgbClr r="0" g="0" b="0"/>
+      </a:effectRef>
+      <a:fontRef idx="minor"/>
+    </dgm:style>
+  </dgm:styleLbl>
+  <dgm:styleLbl name="parChTrans1D2">
+    <dgm:scene3d>
+      <a:camera prst="orthographicFront"/>
+      <a:lightRig rig="threePt" dir="t"/>
+    </dgm:scene3d>
+    <dgm:sp3d/>
+    <dgm:txPr/>
+    <dgm:style>
+      <a:lnRef idx="2">
+        <a:scrgbClr r="0" g="0" b="0"/>
+      </a:lnRef>
+      <a:fillRef idx="0">
+        <a:scrgbClr r="0" g="0" b="0"/>
+      </a:fillRef>
+      <a:effectRef idx="0">
+        <a:scrgbClr r="0" g="0" b="0"/>
+      </a:effectRef>
+      <a:fontRef idx="minor"/>
+    </dgm:style>
+  </dgm:styleLbl>
+  <dgm:styleLbl name="parChTrans1D3">
+    <dgm:scene3d>
+      <a:camera prst="orthographicFront"/>
+      <a:lightRig rig="threePt" dir="t"/>
+    </dgm:scene3d>
+    <dgm:sp3d/>
+    <dgm:txPr/>
+    <dgm:style>
+      <a:lnRef idx="2">
+        <a:scrgbClr r="0" g="0" b="0"/>
+      </a:lnRef>
+      <a:fillRef idx="0">
+        <a:scrgbClr r="0" g="0" b="0"/>
+      </a:fillRef>
+      <a:effectRef idx="0">
+        <a:scrgbClr r="0" g="0" b="0"/>
+      </a:effectRef>
+      <a:fontRef idx="minor"/>
+    </dgm:style>
+  </dgm:styleLbl>
+  <dgm:styleLbl name="parChTrans1D4">
+    <dgm:scene3d>
+      <a:camera prst="orthographicFront"/>
+      <a:lightRig rig="threePt" dir="t"/>
+    </dgm:scene3d>
+    <dgm:sp3d/>
+    <dgm:txPr/>
+    <dgm:style>
+      <a:lnRef idx="2">
+        <a:scrgbClr r="0" g="0" b="0"/>
+      </a:lnRef>
+      <a:fillRef idx="0">
+        <a:scrgbClr r="0" g="0" b="0"/>
+      </a:fillRef>
+      <a:effectRef idx="0">
+        <a:scrgbClr r="0" g="0" b="0"/>
+      </a:effectRef>
+      <a:fontRef idx="minor"/>
+    </dgm:style>
+  </dgm:styleLbl>
+  <dgm:styleLbl name="fgAcc1">
+    <dgm:scene3d>
+      <a:camera prst="orthographicFront"/>
+      <a:lightRig rig="threePt" dir="t"/>
+    </dgm:scene3d>
+    <dgm:sp3d/>
+    <dgm:txPr/>
+    <dgm:style>
+      <a:lnRef idx="2">
+        <a:scrgbClr r="0" g="0" b="0"/>
+      </a:lnRef>
+      <a:fillRef idx="1">
+        <a:scrgbClr r="0" g="0" b="0"/>
+      </a:fillRef>
+      <a:effectRef idx="0">
+        <a:scrgbClr r="0" g="0" b="0"/>
+      </a:effectRef>
+      <a:fontRef idx="minor"/>
+    </dgm:style>
+  </dgm:styleLbl>
+  <dgm:styleLbl name="conFgAcc1">
+    <dgm:scene3d>
+      <a:camera prst="orthographicFront"/>
+      <a:lightRig rig="threePt" dir="t"/>
+    </dgm:scene3d>
+    <dgm:sp3d/>
+    <dgm:txPr/>
+    <dgm:style>
+      <a:lnRef idx="2">
+        <a:scrgbClr r="0" g="0" b="0"/>
+      </a:lnRef>
+      <a:fillRef idx="1">
+        <a:scrgbClr r="0" g="0" b="0"/>
+      </a:fillRef>
+      <a:effectRef idx="0">
+        <a:scrgbClr r="0" g="0" b="0"/>
+      </a:effectRef>
+      <a:fontRef idx="minor"/>
+    </dgm:style>
+  </dgm:styleLbl>
+  <dgm:styleLbl name="alignAcc1">
+    <dgm:scene3d>
+      <a:camera prst="orthographicFront"/>
+      <a:lightRig rig="threePt" dir="t"/>
+    </dgm:scene3d>
+    <dgm:sp3d/>
+    <dgm:txPr/>
+    <dgm:style>
+      <a:lnRef idx="2">
+        <a:scrgbClr r="0" g="0" b="0"/>
+      </a:lnRef>
+      <a:fillRef idx="1">
+        <a:scrgbClr r="0" g="0" b="0"/>
+      </a:fillRef>
+      <a:effectRef idx="0">
+        <a:scrgbClr r="0" g="0" b="0"/>
+      </a:effectRef>
+      <a:fontRef idx="minor"/>
+    </dgm:style>
+  </dgm:styleLbl>
+  <dgm:styleLbl name="trAlignAcc1">
+    <dgm:scene3d>
+      <a:camera prst="orthographicFront"/>
+      <a:lightRig rig="threePt" dir="t"/>
+    </dgm:scene3d>
+    <dgm:sp3d/>
+    <dgm:txPr/>
+    <dgm:style>
+      <a:lnRef idx="1">
+        <a:scrgbClr r="0" g="0" b="0"/>
+      </a:lnRef>
+      <a:fillRef idx="1">
+        <a:scrgbClr r="0" g="0" b="0"/>
+      </a:fillRef>
+      <a:effectRef idx="0">
+        <a:scrgbClr r="0" g="0" b="0"/>
+      </a:effectRef>
+      <a:fontRef idx="minor"/>
+    </dgm:style>
+  </dgm:styleLbl>
+  <dgm:styleLbl name="bgAcc1">
+    <dgm:scene3d>
+      <a:camera prst="orthographicFront"/>
+      <a:lightRig rig="threePt" dir="t"/>
+    </dgm:scene3d>
+    <dgm:sp3d/>
+    <dgm:txPr/>
+    <dgm:style>
+      <a:lnRef idx="2">
+        <a:scrgbClr r="0" g="0" b="0"/>
+      </a:lnRef>
+      <a:fillRef idx="1">
+        <a:scrgbClr r="0" g="0" b="0"/>
+      </a:fillRef>
+      <a:effectRef idx="0">
+        <a:scrgbClr r="0" g="0" b="0"/>
+      </a:effectRef>
+      <a:fontRef idx="minor"/>
+    </dgm:style>
+  </dgm:styleLbl>
+  <dgm:styleLbl name="solidFgAcc1">
+    <dgm:scene3d>
+      <a:camera prst="orthographicFront"/>
+      <a:lightRig rig="threePt" dir="t"/>
+    </dgm:scene3d>
+    <dgm:sp3d/>
+    <dgm:txPr/>
+    <dgm:style>
+      <a:lnRef idx="2">
+        <a:scrgbClr r="0" g="0" b="0"/>
+      </a:lnRef>
+      <a:fillRef idx="1">
+        <a:scrgbClr r="0" g="0" b="0"/>
+      </a:fillRef>
+      <a:effectRef idx="0">
+        <a:scrgbClr r="0" g="0" b="0"/>
+      </a:effectRef>
+      <a:fontRef idx="minor"/>
+    </dgm:style>
+  </dgm:styleLbl>
+  <dgm:styleLbl name="solidAlignAcc1">
+    <dgm:scene3d>
+      <a:camera prst="orthographicFront"/>
+      <a:lightRig rig="threePt" dir="t"/>
+    </dgm:scene3d>
+    <dgm:sp3d/>
+    <dgm:txPr/>
+    <dgm:style>
+      <a:lnRef idx="2">
+        <a:scrgbClr r="0" g="0" b="0"/>
+      </a:lnRef>
+      <a:fillRef idx="1">
+        <a:scrgbClr r="0" g="0" b="0"/>
+      </a:fillRef>
+      <a:effectRef idx="0">
+        <a:scrgbClr r="0" g="0" b="0"/>
+      </a:effectRef>
+      <a:fontRef idx="minor"/>
+    </dgm:style>
+  </dgm:styleLbl>
+  <dgm:styleLbl name="solidBgAcc1">
+    <dgm:scene3d>
+      <a:camera prst="orthographicFront"/>
+      <a:lightRig rig="threePt" dir="t"/>
+    </dgm:scene3d>
+    <dgm:sp3d/>
+    <dgm:txPr/>
+    <dgm:style>
+      <a:lnRef idx="2">
+        <a:scrgbClr r="0" g="0" b="0"/>
+      </a:lnRef>
+      <a:fillRef idx="1">
+        <a:scrgbClr r="0" g="0" b="0"/>
+      </a:fillRef>
+      <a:effectRef idx="0">
+        <a:scrgbClr r="0" g="0" b="0"/>
+      </a:effectRef>
+      <a:fontRef idx="minor"/>
+    </dgm:style>
+  </dgm:styleLbl>
+  <dgm:styleLbl name="fgAccFollowNode1">
+    <dgm:scene3d>
+      <a:camera prst="orthographicFront"/>
+      <a:lightRig rig="threePt" dir="t"/>
+    </dgm:scene3d>
+    <dgm:sp3d/>
+    <dgm:txPr/>
+    <dgm:style>
+      <a:lnRef idx="2">
+        <a:scrgbClr r="0" g="0" b="0"/>
+      </a:lnRef>
+      <a:fillRef idx="1">
+        <a:scrgbClr r="0" g="0" b="0"/>
+      </a:fillRef>
+      <a:effectRef idx="0">
+        <a:scrgbClr r="0" g="0" b="0"/>
+      </a:effectRef>
+      <a:fontRef idx="minor"/>
+    </dgm:style>
+  </dgm:styleLbl>
+  <dgm:styleLbl name="alignAccFollowNode1">
+    <dgm:scene3d>
+      <a:camera prst="orthographicFront"/>
+      <a:lightRig rig="threePt" dir="t"/>
+    </dgm:scene3d>
+    <dgm:sp3d/>
+    <dgm:txPr/>
+    <dgm:style>
+      <a:lnRef idx="2">
+        <a:scrgbClr r="0" g="0" b="0"/>
+      </a:lnRef>
+      <a:fillRef idx="1">
+        <a:scrgbClr r="0" g="0" b="0"/>
+      </a:fillRef>
+      <a:effectRef idx="0">
+        <a:scrgbClr r="0" g="0" b="0"/>
+      </a:effectRef>
+      <a:fontRef idx="minor"/>
+    </dgm:style>
+  </dgm:styleLbl>
+  <dgm:styleLbl name="bgAccFollowNode1">
+    <dgm:scene3d>
+      <a:camera prst="orthographicFront"/>
+      <a:lightRig rig="threePt" dir="t"/>
+    </dgm:scene3d>
+    <dgm:sp3d/>
+    <dgm:txPr/>
+    <dgm:style>
+      <a:lnRef idx="2">
+        <a:scrgbClr r="0" g="0" b="0"/>
+      </a:lnRef>
+      <a:fillRef idx="1">
+        <a:scrgbClr r="0" g="0" b="0"/>
+      </a:fillRef>
+      <a:effectRef idx="0">
+        <a:scrgbClr r="0" g="0" b="0"/>
+      </a:effectRef>
+      <a:fontRef idx="minor"/>
+    </dgm:style>
+  </dgm:styleLbl>
+  <dgm:styleLbl name="fgAcc0">
+    <dgm:scene3d>
+      <a:camera prst="orthographicFront"/>
+      <a:lightRig rig="threePt" dir="t"/>
+    </dgm:scene3d>
+    <dgm:sp3d/>
+    <dgm:txPr/>
+    <dgm:style>
+      <a:lnRef idx="2">
+        <a:scrgbClr r="0" g="0" b="0"/>
+      </a:lnRef>
+      <a:fillRef idx="1">
+        <a:scrgbClr r="0" g="0" b="0"/>
+      </a:fillRef>
+      <a:effectRef idx="0">
+        <a:scrgbClr r="0" g="0" b="0"/>
+      </a:effectRef>
+      <a:fontRef idx="minor"/>
+    </dgm:style>
+  </dgm:styleLbl>
+  <dgm:styleLbl name="fgAcc2">
+    <dgm:scene3d>
+      <a:camera prst="orthographicFront"/>
+      <a:lightRig rig="threePt" dir="t"/>
+    </dgm:scene3d>
+    <dgm:sp3d/>
+    <dgm:txPr/>
+    <dgm:style>
+      <a:lnRef idx="2">
+        <a:scrgbClr r="0" g="0" b="0"/>
+      </a:lnRef>
+      <a:fillRef idx="1">
+        <a:scrgbClr r="0" g="0" b="0"/>
+      </a:fillRef>
+      <a:effectRef idx="0">
+        <a:scrgbClr r="0" g="0" b="0"/>
+      </a:effectRef>
+      <a:fontRef idx="minor"/>
+    </dgm:style>
+  </dgm:styleLbl>
+  <dgm:styleLbl name="fgAcc3">
+    <dgm:scene3d>
+      <a:camera prst="orthographicFront"/>
+      <a:lightRig rig="threePt" dir="t"/>
+    </dgm:scene3d>
+    <dgm:sp3d/>
+    <dgm:txPr/>
+    <dgm:style>
+      <a:lnRef idx="2">
+        <a:scrgbClr r="0" g="0" b="0"/>
+      </a:lnRef>
+      <a:fillRef idx="1">
+        <a:scrgbClr r="0" g="0" b="0"/>
+      </a:fillRef>
+      <a:effectRef idx="0">
+        <a:scrgbClr r="0" g="0" b="0"/>
+      </a:effectRef>
+      <a:fontRef idx="minor"/>
+    </dgm:style>
+  </dgm:styleLbl>
+  <dgm:styleLbl name="fgAcc4">
+    <dgm:scene3d>
+      <a:camera prst="orthographicFront"/>
+      <a:lightRig rig="threePt" dir="t"/>
+    </dgm:scene3d>
+    <dgm:sp3d/>
+    <dgm:txPr/>
+    <dgm:style>
+      <a:lnRef idx="2">
+        <a:scrgbClr r="0" g="0" b="0"/>
+      </a:lnRef>
+      <a:fillRef idx="1">
+        <a:scrgbClr r="0" g="0" b="0"/>
+      </a:fillRef>
+      <a:effectRef idx="0">
+        <a:scrgbClr r="0" g="0" b="0"/>
+      </a:effectRef>
+      <a:fontRef idx="minor"/>
+    </dgm:style>
+  </dgm:styleLbl>
+  <dgm:styleLbl name="bgShp">
+    <dgm:scene3d>
+      <a:camera prst="orthographicFront"/>
+      <a:lightRig rig="threePt" dir="t"/>
+    </dgm:scene3d>
+    <dgm:sp3d/>
+    <dgm:txPr/>
+    <dgm:style>
+      <a:lnRef idx="0">
+        <a:scrgbClr r="0" g="0" b="0"/>
+      </a:lnRef>
+      <a:fillRef idx="1">
+        <a:scrgbClr r="0" g="0" b="0"/>
+      </a:fillRef>
+      <a:effectRef idx="0">
+        <a:scrgbClr r="0" g="0" b="0"/>
+      </a:effectRef>
+      <a:fontRef idx="minor"/>
+    </dgm:style>
+  </dgm:styleLbl>
+  <dgm:styleLbl name="dkBgShp">
+    <dgm:scene3d>
+      <a:camera prst="orthographicFront"/>
+      <a:lightRig rig="threePt" dir="t"/>
+    </dgm:scene3d>
+    <dgm:sp3d/>
+    <dgm:txPr/>
+    <dgm:style>
+      <a:lnRef idx="0">
+        <a:scrgbClr r="0" g="0" b="0"/>
+      </a:lnRef>
+      <a:fillRef idx="1">
+        <a:scrgbClr r="0" g="0" b="0"/>
+      </a:fillRef>
+      <a:effectRef idx="0">
+        <a:scrgbClr r="0" g="0" b="0"/>
+      </a:effectRef>
+      <a:fontRef idx="minor"/>
+    </dgm:style>
+  </dgm:styleLbl>
+  <dgm:styleLbl name="trBgShp">
+    <dgm:scene3d>
+      <a:camera prst="orthographicFront"/>
+      <a:lightRig rig="threePt" dir="t"/>
+    </dgm:scene3d>
+    <dgm:sp3d/>
+    <dgm:txPr/>
+    <dgm:style>
+      <a:lnRef idx="0">
+        <a:scrgbClr r="0" g="0" b="0"/>
+      </a:lnRef>
+      <a:fillRef idx="1">
+        <a:scrgbClr r="0" g="0" b="0"/>
+      </a:fillRef>
+      <a:effectRef idx="0">
+        <a:scrgbClr r="0" g="0" b="0"/>
+      </a:effectRef>
+      <a:fontRef idx="minor"/>
+    </dgm:style>
+  </dgm:styleLbl>
+  <dgm:styleLbl name="fgShp">
+    <dgm:scene3d>
+      <a:camera prst="orthographicFront"/>
+      <a:lightRig rig="threePt" dir="t"/>
+    </dgm:scene3d>
+    <dgm:sp3d/>
+    <dgm:txPr/>
+    <dgm:style>
+      <a:lnRef idx="2">
+        <a:scrgbClr r="0" g="0" b="0"/>
+      </a:lnRef>
+      <a:fillRef idx="1">
+        <a:scrgbClr r="0" g="0" b="0"/>
+      </a:fillRef>
+      <a:effectRef idx="0">
+        <a:scrgbClr r="0" g="0" b="0"/>
+      </a:effectRef>
+      <a:fontRef idx="minor"/>
+    </dgm:style>
+  </dgm:styleLbl>
+  <dgm:styleLbl name="revTx">
+    <dgm:scene3d>
+      <a:camera prst="orthographicFront"/>
+      <a:lightRig rig="threePt" dir="t"/>
+    </dgm:scene3d>
+    <dgm:sp3d/>
+    <dgm:txPr/>
+    <dgm:style>
+      <a:lnRef idx="0">
+        <a:scrgbClr r="0" g="0" b="0"/>
+      </a:lnRef>
+      <a:fillRef idx="0">
+        <a:scrgbClr r="0" g="0" b="0"/>
+      </a:fillRef>
+      <a:effectRef idx="0">
+        <a:scrgbClr r="0" g="0" b="0"/>
+      </a:effectRef>
+      <a:fontRef idx="minor"/>
+    </dgm:style>
+  </dgm:styleLbl>
+</dgm:styleDef>
 </file>
 
 <file path=ppt/slideLayouts/slideLayout1.xml><?xml version="1.0" encoding="utf-8"?>
@@ -398,7 +6710,7 @@
           <a:p>
             <a:fld id="{9184DA70-C731-4C70-880D-CCD4705E623C}" type="datetime1">
               <a:rPr lang="en-US" noProof="0" smtClean="0"/>
-              <a:t>2/12/2022</a:t>
+              <a:t>2/13/2022</a:t>
             </a:fld>
             <a:endParaRPr lang="en-US" noProof="0" dirty="0"/>
           </a:p>
@@ -519,7 +6831,7 @@
           <a:p>
             <a:fld id="{39667345-2558-425A-8533-9BFDBCE15005}" type="datetime1">
               <a:rPr lang="en-US" noProof="0" smtClean="0"/>
-              <a:t>2/12/2022</a:t>
+              <a:t>2/13/2022</a:t>
             </a:fld>
             <a:endParaRPr lang="en-US" noProof="0" dirty="0"/>
           </a:p>
@@ -907,7 +7219,7 @@
           <a:p>
             <a:fld id="{39667345-2558-425A-8533-9BFDBCE15005}" type="datetime1">
               <a:rPr lang="en-US" noProof="0" smtClean="0"/>
-              <a:t>2/12/2022</a:t>
+              <a:t>2/13/2022</a:t>
             </a:fld>
             <a:endParaRPr lang="en-US" noProof="0" dirty="0"/>
           </a:p>
@@ -1741,7 +8053,7 @@
           <a:p>
             <a:fld id="{4907D986-8816-4272-A432-0437A28A9828}" type="datetime1">
               <a:rPr lang="en-US" noProof="0" smtClean="0"/>
-              <a:t>2/12/2022</a:t>
+              <a:t>2/13/2022</a:t>
             </a:fld>
             <a:endParaRPr lang="en-US" noProof="0" dirty="0"/>
           </a:p>
@@ -2073,7 +8385,7 @@
           <a:p>
             <a:fld id="{9184DA70-C731-4C70-880D-CCD4705E623C}" type="datetime1">
               <a:rPr lang="en-US" noProof="0" smtClean="0"/>
-              <a:t>2/12/2022</a:t>
+              <a:t>2/13/2022</a:t>
             </a:fld>
             <a:endParaRPr lang="en-US" noProof="0" dirty="0"/>
           </a:p>
@@ -2381,7 +8693,7 @@
           <a:p>
             <a:fld id="{4BE1D723-8F53-4F53-90B0-1982A396982E}" type="datetime1">
               <a:rPr lang="en-US" noProof="0" smtClean="0"/>
-              <a:t>2/12/2022</a:t>
+              <a:t>2/13/2022</a:t>
             </a:fld>
             <a:endParaRPr lang="en-US" noProof="0" dirty="0"/>
           </a:p>
@@ -2974,7 +9286,7 @@
           <a:p>
             <a:fld id="{D9DF0F1C-5577-4ACB-BB62-DF8F3C494C7E}" type="datetime1">
               <a:rPr lang="en-US" noProof="0" smtClean="0"/>
-              <a:t>2/12/2022</a:t>
+              <a:t>2/13/2022</a:t>
             </a:fld>
             <a:endParaRPr lang="en-US" noProof="0" dirty="0"/>
           </a:p>
@@ -3237,7 +9549,7 @@
           <a:p>
             <a:fld id="{1775B394-D9F9-4F0C-B15D-605F45CB9E9F}" type="datetime1">
               <a:rPr lang="en-US" noProof="0" smtClean="0"/>
-              <a:t>2/12/2022</a:t>
+              <a:t>2/13/2022</a:t>
             </a:fld>
             <a:endParaRPr lang="en-US" noProof="0" dirty="0"/>
           </a:p>
@@ -3500,7 +9812,7 @@
           <a:p>
             <a:fld id="{1775B394-D9F9-4F0C-B15D-605F45CB9E9F}" type="datetime1">
               <a:rPr lang="en-US" noProof="0" smtClean="0"/>
-              <a:t>2/12/2022</a:t>
+              <a:t>2/13/2022</a:t>
             </a:fld>
             <a:endParaRPr lang="en-US" noProof="0" dirty="0"/>
           </a:p>
@@ -4014,7 +10326,7 @@
           <a:p>
             <a:fld id="{39667345-2558-425A-8533-9BFDBCE15005}" type="datetime1">
               <a:rPr lang="en-US" noProof="0" smtClean="0"/>
-              <a:t>2/12/2022</a:t>
+              <a:t>2/13/2022</a:t>
             </a:fld>
             <a:endParaRPr lang="en-US" noProof="0" dirty="0"/>
           </a:p>
@@ -4135,7 +10447,7 @@
           <a:p>
             <a:fld id="{39667345-2558-425A-8533-9BFDBCE15005}" type="datetime1">
               <a:rPr lang="en-US" noProof="0" smtClean="0"/>
-              <a:t>2/12/2022</a:t>
+              <a:t>2/13/2022</a:t>
             </a:fld>
             <a:endParaRPr lang="en-US" noProof="0" dirty="0"/>
           </a:p>
@@ -4566,7 +10878,7 @@
           <a:p>
             <a:fld id="{39667345-2558-425A-8533-9BFDBCE15005}" type="datetime1">
               <a:rPr lang="en-US" noProof="0" smtClean="0"/>
-              <a:t>2/12/2022</a:t>
+              <a:t>2/13/2022</a:t>
             </a:fld>
             <a:endParaRPr lang="en-US" noProof="0" dirty="0"/>
           </a:p>
@@ -5108,7 +11420,7 @@
           <a:p>
             <a:fld id="{62D6E202-B606-4609-B914-27C9371A1F6D}" type="datetime1">
               <a:rPr lang="en-US" noProof="0" smtClean="0"/>
-              <a:t>2/12/2022</a:t>
+              <a:t>2/13/2022</a:t>
             </a:fld>
             <a:endParaRPr lang="en-US" noProof="0" dirty="0"/>
           </a:p>
@@ -5817,6 +12129,95 @@
           <a:chExt cx="0" cy="0"/>
         </a:xfrm>
       </p:grpSpPr>
+      <p:graphicFrame>
+        <p:nvGraphicFramePr>
+          <p:cNvPr id="5" name="Content Placeholder 2" descr="Smart Art graphic of Picture Accent Process">
+            <a:extLst>
+              <a:ext uri="{FF2B5EF4-FFF2-40B4-BE49-F238E27FC236}">
+                <a16:creationId xmlns:a16="http://schemas.microsoft.com/office/drawing/2014/main" id="{BE8337B7-28C4-492B-8228-3183A1C23832}"/>
+              </a:ext>
+            </a:extLst>
+          </p:cNvPr>
+          <p:cNvGraphicFramePr>
+            <a:graphicFrameLocks noGrp="1"/>
+          </p:cNvGraphicFramePr>
+          <p:nvPr>
+            <p:ph idx="1"/>
+            <p:extLst>
+              <p:ext uri="{D42A27DB-BD31-4B8C-83A1-F6EECF244321}">
+                <p14:modId xmlns:p14="http://schemas.microsoft.com/office/powerpoint/2010/main" val="2282784853"/>
+              </p:ext>
+            </p:extLst>
+          </p:nvPr>
+        </p:nvGraphicFramePr>
+        <p:xfrm>
+          <a:off x="1096963" y="2154341"/>
+          <a:ext cx="10058400" cy="3760788"/>
+        </p:xfrm>
+        <a:graphic>
+          <a:graphicData uri="http://schemas.openxmlformats.org/drawingml/2006/diagram">
+            <dgm:relIds xmlns:dgm="http://schemas.openxmlformats.org/drawingml/2006/diagram" xmlns:r="http://schemas.openxmlformats.org/officeDocument/2006/relationships" r:dm="rId2" r:lo="rId3" r:qs="rId4" r:cs="rId5"/>
+          </a:graphicData>
+        </a:graphic>
+      </p:graphicFrame>
+      <p:sp>
+        <p:nvSpPr>
+          <p:cNvPr id="2" name="Title 1">
+            <a:extLst>
+              <a:ext uri="{FF2B5EF4-FFF2-40B4-BE49-F238E27FC236}">
+                <a16:creationId xmlns:a16="http://schemas.microsoft.com/office/drawing/2014/main" id="{003F7245-B0E5-484F-88D0-FA9D0C77C036}"/>
+              </a:ext>
+            </a:extLst>
+          </p:cNvPr>
+          <p:cNvSpPr>
+            <a:spLocks noGrp="1"/>
+          </p:cNvSpPr>
+          <p:nvPr>
+            <p:ph type="title"/>
+          </p:nvPr>
+        </p:nvSpPr>
+        <p:spPr/>
+        <p:txBody>
+          <a:bodyPr/>
+          <a:lstStyle/>
+          <a:p>
+            <a:r>
+              <a:rPr lang="en-US" cap="none" dirty="0"/>
+              <a:t>Workload Allocation</a:t>
+            </a:r>
+          </a:p>
+        </p:txBody>
+      </p:sp>
+    </p:spTree>
+    <p:extLst>
+      <p:ext uri="{BB962C8B-B14F-4D97-AF65-F5344CB8AC3E}">
+        <p14:creationId xmlns:p14="http://schemas.microsoft.com/office/powerpoint/2010/main" val="671973567"/>
+      </p:ext>
+    </p:extLst>
+  </p:cSld>
+  <p:clrMapOvr>
+    <a:masterClrMapping/>
+  </p:clrMapOvr>
+</p:sld>
+</file>
+
+<file path=ppt/slides/slide4.xml><?xml version="1.0" encoding="utf-8"?>
+<p:sld xmlns:a="http://schemas.openxmlformats.org/drawingml/2006/main" xmlns:r="http://schemas.openxmlformats.org/officeDocument/2006/relationships" xmlns:p="http://schemas.openxmlformats.org/presentationml/2006/main">
+  <p:cSld>
+    <p:spTree>
+      <p:nvGrpSpPr>
+        <p:cNvPr id="1" name=""/>
+        <p:cNvGrpSpPr/>
+        <p:nvPr/>
+      </p:nvGrpSpPr>
+      <p:grpSpPr>
+        <a:xfrm>
+          <a:off x="0" y="0"/>
+          <a:ext cx="0" cy="0"/>
+          <a:chOff x="0" y="0"/>
+          <a:chExt cx="0" cy="0"/>
+        </a:xfrm>
+      </p:grpSpPr>
       <p:sp>
         <p:nvSpPr>
           <p:cNvPr id="2" name="Title 1">
@@ -5896,7 +12297,7 @@
 </p:sld>
 </file>
 
-<file path=ppt/slides/slide4.xml><?xml version="1.0" encoding="utf-8"?>
+<file path=ppt/slides/slide5.xml><?xml version="1.0" encoding="utf-8"?>
 <p:sld xmlns:a="http://schemas.openxmlformats.org/drawingml/2006/main" xmlns:r="http://schemas.openxmlformats.org/officeDocument/2006/relationships" xmlns:p="http://schemas.openxmlformats.org/presentationml/2006/main">
   <p:cSld>
     <p:spTree>
@@ -6133,7 +12534,7 @@
       </p:sp>
       <p:pic>
         <p:nvPicPr>
-          <p:cNvPr id="7" name="Content Placeholder 6" descr="A parking meter is stationed outside a building&#10;&#10;Description automatically generated with low confidence">
+          <p:cNvPr id="7" name="Content Placeholder 6">
             <a:extLst>
               <a:ext uri="{FF2B5EF4-FFF2-40B4-BE49-F238E27FC236}">
                 <a16:creationId xmlns:a16="http://schemas.microsoft.com/office/drawing/2014/main" id="{31DCECD3-2E44-5D44-9FA4-EC4D470EC66E}"/>
@@ -6149,7 +12550,7 @@
         </p:nvPicPr>
         <p:blipFill rotWithShape="1">
           <a:blip r:embed="rId2"/>
-          <a:srcRect l="21663" t="-116" r="23869" b="115"/>
+          <a:srcRect l="5954" r="17342"/>
           <a:stretch/>
         </p:blipFill>
         <p:spPr>
@@ -6173,7 +12574,7 @@
 </p:sld>
 </file>
 
-<file path=ppt/slides/slide5.xml><?xml version="1.0" encoding="utf-8"?>
+<file path=ppt/slides/slide6.xml><?xml version="1.0" encoding="utf-8"?>
 <p:sld xmlns:a="http://schemas.openxmlformats.org/drawingml/2006/main" xmlns:r="http://schemas.openxmlformats.org/officeDocument/2006/relationships" xmlns:p="http://schemas.openxmlformats.org/presentationml/2006/main">
   <p:cSld>
     <p:spTree>
@@ -6276,7 +12677,7 @@
         <p:spPr>
           <a:xfrm>
             <a:off x="1097279" y="4742329"/>
-            <a:ext cx="10113264" cy="1512421"/>
+            <a:ext cx="4998721" cy="1512421"/>
           </a:xfrm>
         </p:spPr>
         <p:txBody>
@@ -6296,31 +12697,306 @@
               <a:buAutoNum type="arabicPeriod"/>
             </a:pPr>
             <a:r>
-              <a:rPr lang="en-US" dirty="0" err="1"/>
-              <a:t>Sadas</a:t>
+              <a:rPr lang="en-US" dirty="0"/>
+              <a:t>Uses measurement history to predict a fill rate</a:t>
             </a:r>
-            <a:endParaRPr lang="en-US" dirty="0"/>
-          </a:p>
-          <a:p>
-            <a:pPr marL="800100" lvl="1" indent="-342900">
+            <a:endParaRPr lang="el-GR" dirty="0"/>
+          </a:p>
+          <a:p>
+            <a:pPr marL="342900" indent="-342900">
               <a:lnSpc>
                 <a:spcPct val="90000"/>
               </a:lnSpc>
               <a:buClr>
                 <a:schemeClr val="tx1"/>
               </a:buClr>
-              <a:buFont typeface="Arial" panose="020B0604020202020204" pitchFamily="34" charset="0"/>
-              <a:buChar char="•"/>
+              <a:buFont typeface="+mj-lt"/>
+              <a:buAutoNum type="arabicPeriod"/>
             </a:pPr>
             <a:r>
-              <a:rPr lang="en-US" dirty="0" err="1"/>
-              <a:t>SFSDFSaasf</a:t>
+              <a:rPr lang="en-US" dirty="0"/>
+              <a:t>Prediction is calculated per sensor and saved individually in a DB table</a:t>
             </a:r>
-            <a:endParaRPr lang="en-001" sz="2400" dirty="0">
-              <a:solidFill>
+          </a:p>
+        </p:txBody>
+      </p:sp>
+      <p:sp>
+        <p:nvSpPr>
+          <p:cNvPr id="5" name="Content Placeholder 2">
+            <a:extLst>
+              <a:ext uri="{FF2B5EF4-FFF2-40B4-BE49-F238E27FC236}">
+                <a16:creationId xmlns:a16="http://schemas.microsoft.com/office/drawing/2014/main" id="{CA255382-E89E-45FA-A1C8-2CA7E481EB30}"/>
+              </a:ext>
+            </a:extLst>
+          </p:cNvPr>
+          <p:cNvSpPr txBox="1">
+            <a:spLocks/>
+          </p:cNvSpPr>
+          <p:nvPr/>
+        </p:nvSpPr>
+        <p:spPr>
+          <a:xfrm>
+            <a:off x="6095999" y="4742328"/>
+            <a:ext cx="4998721" cy="1512421"/>
+          </a:xfrm>
+          <a:prstGeom prst="rect">
+            <a:avLst/>
+          </a:prstGeom>
+        </p:spPr>
+        <p:txBody>
+          <a:bodyPr vert="horz" lIns="91440" tIns="0" rIns="91440" bIns="0" rtlCol="0">
+            <a:normAutofit/>
+          </a:bodyPr>
+          <a:lstStyle>
+            <a:lvl1pPr marL="0" indent="0" algn="l" defTabSz="914400" rtl="0" eaLnBrk="1" latinLnBrk="0" hangingPunct="1">
+              <a:lnSpc>
+                <a:spcPct val="100000"/>
+              </a:lnSpc>
+              <a:spcBef>
+                <a:spcPts val="0"/>
+              </a:spcBef>
+              <a:spcAft>
+                <a:spcPts val="600"/>
+              </a:spcAft>
+              <a:buClr>
+                <a:schemeClr val="accent1"/>
+              </a:buClr>
+              <a:buSzPct val="100000"/>
+              <a:buFont typeface="Calibri" panose="020F0502020204030204" pitchFamily="34" charset="0"/>
+              <a:buNone/>
+              <a:defRPr sz="1800" kern="1200">
+                <a:solidFill>
+                  <a:schemeClr val="tx1"/>
+                </a:solidFill>
+                <a:latin typeface="+mn-lt"/>
+                <a:ea typeface="+mn-ea"/>
+                <a:cs typeface="+mn-cs"/>
+              </a:defRPr>
+            </a:lvl1pPr>
+            <a:lvl2pPr marL="457200" indent="0" algn="l" defTabSz="914400" rtl="0" eaLnBrk="1" latinLnBrk="0" hangingPunct="1">
+              <a:lnSpc>
+                <a:spcPct val="100000"/>
+              </a:lnSpc>
+              <a:spcBef>
+                <a:spcPts val="200"/>
+              </a:spcBef>
+              <a:spcAft>
+                <a:spcPts val="400"/>
+              </a:spcAft>
+              <a:buClrTx/>
+              <a:buFont typeface="Calibri" pitchFamily="34" charset="0"/>
+              <a:buNone/>
+              <a:defRPr sz="1200" kern="1200">
+                <a:solidFill>
+                  <a:schemeClr val="tx1">
+                    <a:lumMod val="75000"/>
+                    <a:lumOff val="25000"/>
+                  </a:schemeClr>
+                </a:solidFill>
+                <a:latin typeface="+mn-lt"/>
+                <a:ea typeface="+mn-ea"/>
+                <a:cs typeface="+mn-cs"/>
+              </a:defRPr>
+            </a:lvl2pPr>
+            <a:lvl3pPr marL="914400" indent="0" algn="l" defTabSz="914400" rtl="0" eaLnBrk="1" latinLnBrk="0" hangingPunct="1">
+              <a:lnSpc>
+                <a:spcPct val="100000"/>
+              </a:lnSpc>
+              <a:spcBef>
+                <a:spcPts val="200"/>
+              </a:spcBef>
+              <a:spcAft>
+                <a:spcPts val="400"/>
+              </a:spcAft>
+              <a:buClrTx/>
+              <a:buFont typeface="Calibri" pitchFamily="34" charset="0"/>
+              <a:buNone/>
+              <a:defRPr sz="1000" kern="1200">
+                <a:solidFill>
+                  <a:schemeClr val="tx1">
+                    <a:lumMod val="75000"/>
+                    <a:lumOff val="25000"/>
+                  </a:schemeClr>
+                </a:solidFill>
+                <a:latin typeface="+mn-lt"/>
+                <a:ea typeface="+mn-ea"/>
+                <a:cs typeface="+mn-cs"/>
+              </a:defRPr>
+            </a:lvl3pPr>
+            <a:lvl4pPr marL="1371600" indent="0" algn="l" defTabSz="914400" rtl="0" eaLnBrk="1" latinLnBrk="0" hangingPunct="1">
+              <a:lnSpc>
+                <a:spcPct val="100000"/>
+              </a:lnSpc>
+              <a:spcBef>
+                <a:spcPts val="200"/>
+              </a:spcBef>
+              <a:spcAft>
+                <a:spcPts val="400"/>
+              </a:spcAft>
+              <a:buClrTx/>
+              <a:buFont typeface="Calibri" pitchFamily="34" charset="0"/>
+              <a:buNone/>
+              <a:defRPr sz="900" kern="1200">
+                <a:solidFill>
+                  <a:schemeClr val="tx1">
+                    <a:lumMod val="75000"/>
+                    <a:lumOff val="25000"/>
+                  </a:schemeClr>
+                </a:solidFill>
+                <a:latin typeface="+mn-lt"/>
+                <a:ea typeface="+mn-ea"/>
+                <a:cs typeface="+mn-cs"/>
+              </a:defRPr>
+            </a:lvl4pPr>
+            <a:lvl5pPr marL="1828800" indent="0" algn="l" defTabSz="914400" rtl="0" eaLnBrk="1" latinLnBrk="0" hangingPunct="1">
+              <a:lnSpc>
+                <a:spcPct val="100000"/>
+              </a:lnSpc>
+              <a:spcBef>
+                <a:spcPts val="200"/>
+              </a:spcBef>
+              <a:spcAft>
+                <a:spcPts val="400"/>
+              </a:spcAft>
+              <a:buClrTx/>
+              <a:buFont typeface="Calibri" pitchFamily="34" charset="0"/>
+              <a:buNone/>
+              <a:defRPr sz="900" kern="1200">
+                <a:solidFill>
+                  <a:schemeClr val="tx1">
+                    <a:lumMod val="75000"/>
+                    <a:lumOff val="25000"/>
+                  </a:schemeClr>
+                </a:solidFill>
+                <a:latin typeface="+mn-lt"/>
+                <a:ea typeface="+mn-ea"/>
+                <a:cs typeface="+mn-cs"/>
+              </a:defRPr>
+            </a:lvl5pPr>
+            <a:lvl6pPr marL="2286000" indent="0" algn="l" defTabSz="914400" rtl="0" eaLnBrk="1" latinLnBrk="0" hangingPunct="1">
+              <a:lnSpc>
+                <a:spcPct val="90000"/>
+              </a:lnSpc>
+              <a:spcBef>
+                <a:spcPts val="200"/>
+              </a:spcBef>
+              <a:spcAft>
+                <a:spcPts val="400"/>
+              </a:spcAft>
+              <a:buClr>
+                <a:schemeClr val="accent1"/>
+              </a:buClr>
+              <a:buFont typeface="Calibri" pitchFamily="34" charset="0"/>
+              <a:buNone/>
+              <a:defRPr sz="900" kern="1200">
+                <a:solidFill>
+                  <a:schemeClr val="tx1">
+                    <a:lumMod val="75000"/>
+                    <a:lumOff val="25000"/>
+                  </a:schemeClr>
+                </a:solidFill>
+                <a:latin typeface="+mn-lt"/>
+                <a:ea typeface="+mn-ea"/>
+                <a:cs typeface="+mn-cs"/>
+              </a:defRPr>
+            </a:lvl6pPr>
+            <a:lvl7pPr marL="2743200" indent="0" algn="l" defTabSz="914400" rtl="0" eaLnBrk="1" latinLnBrk="0" hangingPunct="1">
+              <a:lnSpc>
+                <a:spcPct val="90000"/>
+              </a:lnSpc>
+              <a:spcBef>
+                <a:spcPts val="200"/>
+              </a:spcBef>
+              <a:spcAft>
+                <a:spcPts val="400"/>
+              </a:spcAft>
+              <a:buClr>
+                <a:schemeClr val="accent1"/>
+              </a:buClr>
+              <a:buFont typeface="Calibri" pitchFamily="34" charset="0"/>
+              <a:buNone/>
+              <a:defRPr sz="900" kern="1200">
+                <a:solidFill>
+                  <a:schemeClr val="tx1">
+                    <a:lumMod val="75000"/>
+                    <a:lumOff val="25000"/>
+                  </a:schemeClr>
+                </a:solidFill>
+                <a:latin typeface="+mn-lt"/>
+                <a:ea typeface="+mn-ea"/>
+                <a:cs typeface="+mn-cs"/>
+              </a:defRPr>
+            </a:lvl7pPr>
+            <a:lvl8pPr marL="3200400" indent="0" algn="l" defTabSz="914400" rtl="0" eaLnBrk="1" latinLnBrk="0" hangingPunct="1">
+              <a:lnSpc>
+                <a:spcPct val="90000"/>
+              </a:lnSpc>
+              <a:spcBef>
+                <a:spcPts val="200"/>
+              </a:spcBef>
+              <a:spcAft>
+                <a:spcPts val="400"/>
+              </a:spcAft>
+              <a:buClr>
+                <a:schemeClr val="accent1"/>
+              </a:buClr>
+              <a:buFont typeface="Calibri" pitchFamily="34" charset="0"/>
+              <a:buNone/>
+              <a:defRPr sz="900" kern="1200">
+                <a:solidFill>
+                  <a:schemeClr val="tx1">
+                    <a:lumMod val="75000"/>
+                    <a:lumOff val="25000"/>
+                  </a:schemeClr>
+                </a:solidFill>
+                <a:latin typeface="+mn-lt"/>
+                <a:ea typeface="+mn-ea"/>
+                <a:cs typeface="+mn-cs"/>
+              </a:defRPr>
+            </a:lvl8pPr>
+            <a:lvl9pPr marL="3657600" indent="0" algn="l" defTabSz="914400" rtl="0" eaLnBrk="1" latinLnBrk="0" hangingPunct="1">
+              <a:lnSpc>
+                <a:spcPct val="90000"/>
+              </a:lnSpc>
+              <a:spcBef>
+                <a:spcPts val="200"/>
+              </a:spcBef>
+              <a:spcAft>
+                <a:spcPts val="400"/>
+              </a:spcAft>
+              <a:buClr>
+                <a:schemeClr val="accent1"/>
+              </a:buClr>
+              <a:buFont typeface="Calibri" pitchFamily="34" charset="0"/>
+              <a:buNone/>
+              <a:defRPr sz="900" kern="1200">
+                <a:solidFill>
+                  <a:schemeClr val="tx1">
+                    <a:lumMod val="75000"/>
+                    <a:lumOff val="25000"/>
+                  </a:schemeClr>
+                </a:solidFill>
+                <a:latin typeface="+mn-lt"/>
+                <a:ea typeface="+mn-ea"/>
+                <a:cs typeface="+mn-cs"/>
+              </a:defRPr>
+            </a:lvl9pPr>
+          </a:lstStyle>
+          <a:p>
+            <a:pPr marL="342900" indent="-342900">
+              <a:lnSpc>
+                <a:spcPct val="90000"/>
+              </a:lnSpc>
+              <a:buClr>
                 <a:schemeClr val="tx1"/>
-              </a:solidFill>
-            </a:endParaRPr>
+              </a:buClr>
+              <a:buFont typeface="+mj-lt"/>
+              <a:buAutoNum type="arabicPeriod" startAt="3"/>
+            </a:pPr>
+            <a:r>
+              <a:rPr lang="en-US" dirty="0"/>
+              <a:t>If retrieved regression model is too old, prediction is recalculated and updated before response</a:t>
+            </a:r>
           </a:p>
         </p:txBody>
       </p:sp>
@@ -6328,6 +13004,315 @@
     <p:extLst>
       <p:ext uri="{BB962C8B-B14F-4D97-AF65-F5344CB8AC3E}">
         <p14:creationId xmlns:p14="http://schemas.microsoft.com/office/powerpoint/2010/main" val="306919015"/>
+      </p:ext>
+    </p:extLst>
+  </p:cSld>
+  <p:clrMapOvr>
+    <a:masterClrMapping/>
+  </p:clrMapOvr>
+</p:sld>
+</file>
+
+<file path=ppt/slides/slide7.xml><?xml version="1.0" encoding="utf-8"?>
+<p:sld xmlns:a="http://schemas.openxmlformats.org/drawingml/2006/main" xmlns:r="http://schemas.openxmlformats.org/officeDocument/2006/relationships" xmlns:p="http://schemas.openxmlformats.org/presentationml/2006/main">
+  <p:cSld>
+    <p:spTree>
+      <p:nvGrpSpPr>
+        <p:cNvPr id="1" name=""/>
+        <p:cNvGrpSpPr/>
+        <p:nvPr/>
+      </p:nvGrpSpPr>
+      <p:grpSpPr>
+        <a:xfrm>
+          <a:off x="0" y="0"/>
+          <a:ext cx="0" cy="0"/>
+          <a:chOff x="0" y="0"/>
+          <a:chExt cx="0" cy="0"/>
+        </a:xfrm>
+      </p:grpSpPr>
+      <p:graphicFrame>
+        <p:nvGraphicFramePr>
+          <p:cNvPr id="5" name="Content Placeholder 2" descr="Smart Art graphic of Picture Accent Process">
+            <a:extLst>
+              <a:ext uri="{FF2B5EF4-FFF2-40B4-BE49-F238E27FC236}">
+                <a16:creationId xmlns:a16="http://schemas.microsoft.com/office/drawing/2014/main" id="{BE8337B7-28C4-492B-8228-3183A1C23832}"/>
+              </a:ext>
+            </a:extLst>
+          </p:cNvPr>
+          <p:cNvGraphicFramePr>
+            <a:graphicFrameLocks noGrp="1"/>
+          </p:cNvGraphicFramePr>
+          <p:nvPr>
+            <p:ph idx="1"/>
+            <p:extLst>
+              <p:ext uri="{D42A27DB-BD31-4B8C-83A1-F6EECF244321}">
+                <p14:modId xmlns:p14="http://schemas.microsoft.com/office/powerpoint/2010/main" val="1330739400"/>
+              </p:ext>
+            </p:extLst>
+          </p:nvPr>
+        </p:nvGraphicFramePr>
+        <p:xfrm>
+          <a:off x="1096963" y="2154341"/>
+          <a:ext cx="10058400" cy="3760788"/>
+        </p:xfrm>
+        <a:graphic>
+          <a:graphicData uri="http://schemas.openxmlformats.org/drawingml/2006/diagram">
+            <dgm:relIds xmlns:dgm="http://schemas.openxmlformats.org/drawingml/2006/diagram" xmlns:r="http://schemas.openxmlformats.org/officeDocument/2006/relationships" r:dm="rId2" r:lo="rId3" r:qs="rId4" r:cs="rId5"/>
+          </a:graphicData>
+        </a:graphic>
+      </p:graphicFrame>
+      <p:sp>
+        <p:nvSpPr>
+          <p:cNvPr id="2" name="Title 1">
+            <a:extLst>
+              <a:ext uri="{FF2B5EF4-FFF2-40B4-BE49-F238E27FC236}">
+                <a16:creationId xmlns:a16="http://schemas.microsoft.com/office/drawing/2014/main" id="{003F7245-B0E5-484F-88D0-FA9D0C77C036}"/>
+              </a:ext>
+            </a:extLst>
+          </p:cNvPr>
+          <p:cNvSpPr>
+            <a:spLocks noGrp="1"/>
+          </p:cNvSpPr>
+          <p:nvPr>
+            <p:ph type="title"/>
+          </p:nvPr>
+        </p:nvSpPr>
+        <p:spPr/>
+        <p:txBody>
+          <a:bodyPr/>
+          <a:lstStyle/>
+          <a:p>
+            <a:r>
+              <a:rPr lang="en-US" cap="none" dirty="0"/>
+              <a:t>Citizen Engagement – Point System</a:t>
+            </a:r>
+          </a:p>
+        </p:txBody>
+      </p:sp>
+    </p:spTree>
+    <p:extLst>
+      <p:ext uri="{BB962C8B-B14F-4D97-AF65-F5344CB8AC3E}">
+        <p14:creationId xmlns:p14="http://schemas.microsoft.com/office/powerpoint/2010/main" val="3345434590"/>
+      </p:ext>
+    </p:extLst>
+  </p:cSld>
+  <p:clrMapOvr>
+    <a:masterClrMapping/>
+  </p:clrMapOvr>
+</p:sld>
+</file>
+
+<file path=ppt/slides/slide8.xml><?xml version="1.0" encoding="utf-8"?>
+<p:sld xmlns:a="http://schemas.openxmlformats.org/drawingml/2006/main" xmlns:r="http://schemas.openxmlformats.org/officeDocument/2006/relationships" xmlns:p="http://schemas.openxmlformats.org/presentationml/2006/main">
+  <p:cSld>
+    <p:spTree>
+      <p:nvGrpSpPr>
+        <p:cNvPr id="1" name=""/>
+        <p:cNvGrpSpPr/>
+        <p:nvPr/>
+      </p:nvGrpSpPr>
+      <p:grpSpPr>
+        <a:xfrm>
+          <a:off x="0" y="0"/>
+          <a:ext cx="0" cy="0"/>
+          <a:chOff x="0" y="0"/>
+          <a:chExt cx="0" cy="0"/>
+        </a:xfrm>
+      </p:grpSpPr>
+      <p:sp>
+        <p:nvSpPr>
+          <p:cNvPr id="2" name="Title 1">
+            <a:extLst>
+              <a:ext uri="{FF2B5EF4-FFF2-40B4-BE49-F238E27FC236}">
+                <a16:creationId xmlns:a16="http://schemas.microsoft.com/office/drawing/2014/main" id="{D2CD59CD-1242-F149-AB16-9D02E7C89131}"/>
+              </a:ext>
+            </a:extLst>
+          </p:cNvPr>
+          <p:cNvSpPr>
+            <a:spLocks noGrp="1"/>
+          </p:cNvSpPr>
+          <p:nvPr>
+            <p:ph type="title"/>
+          </p:nvPr>
+        </p:nvSpPr>
+        <p:spPr>
+          <a:xfrm>
+            <a:off x="5443870" y="942871"/>
+            <a:ext cx="5711810" cy="587584"/>
+          </a:xfrm>
+        </p:spPr>
+        <p:txBody>
+          <a:bodyPr anchor="ctr">
+            <a:normAutofit/>
+          </a:bodyPr>
+          <a:lstStyle/>
+          <a:p>
+            <a:r>
+              <a:rPr lang="en-US" dirty="0"/>
+              <a:t>Bounties</a:t>
+            </a:r>
+          </a:p>
+        </p:txBody>
+      </p:sp>
+      <p:sp>
+        <p:nvSpPr>
+          <p:cNvPr id="3" name="Content Placeholder 2">
+            <a:extLst>
+              <a:ext uri="{FF2B5EF4-FFF2-40B4-BE49-F238E27FC236}">
+                <a16:creationId xmlns:a16="http://schemas.microsoft.com/office/drawing/2014/main" id="{79497D95-D925-3641-A715-DB7630E983B0}"/>
+              </a:ext>
+            </a:extLst>
+          </p:cNvPr>
+          <p:cNvSpPr>
+            <a:spLocks noGrp="1"/>
+          </p:cNvSpPr>
+          <p:nvPr>
+            <p:ph sz="half" idx="2"/>
+          </p:nvPr>
+        </p:nvSpPr>
+        <p:spPr>
+          <a:xfrm>
+            <a:off x="5443870" y="1973589"/>
+            <a:ext cx="5711810" cy="3941540"/>
+          </a:xfrm>
+        </p:spPr>
+        <p:txBody>
+          <a:bodyPr>
+            <a:normAutofit/>
+          </a:bodyPr>
+          <a:lstStyle/>
+          <a:p>
+            <a:pPr marL="342900" indent="-342900">
+              <a:lnSpc>
+                <a:spcPct val="90000"/>
+              </a:lnSpc>
+              <a:buFont typeface="+mj-lt"/>
+              <a:buAutoNum type="arabicPeriod"/>
+            </a:pPr>
+            <a:r>
+              <a:rPr lang="en-US" sz="1400" dirty="0"/>
+              <a:t>Generation</a:t>
+            </a:r>
+          </a:p>
+          <a:p>
+            <a:pPr marL="635508" lvl="1" indent="-342900">
+              <a:lnSpc>
+                <a:spcPct val="90000"/>
+              </a:lnSpc>
+            </a:pPr>
+            <a:r>
+              <a:rPr lang="en-US" dirty="0"/>
+              <a:t>A bounty is automatically generated when a bin makes a problematic measurement</a:t>
+            </a:r>
+          </a:p>
+          <a:p>
+            <a:pPr marL="635508" lvl="1" indent="-342900">
+              <a:lnSpc>
+                <a:spcPct val="90000"/>
+              </a:lnSpc>
+            </a:pPr>
+            <a:r>
+              <a:rPr lang="en-US" dirty="0"/>
+              <a:t>Support for future development: Admin generated bounties for any purpose</a:t>
+            </a:r>
+          </a:p>
+          <a:p>
+            <a:pPr marL="342900" indent="-342900">
+              <a:lnSpc>
+                <a:spcPct val="90000"/>
+              </a:lnSpc>
+              <a:buFont typeface="+mj-lt"/>
+              <a:buAutoNum type="arabicPeriod"/>
+            </a:pPr>
+            <a:r>
+              <a:rPr lang="en-US" sz="1400" dirty="0"/>
+              <a:t>User Interaction</a:t>
+            </a:r>
+          </a:p>
+          <a:p>
+            <a:pPr marL="635508" lvl="1" indent="-342900">
+              <a:lnSpc>
+                <a:spcPct val="90000"/>
+              </a:lnSpc>
+            </a:pPr>
+            <a:r>
+              <a:rPr lang="en-US" dirty="0"/>
+              <a:t>User can find bounties in a radius around him</a:t>
+            </a:r>
+          </a:p>
+          <a:p>
+            <a:pPr marL="635508" lvl="1" indent="-342900">
+              <a:lnSpc>
+                <a:spcPct val="90000"/>
+              </a:lnSpc>
+            </a:pPr>
+            <a:r>
+              <a:rPr lang="en-US" dirty="0"/>
+              <a:t>User accepts a bounty and has some time to complete it</a:t>
+            </a:r>
+          </a:p>
+          <a:p>
+            <a:pPr marL="635508" lvl="1" indent="-342900">
+              <a:lnSpc>
+                <a:spcPct val="90000"/>
+              </a:lnSpc>
+            </a:pPr>
+            <a:r>
+              <a:rPr lang="en-US" dirty="0"/>
+              <a:t>User can find a list of his assigned bounties in his profile, mark it complete and receive the reward points or abandon</a:t>
+            </a:r>
+          </a:p>
+          <a:p>
+            <a:pPr marL="635508" lvl="1" indent="-342900">
+              <a:lnSpc>
+                <a:spcPct val="90000"/>
+              </a:lnSpc>
+            </a:pPr>
+            <a:endParaRPr lang="en-US" dirty="0"/>
+          </a:p>
+          <a:p>
+            <a:pPr marL="635508" lvl="1" indent="-342900">
+              <a:lnSpc>
+                <a:spcPct val="90000"/>
+              </a:lnSpc>
+            </a:pPr>
+            <a:endParaRPr lang="en-US" dirty="0"/>
+          </a:p>
+        </p:txBody>
+      </p:sp>
+      <p:pic>
+        <p:nvPicPr>
+          <p:cNvPr id="7" name="Content Placeholder 6">
+            <a:extLst>
+              <a:ext uri="{FF2B5EF4-FFF2-40B4-BE49-F238E27FC236}">
+                <a16:creationId xmlns:a16="http://schemas.microsoft.com/office/drawing/2014/main" id="{31DCECD3-2E44-5D44-9FA4-EC4D470EC66E}"/>
+              </a:ext>
+            </a:extLst>
+          </p:cNvPr>
+          <p:cNvPicPr>
+            <a:picLocks noGrp="1" noChangeAspect="1"/>
+          </p:cNvPicPr>
+          <p:nvPr>
+            <p:ph sz="half" idx="14"/>
+          </p:nvPr>
+        </p:nvPicPr>
+        <p:blipFill rotWithShape="1">
+          <a:blip r:embed="rId2"/>
+          <a:srcRect l="149" r="19842"/>
+          <a:stretch/>
+        </p:blipFill>
+        <p:spPr>
+          <a:xfrm>
+            <a:off x="614135" y="627457"/>
+            <a:ext cx="4589130" cy="5603086"/>
+          </a:xfrm>
+          <a:noFill/>
+        </p:spPr>
+      </p:pic>
+    </p:spTree>
+    <p:extLst>
+      <p:ext uri="{BB962C8B-B14F-4D97-AF65-F5344CB8AC3E}">
+        <p14:creationId xmlns:p14="http://schemas.microsoft.com/office/powerpoint/2010/main" val="320929568"/>
       </p:ext>
     </p:extLst>
   </p:cSld>
@@ -6621,24 +13606,6 @@
 </file>
 
 <file path=customXml/item1.xml><?xml version="1.0" encoding="utf-8"?>
-<?mso-contentType ?>
-<FormTemplates xmlns="http://schemas.microsoft.com/sharepoint/v3/contenttype/forms">
-  <Display>DocumentLibraryForm</Display>
-  <Edit>DocumentLibraryForm</Edit>
-  <New>DocumentLibraryForm</New>
-</FormTemplates>
-</file>
-
-<file path=customXml/item2.xml><?xml version="1.0" encoding="utf-8"?>
-<p:properties xmlns:p="http://schemas.microsoft.com/office/2006/metadata/properties" xmlns:xsi="http://www.w3.org/2001/XMLSchema-instance" xmlns:pc="http://schemas.microsoft.com/office/infopath/2007/PartnerControls">
-  <documentManagement>
-    <Status xmlns="71af3243-3dd4-4a8d-8c0d-dd76da1f02a5">Not started</Status>
-    <MediaServiceKeyPoints xmlns="71af3243-3dd4-4a8d-8c0d-dd76da1f02a5" xsi:nil="true"/>
-  </documentManagement>
-</p:properties>
-</file>
-
-<file path=customXml/item3.xml><?xml version="1.0" encoding="utf-8"?>
 <ct:contentTypeSchema xmlns:ct="http://schemas.microsoft.com/office/2006/metadata/contentType" xmlns:ma="http://schemas.microsoft.com/office/2006/metadata/properties/metaAttributes" ct:_="" ma:_="" ma:contentTypeName="Document" ma:contentTypeID="0x01010079F111ED35F8CC479449609E8A0923A6" ma:contentTypeVersion="12" ma:contentTypeDescription="Create a new document." ma:contentTypeScope="" ma:versionID="fa6e671f1cd7e4d96ff9652be322dd5e">
   <xsd:schema xmlns:xsd="http://www.w3.org/2001/XMLSchema" xmlns:xs="http://www.w3.org/2001/XMLSchema" xmlns:p="http://schemas.microsoft.com/office/2006/metadata/properties" xmlns:ns2="71af3243-3dd4-4a8d-8c0d-dd76da1f02a5" xmlns:ns3="16c05727-aa75-4e4a-9b5f-8a80a1165891" targetNamespace="http://schemas.microsoft.com/office/2006/metadata/properties" ma:root="true" ma:fieldsID="4e2496f70b101db0b8013f30a071bbf7" ns2:_="" ns3:_="">
     <xsd:import namespace="71af3243-3dd4-4a8d-8c0d-dd76da1f02a5"/>
@@ -6859,25 +13826,25 @@
 </ct:contentTypeSchema>
 </file>
 
-<file path=customXml/itemProps1.xml><?xml version="1.0" encoding="utf-8"?>
-<ds:datastoreItem xmlns:ds="http://schemas.openxmlformats.org/officeDocument/2006/customXml" ds:itemID="{5029FA76-0C86-4BF1-99F1-A3115FBFFAB0}">
-  <ds:schemaRefs>
-    <ds:schemaRef ds:uri="http://schemas.microsoft.com/sharepoint/v3/contenttype/forms"/>
-  </ds:schemaRefs>
-</ds:datastoreItem>
+<file path=customXml/item2.xml><?xml version="1.0" encoding="utf-8"?>
+<p:properties xmlns:p="http://schemas.microsoft.com/office/2006/metadata/properties" xmlns:xsi="http://www.w3.org/2001/XMLSchema-instance" xmlns:pc="http://schemas.microsoft.com/office/infopath/2007/PartnerControls">
+  <documentManagement>
+    <Status xmlns="71af3243-3dd4-4a8d-8c0d-dd76da1f02a5">Not started</Status>
+    <MediaServiceKeyPoints xmlns="71af3243-3dd4-4a8d-8c0d-dd76da1f02a5" xsi:nil="true"/>
+  </documentManagement>
+</p:properties>
 </file>
 
-<file path=customXml/itemProps2.xml><?xml version="1.0" encoding="utf-8"?>
-<ds:datastoreItem xmlns:ds="http://schemas.openxmlformats.org/officeDocument/2006/customXml" ds:itemID="{44FAF7B5-E40C-46BE-9C83-DA251FCAE61E}">
-  <ds:schemaRefs>
-    <ds:schemaRef ds:uri="http://schemas.microsoft.com/office/2006/metadata/properties"/>
-    <ds:schemaRef ds:uri="http://schemas.microsoft.com/office/infopath/2007/PartnerControls"/>
-    <ds:schemaRef ds:uri="71af3243-3dd4-4a8d-8c0d-dd76da1f02a5"/>
-  </ds:schemaRefs>
-</ds:datastoreItem>
+<file path=customXml/item3.xml><?xml version="1.0" encoding="utf-8"?>
+<?mso-contentType ?>
+<FormTemplates xmlns="http://schemas.microsoft.com/sharepoint/v3/contenttype/forms">
+  <Display>DocumentLibraryForm</Display>
+  <Edit>DocumentLibraryForm</Edit>
+  <New>DocumentLibraryForm</New>
+</FormTemplates>
 </file>
 
-<file path=customXml/itemProps3.xml><?xml version="1.0" encoding="utf-8"?>
+<file path=customXml/itemProps1.xml><?xml version="1.0" encoding="utf-8"?>
 <ds:datastoreItem xmlns:ds="http://schemas.openxmlformats.org/officeDocument/2006/customXml" ds:itemID="{E0A43D08-F4F9-4D95-9CB2-7DE374416074}">
   <ds:schemaRefs>
     <ds:schemaRef ds:uri="http://schemas.microsoft.com/office/2006/metadata/contentType"/>
@@ -6894,4 +13861,22 @@
     <ds:schemaRef ds:uri="http://schemas.microsoft.com/internal/obd"/>
   </ds:schemaRefs>
 </ds:datastoreItem>
+</file>
+
+<file path=customXml/itemProps2.xml><?xml version="1.0" encoding="utf-8"?>
+<ds:datastoreItem xmlns:ds="http://schemas.openxmlformats.org/officeDocument/2006/customXml" ds:itemID="{44FAF7B5-E40C-46BE-9C83-DA251FCAE61E}">
+  <ds:schemaRefs>
+    <ds:schemaRef ds:uri="http://schemas.microsoft.com/office/2006/metadata/properties"/>
+    <ds:schemaRef ds:uri="http://schemas.microsoft.com/office/infopath/2007/PartnerControls"/>
+    <ds:schemaRef ds:uri="71af3243-3dd4-4a8d-8c0d-dd76da1f02a5"/>
+  </ds:schemaRefs>
+</ds:datastoreItem>
+</file>
+
+<file path=customXml/itemProps3.xml><?xml version="1.0" encoding="utf-8"?>
+<ds:datastoreItem xmlns:ds="http://schemas.openxmlformats.org/officeDocument/2006/customXml" ds:itemID="{5029FA76-0C86-4BF1-99F1-A3115FBFFAB0}">
+  <ds:schemaRefs>
+    <ds:schemaRef ds:uri="http://schemas.microsoft.com/sharepoint/v3/contenttype/forms"/>
+  </ds:schemaRefs>
+</ds:datastoreItem>
 </file>
--- a/Powerpoints/Final Presentation/Waste-management-Frank.pptx
+++ b/Powerpoints/Final Presentation/Waste-management-Frank.pptx
@@ -13,6 +13,8 @@
     <p:sldId id="363" r:id="rId10"/>
     <p:sldId id="367" r:id="rId11"/>
     <p:sldId id="366" r:id="rId12"/>
+    <p:sldId id="372" r:id="rId13"/>
+    <p:sldId id="371" r:id="rId14"/>
   </p:sldIdLst>
   <p:sldSz cx="12192000" cy="6858000"/>
   <p:notesSz cx="6858000" cy="9144000"/>
@@ -136,6 +138,12 @@
           <p14:sldIdLst>
             <p14:sldId id="367"/>
             <p14:sldId id="366"/>
+          </p14:sldIdLst>
+        </p14:section>
+        <p14:section name="Close" id="{1AEAF6EB-E121-42E8-8EE2-286E9264F51A}">
+          <p14:sldIdLst>
+            <p14:sldId id="372"/>
+            <p14:sldId id="371"/>
           </p14:sldIdLst>
         </p14:section>
       </p14:sectionLst>
@@ -6710,7 +6718,7 @@
           <a:p>
             <a:fld id="{9184DA70-C731-4C70-880D-CCD4705E623C}" type="datetime1">
               <a:rPr lang="en-US" noProof="0" smtClean="0"/>
-              <a:t>2/13/2022</a:t>
+              <a:t>2/14/2022</a:t>
             </a:fld>
             <a:endParaRPr lang="en-US" noProof="0" dirty="0"/>
           </a:p>
@@ -6831,7 +6839,7 @@
           <a:p>
             <a:fld id="{39667345-2558-425A-8533-9BFDBCE15005}" type="datetime1">
               <a:rPr lang="en-US" noProof="0" smtClean="0"/>
-              <a:t>2/13/2022</a:t>
+              <a:t>2/14/2022</a:t>
             </a:fld>
             <a:endParaRPr lang="en-US" noProof="0" dirty="0"/>
           </a:p>
@@ -7219,7 +7227,7 @@
           <a:p>
             <a:fld id="{39667345-2558-425A-8533-9BFDBCE15005}" type="datetime1">
               <a:rPr lang="en-US" noProof="0" smtClean="0"/>
-              <a:t>2/13/2022</a:t>
+              <a:t>2/14/2022</a:t>
             </a:fld>
             <a:endParaRPr lang="en-US" noProof="0" dirty="0"/>
           </a:p>
@@ -8053,7 +8061,7 @@
           <a:p>
             <a:fld id="{4907D986-8816-4272-A432-0437A28A9828}" type="datetime1">
               <a:rPr lang="en-US" noProof="0" smtClean="0"/>
-              <a:t>2/13/2022</a:t>
+              <a:t>2/14/2022</a:t>
             </a:fld>
             <a:endParaRPr lang="en-US" noProof="0" dirty="0"/>
           </a:p>
@@ -8385,7 +8393,7 @@
           <a:p>
             <a:fld id="{9184DA70-C731-4C70-880D-CCD4705E623C}" type="datetime1">
               <a:rPr lang="en-US" noProof="0" smtClean="0"/>
-              <a:t>2/13/2022</a:t>
+              <a:t>2/14/2022</a:t>
             </a:fld>
             <a:endParaRPr lang="en-US" noProof="0" dirty="0"/>
           </a:p>
@@ -8693,7 +8701,7 @@
           <a:p>
             <a:fld id="{4BE1D723-8F53-4F53-90B0-1982A396982E}" type="datetime1">
               <a:rPr lang="en-US" noProof="0" smtClean="0"/>
-              <a:t>2/13/2022</a:t>
+              <a:t>2/14/2022</a:t>
             </a:fld>
             <a:endParaRPr lang="en-US" noProof="0" dirty="0"/>
           </a:p>
@@ -9286,7 +9294,7 @@
           <a:p>
             <a:fld id="{D9DF0F1C-5577-4ACB-BB62-DF8F3C494C7E}" type="datetime1">
               <a:rPr lang="en-US" noProof="0" smtClean="0"/>
-              <a:t>2/13/2022</a:t>
+              <a:t>2/14/2022</a:t>
             </a:fld>
             <a:endParaRPr lang="en-US" noProof="0" dirty="0"/>
           </a:p>
@@ -9549,7 +9557,7 @@
           <a:p>
             <a:fld id="{1775B394-D9F9-4F0C-B15D-605F45CB9E9F}" type="datetime1">
               <a:rPr lang="en-US" noProof="0" smtClean="0"/>
-              <a:t>2/13/2022</a:t>
+              <a:t>2/14/2022</a:t>
             </a:fld>
             <a:endParaRPr lang="en-US" noProof="0" dirty="0"/>
           </a:p>
@@ -9812,7 +9820,7 @@
           <a:p>
             <a:fld id="{1775B394-D9F9-4F0C-B15D-605F45CB9E9F}" type="datetime1">
               <a:rPr lang="en-US" noProof="0" smtClean="0"/>
-              <a:t>2/13/2022</a:t>
+              <a:t>2/14/2022</a:t>
             </a:fld>
             <a:endParaRPr lang="en-US" noProof="0" dirty="0"/>
           </a:p>
@@ -10326,7 +10334,7 @@
           <a:p>
             <a:fld id="{39667345-2558-425A-8533-9BFDBCE15005}" type="datetime1">
               <a:rPr lang="en-US" noProof="0" smtClean="0"/>
-              <a:t>2/13/2022</a:t>
+              <a:t>2/14/2022</a:t>
             </a:fld>
             <a:endParaRPr lang="en-US" noProof="0" dirty="0"/>
           </a:p>
@@ -10447,7 +10455,7 @@
           <a:p>
             <a:fld id="{39667345-2558-425A-8533-9BFDBCE15005}" type="datetime1">
               <a:rPr lang="en-US" noProof="0" smtClean="0"/>
-              <a:t>2/13/2022</a:t>
+              <a:t>2/14/2022</a:t>
             </a:fld>
             <a:endParaRPr lang="en-US" noProof="0" dirty="0"/>
           </a:p>
@@ -10878,7 +10886,7 @@
           <a:p>
             <a:fld id="{39667345-2558-425A-8533-9BFDBCE15005}" type="datetime1">
               <a:rPr lang="en-US" noProof="0" smtClean="0"/>
-              <a:t>2/13/2022</a:t>
+              <a:t>2/14/2022</a:t>
             </a:fld>
             <a:endParaRPr lang="en-US" noProof="0" dirty="0"/>
           </a:p>
@@ -11420,7 +11428,7 @@
           <a:p>
             <a:fld id="{62D6E202-B606-4609-B914-27C9371A1F6D}" type="datetime1">
               <a:rPr lang="en-US" noProof="0" smtClean="0"/>
-              <a:t>2/13/2022</a:t>
+              <a:t>2/14/2022</a:t>
             </a:fld>
             <a:endParaRPr lang="en-US" noProof="0" dirty="0"/>
           </a:p>
@@ -11998,6 +12006,98 @@
 </p:sld>
 </file>
 
+<file path=ppt/slides/slide10.xml><?xml version="1.0" encoding="utf-8"?>
+<p:sld xmlns:a="http://schemas.openxmlformats.org/drawingml/2006/main" xmlns:r="http://schemas.openxmlformats.org/officeDocument/2006/relationships" xmlns:p="http://schemas.openxmlformats.org/presentationml/2006/main">
+  <p:cSld>
+    <p:spTree>
+      <p:nvGrpSpPr>
+        <p:cNvPr id="1" name=""/>
+        <p:cNvGrpSpPr/>
+        <p:nvPr/>
+      </p:nvGrpSpPr>
+      <p:grpSpPr>
+        <a:xfrm>
+          <a:off x="0" y="0"/>
+          <a:ext cx="0" cy="0"/>
+          <a:chOff x="0" y="0"/>
+          <a:chExt cx="0" cy="0"/>
+        </a:xfrm>
+      </p:grpSpPr>
+      <p:sp>
+        <p:nvSpPr>
+          <p:cNvPr id="2" name="Title 1">
+            <a:extLst>
+              <a:ext uri="{FF2B5EF4-FFF2-40B4-BE49-F238E27FC236}">
+                <a16:creationId xmlns:a16="http://schemas.microsoft.com/office/drawing/2014/main" id="{E1353100-3076-4726-B6E8-AE7CD2CCFA3F}"/>
+              </a:ext>
+            </a:extLst>
+          </p:cNvPr>
+          <p:cNvSpPr>
+            <a:spLocks noGrp="1"/>
+          </p:cNvSpPr>
+          <p:nvPr>
+            <p:ph type="title"/>
+          </p:nvPr>
+        </p:nvSpPr>
+        <p:spPr/>
+        <p:txBody>
+          <a:bodyPr/>
+          <a:lstStyle/>
+          <a:p>
+            <a:r>
+              <a:rPr lang="en-US" dirty="0"/>
+              <a:t>Questions?</a:t>
+            </a:r>
+          </a:p>
+        </p:txBody>
+      </p:sp>
+      <p:pic>
+        <p:nvPicPr>
+          <p:cNvPr id="25" name="Picture Placeholder 24" descr="Group of people at a meeting">
+            <a:extLst>
+              <a:ext uri="{FF2B5EF4-FFF2-40B4-BE49-F238E27FC236}">
+                <a16:creationId xmlns:a16="http://schemas.microsoft.com/office/drawing/2014/main" id="{8DFFB7C0-8017-5C49-82B9-22CA9BCE8138}"/>
+              </a:ext>
+            </a:extLst>
+          </p:cNvPr>
+          <p:cNvPicPr>
+            <a:picLocks noGrp="1" noChangeAspect="1"/>
+          </p:cNvPicPr>
+          <p:nvPr>
+            <p:ph type="pic" idx="1"/>
+          </p:nvPr>
+        </p:nvPicPr>
+        <p:blipFill rotWithShape="1">
+          <a:blip r:embed="rId2" cstate="email">
+            <a:extLst>
+              <a:ext uri="{28A0092B-C50C-407E-A947-70E740481C1C}">
+                <a14:useLocalDpi xmlns:a14="http://schemas.microsoft.com/office/drawing/2010/main"/>
+              </a:ext>
+            </a:extLst>
+          </a:blip>
+          <a:srcRect/>
+          <a:stretch/>
+        </p:blipFill>
+        <p:spPr>
+          <a:xfrm>
+            <a:off x="635001" y="603250"/>
+            <a:ext cx="10921998" cy="3294019"/>
+          </a:xfrm>
+        </p:spPr>
+      </p:pic>
+    </p:spTree>
+    <p:extLst>
+      <p:ext uri="{BB962C8B-B14F-4D97-AF65-F5344CB8AC3E}">
+        <p14:creationId xmlns:p14="http://schemas.microsoft.com/office/powerpoint/2010/main" val="3512217245"/>
+      </p:ext>
+    </p:extLst>
+  </p:cSld>
+  <p:clrMapOvr>
+    <a:masterClrMapping/>
+  </p:clrMapOvr>
+</p:sld>
+</file>
+
 <file path=ppt/slides/slide2.xml><?xml version="1.0" encoding="utf-8"?>
 <p:sld xmlns:a="http://schemas.openxmlformats.org/drawingml/2006/main" xmlns:r="http://schemas.openxmlformats.org/officeDocument/2006/relationships" xmlns:p="http://schemas.openxmlformats.org/presentationml/2006/main">
   <p:cSld>
@@ -12385,7 +12485,7 @@
               <a:buAutoNum type="arabicPeriod"/>
             </a:pPr>
             <a:r>
-              <a:rPr lang="en-US" sz="1400"/>
+              <a:rPr lang="en-US" sz="1400" dirty="0"/>
               <a:t>Dummy Sensors Server</a:t>
             </a:r>
           </a:p>
@@ -12396,7 +12496,7 @@
               </a:lnSpc>
             </a:pPr>
             <a:r>
-              <a:rPr lang="en-US"/>
+              <a:rPr lang="en-US" dirty="0"/>
               <a:t>Collects data from the gateway and publishes it to the server</a:t>
             </a:r>
           </a:p>
@@ -12407,7 +12507,7 @@
               </a:lnSpc>
             </a:pPr>
             <a:r>
-              <a:rPr lang="en-US"/>
+              <a:rPr lang="en-US" dirty="0"/>
               <a:t>Handles API calls for I/O</a:t>
             </a:r>
           </a:p>
@@ -12420,7 +12520,7 @@
               <a:buAutoNum type="arabicPeriod"/>
             </a:pPr>
             <a:r>
-              <a:rPr lang="en-US" sz="1400"/>
+              <a:rPr lang="en-US" sz="1400" dirty="0"/>
               <a:t>Sensor Gateway</a:t>
             </a:r>
           </a:p>
@@ -12431,7 +12531,7 @@
               </a:lnSpc>
             </a:pPr>
             <a:r>
-              <a:rPr lang="en-US"/>
+              <a:rPr lang="en-US" dirty="0"/>
               <a:t>Works in the place of an actual IoT Gateway</a:t>
             </a:r>
           </a:p>
@@ -12442,7 +12542,7 @@
               </a:lnSpc>
             </a:pPr>
             <a:r>
-              <a:rPr lang="en-US"/>
+              <a:rPr lang="en-US" dirty="0"/>
               <a:t>Runs processes containing sensors</a:t>
             </a:r>
           </a:p>
@@ -12453,7 +12553,7 @@
               </a:lnSpc>
             </a:pPr>
             <a:r>
-              <a:rPr lang="en-US"/>
+              <a:rPr lang="en-US" dirty="0"/>
               <a:t>Transfers messages between sensors and server via pipes</a:t>
             </a:r>
           </a:p>
@@ -12466,7 +12566,7 @@
               <a:buAutoNum type="arabicPeriod"/>
             </a:pPr>
             <a:r>
-              <a:rPr lang="en-US" sz="1400"/>
+              <a:rPr lang="en-US" sz="1400" dirty="0"/>
               <a:t>Sensors</a:t>
             </a:r>
           </a:p>
@@ -12477,7 +12577,7 @@
               </a:lnSpc>
             </a:pPr>
             <a:r>
-              <a:rPr lang="en-US"/>
+              <a:rPr lang="en-US" dirty="0"/>
               <a:t>Have a unique identifying UUIDv4</a:t>
             </a:r>
           </a:p>
@@ -12488,7 +12588,7 @@
               </a:lnSpc>
             </a:pPr>
             <a:r>
-              <a:rPr lang="en-US"/>
+              <a:rPr lang="en-US" dirty="0"/>
               <a:t>Scatter themselves around a fixed center point</a:t>
             </a:r>
           </a:p>
@@ -12499,7 +12599,7 @@
               </a:lnSpc>
             </a:pPr>
             <a:r>
-              <a:rPr lang="en-US"/>
+              <a:rPr lang="en-US" dirty="0"/>
               <a:t>Update and publish mock data with a unique “measurement ID” each interval</a:t>
             </a:r>
           </a:p>
@@ -12510,7 +12610,7 @@
               </a:lnSpc>
             </a:pPr>
             <a:r>
-              <a:rPr lang="en-US"/>
+              <a:rPr lang="en-US" dirty="0"/>
               <a:t>Chance to fall or catch fire every interval</a:t>
             </a:r>
           </a:p>
@@ -12520,7 +12620,7 @@
                 <a:spcPct val="90000"/>
               </a:lnSpc>
             </a:pPr>
-            <a:endParaRPr lang="en-US"/>
+            <a:endParaRPr lang="en-US" dirty="0"/>
           </a:p>
           <a:p>
             <a:pPr marL="635508" lvl="1" indent="-342900">
@@ -12528,7 +12628,7 @@
                 <a:spcPct val="90000"/>
               </a:lnSpc>
             </a:pPr>
-            <a:endParaRPr lang="en-US"/>
+            <a:endParaRPr lang="en-US" dirty="0"/>
           </a:p>
         </p:txBody>
       </p:sp>
@@ -12591,29 +12691,34 @@
           <a:chExt cx="0" cy="0"/>
         </a:xfrm>
       </p:grpSpPr>
-      <p:sp>
-        <p:nvSpPr>
-          <p:cNvPr id="16" name="Picture Placeholder 1">
+      <p:pic>
+        <p:nvPicPr>
+          <p:cNvPr id="6" name="Picture Placeholder 5">
             <a:extLst>
               <a:ext uri="{FF2B5EF4-FFF2-40B4-BE49-F238E27FC236}">
-                <a16:creationId xmlns:a16="http://schemas.microsoft.com/office/drawing/2014/main" id="{E34D1C85-C868-4B94-9857-FC53D8165E6B}"/>
+                <a16:creationId xmlns:a16="http://schemas.microsoft.com/office/drawing/2014/main" id="{24CCCF04-C746-4886-9688-E912D9F84F67}"/>
               </a:ext>
             </a:extLst>
           </p:cNvPr>
-          <p:cNvSpPr>
-            <a:spLocks noGrp="1"/>
-          </p:cNvSpPr>
+          <p:cNvPicPr>
+            <a:picLocks noGrp="1" noChangeAspect="1"/>
+          </p:cNvPicPr>
           <p:nvPr>
             <p:ph type="pic" idx="1"/>
           </p:nvPr>
-        </p:nvSpPr>
+        </p:nvPicPr>
+        <p:blipFill rotWithShape="1">
+          <a:blip r:embed="rId2"/>
+          <a:srcRect t="4446" b="299"/>
+          <a:stretch/>
+        </p:blipFill>
         <p:spPr>
           <a:xfrm>
             <a:off x="635001" y="603250"/>
             <a:ext cx="10921998" cy="3294019"/>
           </a:xfrm>
         </p:spPr>
-      </p:sp>
+      </p:pic>
       <p:sp>
         <p:nvSpPr>
           <p:cNvPr id="2" name="Title 1">
@@ -13000,6 +13105,35 @@
           </a:p>
         </p:txBody>
       </p:sp>
+      <p:pic>
+        <p:nvPicPr>
+          <p:cNvPr id="8" name="Picture 7">
+            <a:extLst>
+              <a:ext uri="{FF2B5EF4-FFF2-40B4-BE49-F238E27FC236}">
+                <a16:creationId xmlns:a16="http://schemas.microsoft.com/office/drawing/2014/main" id="{B789B718-C78B-4418-84C3-273D1E06FABF}"/>
+              </a:ext>
+            </a:extLst>
+          </p:cNvPr>
+          <p:cNvPicPr>
+            <a:picLocks noChangeAspect="1"/>
+          </p:cNvPicPr>
+          <p:nvPr/>
+        </p:nvPicPr>
+        <p:blipFill rotWithShape="1">
+          <a:blip r:embed="rId3"/>
+          <a:srcRect l="1346" t="1405" r="184" b="627"/>
+          <a:stretch/>
+        </p:blipFill>
+        <p:spPr>
+          <a:xfrm>
+            <a:off x="8371840" y="1881967"/>
+            <a:ext cx="2926080" cy="1671666"/>
+          </a:xfrm>
+          <a:prstGeom prst="rect">
+            <a:avLst/>
+          </a:prstGeom>
+        </p:spPr>
+      </p:pic>
     </p:spTree>
     <p:extLst>
       <p:ext uri="{BB962C8B-B14F-4D97-AF65-F5344CB8AC3E}">
@@ -13313,6 +13447,150 @@
     <p:extLst>
       <p:ext uri="{BB962C8B-B14F-4D97-AF65-F5344CB8AC3E}">
         <p14:creationId xmlns:p14="http://schemas.microsoft.com/office/powerpoint/2010/main" val="320929568"/>
+      </p:ext>
+    </p:extLst>
+  </p:cSld>
+  <p:clrMapOvr>
+    <a:masterClrMapping/>
+  </p:clrMapOvr>
+</p:sld>
+</file>
+
+<file path=ppt/slides/slide9.xml><?xml version="1.0" encoding="utf-8"?>
+<p:sld xmlns:a="http://schemas.openxmlformats.org/drawingml/2006/main" xmlns:r="http://schemas.openxmlformats.org/officeDocument/2006/relationships" xmlns:p="http://schemas.openxmlformats.org/presentationml/2006/main">
+  <p:cSld>
+    <p:bg>
+      <p:bgPr>
+        <a:solidFill>
+          <a:srgbClr val="EDEFF7"/>
+        </a:solidFill>
+        <a:effectLst/>
+      </p:bgPr>
+    </p:bg>
+    <p:spTree>
+      <p:nvGrpSpPr>
+        <p:cNvPr id="1" name=""/>
+        <p:cNvGrpSpPr/>
+        <p:nvPr/>
+      </p:nvGrpSpPr>
+      <p:grpSpPr>
+        <a:xfrm>
+          <a:off x="0" y="0"/>
+          <a:ext cx="0" cy="0"/>
+          <a:chOff x="0" y="0"/>
+          <a:chExt cx="0" cy="0"/>
+        </a:xfrm>
+      </p:grpSpPr>
+      <p:sp>
+        <p:nvSpPr>
+          <p:cNvPr id="19" name="Title 18">
+            <a:extLst>
+              <a:ext uri="{FF2B5EF4-FFF2-40B4-BE49-F238E27FC236}">
+                <a16:creationId xmlns:a16="http://schemas.microsoft.com/office/drawing/2014/main" id="{55BA9AC8-EA60-644D-9DDA-B76203EA1E87}"/>
+              </a:ext>
+            </a:extLst>
+          </p:cNvPr>
+          <p:cNvSpPr>
+            <a:spLocks noGrp="1"/>
+          </p:cNvSpPr>
+          <p:nvPr>
+            <p:ph type="title"/>
+          </p:nvPr>
+        </p:nvSpPr>
+        <p:spPr/>
+        <p:txBody>
+          <a:bodyPr/>
+          <a:lstStyle/>
+          <a:p>
+            <a:r>
+              <a:rPr lang="en-US" cap="none" dirty="0">
+                <a:solidFill>
+                  <a:schemeClr val="tx1"/>
+                </a:solidFill>
+              </a:rPr>
+              <a:t>Known Issues</a:t>
+            </a:r>
+          </a:p>
+        </p:txBody>
+      </p:sp>
+      <p:sp>
+        <p:nvSpPr>
+          <p:cNvPr id="17" name="Content Placeholder 16">
+            <a:extLst>
+              <a:ext uri="{FF2B5EF4-FFF2-40B4-BE49-F238E27FC236}">
+                <a16:creationId xmlns:a16="http://schemas.microsoft.com/office/drawing/2014/main" id="{8E7591AD-81F4-2E45-AE36-F4DA40C19031}"/>
+              </a:ext>
+            </a:extLst>
+          </p:cNvPr>
+          <p:cNvSpPr>
+            <a:spLocks noGrp="1"/>
+          </p:cNvSpPr>
+          <p:nvPr>
+            <p:ph sz="half" idx="2"/>
+          </p:nvPr>
+        </p:nvSpPr>
+        <p:spPr/>
+        <p:txBody>
+          <a:bodyPr/>
+          <a:lstStyle/>
+          <a:p>
+            <a:r>
+              <a:rPr lang="en-US" dirty="0"/>
+              <a:t>Major</a:t>
+            </a:r>
+          </a:p>
+          <a:p>
+            <a:pPr lvl="1">
+              <a:buFont typeface="Arial" panose="020B0604020202020204" pitchFamily="34" charset="0"/>
+              <a:buChar char="•"/>
+            </a:pPr>
+            <a:r>
+              <a:rPr lang="en-US" dirty="0"/>
+              <a:t>Dummy Sensors bug (Launching creates 2 SensorGateways can only communicate with one)</a:t>
+            </a:r>
+          </a:p>
+          <a:p>
+            <a:r>
+              <a:rPr lang="en-US" dirty="0"/>
+              <a:t>Minor</a:t>
+            </a:r>
+          </a:p>
+          <a:p>
+            <a:pPr lvl="1">
+              <a:buFont typeface="Arial" panose="020B0604020202020204" pitchFamily="34" charset="0"/>
+              <a:buChar char="•"/>
+            </a:pPr>
+            <a:r>
+              <a:rPr lang="en-US" dirty="0"/>
+              <a:t>Buttons on home page do not work, need to press “CleanerCity App” on the nav-bar</a:t>
+            </a:r>
+          </a:p>
+          <a:p>
+            <a:pPr lvl="1">
+              <a:buFont typeface="Arial" panose="020B0604020202020204" pitchFamily="34" charset="0"/>
+              <a:buChar char="•"/>
+            </a:pPr>
+            <a:r>
+              <a:rPr lang="en-US" dirty="0"/>
+              <a:t>Fill level on bin history graph doesn’t display x-axis time</a:t>
+            </a:r>
+          </a:p>
+          <a:p>
+            <a:pPr lvl="1">
+              <a:buFont typeface="Arial" panose="020B0604020202020204" pitchFamily="34" charset="0"/>
+              <a:buChar char="•"/>
+            </a:pPr>
+            <a:r>
+              <a:rPr lang="en-US" dirty="0"/>
+              <a:t>Some visuals don’t auto refresh</a:t>
+            </a:r>
+          </a:p>
+        </p:txBody>
+      </p:sp>
+    </p:spTree>
+    <p:extLst>
+      <p:ext uri="{BB962C8B-B14F-4D97-AF65-F5344CB8AC3E}">
+        <p14:creationId xmlns:p14="http://schemas.microsoft.com/office/powerpoint/2010/main" val="2480497852"/>
       </p:ext>
     </p:extLst>
   </p:cSld>

--- a/Powerpoints/Final Presentation/Waste-management-Frank.pptx
+++ b/Powerpoints/Final Presentation/Waste-management-Frank.pptx
@@ -10,11 +10,14 @@
     <p:sldId id="370" r:id="rId7"/>
     <p:sldId id="362" r:id="rId8"/>
     <p:sldId id="361" r:id="rId9"/>
-    <p:sldId id="363" r:id="rId10"/>
-    <p:sldId id="367" r:id="rId11"/>
-    <p:sldId id="366" r:id="rId12"/>
-    <p:sldId id="372" r:id="rId13"/>
-    <p:sldId id="371" r:id="rId14"/>
+    <p:sldId id="373" r:id="rId10"/>
+    <p:sldId id="374" r:id="rId11"/>
+    <p:sldId id="363" r:id="rId12"/>
+    <p:sldId id="375" r:id="rId13"/>
+    <p:sldId id="367" r:id="rId14"/>
+    <p:sldId id="366" r:id="rId15"/>
+    <p:sldId id="372" r:id="rId16"/>
+    <p:sldId id="371" r:id="rId17"/>
   </p:sldIdLst>
   <p:sldSz cx="12192000" cy="6858000"/>
   <p:notesSz cx="6858000" cy="9144000"/>
@@ -129,9 +132,20 @@
             <p14:sldId id="361"/>
           </p14:sldIdLst>
         </p14:section>
+        <p14:section name="Server" id="{EAAF1609-FE51-410F-BC37-060BDEE4D8A3}">
+          <p14:sldIdLst>
+            <p14:sldId id="373"/>
+            <p14:sldId id="374"/>
+          </p14:sldIdLst>
+        </p14:section>
         <p14:section name="Regression" id="{68F7E8DB-205A-46A5-AED1-086AB0430513}">
           <p14:sldIdLst>
             <p14:sldId id="363"/>
+          </p14:sldIdLst>
+        </p14:section>
+        <p14:section name="FLEET OPTIMIZATION" id="{B469445E-AA1C-4889-B234-C392A3BC2863}">
+          <p14:sldIdLst>
+            <p14:sldId id="375"/>
           </p14:sldIdLst>
         </p14:section>
         <p14:section name="User Experience" id="{356831ED-118D-4100-B989-4205D3C73D06}">
@@ -12023,6 +12037,459 @@
           <a:chExt cx="0" cy="0"/>
         </a:xfrm>
       </p:grpSpPr>
+      <p:graphicFrame>
+        <p:nvGraphicFramePr>
+          <p:cNvPr id="5" name="Content Placeholder 2" descr="Smart Art graphic of Picture Accent Process">
+            <a:extLst>
+              <a:ext uri="{FF2B5EF4-FFF2-40B4-BE49-F238E27FC236}">
+                <a16:creationId xmlns:a16="http://schemas.microsoft.com/office/drawing/2014/main" id="{BE8337B7-28C4-492B-8228-3183A1C23832}"/>
+              </a:ext>
+            </a:extLst>
+          </p:cNvPr>
+          <p:cNvGraphicFramePr>
+            <a:graphicFrameLocks noGrp="1"/>
+          </p:cNvGraphicFramePr>
+          <p:nvPr>
+            <p:ph idx="1"/>
+            <p:extLst>
+              <p:ext uri="{D42A27DB-BD31-4B8C-83A1-F6EECF244321}">
+                <p14:modId xmlns:p14="http://schemas.microsoft.com/office/powerpoint/2010/main" val="1330739400"/>
+              </p:ext>
+            </p:extLst>
+          </p:nvPr>
+        </p:nvGraphicFramePr>
+        <p:xfrm>
+          <a:off x="1096963" y="2154341"/>
+          <a:ext cx="10058400" cy="3760788"/>
+        </p:xfrm>
+        <a:graphic>
+          <a:graphicData uri="http://schemas.openxmlformats.org/drawingml/2006/diagram">
+            <dgm:relIds xmlns:dgm="http://schemas.openxmlformats.org/drawingml/2006/diagram" xmlns:r="http://schemas.openxmlformats.org/officeDocument/2006/relationships" r:dm="rId2" r:lo="rId3" r:qs="rId4" r:cs="rId5"/>
+          </a:graphicData>
+        </a:graphic>
+      </p:graphicFrame>
+      <p:sp>
+        <p:nvSpPr>
+          <p:cNvPr id="2" name="Title 1">
+            <a:extLst>
+              <a:ext uri="{FF2B5EF4-FFF2-40B4-BE49-F238E27FC236}">
+                <a16:creationId xmlns:a16="http://schemas.microsoft.com/office/drawing/2014/main" id="{003F7245-B0E5-484F-88D0-FA9D0C77C036}"/>
+              </a:ext>
+            </a:extLst>
+          </p:cNvPr>
+          <p:cNvSpPr>
+            <a:spLocks noGrp="1"/>
+          </p:cNvSpPr>
+          <p:nvPr>
+            <p:ph type="title"/>
+          </p:nvPr>
+        </p:nvSpPr>
+        <p:spPr/>
+        <p:txBody>
+          <a:bodyPr/>
+          <a:lstStyle/>
+          <a:p>
+            <a:r>
+              <a:rPr lang="en-US" cap="none" dirty="0"/>
+              <a:t>Citizen Engagement – Point System</a:t>
+            </a:r>
+          </a:p>
+        </p:txBody>
+      </p:sp>
+    </p:spTree>
+    <p:extLst>
+      <p:ext uri="{BB962C8B-B14F-4D97-AF65-F5344CB8AC3E}">
+        <p14:creationId xmlns:p14="http://schemas.microsoft.com/office/powerpoint/2010/main" val="3345434590"/>
+      </p:ext>
+    </p:extLst>
+  </p:cSld>
+  <p:clrMapOvr>
+    <a:masterClrMapping/>
+  </p:clrMapOvr>
+</p:sld>
+</file>
+
+<file path=ppt/slides/slide11.xml><?xml version="1.0" encoding="utf-8"?>
+<p:sld xmlns:a="http://schemas.openxmlformats.org/drawingml/2006/main" xmlns:r="http://schemas.openxmlformats.org/officeDocument/2006/relationships" xmlns:p="http://schemas.openxmlformats.org/presentationml/2006/main">
+  <p:cSld>
+    <p:spTree>
+      <p:nvGrpSpPr>
+        <p:cNvPr id="1" name=""/>
+        <p:cNvGrpSpPr/>
+        <p:nvPr/>
+      </p:nvGrpSpPr>
+      <p:grpSpPr>
+        <a:xfrm>
+          <a:off x="0" y="0"/>
+          <a:ext cx="0" cy="0"/>
+          <a:chOff x="0" y="0"/>
+          <a:chExt cx="0" cy="0"/>
+        </a:xfrm>
+      </p:grpSpPr>
+      <p:sp>
+        <p:nvSpPr>
+          <p:cNvPr id="2" name="Title 1">
+            <a:extLst>
+              <a:ext uri="{FF2B5EF4-FFF2-40B4-BE49-F238E27FC236}">
+                <a16:creationId xmlns:a16="http://schemas.microsoft.com/office/drawing/2014/main" id="{D2CD59CD-1242-F149-AB16-9D02E7C89131}"/>
+              </a:ext>
+            </a:extLst>
+          </p:cNvPr>
+          <p:cNvSpPr>
+            <a:spLocks noGrp="1"/>
+          </p:cNvSpPr>
+          <p:nvPr>
+            <p:ph type="title"/>
+          </p:nvPr>
+        </p:nvSpPr>
+        <p:spPr>
+          <a:xfrm>
+            <a:off x="5443870" y="942871"/>
+            <a:ext cx="5711810" cy="587584"/>
+          </a:xfrm>
+        </p:spPr>
+        <p:txBody>
+          <a:bodyPr anchor="ctr">
+            <a:normAutofit/>
+          </a:bodyPr>
+          <a:lstStyle/>
+          <a:p>
+            <a:r>
+              <a:rPr lang="en-US" dirty="0"/>
+              <a:t>Bounties</a:t>
+            </a:r>
+          </a:p>
+        </p:txBody>
+      </p:sp>
+      <p:sp>
+        <p:nvSpPr>
+          <p:cNvPr id="3" name="Content Placeholder 2">
+            <a:extLst>
+              <a:ext uri="{FF2B5EF4-FFF2-40B4-BE49-F238E27FC236}">
+                <a16:creationId xmlns:a16="http://schemas.microsoft.com/office/drawing/2014/main" id="{79497D95-D925-3641-A715-DB7630E983B0}"/>
+              </a:ext>
+            </a:extLst>
+          </p:cNvPr>
+          <p:cNvSpPr>
+            <a:spLocks noGrp="1"/>
+          </p:cNvSpPr>
+          <p:nvPr>
+            <p:ph sz="half" idx="2"/>
+          </p:nvPr>
+        </p:nvSpPr>
+        <p:spPr>
+          <a:xfrm>
+            <a:off x="5443870" y="1973589"/>
+            <a:ext cx="5711810" cy="3941540"/>
+          </a:xfrm>
+        </p:spPr>
+        <p:txBody>
+          <a:bodyPr>
+            <a:normAutofit/>
+          </a:bodyPr>
+          <a:lstStyle/>
+          <a:p>
+            <a:pPr marL="342900" indent="-342900">
+              <a:lnSpc>
+                <a:spcPct val="90000"/>
+              </a:lnSpc>
+              <a:buFont typeface="+mj-lt"/>
+              <a:buAutoNum type="arabicPeriod"/>
+            </a:pPr>
+            <a:r>
+              <a:rPr lang="en-US" sz="1400" dirty="0"/>
+              <a:t>Generation</a:t>
+            </a:r>
+          </a:p>
+          <a:p>
+            <a:pPr marL="635508" lvl="1" indent="-342900">
+              <a:lnSpc>
+                <a:spcPct val="90000"/>
+              </a:lnSpc>
+            </a:pPr>
+            <a:r>
+              <a:rPr lang="en-US" dirty="0"/>
+              <a:t>A bounty is automatically generated when a bin makes a problematic measurement</a:t>
+            </a:r>
+          </a:p>
+          <a:p>
+            <a:pPr marL="635508" lvl="1" indent="-342900">
+              <a:lnSpc>
+                <a:spcPct val="90000"/>
+              </a:lnSpc>
+            </a:pPr>
+            <a:r>
+              <a:rPr lang="en-US" dirty="0"/>
+              <a:t>Support for future development: Admin generated bounties for any purpose</a:t>
+            </a:r>
+          </a:p>
+          <a:p>
+            <a:pPr marL="342900" indent="-342900">
+              <a:lnSpc>
+                <a:spcPct val="90000"/>
+              </a:lnSpc>
+              <a:buFont typeface="+mj-lt"/>
+              <a:buAutoNum type="arabicPeriod"/>
+            </a:pPr>
+            <a:r>
+              <a:rPr lang="en-US" sz="1400" dirty="0"/>
+              <a:t>User Interaction</a:t>
+            </a:r>
+          </a:p>
+          <a:p>
+            <a:pPr marL="635508" lvl="1" indent="-342900">
+              <a:lnSpc>
+                <a:spcPct val="90000"/>
+              </a:lnSpc>
+            </a:pPr>
+            <a:r>
+              <a:rPr lang="en-US" dirty="0"/>
+              <a:t>User can find bounties in a radius around him</a:t>
+            </a:r>
+          </a:p>
+          <a:p>
+            <a:pPr marL="635508" lvl="1" indent="-342900">
+              <a:lnSpc>
+                <a:spcPct val="90000"/>
+              </a:lnSpc>
+            </a:pPr>
+            <a:r>
+              <a:rPr lang="en-US" dirty="0"/>
+              <a:t>User accepts a bounty and has some time to complete it</a:t>
+            </a:r>
+          </a:p>
+          <a:p>
+            <a:pPr marL="635508" lvl="1" indent="-342900">
+              <a:lnSpc>
+                <a:spcPct val="90000"/>
+              </a:lnSpc>
+            </a:pPr>
+            <a:r>
+              <a:rPr lang="en-US" dirty="0"/>
+              <a:t>User can find a list of his assigned bounties in his profile, mark it complete and receive the reward points or abandon</a:t>
+            </a:r>
+          </a:p>
+          <a:p>
+            <a:pPr marL="635508" lvl="1" indent="-342900">
+              <a:lnSpc>
+                <a:spcPct val="90000"/>
+              </a:lnSpc>
+            </a:pPr>
+            <a:endParaRPr lang="en-US" dirty="0"/>
+          </a:p>
+          <a:p>
+            <a:pPr marL="635508" lvl="1" indent="-342900">
+              <a:lnSpc>
+                <a:spcPct val="90000"/>
+              </a:lnSpc>
+            </a:pPr>
+            <a:endParaRPr lang="en-US" dirty="0"/>
+          </a:p>
+        </p:txBody>
+      </p:sp>
+      <p:pic>
+        <p:nvPicPr>
+          <p:cNvPr id="7" name="Content Placeholder 6">
+            <a:extLst>
+              <a:ext uri="{FF2B5EF4-FFF2-40B4-BE49-F238E27FC236}">
+                <a16:creationId xmlns:a16="http://schemas.microsoft.com/office/drawing/2014/main" id="{31DCECD3-2E44-5D44-9FA4-EC4D470EC66E}"/>
+              </a:ext>
+            </a:extLst>
+          </p:cNvPr>
+          <p:cNvPicPr>
+            <a:picLocks noGrp="1" noChangeAspect="1"/>
+          </p:cNvPicPr>
+          <p:nvPr>
+            <p:ph sz="half" idx="14"/>
+          </p:nvPr>
+        </p:nvPicPr>
+        <p:blipFill rotWithShape="1">
+          <a:blip r:embed="rId2"/>
+          <a:srcRect l="149" r="19842"/>
+          <a:stretch/>
+        </p:blipFill>
+        <p:spPr>
+          <a:xfrm>
+            <a:off x="614135" y="627457"/>
+            <a:ext cx="4589130" cy="5603086"/>
+          </a:xfrm>
+          <a:noFill/>
+        </p:spPr>
+      </p:pic>
+    </p:spTree>
+    <p:extLst>
+      <p:ext uri="{BB962C8B-B14F-4D97-AF65-F5344CB8AC3E}">
+        <p14:creationId xmlns:p14="http://schemas.microsoft.com/office/powerpoint/2010/main" val="320929568"/>
+      </p:ext>
+    </p:extLst>
+  </p:cSld>
+  <p:clrMapOvr>
+    <a:masterClrMapping/>
+  </p:clrMapOvr>
+</p:sld>
+</file>
+
+<file path=ppt/slides/slide12.xml><?xml version="1.0" encoding="utf-8"?>
+<p:sld xmlns:a="http://schemas.openxmlformats.org/drawingml/2006/main" xmlns:r="http://schemas.openxmlformats.org/officeDocument/2006/relationships" xmlns:p="http://schemas.openxmlformats.org/presentationml/2006/main">
+  <p:cSld>
+    <p:bg>
+      <p:bgPr>
+        <a:solidFill>
+          <a:srgbClr val="EDEFF7"/>
+        </a:solidFill>
+        <a:effectLst/>
+      </p:bgPr>
+    </p:bg>
+    <p:spTree>
+      <p:nvGrpSpPr>
+        <p:cNvPr id="1" name=""/>
+        <p:cNvGrpSpPr/>
+        <p:nvPr/>
+      </p:nvGrpSpPr>
+      <p:grpSpPr>
+        <a:xfrm>
+          <a:off x="0" y="0"/>
+          <a:ext cx="0" cy="0"/>
+          <a:chOff x="0" y="0"/>
+          <a:chExt cx="0" cy="0"/>
+        </a:xfrm>
+      </p:grpSpPr>
+      <p:sp>
+        <p:nvSpPr>
+          <p:cNvPr id="19" name="Title 18">
+            <a:extLst>
+              <a:ext uri="{FF2B5EF4-FFF2-40B4-BE49-F238E27FC236}">
+                <a16:creationId xmlns:a16="http://schemas.microsoft.com/office/drawing/2014/main" id="{55BA9AC8-EA60-644D-9DDA-B76203EA1E87}"/>
+              </a:ext>
+            </a:extLst>
+          </p:cNvPr>
+          <p:cNvSpPr>
+            <a:spLocks noGrp="1"/>
+          </p:cNvSpPr>
+          <p:nvPr>
+            <p:ph type="title"/>
+          </p:nvPr>
+        </p:nvSpPr>
+        <p:spPr/>
+        <p:txBody>
+          <a:bodyPr/>
+          <a:lstStyle/>
+          <a:p>
+            <a:r>
+              <a:rPr lang="en-US" cap="none" dirty="0">
+                <a:solidFill>
+                  <a:schemeClr val="tx1"/>
+                </a:solidFill>
+              </a:rPr>
+              <a:t>Known Issues</a:t>
+            </a:r>
+          </a:p>
+        </p:txBody>
+      </p:sp>
+      <p:sp>
+        <p:nvSpPr>
+          <p:cNvPr id="17" name="Content Placeholder 16">
+            <a:extLst>
+              <a:ext uri="{FF2B5EF4-FFF2-40B4-BE49-F238E27FC236}">
+                <a16:creationId xmlns:a16="http://schemas.microsoft.com/office/drawing/2014/main" id="{8E7591AD-81F4-2E45-AE36-F4DA40C19031}"/>
+              </a:ext>
+            </a:extLst>
+          </p:cNvPr>
+          <p:cNvSpPr>
+            <a:spLocks noGrp="1"/>
+          </p:cNvSpPr>
+          <p:nvPr>
+            <p:ph sz="half" idx="2"/>
+          </p:nvPr>
+        </p:nvSpPr>
+        <p:spPr/>
+        <p:txBody>
+          <a:bodyPr/>
+          <a:lstStyle/>
+          <a:p>
+            <a:r>
+              <a:rPr lang="en-US" dirty="0"/>
+              <a:t>Major</a:t>
+            </a:r>
+          </a:p>
+          <a:p>
+            <a:pPr lvl="1">
+              <a:buFont typeface="Arial" panose="020B0604020202020204" pitchFamily="34" charset="0"/>
+              <a:buChar char="•"/>
+            </a:pPr>
+            <a:r>
+              <a:rPr lang="en-US" dirty="0"/>
+              <a:t>Dummy Sensors bug (Launching creates 2 SensorGateways can only communicate with one)</a:t>
+            </a:r>
+          </a:p>
+          <a:p>
+            <a:r>
+              <a:rPr lang="en-US" dirty="0"/>
+              <a:t>Minor</a:t>
+            </a:r>
+          </a:p>
+          <a:p>
+            <a:pPr lvl="1">
+              <a:buFont typeface="Arial" panose="020B0604020202020204" pitchFamily="34" charset="0"/>
+              <a:buChar char="•"/>
+            </a:pPr>
+            <a:r>
+              <a:rPr lang="en-US" dirty="0"/>
+              <a:t>Buttons on home page do not work, need to press “CleanerCity App” on the nav-bar</a:t>
+            </a:r>
+          </a:p>
+          <a:p>
+            <a:pPr lvl="1">
+              <a:buFont typeface="Arial" panose="020B0604020202020204" pitchFamily="34" charset="0"/>
+              <a:buChar char="•"/>
+            </a:pPr>
+            <a:r>
+              <a:rPr lang="en-US" dirty="0"/>
+              <a:t>Fill level on bin history graph doesn’t display x-axis time</a:t>
+            </a:r>
+          </a:p>
+          <a:p>
+            <a:pPr lvl="1">
+              <a:buFont typeface="Arial" panose="020B0604020202020204" pitchFamily="34" charset="0"/>
+              <a:buChar char="•"/>
+            </a:pPr>
+            <a:r>
+              <a:rPr lang="en-US" dirty="0"/>
+              <a:t>Some visuals don’t auto refresh</a:t>
+            </a:r>
+          </a:p>
+        </p:txBody>
+      </p:sp>
+    </p:spTree>
+    <p:extLst>
+      <p:ext uri="{BB962C8B-B14F-4D97-AF65-F5344CB8AC3E}">
+        <p14:creationId xmlns:p14="http://schemas.microsoft.com/office/powerpoint/2010/main" val="2480497852"/>
+      </p:ext>
+    </p:extLst>
+  </p:cSld>
+  <p:clrMapOvr>
+    <a:masterClrMapping/>
+  </p:clrMapOvr>
+</p:sld>
+</file>
+
+<file path=ppt/slides/slide13.xml><?xml version="1.0" encoding="utf-8"?>
+<p:sld xmlns:a="http://schemas.openxmlformats.org/drawingml/2006/main" xmlns:r="http://schemas.openxmlformats.org/officeDocument/2006/relationships" xmlns:p="http://schemas.openxmlformats.org/presentationml/2006/main">
+  <p:cSld>
+    <p:spTree>
+      <p:nvGrpSpPr>
+        <p:cNvPr id="1" name=""/>
+        <p:cNvGrpSpPr/>
+        <p:nvPr/>
+      </p:nvGrpSpPr>
+      <p:grpSpPr>
+        <a:xfrm>
+          <a:off x="0" y="0"/>
+          <a:ext cx="0" cy="0"/>
+          <a:chOff x="0" y="0"/>
+          <a:chExt cx="0" cy="0"/>
+        </a:xfrm>
+      </p:grpSpPr>
       <p:sp>
         <p:nvSpPr>
           <p:cNvPr id="2" name="Title 1">
@@ -12675,6 +13142,341 @@
 </file>
 
 <file path=ppt/slides/slide6.xml><?xml version="1.0" encoding="utf-8"?>
+<p:sld xmlns:a="http://schemas.openxmlformats.org/drawingml/2006/main" xmlns:r="http://schemas.openxmlformats.org/officeDocument/2006/relationships" xmlns:p="http://schemas.openxmlformats.org/presentationml/2006/main">
+  <p:cSld>
+    <p:spTree>
+      <p:nvGrpSpPr>
+        <p:cNvPr id="1" name=""/>
+        <p:cNvGrpSpPr/>
+        <p:nvPr/>
+      </p:nvGrpSpPr>
+      <p:grpSpPr>
+        <a:xfrm>
+          <a:off x="0" y="0"/>
+          <a:ext cx="0" cy="0"/>
+          <a:chOff x="0" y="0"/>
+          <a:chExt cx="0" cy="0"/>
+        </a:xfrm>
+      </p:grpSpPr>
+      <p:sp>
+        <p:nvSpPr>
+          <p:cNvPr id="2" name="Θέση περιεχομένου 1">
+            <a:extLst>
+              <a:ext uri="{FF2B5EF4-FFF2-40B4-BE49-F238E27FC236}">
+                <a16:creationId xmlns:a16="http://schemas.microsoft.com/office/drawing/2014/main" id="{36940CF6-3E6F-440C-8123-DD88B5D4012E}"/>
+              </a:ext>
+            </a:extLst>
+          </p:cNvPr>
+          <p:cNvSpPr>
+            <a:spLocks noGrp="1"/>
+          </p:cNvSpPr>
+          <p:nvPr>
+            <p:ph idx="1"/>
+          </p:nvPr>
+        </p:nvSpPr>
+        <p:spPr/>
+        <p:txBody>
+          <a:bodyPr/>
+          <a:lstStyle/>
+          <a:p>
+            <a:r>
+              <a:rPr lang="en-US" dirty="0"/>
+              <a:t>FLASK FRAMEWORK</a:t>
+            </a:r>
+          </a:p>
+          <a:p>
+            <a:r>
+              <a:rPr lang="en-US" dirty="0"/>
+              <a:t>SQL ALCHEMY</a:t>
+            </a:r>
+          </a:p>
+          <a:p>
+            <a:r>
+              <a:rPr lang="en-US" dirty="0"/>
+              <a:t>SQLite Database</a:t>
+            </a:r>
+          </a:p>
+          <a:p>
+            <a:r>
+              <a:rPr lang="en-US" dirty="0"/>
+              <a:t>Handling all HTTP requests from and to services</a:t>
+            </a:r>
+          </a:p>
+          <a:p>
+            <a:pPr lvl="1"/>
+            <a:r>
+              <a:rPr lang="en-US" dirty="0"/>
+              <a:t>Sensors gateways</a:t>
+            </a:r>
+          </a:p>
+          <a:p>
+            <a:pPr lvl="1"/>
+            <a:r>
+              <a:rPr lang="en-US" dirty="0"/>
+              <a:t>Front-end</a:t>
+            </a:r>
+          </a:p>
+          <a:p>
+            <a:pPr lvl="1"/>
+            <a:r>
+              <a:rPr lang="en-US" dirty="0"/>
+              <a:t>Rewarding system, Fleet routing optimization , Bounties </a:t>
+            </a:r>
+          </a:p>
+          <a:p>
+            <a:r>
+              <a:rPr lang="en-US" dirty="0"/>
+              <a:t>Implementing functions that need Database interface</a:t>
+            </a:r>
+          </a:p>
+          <a:p>
+            <a:pPr marL="0" indent="0">
+              <a:buNone/>
+            </a:pPr>
+            <a:endParaRPr lang="en-US" dirty="0"/>
+          </a:p>
+          <a:p>
+            <a:endParaRPr lang="en-US" dirty="0"/>
+          </a:p>
+          <a:p>
+            <a:pPr marL="0" indent="0">
+              <a:buNone/>
+            </a:pPr>
+            <a:endParaRPr lang="en-US" dirty="0"/>
+          </a:p>
+        </p:txBody>
+      </p:sp>
+      <p:sp>
+        <p:nvSpPr>
+          <p:cNvPr id="3" name="Τίτλος 2">
+            <a:extLst>
+              <a:ext uri="{FF2B5EF4-FFF2-40B4-BE49-F238E27FC236}">
+                <a16:creationId xmlns:a16="http://schemas.microsoft.com/office/drawing/2014/main" id="{CEA31D90-E424-41B7-9153-E7BEA8C5486A}"/>
+              </a:ext>
+            </a:extLst>
+          </p:cNvPr>
+          <p:cNvSpPr>
+            <a:spLocks noGrp="1"/>
+          </p:cNvSpPr>
+          <p:nvPr>
+            <p:ph type="title"/>
+          </p:nvPr>
+        </p:nvSpPr>
+        <p:spPr/>
+        <p:txBody>
+          <a:bodyPr>
+            <a:normAutofit/>
+          </a:bodyPr>
+          <a:lstStyle/>
+          <a:p>
+            <a:r>
+              <a:rPr lang="en-US" dirty="0"/>
+              <a:t>SERVER</a:t>
+            </a:r>
+          </a:p>
+        </p:txBody>
+      </p:sp>
+      <p:pic>
+        <p:nvPicPr>
+          <p:cNvPr id="1026" name="Picture 2" descr="Server icon with line style and white background Vector Image">
+            <a:extLst>
+              <a:ext uri="{FF2B5EF4-FFF2-40B4-BE49-F238E27FC236}">
+                <a16:creationId xmlns:a16="http://schemas.microsoft.com/office/drawing/2014/main" id="{E3BC2573-242A-4AC6-A66A-85E7594B48C0}"/>
+              </a:ext>
+            </a:extLst>
+          </p:cNvPr>
+          <p:cNvPicPr>
+            <a:picLocks noChangeAspect="1" noChangeArrowheads="1"/>
+          </p:cNvPicPr>
+          <p:nvPr/>
+        </p:nvPicPr>
+        <p:blipFill rotWithShape="1">
+          <a:blip r:embed="rId2">
+            <a:extLst>
+              <a:ext uri="{28A0092B-C50C-407E-A947-70E740481C1C}">
+                <a14:useLocalDpi xmlns:a14="http://schemas.microsoft.com/office/drawing/2010/main" val="0"/>
+              </a:ext>
+            </a:extLst>
+          </a:blip>
+          <a:srcRect l="14522" t="10395" r="12847" b="19870"/>
+          <a:stretch/>
+        </p:blipFill>
+        <p:spPr bwMode="auto">
+          <a:xfrm>
+            <a:off x="9541042" y="796403"/>
+            <a:ext cx="1720516" cy="1781936"/>
+          </a:xfrm>
+          <a:prstGeom prst="rect">
+            <a:avLst/>
+          </a:prstGeom>
+          <a:noFill/>
+          <a:extLst>
+            <a:ext uri="{909E8E84-426E-40DD-AFC4-6F175D3DCCD1}">
+              <a14:hiddenFill xmlns:a14="http://schemas.microsoft.com/office/drawing/2010/main">
+                <a:solidFill>
+                  <a:srgbClr val="FFFFFF"/>
+                </a:solidFill>
+              </a14:hiddenFill>
+            </a:ext>
+          </a:extLst>
+        </p:spPr>
+      </p:pic>
+    </p:spTree>
+    <p:extLst>
+      <p:ext uri="{BB962C8B-B14F-4D97-AF65-F5344CB8AC3E}">
+        <p14:creationId xmlns:p14="http://schemas.microsoft.com/office/powerpoint/2010/main" val="1046734458"/>
+      </p:ext>
+    </p:extLst>
+  </p:cSld>
+  <p:clrMapOvr>
+    <a:masterClrMapping/>
+  </p:clrMapOvr>
+</p:sld>
+</file>
+
+<file path=ppt/slides/slide7.xml><?xml version="1.0" encoding="utf-8"?>
+<p:sld xmlns:a="http://schemas.openxmlformats.org/drawingml/2006/main" xmlns:r="http://schemas.openxmlformats.org/officeDocument/2006/relationships" xmlns:p="http://schemas.openxmlformats.org/presentationml/2006/main">
+  <p:cSld>
+    <p:spTree>
+      <p:nvGrpSpPr>
+        <p:cNvPr id="1" name=""/>
+        <p:cNvGrpSpPr/>
+        <p:nvPr/>
+      </p:nvGrpSpPr>
+      <p:grpSpPr>
+        <a:xfrm>
+          <a:off x="0" y="0"/>
+          <a:ext cx="0" cy="0"/>
+          <a:chOff x="0" y="0"/>
+          <a:chExt cx="0" cy="0"/>
+        </a:xfrm>
+      </p:grpSpPr>
+      <p:sp>
+        <p:nvSpPr>
+          <p:cNvPr id="2" name="Τίτλος 1">
+            <a:extLst>
+              <a:ext uri="{FF2B5EF4-FFF2-40B4-BE49-F238E27FC236}">
+                <a16:creationId xmlns:a16="http://schemas.microsoft.com/office/drawing/2014/main" id="{62508E3D-7CB8-4082-8B91-034D696C607B}"/>
+              </a:ext>
+            </a:extLst>
+          </p:cNvPr>
+          <p:cNvSpPr>
+            <a:spLocks noGrp="1"/>
+          </p:cNvSpPr>
+          <p:nvPr>
+            <p:ph type="title"/>
+          </p:nvPr>
+        </p:nvSpPr>
+        <p:spPr>
+          <a:xfrm>
+            <a:off x="1097280" y="942871"/>
+            <a:ext cx="10058400" cy="587584"/>
+          </a:xfrm>
+        </p:spPr>
+        <p:txBody>
+          <a:bodyPr anchor="ctr">
+            <a:normAutofit/>
+          </a:bodyPr>
+          <a:lstStyle/>
+          <a:p>
+            <a:r>
+              <a:rPr lang="en-US" dirty="0"/>
+              <a:t>Database schema</a:t>
+            </a:r>
+          </a:p>
+        </p:txBody>
+      </p:sp>
+      <p:pic>
+        <p:nvPicPr>
+          <p:cNvPr id="6" name="Εικόνα 5" descr="Εικόνα που περιέχει πίνακας&#10;&#10;Περιγραφή που δημιουργήθηκε αυτόματα">
+            <a:extLst>
+              <a:ext uri="{FF2B5EF4-FFF2-40B4-BE49-F238E27FC236}">
+                <a16:creationId xmlns:a16="http://schemas.microsoft.com/office/drawing/2014/main" id="{1C7D221B-CC27-48E5-A792-DB4A11AEFC1D}"/>
+              </a:ext>
+            </a:extLst>
+          </p:cNvPr>
+          <p:cNvPicPr>
+            <a:picLocks noChangeAspect="1"/>
+          </p:cNvPicPr>
+          <p:nvPr/>
+        </p:nvPicPr>
+        <p:blipFill>
+          <a:blip r:embed="rId2"/>
+          <a:stretch>
+            <a:fillRect/>
+          </a:stretch>
+        </p:blipFill>
+        <p:spPr>
+          <a:xfrm>
+            <a:off x="2545977" y="1530455"/>
+            <a:ext cx="7100046" cy="4529555"/>
+          </a:xfrm>
+          <a:prstGeom prst="rect">
+            <a:avLst/>
+          </a:prstGeom>
+        </p:spPr>
+      </p:pic>
+      <p:pic>
+        <p:nvPicPr>
+          <p:cNvPr id="2050" name="Picture 2" descr="database icon | IconBros">
+            <a:extLst>
+              <a:ext uri="{FF2B5EF4-FFF2-40B4-BE49-F238E27FC236}">
+                <a16:creationId xmlns:a16="http://schemas.microsoft.com/office/drawing/2014/main" id="{CA5F1B3C-A525-45A9-93D3-CC0D7074FC9D}"/>
+              </a:ext>
+            </a:extLst>
+          </p:cNvPr>
+          <p:cNvPicPr>
+            <a:picLocks noChangeAspect="1" noChangeArrowheads="1"/>
+          </p:cNvPicPr>
+          <p:nvPr/>
+        </p:nvPicPr>
+        <p:blipFill>
+          <a:blip r:embed="rId3">
+            <a:extLst>
+              <a:ext uri="{28A0092B-C50C-407E-A947-70E740481C1C}">
+                <a14:useLocalDpi xmlns:a14="http://schemas.microsoft.com/office/drawing/2010/main" val="0"/>
+              </a:ext>
+            </a:extLst>
+          </a:blip>
+          <a:srcRect/>
+          <a:stretch>
+            <a:fillRect/>
+          </a:stretch>
+        </p:blipFill>
+        <p:spPr bwMode="auto">
+          <a:xfrm>
+            <a:off x="9968163" y="1236663"/>
+            <a:ext cx="1187517" cy="1187517"/>
+          </a:xfrm>
+          <a:prstGeom prst="rect">
+            <a:avLst/>
+          </a:prstGeom>
+          <a:noFill/>
+          <a:extLst>
+            <a:ext uri="{909E8E84-426E-40DD-AFC4-6F175D3DCCD1}">
+              <a14:hiddenFill xmlns:a14="http://schemas.microsoft.com/office/drawing/2010/main">
+                <a:solidFill>
+                  <a:srgbClr val="FFFFFF"/>
+                </a:solidFill>
+              </a14:hiddenFill>
+            </a:ext>
+          </a:extLst>
+        </p:spPr>
+      </p:pic>
+    </p:spTree>
+    <p:extLst>
+      <p:ext uri="{BB962C8B-B14F-4D97-AF65-F5344CB8AC3E}">
+        <p14:creationId xmlns:p14="http://schemas.microsoft.com/office/powerpoint/2010/main" val="817946337"/>
+      </p:ext>
+    </p:extLst>
+  </p:cSld>
+  <p:clrMapOvr>
+    <a:masterClrMapping/>
+  </p:clrMapOvr>
+</p:sld>
+</file>
+
+<file path=ppt/slides/slide8.xml><?xml version="1.0" encoding="utf-8"?>
 <p:sld xmlns:a="http://schemas.openxmlformats.org/drawingml/2006/main" xmlns:r="http://schemas.openxmlformats.org/officeDocument/2006/relationships" xmlns:p="http://schemas.openxmlformats.org/presentationml/2006/main">
   <p:cSld>
     <p:spTree>
@@ -13147,96 +13949,7 @@
 </p:sld>
 </file>
 
-<file path=ppt/slides/slide7.xml><?xml version="1.0" encoding="utf-8"?>
-<p:sld xmlns:a="http://schemas.openxmlformats.org/drawingml/2006/main" xmlns:r="http://schemas.openxmlformats.org/officeDocument/2006/relationships" xmlns:p="http://schemas.openxmlformats.org/presentationml/2006/main">
-  <p:cSld>
-    <p:spTree>
-      <p:nvGrpSpPr>
-        <p:cNvPr id="1" name=""/>
-        <p:cNvGrpSpPr/>
-        <p:nvPr/>
-      </p:nvGrpSpPr>
-      <p:grpSpPr>
-        <a:xfrm>
-          <a:off x="0" y="0"/>
-          <a:ext cx="0" cy="0"/>
-          <a:chOff x="0" y="0"/>
-          <a:chExt cx="0" cy="0"/>
-        </a:xfrm>
-      </p:grpSpPr>
-      <p:graphicFrame>
-        <p:nvGraphicFramePr>
-          <p:cNvPr id="5" name="Content Placeholder 2" descr="Smart Art graphic of Picture Accent Process">
-            <a:extLst>
-              <a:ext uri="{FF2B5EF4-FFF2-40B4-BE49-F238E27FC236}">
-                <a16:creationId xmlns:a16="http://schemas.microsoft.com/office/drawing/2014/main" id="{BE8337B7-28C4-492B-8228-3183A1C23832}"/>
-              </a:ext>
-            </a:extLst>
-          </p:cNvPr>
-          <p:cNvGraphicFramePr>
-            <a:graphicFrameLocks noGrp="1"/>
-          </p:cNvGraphicFramePr>
-          <p:nvPr>
-            <p:ph idx="1"/>
-            <p:extLst>
-              <p:ext uri="{D42A27DB-BD31-4B8C-83A1-F6EECF244321}">
-                <p14:modId xmlns:p14="http://schemas.microsoft.com/office/powerpoint/2010/main" val="1330739400"/>
-              </p:ext>
-            </p:extLst>
-          </p:nvPr>
-        </p:nvGraphicFramePr>
-        <p:xfrm>
-          <a:off x="1096963" y="2154341"/>
-          <a:ext cx="10058400" cy="3760788"/>
-        </p:xfrm>
-        <a:graphic>
-          <a:graphicData uri="http://schemas.openxmlformats.org/drawingml/2006/diagram">
-            <dgm:relIds xmlns:dgm="http://schemas.openxmlformats.org/drawingml/2006/diagram" xmlns:r="http://schemas.openxmlformats.org/officeDocument/2006/relationships" r:dm="rId2" r:lo="rId3" r:qs="rId4" r:cs="rId5"/>
-          </a:graphicData>
-        </a:graphic>
-      </p:graphicFrame>
-      <p:sp>
-        <p:nvSpPr>
-          <p:cNvPr id="2" name="Title 1">
-            <a:extLst>
-              <a:ext uri="{FF2B5EF4-FFF2-40B4-BE49-F238E27FC236}">
-                <a16:creationId xmlns:a16="http://schemas.microsoft.com/office/drawing/2014/main" id="{003F7245-B0E5-484F-88D0-FA9D0C77C036}"/>
-              </a:ext>
-            </a:extLst>
-          </p:cNvPr>
-          <p:cNvSpPr>
-            <a:spLocks noGrp="1"/>
-          </p:cNvSpPr>
-          <p:nvPr>
-            <p:ph type="title"/>
-          </p:nvPr>
-        </p:nvSpPr>
-        <p:spPr/>
-        <p:txBody>
-          <a:bodyPr/>
-          <a:lstStyle/>
-          <a:p>
-            <a:r>
-              <a:rPr lang="en-US" cap="none" dirty="0"/>
-              <a:t>Citizen Engagement – Point System</a:t>
-            </a:r>
-          </a:p>
-        </p:txBody>
-      </p:sp>
-    </p:spTree>
-    <p:extLst>
-      <p:ext uri="{BB962C8B-B14F-4D97-AF65-F5344CB8AC3E}">
-        <p14:creationId xmlns:p14="http://schemas.microsoft.com/office/powerpoint/2010/main" val="3345434590"/>
-      </p:ext>
-    </p:extLst>
-  </p:cSld>
-  <p:clrMapOvr>
-    <a:masterClrMapping/>
-  </p:clrMapOvr>
-</p:sld>
-</file>
-
-<file path=ppt/slides/slide8.xml><?xml version="1.0" encoding="utf-8"?>
+<file path=ppt/slides/slide9.xml><?xml version="1.0" encoding="utf-8"?>
 <p:sld xmlns:a="http://schemas.openxmlformats.org/drawingml/2006/main" xmlns:r="http://schemas.openxmlformats.org/officeDocument/2006/relationships" xmlns:p="http://schemas.openxmlformats.org/presentationml/2006/main">
   <p:cSld>
     <p:spTree>
@@ -13255,10 +13968,10 @@
       </p:grpSpPr>
       <p:sp>
         <p:nvSpPr>
-          <p:cNvPr id="2" name="Title 1">
+          <p:cNvPr id="2" name="Θέση περιεχομένου 1">
             <a:extLst>
               <a:ext uri="{FF2B5EF4-FFF2-40B4-BE49-F238E27FC236}">
-                <a16:creationId xmlns:a16="http://schemas.microsoft.com/office/drawing/2014/main" id="{D2CD59CD-1242-F149-AB16-9D02E7C89131}"/>
+                <a16:creationId xmlns:a16="http://schemas.microsoft.com/office/drawing/2014/main" id="{D2A6D292-6326-4D5F-A727-0D22482010F2}"/>
               </a:ext>
             </a:extLst>
           </p:cNvPr>
@@ -13266,227 +13979,130 @@
             <a:spLocks noGrp="1"/>
           </p:cNvSpPr>
           <p:nvPr>
-            <p:ph type="title"/>
+            <p:ph idx="1"/>
           </p:nvPr>
         </p:nvSpPr>
-        <p:spPr>
-          <a:xfrm>
-            <a:off x="5443870" y="942871"/>
-            <a:ext cx="5711810" cy="587584"/>
-          </a:xfrm>
-        </p:spPr>
+        <p:spPr/>
         <p:txBody>
-          <a:bodyPr anchor="ctr">
-            <a:normAutofit/>
-          </a:bodyPr>
+          <a:bodyPr/>
           <a:lstStyle/>
           <a:p>
+            <a:pPr marL="457200" indent="-457200">
+              <a:buClr>
+                <a:schemeClr val="tx2">
+                  <a:lumMod val="65000"/>
+                  <a:lumOff val="35000"/>
+                </a:schemeClr>
+              </a:buClr>
+              <a:buFont typeface="+mj-lt"/>
+              <a:buAutoNum type="arabicPeriod"/>
+            </a:pPr>
             <a:r>
               <a:rPr lang="en-US" dirty="0"/>
-              <a:t>Bounties</a:t>
+              <a:t>Check all available trucks at the moment</a:t>
             </a:r>
+          </a:p>
+          <a:p>
+            <a:pPr marL="457200" indent="-457200">
+              <a:buClr>
+                <a:schemeClr val="tx2">
+                  <a:lumMod val="65000"/>
+                  <a:lumOff val="35000"/>
+                </a:schemeClr>
+              </a:buClr>
+              <a:buFont typeface="+mj-lt"/>
+              <a:buAutoNum type="arabicPeriod"/>
+            </a:pPr>
+            <a:r>
+              <a:rPr lang="en-US" dirty="0"/>
+              <a:t>Check all bins that need pickup</a:t>
+            </a:r>
+          </a:p>
+          <a:p>
+            <a:pPr marL="457200" indent="-457200">
+              <a:buClr>
+                <a:schemeClr val="tx2">
+                  <a:lumMod val="65000"/>
+                  <a:lumOff val="35000"/>
+                </a:schemeClr>
+              </a:buClr>
+              <a:buFont typeface="+mj-lt"/>
+              <a:buAutoNum type="arabicPeriod"/>
+            </a:pPr>
+            <a:r>
+              <a:rPr lang="en-US" dirty="0"/>
+              <a:t>Transform it into travelling salesman problem (</a:t>
+            </a:r>
+            <a:r>
+              <a:rPr lang="en-US" dirty="0" err="1"/>
+              <a:t>GraphHopper</a:t>
+            </a:r>
+            <a:r>
+              <a:rPr lang="en-US" dirty="0"/>
+              <a:t>)</a:t>
+            </a:r>
+          </a:p>
+          <a:p>
+            <a:pPr marL="457200" indent="-457200">
+              <a:buClr>
+                <a:schemeClr val="tx2">
+                  <a:lumMod val="65000"/>
+                  <a:lumOff val="35000"/>
+                </a:schemeClr>
+              </a:buClr>
+              <a:buFont typeface="+mj-lt"/>
+              <a:buAutoNum type="arabicPeriod"/>
+            </a:pPr>
+            <a:r>
+              <a:rPr lang="en-US" dirty="0"/>
+              <a:t>Each truck is assigned to specific bins</a:t>
+            </a:r>
+          </a:p>
+          <a:p>
+            <a:pPr marL="457200" indent="-457200">
+              <a:buClr>
+                <a:schemeClr val="tx2">
+                  <a:lumMod val="65000"/>
+                  <a:lumOff val="35000"/>
+                </a:schemeClr>
+              </a:buClr>
+              <a:buFont typeface="+mj-lt"/>
+              <a:buAutoNum type="arabicPeriod"/>
+            </a:pPr>
+            <a:r>
+              <a:rPr lang="en-US" dirty="0"/>
+              <a:t> Calculating directions for every truck and send them as JSON (</a:t>
+            </a:r>
+            <a:r>
+              <a:rPr lang="en-US" dirty="0" err="1"/>
+              <a:t>Mapbox</a:t>
+            </a:r>
+            <a:r>
+              <a:rPr lang="en-US" dirty="0"/>
+              <a:t> API)</a:t>
+            </a:r>
+          </a:p>
+          <a:p>
+            <a:pPr marL="457200" indent="-457200">
+              <a:buClr>
+                <a:schemeClr val="tx2">
+                  <a:lumMod val="65000"/>
+                  <a:lumOff val="35000"/>
+                </a:schemeClr>
+              </a:buClr>
+              <a:buFont typeface="+mj-lt"/>
+              <a:buAutoNum type="arabicPeriod"/>
+            </a:pPr>
+            <a:endParaRPr lang="en-US" dirty="0"/>
           </a:p>
         </p:txBody>
       </p:sp>
       <p:sp>
         <p:nvSpPr>
-          <p:cNvPr id="3" name="Content Placeholder 2">
+          <p:cNvPr id="3" name="Τίτλος 2">
             <a:extLst>
               <a:ext uri="{FF2B5EF4-FFF2-40B4-BE49-F238E27FC236}">
-                <a16:creationId xmlns:a16="http://schemas.microsoft.com/office/drawing/2014/main" id="{79497D95-D925-3641-A715-DB7630E983B0}"/>
-              </a:ext>
-            </a:extLst>
-          </p:cNvPr>
-          <p:cNvSpPr>
-            <a:spLocks noGrp="1"/>
-          </p:cNvSpPr>
-          <p:nvPr>
-            <p:ph sz="half" idx="2"/>
-          </p:nvPr>
-        </p:nvSpPr>
-        <p:spPr>
-          <a:xfrm>
-            <a:off x="5443870" y="1973589"/>
-            <a:ext cx="5711810" cy="3941540"/>
-          </a:xfrm>
-        </p:spPr>
-        <p:txBody>
-          <a:bodyPr>
-            <a:normAutofit/>
-          </a:bodyPr>
-          <a:lstStyle/>
-          <a:p>
-            <a:pPr marL="342900" indent="-342900">
-              <a:lnSpc>
-                <a:spcPct val="90000"/>
-              </a:lnSpc>
-              <a:buFont typeface="+mj-lt"/>
-              <a:buAutoNum type="arabicPeriod"/>
-            </a:pPr>
-            <a:r>
-              <a:rPr lang="en-US" sz="1400" dirty="0"/>
-              <a:t>Generation</a:t>
-            </a:r>
-          </a:p>
-          <a:p>
-            <a:pPr marL="635508" lvl="1" indent="-342900">
-              <a:lnSpc>
-                <a:spcPct val="90000"/>
-              </a:lnSpc>
-            </a:pPr>
-            <a:r>
-              <a:rPr lang="en-US" dirty="0"/>
-              <a:t>A bounty is automatically generated when a bin makes a problematic measurement</a:t>
-            </a:r>
-          </a:p>
-          <a:p>
-            <a:pPr marL="635508" lvl="1" indent="-342900">
-              <a:lnSpc>
-                <a:spcPct val="90000"/>
-              </a:lnSpc>
-            </a:pPr>
-            <a:r>
-              <a:rPr lang="en-US" dirty="0"/>
-              <a:t>Support for future development: Admin generated bounties for any purpose</a:t>
-            </a:r>
-          </a:p>
-          <a:p>
-            <a:pPr marL="342900" indent="-342900">
-              <a:lnSpc>
-                <a:spcPct val="90000"/>
-              </a:lnSpc>
-              <a:buFont typeface="+mj-lt"/>
-              <a:buAutoNum type="arabicPeriod"/>
-            </a:pPr>
-            <a:r>
-              <a:rPr lang="en-US" sz="1400" dirty="0"/>
-              <a:t>User Interaction</a:t>
-            </a:r>
-          </a:p>
-          <a:p>
-            <a:pPr marL="635508" lvl="1" indent="-342900">
-              <a:lnSpc>
-                <a:spcPct val="90000"/>
-              </a:lnSpc>
-            </a:pPr>
-            <a:r>
-              <a:rPr lang="en-US" dirty="0"/>
-              <a:t>User can find bounties in a radius around him</a:t>
-            </a:r>
-          </a:p>
-          <a:p>
-            <a:pPr marL="635508" lvl="1" indent="-342900">
-              <a:lnSpc>
-                <a:spcPct val="90000"/>
-              </a:lnSpc>
-            </a:pPr>
-            <a:r>
-              <a:rPr lang="en-US" dirty="0"/>
-              <a:t>User accepts a bounty and has some time to complete it</a:t>
-            </a:r>
-          </a:p>
-          <a:p>
-            <a:pPr marL="635508" lvl="1" indent="-342900">
-              <a:lnSpc>
-                <a:spcPct val="90000"/>
-              </a:lnSpc>
-            </a:pPr>
-            <a:r>
-              <a:rPr lang="en-US" dirty="0"/>
-              <a:t>User can find a list of his assigned bounties in his profile, mark it complete and receive the reward points or abandon</a:t>
-            </a:r>
-          </a:p>
-          <a:p>
-            <a:pPr marL="635508" lvl="1" indent="-342900">
-              <a:lnSpc>
-                <a:spcPct val="90000"/>
-              </a:lnSpc>
-            </a:pPr>
-            <a:endParaRPr lang="en-US" dirty="0"/>
-          </a:p>
-          <a:p>
-            <a:pPr marL="635508" lvl="1" indent="-342900">
-              <a:lnSpc>
-                <a:spcPct val="90000"/>
-              </a:lnSpc>
-            </a:pPr>
-            <a:endParaRPr lang="en-US" dirty="0"/>
-          </a:p>
-        </p:txBody>
-      </p:sp>
-      <p:pic>
-        <p:nvPicPr>
-          <p:cNvPr id="7" name="Content Placeholder 6">
-            <a:extLst>
-              <a:ext uri="{FF2B5EF4-FFF2-40B4-BE49-F238E27FC236}">
-                <a16:creationId xmlns:a16="http://schemas.microsoft.com/office/drawing/2014/main" id="{31DCECD3-2E44-5D44-9FA4-EC4D470EC66E}"/>
-              </a:ext>
-            </a:extLst>
-          </p:cNvPr>
-          <p:cNvPicPr>
-            <a:picLocks noGrp="1" noChangeAspect="1"/>
-          </p:cNvPicPr>
-          <p:nvPr>
-            <p:ph sz="half" idx="14"/>
-          </p:nvPr>
-        </p:nvPicPr>
-        <p:blipFill rotWithShape="1">
-          <a:blip r:embed="rId2"/>
-          <a:srcRect l="149" r="19842"/>
-          <a:stretch/>
-        </p:blipFill>
-        <p:spPr>
-          <a:xfrm>
-            <a:off x="614135" y="627457"/>
-            <a:ext cx="4589130" cy="5603086"/>
-          </a:xfrm>
-          <a:noFill/>
-        </p:spPr>
-      </p:pic>
-    </p:spTree>
-    <p:extLst>
-      <p:ext uri="{BB962C8B-B14F-4D97-AF65-F5344CB8AC3E}">
-        <p14:creationId xmlns:p14="http://schemas.microsoft.com/office/powerpoint/2010/main" val="320929568"/>
-      </p:ext>
-    </p:extLst>
-  </p:cSld>
-  <p:clrMapOvr>
-    <a:masterClrMapping/>
-  </p:clrMapOvr>
-</p:sld>
-</file>
-
-<file path=ppt/slides/slide9.xml><?xml version="1.0" encoding="utf-8"?>
-<p:sld xmlns:a="http://schemas.openxmlformats.org/drawingml/2006/main" xmlns:r="http://schemas.openxmlformats.org/officeDocument/2006/relationships" xmlns:p="http://schemas.openxmlformats.org/presentationml/2006/main">
-  <p:cSld>
-    <p:bg>
-      <p:bgPr>
-        <a:solidFill>
-          <a:srgbClr val="EDEFF7"/>
-        </a:solidFill>
-        <a:effectLst/>
-      </p:bgPr>
-    </p:bg>
-    <p:spTree>
-      <p:nvGrpSpPr>
-        <p:cNvPr id="1" name=""/>
-        <p:cNvGrpSpPr/>
-        <p:nvPr/>
-      </p:nvGrpSpPr>
-      <p:grpSpPr>
-        <a:xfrm>
-          <a:off x="0" y="0"/>
-          <a:ext cx="0" cy="0"/>
-          <a:chOff x="0" y="0"/>
-          <a:chExt cx="0" cy="0"/>
-        </a:xfrm>
-      </p:grpSpPr>
-      <p:sp>
-        <p:nvSpPr>
-          <p:cNvPr id="19" name="Title 18">
-            <a:extLst>
-              <a:ext uri="{FF2B5EF4-FFF2-40B4-BE49-F238E27FC236}">
-                <a16:creationId xmlns:a16="http://schemas.microsoft.com/office/drawing/2014/main" id="{55BA9AC8-EA60-644D-9DDA-B76203EA1E87}"/>
+                <a16:creationId xmlns:a16="http://schemas.microsoft.com/office/drawing/2014/main" id="{BD66A848-8DB9-470C-BA47-4507661242DC}"/>
               </a:ext>
             </a:extLst>
           </p:cNvPr>
@@ -13503,94 +14119,63 @@
           <a:lstStyle/>
           <a:p>
             <a:r>
-              <a:rPr lang="en-US" cap="none" dirty="0">
-                <a:solidFill>
-                  <a:schemeClr val="tx1"/>
-                </a:solidFill>
-              </a:rPr>
-              <a:t>Known Issues</a:t>
+              <a:rPr lang="en-US" dirty="0"/>
+              <a:t>TRUCK FLEET ROUTING</a:t>
             </a:r>
           </a:p>
         </p:txBody>
       </p:sp>
-      <p:sp>
-        <p:nvSpPr>
-          <p:cNvPr id="17" name="Content Placeholder 16">
+      <p:pic>
+        <p:nvPicPr>
+          <p:cNvPr id="3074" name="Picture 2" descr="Routing Icon #244953 - Free Icons Library">
             <a:extLst>
               <a:ext uri="{FF2B5EF4-FFF2-40B4-BE49-F238E27FC236}">
-                <a16:creationId xmlns:a16="http://schemas.microsoft.com/office/drawing/2014/main" id="{8E7591AD-81F4-2E45-AE36-F4DA40C19031}"/>
+                <a16:creationId xmlns:a16="http://schemas.microsoft.com/office/drawing/2014/main" id="{E5C828B6-CAA0-468E-BDC0-DDF7DA9883C8}"/>
               </a:ext>
             </a:extLst>
           </p:cNvPr>
-          <p:cNvSpPr>
-            <a:spLocks noGrp="1"/>
-          </p:cNvSpPr>
-          <p:nvPr>
-            <p:ph sz="half" idx="2"/>
-          </p:nvPr>
-        </p:nvSpPr>
-        <p:spPr/>
-        <p:txBody>
-          <a:bodyPr/>
-          <a:lstStyle/>
-          <a:p>
-            <a:r>
-              <a:rPr lang="en-US" dirty="0"/>
-              <a:t>Major</a:t>
-            </a:r>
-          </a:p>
-          <a:p>
-            <a:pPr lvl="1">
-              <a:buFont typeface="Arial" panose="020B0604020202020204" pitchFamily="34" charset="0"/>
-              <a:buChar char="•"/>
-            </a:pPr>
-            <a:r>
-              <a:rPr lang="en-US" dirty="0"/>
-              <a:t>Dummy Sensors bug (Launching creates 2 SensorGateways can only communicate with one)</a:t>
-            </a:r>
-          </a:p>
-          <a:p>
-            <a:r>
-              <a:rPr lang="en-US" dirty="0"/>
-              <a:t>Minor</a:t>
-            </a:r>
-          </a:p>
-          <a:p>
-            <a:pPr lvl="1">
-              <a:buFont typeface="Arial" panose="020B0604020202020204" pitchFamily="34" charset="0"/>
-              <a:buChar char="•"/>
-            </a:pPr>
-            <a:r>
-              <a:rPr lang="en-US" dirty="0"/>
-              <a:t>Buttons on home page do not work, need to press “CleanerCity App” on the nav-bar</a:t>
-            </a:r>
-          </a:p>
-          <a:p>
-            <a:pPr lvl="1">
-              <a:buFont typeface="Arial" panose="020B0604020202020204" pitchFamily="34" charset="0"/>
-              <a:buChar char="•"/>
-            </a:pPr>
-            <a:r>
-              <a:rPr lang="en-US" dirty="0"/>
-              <a:t>Fill level on bin history graph doesn’t display x-axis time</a:t>
-            </a:r>
-          </a:p>
-          <a:p>
-            <a:pPr lvl="1">
-              <a:buFont typeface="Arial" panose="020B0604020202020204" pitchFamily="34" charset="0"/>
-              <a:buChar char="•"/>
-            </a:pPr>
-            <a:r>
-              <a:rPr lang="en-US" dirty="0"/>
-              <a:t>Some visuals don’t auto refresh</a:t>
-            </a:r>
-          </a:p>
-        </p:txBody>
-      </p:sp>
+          <p:cNvPicPr>
+            <a:picLocks noChangeAspect="1" noChangeArrowheads="1"/>
+          </p:cNvPicPr>
+          <p:nvPr/>
+        </p:nvPicPr>
+        <p:blipFill>
+          <a:blip r:embed="rId2">
+            <a:extLst>
+              <a:ext uri="{28A0092B-C50C-407E-A947-70E740481C1C}">
+                <a14:useLocalDpi xmlns:a14="http://schemas.microsoft.com/office/drawing/2010/main" val="0"/>
+              </a:ext>
+            </a:extLst>
+          </a:blip>
+          <a:srcRect/>
+          <a:stretch>
+            <a:fillRect/>
+          </a:stretch>
+        </p:blipFill>
+        <p:spPr bwMode="auto">
+          <a:xfrm>
+            <a:off x="9095874" y="656160"/>
+            <a:ext cx="1748589" cy="1748589"/>
+          </a:xfrm>
+          <a:prstGeom prst="rect">
+            <a:avLst/>
+          </a:prstGeom>
+          <a:noFill/>
+          <a:extLst>
+            <a:ext uri="{909E8E84-426E-40DD-AFC4-6F175D3DCCD1}">
+              <a14:hiddenFill xmlns:a14="http://schemas.microsoft.com/office/drawing/2010/main">
+                <a:solidFill>
+                  <a:srgbClr val="FFFFFF"/>
+                </a:solidFill>
+              </a14:hiddenFill>
+            </a:ext>
+          </a:extLst>
+        </p:spPr>
+      </p:pic>
     </p:spTree>
     <p:extLst>
       <p:ext uri="{BB962C8B-B14F-4D97-AF65-F5344CB8AC3E}">
-        <p14:creationId xmlns:p14="http://schemas.microsoft.com/office/powerpoint/2010/main" val="2480497852"/>
+        <p14:creationId xmlns:p14="http://schemas.microsoft.com/office/powerpoint/2010/main" val="1125998551"/>
       </p:ext>
     </p:extLst>
   </p:cSld>
@@ -13884,6 +14469,15 @@
 </file>
 
 <file path=customXml/item1.xml><?xml version="1.0" encoding="utf-8"?>
+<p:properties xmlns:p="http://schemas.microsoft.com/office/2006/metadata/properties" xmlns:xsi="http://www.w3.org/2001/XMLSchema-instance" xmlns:pc="http://schemas.microsoft.com/office/infopath/2007/PartnerControls">
+  <documentManagement>
+    <Status xmlns="71af3243-3dd4-4a8d-8c0d-dd76da1f02a5">Not started</Status>
+    <MediaServiceKeyPoints xmlns="71af3243-3dd4-4a8d-8c0d-dd76da1f02a5" xsi:nil="true"/>
+  </documentManagement>
+</p:properties>
+</file>
+
+<file path=customXml/item2.xml><?xml version="1.0" encoding="utf-8"?>
 <ct:contentTypeSchema xmlns:ct="http://schemas.microsoft.com/office/2006/metadata/contentType" xmlns:ma="http://schemas.microsoft.com/office/2006/metadata/properties/metaAttributes" ct:_="" ma:_="" ma:contentTypeName="Document" ma:contentTypeID="0x01010079F111ED35F8CC479449609E8A0923A6" ma:contentTypeVersion="12" ma:contentTypeDescription="Create a new document." ma:contentTypeScope="" ma:versionID="fa6e671f1cd7e4d96ff9652be322dd5e">
   <xsd:schema xmlns:xsd="http://www.w3.org/2001/XMLSchema" xmlns:xs="http://www.w3.org/2001/XMLSchema" xmlns:p="http://schemas.microsoft.com/office/2006/metadata/properties" xmlns:ns2="71af3243-3dd4-4a8d-8c0d-dd76da1f02a5" xmlns:ns3="16c05727-aa75-4e4a-9b5f-8a80a1165891" targetNamespace="http://schemas.microsoft.com/office/2006/metadata/properties" ma:root="true" ma:fieldsID="4e2496f70b101db0b8013f30a071bbf7" ns2:_="" ns3:_="">
     <xsd:import namespace="71af3243-3dd4-4a8d-8c0d-dd76da1f02a5"/>
@@ -14104,15 +14698,6 @@
 </ct:contentTypeSchema>
 </file>
 
-<file path=customXml/item2.xml><?xml version="1.0" encoding="utf-8"?>
-<p:properties xmlns:p="http://schemas.microsoft.com/office/2006/metadata/properties" xmlns:xsi="http://www.w3.org/2001/XMLSchema-instance" xmlns:pc="http://schemas.microsoft.com/office/infopath/2007/PartnerControls">
-  <documentManagement>
-    <Status xmlns="71af3243-3dd4-4a8d-8c0d-dd76da1f02a5">Not started</Status>
-    <MediaServiceKeyPoints xmlns="71af3243-3dd4-4a8d-8c0d-dd76da1f02a5" xsi:nil="true"/>
-  </documentManagement>
-</p:properties>
-</file>
-
 <file path=customXml/item3.xml><?xml version="1.0" encoding="utf-8"?>
 <?mso-contentType ?>
 <FormTemplates xmlns="http://schemas.microsoft.com/sharepoint/v3/contenttype/forms">
@@ -14123,6 +14708,16 @@
 </file>
 
 <file path=customXml/itemProps1.xml><?xml version="1.0" encoding="utf-8"?>
+<ds:datastoreItem xmlns:ds="http://schemas.openxmlformats.org/officeDocument/2006/customXml" ds:itemID="{44FAF7B5-E40C-46BE-9C83-DA251FCAE61E}">
+  <ds:schemaRefs>
+    <ds:schemaRef ds:uri="http://schemas.microsoft.com/office/2006/metadata/properties"/>
+    <ds:schemaRef ds:uri="http://schemas.microsoft.com/office/infopath/2007/PartnerControls"/>
+    <ds:schemaRef ds:uri="71af3243-3dd4-4a8d-8c0d-dd76da1f02a5"/>
+  </ds:schemaRefs>
+</ds:datastoreItem>
+</file>
+
+<file path=customXml/itemProps2.xml><?xml version="1.0" encoding="utf-8"?>
 <ds:datastoreItem xmlns:ds="http://schemas.openxmlformats.org/officeDocument/2006/customXml" ds:itemID="{E0A43D08-F4F9-4D95-9CB2-7DE374416074}">
   <ds:schemaRefs>
     <ds:schemaRef ds:uri="http://schemas.microsoft.com/office/2006/metadata/contentType"/>
@@ -14141,16 +14736,6 @@
 </ds:datastoreItem>
 </file>
 
-<file path=customXml/itemProps2.xml><?xml version="1.0" encoding="utf-8"?>
-<ds:datastoreItem xmlns:ds="http://schemas.openxmlformats.org/officeDocument/2006/customXml" ds:itemID="{44FAF7B5-E40C-46BE-9C83-DA251FCAE61E}">
-  <ds:schemaRefs>
-    <ds:schemaRef ds:uri="http://schemas.microsoft.com/office/2006/metadata/properties"/>
-    <ds:schemaRef ds:uri="http://schemas.microsoft.com/office/infopath/2007/PartnerControls"/>
-    <ds:schemaRef ds:uri="71af3243-3dd4-4a8d-8c0d-dd76da1f02a5"/>
-  </ds:schemaRefs>
-</ds:datastoreItem>
-</file>
-
 <file path=customXml/itemProps3.xml><?xml version="1.0" encoding="utf-8"?>
 <ds:datastoreItem xmlns:ds="http://schemas.openxmlformats.org/officeDocument/2006/customXml" ds:itemID="{5029FA76-0C86-4BF1-99F1-A3115FBFFAB0}">
   <ds:schemaRefs>

--- a/Powerpoints/Final Presentation/Waste-management-Frank.pptx
+++ b/Powerpoints/Final Presentation/Waste-management-Frank.pptx
@@ -13545,7 +13545,7 @@
               <a:buChar char="•"/>
             </a:pPr>
             <a:r>
-              <a:rPr lang="en-US" dirty="0"/>
+              <a:rPr lang="en-US" strike="sngStrike" dirty="0"/>
               <a:t>Dummy Sensors bug (Launching creates 2 SensorGateways can only communicate with one)</a:t>
             </a:r>
           </a:p>
@@ -13884,6 +13884,24 @@
 </file>
 
 <file path=customXml/item1.xml><?xml version="1.0" encoding="utf-8"?>
+<?mso-contentType ?>
+<FormTemplates xmlns="http://schemas.microsoft.com/sharepoint/v3/contenttype/forms">
+  <Display>DocumentLibraryForm</Display>
+  <Edit>DocumentLibraryForm</Edit>
+  <New>DocumentLibraryForm</New>
+</FormTemplates>
+</file>
+
+<file path=customXml/item2.xml><?xml version="1.0" encoding="utf-8"?>
+<p:properties xmlns:p="http://schemas.microsoft.com/office/2006/metadata/properties" xmlns:xsi="http://www.w3.org/2001/XMLSchema-instance" xmlns:pc="http://schemas.microsoft.com/office/infopath/2007/PartnerControls">
+  <documentManagement>
+    <Status xmlns="71af3243-3dd4-4a8d-8c0d-dd76da1f02a5">Not started</Status>
+    <MediaServiceKeyPoints xmlns="71af3243-3dd4-4a8d-8c0d-dd76da1f02a5" xsi:nil="true"/>
+  </documentManagement>
+</p:properties>
+</file>
+
+<file path=customXml/item3.xml><?xml version="1.0" encoding="utf-8"?>
 <ct:contentTypeSchema xmlns:ct="http://schemas.microsoft.com/office/2006/metadata/contentType" xmlns:ma="http://schemas.microsoft.com/office/2006/metadata/properties/metaAttributes" ct:_="" ma:_="" ma:contentTypeName="Document" ma:contentTypeID="0x01010079F111ED35F8CC479449609E8A0923A6" ma:contentTypeVersion="12" ma:contentTypeDescription="Create a new document." ma:contentTypeScope="" ma:versionID="fa6e671f1cd7e4d96ff9652be322dd5e">
   <xsd:schema xmlns:xsd="http://www.w3.org/2001/XMLSchema" xmlns:xs="http://www.w3.org/2001/XMLSchema" xmlns:p="http://schemas.microsoft.com/office/2006/metadata/properties" xmlns:ns2="71af3243-3dd4-4a8d-8c0d-dd76da1f02a5" xmlns:ns3="16c05727-aa75-4e4a-9b5f-8a80a1165891" targetNamespace="http://schemas.microsoft.com/office/2006/metadata/properties" ma:root="true" ma:fieldsID="4e2496f70b101db0b8013f30a071bbf7" ns2:_="" ns3:_="">
     <xsd:import namespace="71af3243-3dd4-4a8d-8c0d-dd76da1f02a5"/>
@@ -14104,25 +14122,25 @@
 </ct:contentTypeSchema>
 </file>
 
-<file path=customXml/item2.xml><?xml version="1.0" encoding="utf-8"?>
-<p:properties xmlns:p="http://schemas.microsoft.com/office/2006/metadata/properties" xmlns:xsi="http://www.w3.org/2001/XMLSchema-instance" xmlns:pc="http://schemas.microsoft.com/office/infopath/2007/PartnerControls">
-  <documentManagement>
-    <Status xmlns="71af3243-3dd4-4a8d-8c0d-dd76da1f02a5">Not started</Status>
-    <MediaServiceKeyPoints xmlns="71af3243-3dd4-4a8d-8c0d-dd76da1f02a5" xsi:nil="true"/>
-  </documentManagement>
-</p:properties>
+<file path=customXml/itemProps1.xml><?xml version="1.0" encoding="utf-8"?>
+<ds:datastoreItem xmlns:ds="http://schemas.openxmlformats.org/officeDocument/2006/customXml" ds:itemID="{5029FA76-0C86-4BF1-99F1-A3115FBFFAB0}">
+  <ds:schemaRefs>
+    <ds:schemaRef ds:uri="http://schemas.microsoft.com/sharepoint/v3/contenttype/forms"/>
+  </ds:schemaRefs>
+</ds:datastoreItem>
 </file>
 
-<file path=customXml/item3.xml><?xml version="1.0" encoding="utf-8"?>
-<?mso-contentType ?>
-<FormTemplates xmlns="http://schemas.microsoft.com/sharepoint/v3/contenttype/forms">
-  <Display>DocumentLibraryForm</Display>
-  <Edit>DocumentLibraryForm</Edit>
-  <New>DocumentLibraryForm</New>
-</FormTemplates>
+<file path=customXml/itemProps2.xml><?xml version="1.0" encoding="utf-8"?>
+<ds:datastoreItem xmlns:ds="http://schemas.openxmlformats.org/officeDocument/2006/customXml" ds:itemID="{44FAF7B5-E40C-46BE-9C83-DA251FCAE61E}">
+  <ds:schemaRefs>
+    <ds:schemaRef ds:uri="http://schemas.microsoft.com/office/2006/metadata/properties"/>
+    <ds:schemaRef ds:uri="http://schemas.microsoft.com/office/infopath/2007/PartnerControls"/>
+    <ds:schemaRef ds:uri="71af3243-3dd4-4a8d-8c0d-dd76da1f02a5"/>
+  </ds:schemaRefs>
+</ds:datastoreItem>
 </file>
 
-<file path=customXml/itemProps1.xml><?xml version="1.0" encoding="utf-8"?>
+<file path=customXml/itemProps3.xml><?xml version="1.0" encoding="utf-8"?>
 <ds:datastoreItem xmlns:ds="http://schemas.openxmlformats.org/officeDocument/2006/customXml" ds:itemID="{E0A43D08-F4F9-4D95-9CB2-7DE374416074}">
   <ds:schemaRefs>
     <ds:schemaRef ds:uri="http://schemas.microsoft.com/office/2006/metadata/contentType"/>
@@ -14139,22 +14157,4 @@
     <ds:schemaRef ds:uri="http://schemas.microsoft.com/internal/obd"/>
   </ds:schemaRefs>
 </ds:datastoreItem>
-</file>
-
-<file path=customXml/itemProps2.xml><?xml version="1.0" encoding="utf-8"?>
-<ds:datastoreItem xmlns:ds="http://schemas.openxmlformats.org/officeDocument/2006/customXml" ds:itemID="{44FAF7B5-E40C-46BE-9C83-DA251FCAE61E}">
-  <ds:schemaRefs>
-    <ds:schemaRef ds:uri="http://schemas.microsoft.com/office/2006/metadata/properties"/>
-    <ds:schemaRef ds:uri="http://schemas.microsoft.com/office/infopath/2007/PartnerControls"/>
-    <ds:schemaRef ds:uri="71af3243-3dd4-4a8d-8c0d-dd76da1f02a5"/>
-  </ds:schemaRefs>
-</ds:datastoreItem>
-</file>
-
-<file path=customXml/itemProps3.xml><?xml version="1.0" encoding="utf-8"?>
-<ds:datastoreItem xmlns:ds="http://schemas.openxmlformats.org/officeDocument/2006/customXml" ds:itemID="{5029FA76-0C86-4BF1-99F1-A3115FBFFAB0}">
-  <ds:schemaRefs>
-    <ds:schemaRef ds:uri="http://schemas.microsoft.com/sharepoint/v3/contenttype/forms"/>
-  </ds:schemaRefs>
-</ds:datastoreItem>
 </file>